--- a/Aura UX.pptx
+++ b/Aura UX.pptx
@@ -7,10 +7,11 @@
   <p:sldIdLst>
     <p:sldId id="261" r:id="rId2"/>
     <p:sldId id="262" r:id="rId3"/>
-    <p:sldId id="256" r:id="rId4"/>
-    <p:sldId id="257" r:id="rId5"/>
-    <p:sldId id="260" r:id="rId6"/>
-    <p:sldId id="259" r:id="rId7"/>
+    <p:sldId id="263" r:id="rId4"/>
+    <p:sldId id="256" r:id="rId5"/>
+    <p:sldId id="257" r:id="rId6"/>
+    <p:sldId id="260" r:id="rId7"/>
+    <p:sldId id="259" r:id="rId8"/>
   </p:sldIdLst>
   <p:sldSz cx="12192000" cy="6858000"/>
   <p:notesSz cx="6858000" cy="9144000"/>
@@ -109,6 +110,11 @@
       </a:defRPr>
     </a:lvl9pPr>
   </p:defaultTextStyle>
+  <p:extLst>
+    <p:ext uri="{EFAFB233-063F-42B5-8137-9DF3F51BA10A}">
+      <p15:sldGuideLst xmlns:p15="http://schemas.microsoft.com/office/powerpoint/2012/main"/>
+    </p:ext>
+  </p:extLst>
 </p:presentation>
 </file>
 
@@ -243,7 +249,7 @@
           <a:p>
             <a:fld id="{7AFA149E-3CBA-498E-A8E1-26A062342D96}" type="datetimeFigureOut">
               <a:rPr lang="ko-KR" altLang="en-US" smtClean="0"/>
-              <a:t>2020-11-15</a:t>
+              <a:t>2020-11-24</a:t>
             </a:fld>
             <a:endParaRPr lang="ko-KR" altLang="en-US"/>
           </a:p>
@@ -413,7 +419,7 @@
           <a:p>
             <a:fld id="{7AFA149E-3CBA-498E-A8E1-26A062342D96}" type="datetimeFigureOut">
               <a:rPr lang="ko-KR" altLang="en-US" smtClean="0"/>
-              <a:t>2020-11-15</a:t>
+              <a:t>2020-11-24</a:t>
             </a:fld>
             <a:endParaRPr lang="ko-KR" altLang="en-US"/>
           </a:p>
@@ -593,7 +599,7 @@
           <a:p>
             <a:fld id="{7AFA149E-3CBA-498E-A8E1-26A062342D96}" type="datetimeFigureOut">
               <a:rPr lang="ko-KR" altLang="en-US" smtClean="0"/>
-              <a:t>2020-11-15</a:t>
+              <a:t>2020-11-24</a:t>
             </a:fld>
             <a:endParaRPr lang="ko-KR" altLang="en-US"/>
           </a:p>
@@ -763,7 +769,7 @@
           <a:p>
             <a:fld id="{7AFA149E-3CBA-498E-A8E1-26A062342D96}" type="datetimeFigureOut">
               <a:rPr lang="ko-KR" altLang="en-US" smtClean="0"/>
-              <a:t>2020-11-15</a:t>
+              <a:t>2020-11-24</a:t>
             </a:fld>
             <a:endParaRPr lang="ko-KR" altLang="en-US"/>
           </a:p>
@@ -1009,7 +1015,7 @@
           <a:p>
             <a:fld id="{7AFA149E-3CBA-498E-A8E1-26A062342D96}" type="datetimeFigureOut">
               <a:rPr lang="ko-KR" altLang="en-US" smtClean="0"/>
-              <a:t>2020-11-15</a:t>
+              <a:t>2020-11-24</a:t>
             </a:fld>
             <a:endParaRPr lang="ko-KR" altLang="en-US"/>
           </a:p>
@@ -1241,7 +1247,7 @@
           <a:p>
             <a:fld id="{7AFA149E-3CBA-498E-A8E1-26A062342D96}" type="datetimeFigureOut">
               <a:rPr lang="ko-KR" altLang="en-US" smtClean="0"/>
-              <a:t>2020-11-15</a:t>
+              <a:t>2020-11-24</a:t>
             </a:fld>
             <a:endParaRPr lang="ko-KR" altLang="en-US"/>
           </a:p>
@@ -1608,7 +1614,7 @@
           <a:p>
             <a:fld id="{7AFA149E-3CBA-498E-A8E1-26A062342D96}" type="datetimeFigureOut">
               <a:rPr lang="ko-KR" altLang="en-US" smtClean="0"/>
-              <a:t>2020-11-15</a:t>
+              <a:t>2020-11-24</a:t>
             </a:fld>
             <a:endParaRPr lang="ko-KR" altLang="en-US"/>
           </a:p>
@@ -1726,7 +1732,7 @@
           <a:p>
             <a:fld id="{7AFA149E-3CBA-498E-A8E1-26A062342D96}" type="datetimeFigureOut">
               <a:rPr lang="ko-KR" altLang="en-US" smtClean="0"/>
-              <a:t>2020-11-15</a:t>
+              <a:t>2020-11-24</a:t>
             </a:fld>
             <a:endParaRPr lang="ko-KR" altLang="en-US"/>
           </a:p>
@@ -1821,7 +1827,7 @@
           <a:p>
             <a:fld id="{7AFA149E-3CBA-498E-A8E1-26A062342D96}" type="datetimeFigureOut">
               <a:rPr lang="ko-KR" altLang="en-US" smtClean="0"/>
-              <a:t>2020-11-15</a:t>
+              <a:t>2020-11-24</a:t>
             </a:fld>
             <a:endParaRPr lang="ko-KR" altLang="en-US"/>
           </a:p>
@@ -2098,7 +2104,7 @@
           <a:p>
             <a:fld id="{7AFA149E-3CBA-498E-A8E1-26A062342D96}" type="datetimeFigureOut">
               <a:rPr lang="ko-KR" altLang="en-US" smtClean="0"/>
-              <a:t>2020-11-15</a:t>
+              <a:t>2020-11-24</a:t>
             </a:fld>
             <a:endParaRPr lang="ko-KR" altLang="en-US"/>
           </a:p>
@@ -2351,7 +2357,7 @@
           <a:p>
             <a:fld id="{7AFA149E-3CBA-498E-A8E1-26A062342D96}" type="datetimeFigureOut">
               <a:rPr lang="ko-KR" altLang="en-US" smtClean="0"/>
-              <a:t>2020-11-15</a:t>
+              <a:t>2020-11-24</a:t>
             </a:fld>
             <a:endParaRPr lang="ko-KR" altLang="en-US"/>
           </a:p>
@@ -2564,7 +2570,7 @@
           <a:p>
             <a:fld id="{7AFA149E-3CBA-498E-A8E1-26A062342D96}" type="datetimeFigureOut">
               <a:rPr lang="ko-KR" altLang="en-US" smtClean="0"/>
-              <a:t>2020-11-15</a:t>
+              <a:t>2020-11-24</a:t>
             </a:fld>
             <a:endParaRPr lang="ko-KR" altLang="en-US"/>
           </a:p>
@@ -3606,141 +3612,6 @@
       </p:grpSpPr>
       <p:sp>
         <p:nvSpPr>
-          <p:cNvPr id="4" name="TextBox 3"/>
-          <p:cNvSpPr txBox="1"/>
-          <p:nvPr/>
-        </p:nvSpPr>
-        <p:spPr>
-          <a:xfrm>
-            <a:off x="835674" y="2255557"/>
-            <a:ext cx="6433227" cy="1200329"/>
-          </a:xfrm>
-          <a:prstGeom prst="rect">
-            <a:avLst/>
-          </a:prstGeom>
-        </p:spPr>
-        <p:style>
-          <a:lnRef idx="2">
-            <a:schemeClr val="dk1"/>
-          </a:lnRef>
-          <a:fillRef idx="1">
-            <a:schemeClr val="lt1"/>
-          </a:fillRef>
-          <a:effectRef idx="0">
-            <a:schemeClr val="dk1"/>
-          </a:effectRef>
-          <a:fontRef idx="minor">
-            <a:schemeClr val="dk1"/>
-          </a:fontRef>
-        </p:style>
-        <p:txBody>
-          <a:bodyPr wrap="square" rtlCol="0">
-            <a:spAutoFit/>
-          </a:bodyPr>
-          <a:lstStyle/>
-          <a:p>
-            <a:r>
-              <a:rPr lang="ko-KR" altLang="en-US" dirty="0" smtClean="0"/>
-              <a:t>회원 </a:t>
-            </a:r>
-            <a:r>
-              <a:rPr lang="en-US" altLang="ko-KR" dirty="0" smtClean="0"/>
-              <a:t>: [ </a:t>
-            </a:r>
-            <a:r>
-              <a:rPr lang="ko-KR" altLang="en-US" dirty="0" smtClean="0"/>
-              <a:t>김동우</a:t>
-            </a:r>
-            <a:r>
-              <a:rPr lang="en-US" altLang="ko-KR" dirty="0" smtClean="0"/>
-              <a:t>(010-3333-1212)</a:t>
-            </a:r>
-            <a:r>
-              <a:rPr lang="en-US" altLang="ko-KR" dirty="0"/>
-              <a:t> </a:t>
-            </a:r>
-            <a:r>
-              <a:rPr lang="en-US" altLang="ko-KR" dirty="0" smtClean="0"/>
-              <a:t>] </a:t>
-            </a:r>
-            <a:r>
-              <a:rPr lang="ko-KR" altLang="en-US" dirty="0" err="1" smtClean="0"/>
-              <a:t>검색창</a:t>
-            </a:r>
-            <a:r>
-              <a:rPr lang="ko-KR" altLang="en-US" dirty="0" smtClean="0"/>
-              <a:t> </a:t>
-            </a:r>
-            <a:r>
-              <a:rPr lang="en-US" altLang="ko-KR" dirty="0" smtClean="0"/>
-              <a:t>: </a:t>
-            </a:r>
-            <a:r>
-              <a:rPr lang="ko-KR" altLang="en-US" dirty="0" smtClean="0"/>
-              <a:t>팝업</a:t>
-            </a:r>
-            <a:endParaRPr lang="en-US" altLang="ko-KR" dirty="0" smtClean="0"/>
-          </a:p>
-          <a:p>
-            <a:r>
-              <a:rPr lang="ko-KR" altLang="en-US" dirty="0" smtClean="0"/>
-              <a:t>잔액 </a:t>
-            </a:r>
-            <a:r>
-              <a:rPr lang="en-US" altLang="ko-KR" dirty="0" smtClean="0"/>
-              <a:t>: \ 100,500 [</a:t>
-            </a:r>
-            <a:r>
-              <a:rPr lang="ko-KR" altLang="en-US" dirty="0" smtClean="0"/>
-              <a:t>수정</a:t>
-            </a:r>
-            <a:r>
-              <a:rPr lang="en-US" altLang="ko-KR" dirty="0" smtClean="0"/>
-              <a:t>/</a:t>
-            </a:r>
-            <a:r>
-              <a:rPr lang="ko-KR" altLang="en-US" dirty="0" err="1" smtClean="0"/>
-              <a:t>저장버튼</a:t>
-            </a:r>
-            <a:r>
-              <a:rPr lang="ko-KR" altLang="en-US" dirty="0" smtClean="0"/>
-              <a:t> </a:t>
-            </a:r>
-            <a:r>
-              <a:rPr lang="en-US" altLang="ko-KR" dirty="0" smtClean="0"/>
-              <a:t>toggle]</a:t>
-            </a:r>
-          </a:p>
-          <a:p>
-            <a:r>
-              <a:rPr lang="en-US" altLang="ko-KR" dirty="0" smtClean="0"/>
-              <a:t>Comment : </a:t>
-            </a:r>
-            <a:r>
-              <a:rPr lang="ko-KR" altLang="en-US" dirty="0" smtClean="0"/>
-              <a:t>특이사항</a:t>
-            </a:r>
-            <a:endParaRPr lang="en-US" altLang="ko-KR" dirty="0"/>
-          </a:p>
-          <a:p>
-            <a:r>
-              <a:rPr lang="ko-KR" altLang="en-US" dirty="0" smtClean="0"/>
-              <a:t>취소</a:t>
-            </a:r>
-            <a:r>
-              <a:rPr lang="en-US" altLang="ko-KR" dirty="0" smtClean="0"/>
-              <a:t>	</a:t>
-            </a:r>
-            <a:r>
-              <a:rPr lang="ko-KR" altLang="en-US" dirty="0" smtClean="0"/>
-              <a:t>저장</a:t>
-            </a:r>
-            <a:endParaRPr lang="en-US" altLang="ko-KR" dirty="0"/>
-          </a:p>
-        </p:txBody>
-      </p:sp>
-      <p:sp>
-        <p:nvSpPr>
           <p:cNvPr id="11" name="TextBox 10"/>
           <p:cNvSpPr txBox="1"/>
           <p:nvPr/>
@@ -3763,11 +3634,11 @@
           <a:p>
             <a:r>
               <a:rPr lang="ko-KR" altLang="en-US" dirty="0" smtClean="0"/>
-              <a:t>일지 등록</a:t>
-            </a:r>
-            <a:r>
-              <a:rPr lang="en-US" altLang="ko-KR" dirty="0"/>
-              <a:t> </a:t>
+              <a:t>일지 </a:t>
+            </a:r>
+            <a:r>
+              <a:rPr lang="ko-KR" altLang="en-US" dirty="0" smtClean="0"/>
+              <a:t>등록 </a:t>
             </a:r>
             <a:r>
               <a:rPr lang="en-US" altLang="ko-KR" dirty="0" smtClean="0"/>
@@ -3813,14 +3684,14 @@
       </p:cxnSp>
       <p:sp>
         <p:nvSpPr>
-          <p:cNvPr id="2" name="TextBox 1"/>
+          <p:cNvPr id="8" name="TextBox 7"/>
           <p:cNvSpPr txBox="1"/>
           <p:nvPr/>
         </p:nvSpPr>
         <p:spPr>
           <a:xfrm>
-            <a:off x="7755037" y="3282294"/>
-            <a:ext cx="3183038" cy="1754326"/>
+            <a:off x="8708067" y="804144"/>
+            <a:ext cx="2461437" cy="2554545"/>
           </a:xfrm>
           <a:prstGeom prst="rect">
             <a:avLst/>
@@ -3847,80 +3718,218 @@
           <a:lstStyle/>
           <a:p>
             <a:r>
-              <a:rPr lang="en-US" altLang="ko-KR" dirty="0" smtClean="0"/>
-              <a:t>[	]</a:t>
-            </a:r>
-            <a:r>
-              <a:rPr lang="ko-KR" altLang="en-US" dirty="0" smtClean="0"/>
+              <a:rPr lang="en-US" altLang="ko-KR" sz="1000" dirty="0" smtClean="0"/>
+              <a:t>V</a:t>
+            </a:r>
+            <a:r>
+              <a:rPr lang="ko-KR" altLang="en-US" sz="1000" dirty="0" smtClean="0"/>
+              <a:t>회원</a:t>
+            </a:r>
+            <a:r>
+              <a:rPr lang="en-US" altLang="ko-KR" sz="1000" dirty="0"/>
+              <a:t> </a:t>
+            </a:r>
+            <a:r>
+              <a:rPr lang="en-US" altLang="ko-KR" sz="1000" dirty="0" smtClean="0"/>
+              <a:t>                |               </a:t>
+            </a:r>
+            <a:r>
+              <a:rPr lang="ko-KR" altLang="en-US" sz="1000" dirty="0" smtClean="0"/>
+              <a:t>비회원</a:t>
+            </a:r>
+            <a:endParaRPr lang="en-US" altLang="ko-KR" sz="1000" dirty="0" smtClean="0"/>
+          </a:p>
+          <a:p>
+            <a:r>
+              <a:rPr lang="en-US" altLang="ko-KR" sz="1000" dirty="0" smtClean="0"/>
+              <a:t>------------------------------------------</a:t>
+            </a:r>
+            <a:endParaRPr lang="en-US" altLang="ko-KR" sz="1000" dirty="0"/>
+          </a:p>
+          <a:p>
+            <a:r>
+              <a:rPr lang="en-US" altLang="ko-KR" sz="1000" dirty="0" smtClean="0"/>
+              <a:t>[</a:t>
+            </a:r>
+            <a:r>
+              <a:rPr lang="en-US" altLang="ko-KR" sz="1000" dirty="0"/>
+              <a:t>	]</a:t>
+            </a:r>
+            <a:r>
+              <a:rPr lang="ko-KR" altLang="en-US" sz="1000" dirty="0"/>
               <a:t>검색</a:t>
             </a:r>
-            <a:endParaRPr lang="en-US" altLang="ko-KR" dirty="0" smtClean="0"/>
-          </a:p>
-          <a:p>
-            <a:r>
-              <a:rPr lang="en-US" altLang="ko-KR" dirty="0" smtClean="0"/>
-              <a:t>--------------------------</a:t>
-            </a:r>
-          </a:p>
-          <a:p>
-            <a:r>
-              <a:rPr lang="en-US" altLang="ko-KR" dirty="0" smtClean="0"/>
+            <a:endParaRPr lang="en-US" altLang="ko-KR" sz="1000" dirty="0"/>
+          </a:p>
+          <a:p>
+            <a:r>
+              <a:rPr lang="en-US" altLang="ko-KR" sz="1000" dirty="0" smtClean="0"/>
+              <a:t>------------------------------------------</a:t>
+            </a:r>
+            <a:endParaRPr lang="en-US" altLang="ko-KR" sz="1000" dirty="0"/>
+          </a:p>
+          <a:p>
+            <a:r>
+              <a:rPr lang="en-US" altLang="ko-KR" sz="1000" dirty="0"/>
               <a:t>O </a:t>
             </a:r>
             <a:r>
-              <a:rPr lang="ko-KR" altLang="en-US" dirty="0" smtClean="0"/>
+              <a:rPr lang="ko-KR" altLang="en-US" sz="1000" dirty="0"/>
               <a:t>김동우 </a:t>
             </a:r>
             <a:r>
-              <a:rPr lang="en-US" altLang="ko-KR" dirty="0" smtClean="0"/>
+              <a:rPr lang="en-US" altLang="ko-KR" sz="1000" dirty="0"/>
               <a:t>(01088993885)</a:t>
             </a:r>
-            <a:endParaRPr lang="en-US" altLang="ko-KR" dirty="0"/>
-          </a:p>
-          <a:p>
-            <a:r>
-              <a:rPr lang="en-US" altLang="ko-KR" dirty="0" smtClean="0"/>
+          </a:p>
+          <a:p>
+            <a:r>
+              <a:rPr lang="en-US" altLang="ko-KR" sz="1000" dirty="0" smtClean="0"/>
+              <a:t>V </a:t>
+            </a:r>
+            <a:r>
+              <a:rPr lang="ko-KR" altLang="en-US" sz="1000" dirty="0"/>
+              <a:t>김동우 </a:t>
+            </a:r>
+            <a:r>
+              <a:rPr lang="en-US" altLang="ko-KR" sz="1000" dirty="0"/>
+              <a:t>(01088993885</a:t>
+            </a:r>
+            <a:r>
+              <a:rPr lang="en-US" altLang="ko-KR" sz="1000" dirty="0" smtClean="0"/>
+              <a:t>)</a:t>
+            </a:r>
+          </a:p>
+          <a:p>
+            <a:r>
+              <a:rPr lang="en-US" altLang="ko-KR" sz="1000" dirty="0" smtClean="0"/>
               <a:t>O </a:t>
             </a:r>
             <a:r>
-              <a:rPr lang="ko-KR" altLang="en-US" dirty="0" smtClean="0"/>
+              <a:rPr lang="ko-KR" altLang="en-US" sz="1000" dirty="0"/>
               <a:t>김동우 </a:t>
             </a:r>
             <a:r>
-              <a:rPr lang="en-US" altLang="ko-KR" dirty="0" smtClean="0"/>
+              <a:rPr lang="en-US" altLang="ko-KR" sz="1000" dirty="0"/>
+              <a:t>(</a:t>
+            </a:r>
+            <a:r>
+              <a:rPr lang="en-US" altLang="ko-KR" sz="1000" dirty="0" smtClean="0"/>
+              <a:t>01088993885)</a:t>
+            </a:r>
+          </a:p>
+          <a:p>
+            <a:r>
+              <a:rPr lang="en-US" altLang="ko-KR" sz="1000" dirty="0"/>
+              <a:t>O </a:t>
+            </a:r>
+            <a:r>
+              <a:rPr lang="ko-KR" altLang="en-US" sz="1000" dirty="0"/>
+              <a:t>김동우 </a:t>
+            </a:r>
+            <a:r>
+              <a:rPr lang="en-US" altLang="ko-KR" sz="1000" dirty="0"/>
               <a:t>(01088993885)</a:t>
             </a:r>
           </a:p>
           <a:p>
-            <a:endParaRPr lang="en-US" altLang="ko-KR" dirty="0" smtClean="0"/>
-          </a:p>
-          <a:p>
-            <a:r>
-              <a:rPr lang="ko-KR" altLang="en-US" dirty="0" smtClean="0"/>
-              <a:t>취소</a:t>
-            </a:r>
-            <a:r>
-              <a:rPr lang="en-US" altLang="ko-KR" dirty="0" smtClean="0"/>
-              <a:t>	</a:t>
-            </a:r>
-            <a:r>
-              <a:rPr lang="ko-KR" altLang="en-US" dirty="0" smtClean="0"/>
-              <a:t>확인</a:t>
-            </a:r>
-            <a:endParaRPr lang="en-US" altLang="ko-KR" dirty="0" smtClean="0"/>
-          </a:p>
-        </p:txBody>
-      </p:sp>
-      <p:sp>
-        <p:nvSpPr>
-          <p:cNvPr id="6" name="TextBox 5"/>
+            <a:r>
+              <a:rPr lang="en-US" altLang="ko-KR" sz="1000" dirty="0"/>
+              <a:t>O </a:t>
+            </a:r>
+            <a:r>
+              <a:rPr lang="ko-KR" altLang="en-US" sz="1000" dirty="0"/>
+              <a:t>김동우 </a:t>
+            </a:r>
+            <a:r>
+              <a:rPr lang="en-US" altLang="ko-KR" sz="1000" dirty="0"/>
+              <a:t>(01088993885</a:t>
+            </a:r>
+            <a:r>
+              <a:rPr lang="en-US" altLang="ko-KR" sz="1000" dirty="0" smtClean="0"/>
+              <a:t>)</a:t>
+            </a:r>
+          </a:p>
+          <a:p>
+            <a:r>
+              <a:rPr lang="en-US" altLang="ko-KR" sz="1000" dirty="0" smtClean="0"/>
+              <a:t>------------------------------------------</a:t>
+            </a:r>
+            <a:endParaRPr lang="en-US" altLang="ko-KR" sz="1000" dirty="0"/>
+          </a:p>
+          <a:p>
+            <a:r>
+              <a:rPr lang="ko-KR" altLang="en-US" sz="1000" dirty="0"/>
+              <a:t>상품가격</a:t>
+            </a:r>
+            <a:r>
+              <a:rPr lang="ko-KR" altLang="en-US" sz="1000" dirty="0" smtClean="0"/>
+              <a:t> </a:t>
+            </a:r>
+            <a:r>
+              <a:rPr lang="en-US" altLang="ko-KR" sz="1000" dirty="0" smtClean="0"/>
+              <a:t>: \55,000</a:t>
+            </a:r>
+          </a:p>
+          <a:p>
+            <a:r>
+              <a:rPr lang="ko-KR" altLang="en-US" sz="1000" dirty="0" smtClean="0"/>
+              <a:t>할인 </a:t>
+            </a:r>
+            <a:r>
+              <a:rPr lang="en-US" altLang="ko-KR" sz="1000" dirty="0" smtClean="0"/>
+              <a:t>: - \15,000</a:t>
+            </a:r>
+          </a:p>
+          <a:p>
+            <a:endParaRPr lang="en-US" altLang="ko-KR" sz="1000" dirty="0" smtClean="0"/>
+          </a:p>
+          <a:p>
+            <a:r>
+              <a:rPr lang="ko-KR" altLang="en-US" sz="1000" dirty="0" smtClean="0"/>
+              <a:t>총액 </a:t>
+            </a:r>
+            <a:r>
+              <a:rPr lang="en-US" altLang="ko-KR" sz="1000" dirty="0" smtClean="0"/>
+              <a:t>: \40,000</a:t>
+            </a:r>
+          </a:p>
+          <a:p>
+            <a:r>
+              <a:rPr lang="ko-KR" altLang="en-US" sz="1000" dirty="0" smtClean="0"/>
+              <a:t>포인트 사용 </a:t>
+            </a:r>
+            <a:r>
+              <a:rPr lang="en-US" altLang="ko-KR" sz="1000" dirty="0" smtClean="0"/>
+              <a:t>: \10,000 / \100,500</a:t>
+            </a:r>
+          </a:p>
+          <a:p>
+            <a:r>
+              <a:rPr lang="ko-KR" altLang="en-US" sz="1000" dirty="0" err="1" smtClean="0"/>
+              <a:t>총결제금액</a:t>
+            </a:r>
+            <a:r>
+              <a:rPr lang="ko-KR" altLang="en-US" sz="1000" dirty="0" smtClean="0"/>
+              <a:t> </a:t>
+            </a:r>
+            <a:r>
+              <a:rPr lang="en-US" altLang="ko-KR" sz="1000" dirty="0" smtClean="0"/>
+              <a:t>: \30,000</a:t>
+            </a:r>
+          </a:p>
+        </p:txBody>
+      </p:sp>
+      <p:sp>
+        <p:nvSpPr>
+          <p:cNvPr id="12" name="TextBox 11"/>
           <p:cNvSpPr txBox="1"/>
           <p:nvPr/>
         </p:nvSpPr>
         <p:spPr>
           <a:xfrm>
-            <a:off x="7755037" y="1208941"/>
-            <a:ext cx="3183038" cy="1477328"/>
+            <a:off x="3161415" y="804145"/>
+            <a:ext cx="2461437" cy="2616101"/>
           </a:xfrm>
           <a:prstGeom prst="rect">
             <a:avLst/>
@@ -3947,58 +3956,1279 @@
           <a:lstStyle/>
           <a:p>
             <a:r>
-              <a:rPr lang="ko-KR" altLang="en-US" dirty="0" err="1" smtClean="0"/>
-              <a:t>더블클릭시</a:t>
-            </a:r>
-            <a:endParaRPr lang="en-US" altLang="ko-KR" dirty="0" smtClean="0"/>
-          </a:p>
-          <a:p>
-            <a:r>
-              <a:rPr lang="ko-KR" altLang="en-US" dirty="0" smtClean="0"/>
-              <a:t>회원 등록</a:t>
-            </a:r>
-            <a:r>
-              <a:rPr lang="en-US" altLang="ko-KR" dirty="0" smtClean="0"/>
-              <a:t>/ </a:t>
-            </a:r>
-            <a:r>
-              <a:rPr lang="ko-KR" altLang="en-US" dirty="0" err="1" smtClean="0"/>
-              <a:t>업데이트창</a:t>
-            </a:r>
-            <a:endParaRPr lang="en-US" altLang="ko-KR" dirty="0"/>
-          </a:p>
-          <a:p>
-            <a:r>
-              <a:rPr lang="en-US" altLang="ko-KR" dirty="0" err="1" smtClean="0"/>
-              <a:t>ReadOnly</a:t>
-            </a:r>
-            <a:endParaRPr lang="en-US" altLang="ko-KR" dirty="0" smtClean="0"/>
-          </a:p>
-          <a:p>
-            <a:r>
-              <a:rPr lang="ko-KR" altLang="en-US" dirty="0" smtClean="0"/>
+              <a:rPr lang="en-US" altLang="ko-KR" sz="1000" dirty="0" smtClean="0"/>
+              <a:t>V</a:t>
+            </a:r>
+            <a:r>
+              <a:rPr lang="ko-KR" altLang="en-US" sz="1000" dirty="0" smtClean="0"/>
+              <a:t>회원</a:t>
+            </a:r>
+            <a:r>
+              <a:rPr lang="en-US" altLang="ko-KR" sz="1000" dirty="0"/>
               <a:t> </a:t>
             </a:r>
-            <a:endParaRPr lang="en-US" altLang="ko-KR" dirty="0" smtClean="0"/>
-          </a:p>
-          <a:p>
-            <a:endParaRPr lang="en-US" altLang="ko-KR" dirty="0" smtClean="0"/>
+            <a:r>
+              <a:rPr lang="en-US" altLang="ko-KR" sz="1000" dirty="0" smtClean="0"/>
+              <a:t>                |               </a:t>
+            </a:r>
+            <a:r>
+              <a:rPr lang="ko-KR" altLang="en-US" sz="1000" dirty="0" smtClean="0"/>
+              <a:t>비회원</a:t>
+            </a:r>
+            <a:endParaRPr lang="en-US" altLang="ko-KR" sz="1000" dirty="0" smtClean="0"/>
+          </a:p>
+          <a:p>
+            <a:r>
+              <a:rPr lang="en-US" altLang="ko-KR" sz="1000" dirty="0" smtClean="0"/>
+              <a:t>------------------------------------------</a:t>
+            </a:r>
+            <a:endParaRPr lang="en-US" altLang="ko-KR" sz="1000" dirty="0"/>
+          </a:p>
+          <a:p>
+            <a:r>
+              <a:rPr lang="en-US" altLang="ko-KR" sz="1000" dirty="0" smtClean="0"/>
+              <a:t>[</a:t>
+            </a:r>
+            <a:r>
+              <a:rPr lang="en-US" altLang="ko-KR" sz="1000" dirty="0"/>
+              <a:t>	]</a:t>
+            </a:r>
+            <a:r>
+              <a:rPr lang="ko-KR" altLang="en-US" sz="1000" dirty="0"/>
+              <a:t>검색</a:t>
+            </a:r>
+            <a:endParaRPr lang="en-US" altLang="ko-KR" sz="1000" dirty="0"/>
+          </a:p>
+          <a:p>
+            <a:r>
+              <a:rPr lang="en-US" altLang="ko-KR" sz="1000" dirty="0" smtClean="0"/>
+              <a:t>------------------------------------------</a:t>
+            </a:r>
+            <a:endParaRPr lang="en-US" altLang="ko-KR" sz="1000" dirty="0"/>
+          </a:p>
+          <a:p>
+            <a:r>
+              <a:rPr lang="en-US" altLang="ko-KR" sz="1000" dirty="0"/>
+              <a:t>O </a:t>
+            </a:r>
+            <a:r>
+              <a:rPr lang="ko-KR" altLang="en-US" sz="1000" dirty="0"/>
+              <a:t>김동우 </a:t>
+            </a:r>
+            <a:r>
+              <a:rPr lang="en-US" altLang="ko-KR" sz="1000" dirty="0"/>
+              <a:t>(01088993885)</a:t>
+            </a:r>
+          </a:p>
+          <a:p>
+            <a:r>
+              <a:rPr lang="en-US" altLang="ko-KR" sz="1000" dirty="0" smtClean="0"/>
+              <a:t>V </a:t>
+            </a:r>
+            <a:r>
+              <a:rPr lang="ko-KR" altLang="en-US" sz="1000" dirty="0"/>
+              <a:t>김동우 </a:t>
+            </a:r>
+            <a:r>
+              <a:rPr lang="en-US" altLang="ko-KR" sz="1000" dirty="0"/>
+              <a:t>(01088993885</a:t>
+            </a:r>
+            <a:r>
+              <a:rPr lang="en-US" altLang="ko-KR" sz="1000" dirty="0" smtClean="0"/>
+              <a:t>)</a:t>
+            </a:r>
+          </a:p>
+          <a:p>
+            <a:r>
+              <a:rPr lang="en-US" altLang="ko-KR" sz="1000" dirty="0" smtClean="0"/>
+              <a:t>O </a:t>
+            </a:r>
+            <a:r>
+              <a:rPr lang="ko-KR" altLang="en-US" sz="1000" dirty="0"/>
+              <a:t>김동우 </a:t>
+            </a:r>
+            <a:r>
+              <a:rPr lang="en-US" altLang="ko-KR" sz="1000" dirty="0"/>
+              <a:t>(</a:t>
+            </a:r>
+            <a:r>
+              <a:rPr lang="en-US" altLang="ko-KR" sz="1000" dirty="0" smtClean="0"/>
+              <a:t>01088993885)</a:t>
+            </a:r>
+          </a:p>
+          <a:p>
+            <a:r>
+              <a:rPr lang="en-US" altLang="ko-KR" sz="1000" dirty="0"/>
+              <a:t>O </a:t>
+            </a:r>
+            <a:r>
+              <a:rPr lang="ko-KR" altLang="en-US" sz="1000" dirty="0"/>
+              <a:t>김동우 </a:t>
+            </a:r>
+            <a:r>
+              <a:rPr lang="en-US" altLang="ko-KR" sz="1000" dirty="0"/>
+              <a:t>(01088993885)</a:t>
+            </a:r>
+          </a:p>
+          <a:p>
+            <a:r>
+              <a:rPr lang="en-US" altLang="ko-KR" sz="1000" dirty="0"/>
+              <a:t>O </a:t>
+            </a:r>
+            <a:r>
+              <a:rPr lang="ko-KR" altLang="en-US" sz="1000" dirty="0"/>
+              <a:t>김동우 </a:t>
+            </a:r>
+            <a:r>
+              <a:rPr lang="en-US" altLang="ko-KR" sz="1000" dirty="0"/>
+              <a:t>(01088993885</a:t>
+            </a:r>
+            <a:r>
+              <a:rPr lang="en-US" altLang="ko-KR" sz="1000" dirty="0" smtClean="0"/>
+              <a:t>)</a:t>
+            </a:r>
+          </a:p>
+          <a:p>
+            <a:r>
+              <a:rPr lang="en-US" altLang="ko-KR" sz="1000" dirty="0" smtClean="0"/>
+              <a:t>------------------------------------------</a:t>
+            </a:r>
+            <a:endParaRPr lang="en-US" altLang="ko-KR" sz="1000" dirty="0"/>
+          </a:p>
+          <a:p>
+            <a:r>
+              <a:rPr lang="ko-KR" altLang="en-US" sz="1000" dirty="0" smtClean="0"/>
+              <a:t>상품가격 </a:t>
+            </a:r>
+            <a:r>
+              <a:rPr lang="en-US" altLang="ko-KR" sz="1000" dirty="0" smtClean="0"/>
+              <a:t>: \55,000</a:t>
+            </a:r>
+          </a:p>
+          <a:p>
+            <a:r>
+              <a:rPr lang="ko-KR" altLang="en-US" sz="1000" dirty="0" smtClean="0"/>
+              <a:t>할인 </a:t>
+            </a:r>
+            <a:r>
+              <a:rPr lang="en-US" altLang="ko-KR" sz="1000" dirty="0" smtClean="0"/>
+              <a:t>: - </a:t>
+            </a:r>
+            <a:r>
+              <a:rPr lang="en-US" altLang="ko-KR" sz="1000" dirty="0" smtClean="0">
+                <a:solidFill>
+                  <a:srgbClr val="FF0000"/>
+                </a:solidFill>
+              </a:rPr>
+              <a:t>\100,000</a:t>
+            </a:r>
+          </a:p>
+          <a:p>
+            <a:r>
+              <a:rPr lang="ko-KR" altLang="en-US" sz="700" dirty="0" smtClean="0">
+                <a:solidFill>
+                  <a:srgbClr val="FF0000"/>
+                </a:solidFill>
+              </a:rPr>
+              <a:t>할인이 상품가격보다 많습니다</a:t>
+            </a:r>
+            <a:r>
+              <a:rPr lang="en-US" altLang="ko-KR" sz="700" dirty="0" smtClean="0">
+                <a:solidFill>
+                  <a:srgbClr val="FF0000"/>
+                </a:solidFill>
+              </a:rPr>
+              <a:t>.</a:t>
+            </a:r>
+          </a:p>
+          <a:p>
+            <a:endParaRPr lang="en-US" altLang="ko-KR" sz="700" dirty="0" smtClean="0">
+              <a:solidFill>
+                <a:srgbClr val="FF0000"/>
+              </a:solidFill>
+            </a:endParaRPr>
+          </a:p>
+          <a:p>
+            <a:r>
+              <a:rPr lang="ko-KR" altLang="en-US" sz="1000" dirty="0" smtClean="0"/>
+              <a:t>총액 </a:t>
+            </a:r>
+            <a:r>
+              <a:rPr lang="en-US" altLang="ko-KR" sz="1000" dirty="0" smtClean="0"/>
+              <a:t>: </a:t>
+            </a:r>
+            <a:r>
+              <a:rPr lang="en-US" altLang="ko-KR" sz="1000" dirty="0" smtClean="0">
+                <a:solidFill>
+                  <a:schemeClr val="tx1"/>
+                </a:solidFill>
+              </a:rPr>
+              <a:t>\0</a:t>
+            </a:r>
+          </a:p>
+          <a:p>
+            <a:r>
+              <a:rPr lang="ko-KR" altLang="en-US" sz="1000" dirty="0" smtClean="0"/>
+              <a:t>포인트 사용 </a:t>
+            </a:r>
+            <a:r>
+              <a:rPr lang="en-US" altLang="ko-KR" sz="1000" dirty="0" smtClean="0"/>
+              <a:t>: \[0] / \100,500</a:t>
+            </a:r>
+          </a:p>
+          <a:p>
+            <a:r>
+              <a:rPr lang="ko-KR" altLang="en-US" sz="1000" dirty="0" err="1" smtClean="0"/>
+              <a:t>총결제금액</a:t>
+            </a:r>
+            <a:r>
+              <a:rPr lang="ko-KR" altLang="en-US" sz="1000" dirty="0" smtClean="0"/>
+              <a:t> </a:t>
+            </a:r>
+            <a:r>
+              <a:rPr lang="en-US" altLang="ko-KR" sz="1000" dirty="0" smtClean="0"/>
+              <a:t>: \0</a:t>
+            </a:r>
+          </a:p>
+        </p:txBody>
+      </p:sp>
+      <p:sp>
+        <p:nvSpPr>
+          <p:cNvPr id="13" name="TextBox 12"/>
+          <p:cNvSpPr txBox="1"/>
+          <p:nvPr/>
+        </p:nvSpPr>
+        <p:spPr>
+          <a:xfrm>
+            <a:off x="3161415" y="3449891"/>
+            <a:ext cx="2200939" cy="307777"/>
+          </a:xfrm>
+          <a:prstGeom prst="rect">
+            <a:avLst/>
+          </a:prstGeom>
+          <a:noFill/>
+        </p:spPr>
+        <p:txBody>
+          <a:bodyPr wrap="square" rtlCol="0">
+            <a:spAutoFit/>
+          </a:bodyPr>
+          <a:lstStyle/>
+          <a:p>
+            <a:r>
+              <a:rPr lang="en-US" altLang="ko-KR" sz="700" dirty="0" smtClean="0"/>
+              <a:t>1. </a:t>
+            </a:r>
+            <a:r>
+              <a:rPr lang="ko-KR" altLang="en-US" sz="700" dirty="0" smtClean="0"/>
+              <a:t>할인 </a:t>
+            </a:r>
+            <a:r>
+              <a:rPr lang="en-US" altLang="ko-KR" sz="700" dirty="0" smtClean="0"/>
+              <a:t>&gt; </a:t>
+            </a:r>
+            <a:r>
+              <a:rPr lang="ko-KR" altLang="en-US" sz="700" dirty="0" smtClean="0"/>
+              <a:t>상품가격일시 빨간 </a:t>
+            </a:r>
+            <a:r>
+              <a:rPr lang="en-US" altLang="ko-KR" sz="700" dirty="0" smtClean="0"/>
+              <a:t>alert</a:t>
+            </a:r>
+            <a:r>
+              <a:rPr lang="ko-KR" altLang="en-US" sz="700" dirty="0" smtClean="0"/>
+              <a:t>문구 출력</a:t>
+            </a:r>
+            <a:endParaRPr lang="en-US" altLang="ko-KR" sz="700" dirty="0" smtClean="0"/>
+          </a:p>
+          <a:p>
+            <a:r>
+              <a:rPr lang="ko-KR" altLang="en-US" sz="700" dirty="0" smtClean="0"/>
+              <a:t>총액</a:t>
+            </a:r>
+            <a:r>
+              <a:rPr lang="en-US" altLang="ko-KR" sz="700" dirty="0" smtClean="0"/>
+              <a:t>, </a:t>
+            </a:r>
+            <a:r>
+              <a:rPr lang="ko-KR" altLang="en-US" sz="700" dirty="0" err="1" smtClean="0"/>
+              <a:t>포인트사용</a:t>
+            </a:r>
+            <a:r>
+              <a:rPr lang="en-US" altLang="ko-KR" sz="700" dirty="0" smtClean="0"/>
+              <a:t>, </a:t>
+            </a:r>
+            <a:r>
+              <a:rPr lang="ko-KR" altLang="en-US" sz="700" dirty="0" err="1" smtClean="0"/>
+              <a:t>총결제금액</a:t>
+            </a:r>
+            <a:r>
+              <a:rPr lang="ko-KR" altLang="en-US" sz="700" dirty="0" smtClean="0"/>
+              <a:t> </a:t>
+            </a:r>
+            <a:r>
+              <a:rPr lang="en-US" altLang="ko-KR" sz="700" dirty="0" smtClean="0"/>
+              <a:t>0</a:t>
+            </a:r>
+            <a:r>
+              <a:rPr lang="ko-KR" altLang="en-US" sz="700" dirty="0" smtClean="0"/>
+              <a:t>으로 초기화</a:t>
+            </a:r>
+            <a:endParaRPr lang="en-US" altLang="ko-KR" sz="700" dirty="0" smtClean="0"/>
+          </a:p>
+        </p:txBody>
+      </p:sp>
+      <p:sp>
+        <p:nvSpPr>
+          <p:cNvPr id="14" name="TextBox 13"/>
+          <p:cNvSpPr txBox="1"/>
+          <p:nvPr/>
+        </p:nvSpPr>
+        <p:spPr>
+          <a:xfrm>
+            <a:off x="5934741" y="804145"/>
+            <a:ext cx="2461437" cy="2554545"/>
+          </a:xfrm>
+          <a:prstGeom prst="rect">
+            <a:avLst/>
+          </a:prstGeom>
+        </p:spPr>
+        <p:style>
+          <a:lnRef idx="2">
+            <a:schemeClr val="dk1"/>
+          </a:lnRef>
+          <a:fillRef idx="1">
+            <a:schemeClr val="lt1"/>
+          </a:fillRef>
+          <a:effectRef idx="0">
+            <a:schemeClr val="dk1"/>
+          </a:effectRef>
+          <a:fontRef idx="minor">
+            <a:schemeClr val="dk1"/>
+          </a:fontRef>
+        </p:style>
+        <p:txBody>
+          <a:bodyPr wrap="square" rtlCol="0">
+            <a:spAutoFit/>
+          </a:bodyPr>
+          <a:lstStyle/>
+          <a:p>
+            <a:r>
+              <a:rPr lang="en-US" altLang="ko-KR" sz="1000" dirty="0" smtClean="0"/>
+              <a:t>V</a:t>
+            </a:r>
+            <a:r>
+              <a:rPr lang="ko-KR" altLang="en-US" sz="1000" dirty="0" smtClean="0"/>
+              <a:t>회원</a:t>
+            </a:r>
+            <a:r>
+              <a:rPr lang="en-US" altLang="ko-KR" sz="1000" dirty="0"/>
+              <a:t> </a:t>
+            </a:r>
+            <a:r>
+              <a:rPr lang="en-US" altLang="ko-KR" sz="1000" dirty="0" smtClean="0"/>
+              <a:t>                |               </a:t>
+            </a:r>
+            <a:r>
+              <a:rPr lang="ko-KR" altLang="en-US" sz="1000" dirty="0" smtClean="0"/>
+              <a:t>비회원</a:t>
+            </a:r>
+            <a:endParaRPr lang="en-US" altLang="ko-KR" sz="1000" dirty="0" smtClean="0"/>
+          </a:p>
+          <a:p>
+            <a:r>
+              <a:rPr lang="en-US" altLang="ko-KR" sz="1000" dirty="0" smtClean="0"/>
+              <a:t>------------------------------------------</a:t>
+            </a:r>
+            <a:endParaRPr lang="en-US" altLang="ko-KR" sz="1000" dirty="0"/>
+          </a:p>
+          <a:p>
+            <a:r>
+              <a:rPr lang="en-US" altLang="ko-KR" sz="1000" dirty="0" smtClean="0"/>
+              <a:t>[</a:t>
+            </a:r>
+            <a:r>
+              <a:rPr lang="en-US" altLang="ko-KR" sz="1000" dirty="0"/>
+              <a:t>	]</a:t>
+            </a:r>
+            <a:r>
+              <a:rPr lang="ko-KR" altLang="en-US" sz="1000" dirty="0"/>
+              <a:t>검색</a:t>
+            </a:r>
+            <a:endParaRPr lang="en-US" altLang="ko-KR" sz="1000" dirty="0"/>
+          </a:p>
+          <a:p>
+            <a:r>
+              <a:rPr lang="en-US" altLang="ko-KR" sz="1000" dirty="0" smtClean="0"/>
+              <a:t>------------------------------------------</a:t>
+            </a:r>
+            <a:endParaRPr lang="en-US" altLang="ko-KR" sz="1000" dirty="0"/>
+          </a:p>
+          <a:p>
+            <a:r>
+              <a:rPr lang="en-US" altLang="ko-KR" sz="1000" dirty="0"/>
+              <a:t>O </a:t>
+            </a:r>
+            <a:r>
+              <a:rPr lang="ko-KR" altLang="en-US" sz="1000" dirty="0"/>
+              <a:t>김동우 </a:t>
+            </a:r>
+            <a:r>
+              <a:rPr lang="en-US" altLang="ko-KR" sz="1000" dirty="0"/>
+              <a:t>(01088993885)</a:t>
+            </a:r>
+          </a:p>
+          <a:p>
+            <a:r>
+              <a:rPr lang="en-US" altLang="ko-KR" sz="1000" dirty="0" smtClean="0"/>
+              <a:t>V </a:t>
+            </a:r>
+            <a:r>
+              <a:rPr lang="ko-KR" altLang="en-US" sz="1000" dirty="0"/>
+              <a:t>김동우 </a:t>
+            </a:r>
+            <a:r>
+              <a:rPr lang="en-US" altLang="ko-KR" sz="1000" dirty="0"/>
+              <a:t>(01088993885</a:t>
+            </a:r>
+            <a:r>
+              <a:rPr lang="en-US" altLang="ko-KR" sz="1000" dirty="0" smtClean="0"/>
+              <a:t>)</a:t>
+            </a:r>
+          </a:p>
+          <a:p>
+            <a:r>
+              <a:rPr lang="en-US" altLang="ko-KR" sz="1000" dirty="0" smtClean="0"/>
+              <a:t>O </a:t>
+            </a:r>
+            <a:r>
+              <a:rPr lang="ko-KR" altLang="en-US" sz="1000" dirty="0"/>
+              <a:t>김동우 </a:t>
+            </a:r>
+            <a:r>
+              <a:rPr lang="en-US" altLang="ko-KR" sz="1000" dirty="0"/>
+              <a:t>(</a:t>
+            </a:r>
+            <a:r>
+              <a:rPr lang="en-US" altLang="ko-KR" sz="1000" dirty="0" smtClean="0"/>
+              <a:t>01088993885)</a:t>
+            </a:r>
+          </a:p>
+          <a:p>
+            <a:r>
+              <a:rPr lang="en-US" altLang="ko-KR" sz="1000" dirty="0"/>
+              <a:t>O </a:t>
+            </a:r>
+            <a:r>
+              <a:rPr lang="ko-KR" altLang="en-US" sz="1000" dirty="0"/>
+              <a:t>김동우 </a:t>
+            </a:r>
+            <a:r>
+              <a:rPr lang="en-US" altLang="ko-KR" sz="1000" dirty="0"/>
+              <a:t>(01088993885)</a:t>
+            </a:r>
+          </a:p>
+          <a:p>
+            <a:r>
+              <a:rPr lang="en-US" altLang="ko-KR" sz="1000" dirty="0"/>
+              <a:t>O </a:t>
+            </a:r>
+            <a:r>
+              <a:rPr lang="ko-KR" altLang="en-US" sz="1000" dirty="0"/>
+              <a:t>김동우 </a:t>
+            </a:r>
+            <a:r>
+              <a:rPr lang="en-US" altLang="ko-KR" sz="1000" dirty="0"/>
+              <a:t>(01088993885</a:t>
+            </a:r>
+            <a:r>
+              <a:rPr lang="en-US" altLang="ko-KR" sz="1000" dirty="0" smtClean="0"/>
+              <a:t>)</a:t>
+            </a:r>
+          </a:p>
+          <a:p>
+            <a:r>
+              <a:rPr lang="en-US" altLang="ko-KR" sz="1000" dirty="0" smtClean="0"/>
+              <a:t>------------------------------------------</a:t>
+            </a:r>
+            <a:endParaRPr lang="en-US" altLang="ko-KR" sz="1000" dirty="0"/>
+          </a:p>
+          <a:p>
+            <a:r>
+              <a:rPr lang="ko-KR" altLang="en-US" sz="1000" dirty="0" smtClean="0"/>
+              <a:t>상품가격 </a:t>
+            </a:r>
+            <a:r>
+              <a:rPr lang="en-US" altLang="ko-KR" sz="1000" dirty="0" smtClean="0"/>
+              <a:t>: \55,000</a:t>
+            </a:r>
+          </a:p>
+          <a:p>
+            <a:r>
+              <a:rPr lang="ko-KR" altLang="en-US" sz="1000" dirty="0" smtClean="0"/>
+              <a:t>할인 </a:t>
+            </a:r>
+            <a:r>
+              <a:rPr lang="en-US" altLang="ko-KR" sz="1000" dirty="0" smtClean="0"/>
+              <a:t>: \15,000</a:t>
+            </a:r>
+            <a:endParaRPr lang="en-US" altLang="ko-KR" sz="1000" dirty="0" smtClean="0">
+              <a:solidFill>
+                <a:srgbClr val="FF0000"/>
+              </a:solidFill>
+            </a:endParaRPr>
+          </a:p>
+          <a:p>
+            <a:endParaRPr lang="en-US" altLang="ko-KR" sz="1000" dirty="0" smtClean="0"/>
+          </a:p>
+          <a:p>
+            <a:r>
+              <a:rPr lang="ko-KR" altLang="en-US" sz="1000" dirty="0" smtClean="0"/>
+              <a:t>총액 </a:t>
+            </a:r>
+            <a:r>
+              <a:rPr lang="en-US" altLang="ko-KR" sz="1000" dirty="0" smtClean="0"/>
+              <a:t>: \40,000</a:t>
+            </a:r>
+            <a:endParaRPr lang="en-US" altLang="ko-KR" sz="1000" dirty="0" smtClean="0">
+              <a:solidFill>
+                <a:srgbClr val="FF0000"/>
+              </a:solidFill>
+            </a:endParaRPr>
+          </a:p>
+          <a:p>
+            <a:r>
+              <a:rPr lang="ko-KR" altLang="en-US" sz="1000" dirty="0" smtClean="0"/>
+              <a:t>포인트 사용 </a:t>
+            </a:r>
+            <a:r>
+              <a:rPr lang="en-US" altLang="ko-KR" sz="1000" dirty="0" smtClean="0"/>
+              <a:t>: \[0] / \100,500</a:t>
+            </a:r>
+          </a:p>
+          <a:p>
+            <a:r>
+              <a:rPr lang="ko-KR" altLang="en-US" sz="1000" dirty="0" err="1" smtClean="0"/>
+              <a:t>총결제금액</a:t>
+            </a:r>
+            <a:r>
+              <a:rPr lang="ko-KR" altLang="en-US" sz="1000" dirty="0" smtClean="0"/>
+              <a:t> </a:t>
+            </a:r>
+            <a:r>
+              <a:rPr lang="en-US" altLang="ko-KR" sz="1000" dirty="0" smtClean="0"/>
+              <a:t>: \30,000</a:t>
+            </a:r>
+          </a:p>
+        </p:txBody>
+      </p:sp>
+      <p:sp>
+        <p:nvSpPr>
+          <p:cNvPr id="15" name="TextBox 14"/>
+          <p:cNvSpPr txBox="1"/>
+          <p:nvPr/>
+        </p:nvSpPr>
+        <p:spPr>
+          <a:xfrm>
+            <a:off x="5934741" y="3420246"/>
+            <a:ext cx="2200939" cy="1169551"/>
+          </a:xfrm>
+          <a:prstGeom prst="rect">
+            <a:avLst/>
+          </a:prstGeom>
+          <a:noFill/>
+        </p:spPr>
+        <p:txBody>
+          <a:bodyPr wrap="square" rtlCol="0">
+            <a:spAutoFit/>
+          </a:bodyPr>
+          <a:lstStyle/>
+          <a:p>
+            <a:r>
+              <a:rPr lang="en-US" altLang="ko-KR" sz="700" dirty="0" smtClean="0"/>
+              <a:t>1. </a:t>
+            </a:r>
+            <a:r>
+              <a:rPr lang="ko-KR" altLang="en-US" sz="700" dirty="0" smtClean="0"/>
+              <a:t>상품가격</a:t>
+            </a:r>
+            <a:r>
+              <a:rPr lang="en-US" altLang="ko-KR" sz="700" dirty="0" smtClean="0"/>
+              <a:t>, </a:t>
+            </a:r>
+            <a:r>
+              <a:rPr lang="ko-KR" altLang="en-US" sz="700" dirty="0" smtClean="0"/>
+              <a:t>할인 </a:t>
+            </a:r>
+            <a:r>
+              <a:rPr lang="ko-KR" altLang="en-US" sz="700" dirty="0" err="1" smtClean="0"/>
+              <a:t>변경시</a:t>
+            </a:r>
+            <a:r>
+              <a:rPr lang="ko-KR" altLang="en-US" sz="700" dirty="0" smtClean="0"/>
+              <a:t> </a:t>
+            </a:r>
+            <a:r>
+              <a:rPr lang="ko-KR" altLang="en-US" sz="700" dirty="0" err="1" smtClean="0"/>
+              <a:t>할인금액</a:t>
+            </a:r>
+            <a:r>
+              <a:rPr lang="ko-KR" altLang="en-US" sz="700" dirty="0" smtClean="0"/>
+              <a:t> </a:t>
+            </a:r>
+            <a:r>
+              <a:rPr lang="ko-KR" altLang="en-US" sz="700" dirty="0" err="1" smtClean="0"/>
+              <a:t>적용후</a:t>
+            </a:r>
+            <a:r>
+              <a:rPr lang="ko-KR" altLang="en-US" sz="700" dirty="0" smtClean="0"/>
+              <a:t> 총액 변경</a:t>
+            </a:r>
+            <a:endParaRPr lang="en-US" altLang="ko-KR" sz="700" dirty="0"/>
+          </a:p>
+          <a:p>
+            <a:r>
+              <a:rPr lang="en-US" altLang="ko-KR" sz="700" dirty="0" smtClean="0"/>
+              <a:t>1-1. </a:t>
+            </a:r>
+            <a:r>
+              <a:rPr lang="ko-KR" altLang="en-US" sz="700" dirty="0" smtClean="0"/>
+              <a:t>포인트 사용 </a:t>
+            </a:r>
+            <a:r>
+              <a:rPr lang="en-US" altLang="ko-KR" sz="700" dirty="0" smtClean="0"/>
+              <a:t>&gt; </a:t>
+            </a:r>
+            <a:r>
+              <a:rPr lang="ko-KR" altLang="en-US" sz="700" dirty="0" smtClean="0"/>
+              <a:t>포인트 </a:t>
+            </a:r>
+            <a:r>
+              <a:rPr lang="ko-KR" altLang="en-US" sz="700" dirty="0" err="1" smtClean="0"/>
+              <a:t>잔액일경우</a:t>
+            </a:r>
+            <a:endParaRPr lang="en-US" altLang="ko-KR" sz="700" dirty="0" smtClean="0"/>
+          </a:p>
+          <a:p>
+            <a:r>
+              <a:rPr lang="ko-KR" altLang="en-US" sz="700" dirty="0" smtClean="0"/>
+              <a:t>총결제금액만 </a:t>
+            </a:r>
+            <a:r>
+              <a:rPr lang="en-US" altLang="ko-KR" sz="700" dirty="0" smtClean="0"/>
+              <a:t>0</a:t>
+            </a:r>
+            <a:r>
+              <a:rPr lang="ko-KR" altLang="en-US" sz="700" dirty="0" smtClean="0"/>
+              <a:t>으로 초기화</a:t>
+            </a:r>
+            <a:r>
+              <a:rPr lang="en-US" altLang="ko-KR" sz="700" dirty="0" smtClean="0"/>
+              <a:t>,</a:t>
+            </a:r>
+          </a:p>
+          <a:p>
+            <a:r>
+              <a:rPr lang="ko-KR" altLang="en-US" sz="700" dirty="0" smtClean="0"/>
+              <a:t>빨간 </a:t>
+            </a:r>
+            <a:r>
+              <a:rPr lang="en-US" altLang="ko-KR" sz="700" dirty="0" smtClean="0"/>
+              <a:t>alert </a:t>
+            </a:r>
+            <a:r>
+              <a:rPr lang="ko-KR" altLang="en-US" sz="700" dirty="0" smtClean="0"/>
+              <a:t>문구 출력</a:t>
+            </a:r>
+            <a:endParaRPr lang="en-US" altLang="ko-KR" sz="700" dirty="0" smtClean="0"/>
+          </a:p>
+          <a:p>
+            <a:r>
+              <a:rPr lang="en-US" altLang="ko-KR" sz="700" dirty="0" smtClean="0"/>
+              <a:t>1-2. </a:t>
+            </a:r>
+            <a:r>
+              <a:rPr lang="ko-KR" altLang="en-US" sz="700" dirty="0" smtClean="0"/>
+              <a:t>포인트 사용 </a:t>
+            </a:r>
+            <a:r>
+              <a:rPr lang="en-US" altLang="ko-KR" sz="700" dirty="0" smtClean="0"/>
+              <a:t>&lt;= </a:t>
+            </a:r>
+            <a:r>
+              <a:rPr lang="ko-KR" altLang="en-US" sz="700" dirty="0" smtClean="0"/>
+              <a:t>포인트 </a:t>
+            </a:r>
+            <a:r>
+              <a:rPr lang="ko-KR" altLang="en-US" sz="700" dirty="0" err="1" smtClean="0"/>
+              <a:t>잔액일경우</a:t>
+            </a:r>
+            <a:endParaRPr lang="en-US" altLang="ko-KR" sz="700" dirty="0" smtClean="0"/>
+          </a:p>
+          <a:p>
+            <a:r>
+              <a:rPr lang="ko-KR" altLang="en-US" sz="700" dirty="0" smtClean="0"/>
+              <a:t>총결제금액까지 변경</a:t>
+            </a:r>
+            <a:endParaRPr lang="en-US" altLang="ko-KR" sz="700" dirty="0" smtClean="0"/>
+          </a:p>
+          <a:p>
+            <a:endParaRPr lang="en-US" altLang="ko-KR" sz="700" dirty="0"/>
+          </a:p>
+          <a:p>
+            <a:r>
+              <a:rPr lang="en-US" altLang="ko-KR" sz="700" dirty="0" smtClean="0"/>
+              <a:t>2. </a:t>
+            </a:r>
+            <a:r>
+              <a:rPr lang="ko-KR" altLang="en-US" sz="700" dirty="0" smtClean="0"/>
+              <a:t>포인트 사용 </a:t>
+            </a:r>
+            <a:r>
+              <a:rPr lang="ko-KR" altLang="en-US" sz="700" dirty="0" err="1" smtClean="0"/>
+              <a:t>변경시</a:t>
+            </a:r>
+            <a:endParaRPr lang="en-US" altLang="ko-KR" sz="700" dirty="0"/>
+          </a:p>
+          <a:p>
+            <a:r>
+              <a:rPr lang="ko-KR" altLang="en-US" sz="700" dirty="0" err="1" smtClean="0"/>
+              <a:t>총결제금액</a:t>
+            </a:r>
+            <a:r>
+              <a:rPr lang="ko-KR" altLang="en-US" sz="700" dirty="0" smtClean="0"/>
+              <a:t> 변경</a:t>
+            </a:r>
+            <a:endParaRPr lang="en-US" altLang="ko-KR" sz="700" dirty="0" smtClean="0"/>
+          </a:p>
+        </p:txBody>
+      </p:sp>
+      <p:sp>
+        <p:nvSpPr>
+          <p:cNvPr id="16" name="TextBox 15"/>
+          <p:cNvSpPr txBox="1"/>
+          <p:nvPr/>
+        </p:nvSpPr>
+        <p:spPr>
+          <a:xfrm>
+            <a:off x="388089" y="804144"/>
+            <a:ext cx="2461437" cy="4093428"/>
+          </a:xfrm>
+          <a:prstGeom prst="rect">
+            <a:avLst/>
+          </a:prstGeom>
+        </p:spPr>
+        <p:style>
+          <a:lnRef idx="2">
+            <a:schemeClr val="dk1"/>
+          </a:lnRef>
+          <a:fillRef idx="1">
+            <a:schemeClr val="lt1"/>
+          </a:fillRef>
+          <a:effectRef idx="0">
+            <a:schemeClr val="dk1"/>
+          </a:effectRef>
+          <a:fontRef idx="minor">
+            <a:schemeClr val="dk1"/>
+          </a:fontRef>
+        </p:style>
+        <p:txBody>
+          <a:bodyPr wrap="square" rtlCol="0">
+            <a:spAutoFit/>
+          </a:bodyPr>
+          <a:lstStyle/>
+          <a:p>
+            <a:r>
+              <a:rPr lang="en-US" altLang="ko-KR" sz="1000" dirty="0" smtClean="0"/>
+              <a:t>V</a:t>
+            </a:r>
+            <a:r>
+              <a:rPr lang="ko-KR" altLang="en-US" sz="1000" dirty="0" smtClean="0"/>
+              <a:t>회원</a:t>
+            </a:r>
+            <a:r>
+              <a:rPr lang="en-US" altLang="ko-KR" sz="1000" dirty="0"/>
+              <a:t> </a:t>
+            </a:r>
+            <a:r>
+              <a:rPr lang="en-US" altLang="ko-KR" sz="1000" dirty="0" smtClean="0"/>
+              <a:t>                |               </a:t>
+            </a:r>
+            <a:r>
+              <a:rPr lang="ko-KR" altLang="en-US" sz="1000" dirty="0" smtClean="0"/>
+              <a:t>비회원</a:t>
+            </a:r>
+            <a:endParaRPr lang="en-US" altLang="ko-KR" sz="1000" dirty="0" smtClean="0"/>
+          </a:p>
+          <a:p>
+            <a:r>
+              <a:rPr lang="en-US" altLang="ko-KR" sz="1000" dirty="0" smtClean="0"/>
+              <a:t>------------------------------------------</a:t>
+            </a:r>
+            <a:endParaRPr lang="en-US" altLang="ko-KR" sz="1000" dirty="0"/>
+          </a:p>
+          <a:p>
+            <a:r>
+              <a:rPr lang="en-US" altLang="ko-KR" sz="1000" dirty="0" smtClean="0"/>
+              <a:t>[</a:t>
+            </a:r>
+            <a:r>
+              <a:rPr lang="en-US" altLang="ko-KR" sz="1000" dirty="0"/>
+              <a:t>	]</a:t>
+            </a:r>
+            <a:r>
+              <a:rPr lang="ko-KR" altLang="en-US" sz="1000" dirty="0"/>
+              <a:t>검색</a:t>
+            </a:r>
+            <a:endParaRPr lang="en-US" altLang="ko-KR" sz="1000" dirty="0"/>
+          </a:p>
+          <a:p>
+            <a:r>
+              <a:rPr lang="en-US" altLang="ko-KR" sz="1000" dirty="0" smtClean="0"/>
+              <a:t>------------------------------------------</a:t>
+            </a:r>
+            <a:endParaRPr lang="en-US" altLang="ko-KR" sz="1000" dirty="0"/>
+          </a:p>
+          <a:p>
+            <a:r>
+              <a:rPr lang="en-US" altLang="ko-KR" sz="1000" dirty="0"/>
+              <a:t>O </a:t>
+            </a:r>
+            <a:r>
+              <a:rPr lang="ko-KR" altLang="en-US" sz="1000" dirty="0"/>
+              <a:t>김동우 </a:t>
+            </a:r>
+            <a:r>
+              <a:rPr lang="en-US" altLang="ko-KR" sz="1000" dirty="0"/>
+              <a:t>(01088993885)</a:t>
+            </a:r>
+          </a:p>
+          <a:p>
+            <a:r>
+              <a:rPr lang="en-US" altLang="ko-KR" sz="1000" dirty="0" smtClean="0"/>
+              <a:t>V </a:t>
+            </a:r>
+            <a:r>
+              <a:rPr lang="ko-KR" altLang="en-US" sz="1000" dirty="0"/>
+              <a:t>김동우 </a:t>
+            </a:r>
+            <a:r>
+              <a:rPr lang="en-US" altLang="ko-KR" sz="1000" dirty="0"/>
+              <a:t>(01088993885</a:t>
+            </a:r>
+            <a:r>
+              <a:rPr lang="en-US" altLang="ko-KR" sz="1000" dirty="0" smtClean="0"/>
+              <a:t>)</a:t>
+            </a:r>
+          </a:p>
+          <a:p>
+            <a:r>
+              <a:rPr lang="en-US" altLang="ko-KR" sz="1000" dirty="0" smtClean="0"/>
+              <a:t>O </a:t>
+            </a:r>
+            <a:r>
+              <a:rPr lang="ko-KR" altLang="en-US" sz="1000" dirty="0"/>
+              <a:t>김동우 </a:t>
+            </a:r>
+            <a:r>
+              <a:rPr lang="en-US" altLang="ko-KR" sz="1000" dirty="0"/>
+              <a:t>(</a:t>
+            </a:r>
+            <a:r>
+              <a:rPr lang="en-US" altLang="ko-KR" sz="1000" dirty="0" smtClean="0"/>
+              <a:t>01088993885)</a:t>
+            </a:r>
+          </a:p>
+          <a:p>
+            <a:r>
+              <a:rPr lang="en-US" altLang="ko-KR" sz="1000" dirty="0"/>
+              <a:t>O </a:t>
+            </a:r>
+            <a:r>
+              <a:rPr lang="ko-KR" altLang="en-US" sz="1000" dirty="0"/>
+              <a:t>김동우 </a:t>
+            </a:r>
+            <a:r>
+              <a:rPr lang="en-US" altLang="ko-KR" sz="1000" dirty="0"/>
+              <a:t>(01088993885)</a:t>
+            </a:r>
+          </a:p>
+          <a:p>
+            <a:r>
+              <a:rPr lang="en-US" altLang="ko-KR" sz="1000" dirty="0"/>
+              <a:t>O </a:t>
+            </a:r>
+            <a:r>
+              <a:rPr lang="ko-KR" altLang="en-US" sz="1000" dirty="0"/>
+              <a:t>김동우 </a:t>
+            </a:r>
+            <a:r>
+              <a:rPr lang="en-US" altLang="ko-KR" sz="1000" dirty="0"/>
+              <a:t>(01088993885</a:t>
+            </a:r>
+            <a:r>
+              <a:rPr lang="en-US" altLang="ko-KR" sz="1000" dirty="0" smtClean="0"/>
+              <a:t>)</a:t>
+            </a:r>
+          </a:p>
+          <a:p>
+            <a:r>
+              <a:rPr lang="en-US" altLang="ko-KR" sz="1000" dirty="0" smtClean="0"/>
+              <a:t>-------------------------------------------</a:t>
+            </a:r>
+          </a:p>
+          <a:p>
+            <a:r>
+              <a:rPr lang="ko-KR" altLang="en-US" sz="1000" dirty="0" err="1" smtClean="0"/>
+              <a:t>제품검색</a:t>
+            </a:r>
+            <a:r>
+              <a:rPr lang="ko-KR" altLang="en-US" sz="1000" dirty="0" smtClean="0"/>
+              <a:t>            </a:t>
+            </a:r>
+            <a:r>
+              <a:rPr lang="en-US" altLang="ko-KR" sz="1000" dirty="0" smtClean="0"/>
+              <a:t>|               </a:t>
+            </a:r>
+            <a:r>
+              <a:rPr lang="ko-KR" altLang="en-US" sz="1000" dirty="0" smtClean="0"/>
+              <a:t>직접입력</a:t>
+            </a:r>
+            <a:endParaRPr lang="en-US" altLang="ko-KR" sz="1000" dirty="0"/>
+          </a:p>
+          <a:p>
+            <a:r>
+              <a:rPr lang="en-US" altLang="ko-KR" sz="1000" dirty="0" smtClean="0"/>
+              <a:t>-------------------------------------------</a:t>
+            </a:r>
+          </a:p>
+          <a:p>
+            <a:r>
+              <a:rPr lang="en-US" altLang="ko-KR" sz="1000" dirty="0"/>
+              <a:t>[	]</a:t>
+            </a:r>
+            <a:r>
+              <a:rPr lang="ko-KR" altLang="en-US" sz="1000" dirty="0"/>
+              <a:t>검색</a:t>
+            </a:r>
+            <a:endParaRPr lang="en-US" altLang="ko-KR" sz="1000" dirty="0"/>
+          </a:p>
+          <a:p>
+            <a:r>
+              <a:rPr lang="en-US" altLang="ko-KR" sz="1000" dirty="0"/>
+              <a:t>------------------------------------------</a:t>
+            </a:r>
+          </a:p>
+          <a:p>
+            <a:r>
+              <a:rPr lang="en-US" altLang="ko-KR" sz="1000" dirty="0"/>
+              <a:t>O </a:t>
+            </a:r>
+            <a:r>
+              <a:rPr lang="ko-KR" altLang="en-US" sz="1000" dirty="0" err="1" smtClean="0"/>
+              <a:t>남자커트</a:t>
+            </a:r>
+            <a:r>
+              <a:rPr lang="ko-KR" altLang="en-US" sz="1000" dirty="0" smtClean="0"/>
+              <a:t> </a:t>
+            </a:r>
+            <a:r>
+              <a:rPr lang="en-US" altLang="ko-KR" sz="1000" dirty="0" smtClean="0"/>
+              <a:t>(\20,000)</a:t>
+            </a:r>
+            <a:endParaRPr lang="en-US" altLang="ko-KR" sz="1000" dirty="0"/>
+          </a:p>
+          <a:p>
+            <a:r>
+              <a:rPr lang="en-US" altLang="ko-KR" sz="1000" dirty="0" smtClean="0"/>
+              <a:t>V </a:t>
+            </a:r>
+            <a:r>
+              <a:rPr lang="ko-KR" altLang="en-US" sz="1000" dirty="0" err="1" smtClean="0"/>
+              <a:t>열펌</a:t>
+            </a:r>
+            <a:r>
+              <a:rPr lang="en-US" altLang="ko-KR" sz="1000" dirty="0" smtClean="0"/>
+              <a:t>(\50,000)</a:t>
+            </a:r>
+          </a:p>
+          <a:p>
+            <a:r>
+              <a:rPr lang="en-US" altLang="ko-KR" sz="1000" dirty="0" smtClean="0"/>
+              <a:t>O </a:t>
+            </a:r>
+            <a:r>
+              <a:rPr lang="ko-KR" altLang="en-US" sz="1000" dirty="0"/>
+              <a:t>김동우 </a:t>
+            </a:r>
+            <a:r>
+              <a:rPr lang="en-US" altLang="ko-KR" sz="1000" dirty="0"/>
+              <a:t>(01088993885)</a:t>
+            </a:r>
+          </a:p>
+          <a:p>
+            <a:r>
+              <a:rPr lang="en-US" altLang="ko-KR" sz="1000" dirty="0"/>
+              <a:t>O </a:t>
+            </a:r>
+            <a:r>
+              <a:rPr lang="ko-KR" altLang="en-US" sz="1000" dirty="0"/>
+              <a:t>김동우 </a:t>
+            </a:r>
+            <a:r>
+              <a:rPr lang="en-US" altLang="ko-KR" sz="1000" dirty="0"/>
+              <a:t>(01088993885)</a:t>
+            </a:r>
+          </a:p>
+          <a:p>
+            <a:r>
+              <a:rPr lang="en-US" altLang="ko-KR" sz="1000" dirty="0"/>
+              <a:t>O </a:t>
+            </a:r>
+            <a:r>
+              <a:rPr lang="ko-KR" altLang="en-US" sz="1000" dirty="0"/>
+              <a:t>김동우 </a:t>
+            </a:r>
+            <a:r>
+              <a:rPr lang="en-US" altLang="ko-KR" sz="1000" dirty="0"/>
+              <a:t>(01088993885</a:t>
+            </a:r>
+            <a:r>
+              <a:rPr lang="en-US" altLang="ko-KR" sz="1000" dirty="0" smtClean="0"/>
+              <a:t>)</a:t>
+            </a:r>
+            <a:endParaRPr lang="en-US" altLang="ko-KR" sz="1000" dirty="0"/>
+          </a:p>
+          <a:p>
+            <a:r>
+              <a:rPr lang="en-US" altLang="ko-KR" sz="1000" dirty="0" smtClean="0"/>
+              <a:t>-------------------------------------------</a:t>
+            </a:r>
+          </a:p>
+          <a:p>
+            <a:r>
+              <a:rPr lang="ko-KR" altLang="en-US" sz="1000" dirty="0" smtClean="0"/>
+              <a:t>상품가격 </a:t>
+            </a:r>
+            <a:r>
+              <a:rPr lang="en-US" altLang="ko-KR" sz="1000" dirty="0" smtClean="0"/>
+              <a:t>: \0</a:t>
+            </a:r>
+          </a:p>
+          <a:p>
+            <a:r>
+              <a:rPr lang="ko-KR" altLang="en-US" sz="1000" dirty="0" smtClean="0"/>
+              <a:t>할인 </a:t>
+            </a:r>
+            <a:r>
+              <a:rPr lang="en-US" altLang="ko-KR" sz="1000" dirty="0" smtClean="0"/>
+              <a:t>: \0</a:t>
+            </a:r>
+          </a:p>
+          <a:p>
+            <a:endParaRPr lang="en-US" altLang="ko-KR" sz="1000" dirty="0" smtClean="0"/>
+          </a:p>
+          <a:p>
+            <a:r>
+              <a:rPr lang="ko-KR" altLang="en-US" sz="1000" dirty="0" smtClean="0"/>
+              <a:t>총액 </a:t>
+            </a:r>
+            <a:r>
+              <a:rPr lang="en-US" altLang="ko-KR" sz="1000" dirty="0" smtClean="0"/>
+              <a:t>: \0</a:t>
+            </a:r>
+          </a:p>
+          <a:p>
+            <a:r>
+              <a:rPr lang="ko-KR" altLang="en-US" sz="1000" dirty="0" smtClean="0"/>
+              <a:t>포인트 사용 </a:t>
+            </a:r>
+            <a:r>
+              <a:rPr lang="en-US" altLang="ko-KR" sz="1000" dirty="0" smtClean="0"/>
+              <a:t>: \0 / \100,500</a:t>
+            </a:r>
+          </a:p>
+          <a:p>
+            <a:r>
+              <a:rPr lang="ko-KR" altLang="en-US" sz="1000" dirty="0" err="1" smtClean="0"/>
+              <a:t>총결제금액</a:t>
+            </a:r>
+            <a:r>
+              <a:rPr lang="ko-KR" altLang="en-US" sz="1000" dirty="0" smtClean="0"/>
+              <a:t> </a:t>
+            </a:r>
+            <a:r>
+              <a:rPr lang="en-US" altLang="ko-KR" sz="1000" dirty="0" smtClean="0"/>
+              <a:t>: \0</a:t>
+            </a:r>
+          </a:p>
+        </p:txBody>
+      </p:sp>
+      <p:sp>
+        <p:nvSpPr>
+          <p:cNvPr id="17" name="TextBox 16"/>
+          <p:cNvSpPr txBox="1"/>
+          <p:nvPr/>
+        </p:nvSpPr>
+        <p:spPr>
+          <a:xfrm>
+            <a:off x="388089" y="5026270"/>
+            <a:ext cx="2200939" cy="200055"/>
+          </a:xfrm>
+          <a:prstGeom prst="rect">
+            <a:avLst/>
+          </a:prstGeom>
+          <a:noFill/>
+        </p:spPr>
+        <p:txBody>
+          <a:bodyPr wrap="square" rtlCol="0">
+            <a:spAutoFit/>
+          </a:bodyPr>
+          <a:lstStyle/>
+          <a:p>
+            <a:r>
+              <a:rPr lang="en-US" altLang="ko-KR" sz="700" dirty="0" smtClean="0"/>
+              <a:t>A|B</a:t>
+            </a:r>
+            <a:r>
+              <a:rPr lang="ko-KR" altLang="en-US" sz="700" dirty="0" err="1" smtClean="0"/>
+              <a:t>의경우</a:t>
+            </a:r>
+            <a:r>
+              <a:rPr lang="ko-KR" altLang="en-US" sz="700" dirty="0" smtClean="0"/>
+              <a:t> 체크박스 </a:t>
+            </a:r>
+            <a:r>
+              <a:rPr lang="ko-KR" altLang="en-US" sz="700" dirty="0" err="1" smtClean="0"/>
+              <a:t>클릭시</a:t>
+            </a:r>
+            <a:r>
+              <a:rPr lang="ko-KR" altLang="en-US" sz="700" dirty="0" smtClean="0"/>
+              <a:t> 하단 </a:t>
+            </a:r>
+            <a:r>
+              <a:rPr lang="en-US" altLang="ko-KR" sz="700" dirty="0" smtClean="0"/>
+              <a:t>div show(), hide()</a:t>
+            </a:r>
+          </a:p>
+        </p:txBody>
+      </p:sp>
+      <p:sp>
+        <p:nvSpPr>
+          <p:cNvPr id="18" name="TextBox 17"/>
+          <p:cNvSpPr txBox="1"/>
+          <p:nvPr/>
+        </p:nvSpPr>
+        <p:spPr>
+          <a:xfrm>
+            <a:off x="388089" y="5345920"/>
+            <a:ext cx="2200939" cy="200055"/>
+          </a:xfrm>
+          <a:prstGeom prst="rect">
+            <a:avLst/>
+          </a:prstGeom>
+          <a:noFill/>
+        </p:spPr>
+        <p:txBody>
+          <a:bodyPr wrap="square" rtlCol="0">
+            <a:spAutoFit/>
+          </a:bodyPr>
+          <a:lstStyle/>
+          <a:p>
+            <a:r>
+              <a:rPr lang="ko-KR" altLang="en-US" sz="700" dirty="0" smtClean="0"/>
+              <a:t>검색 </a:t>
+            </a:r>
+            <a:r>
+              <a:rPr lang="en-US" altLang="ko-KR" sz="700" dirty="0" smtClean="0"/>
+              <a:t>: keyword</a:t>
+            </a:r>
+            <a:r>
+              <a:rPr lang="ko-KR" altLang="en-US" sz="700" dirty="0" err="1" smtClean="0"/>
+              <a:t>없을시</a:t>
+            </a:r>
+            <a:r>
+              <a:rPr lang="ko-KR" altLang="en-US" sz="700" dirty="0" smtClean="0"/>
+              <a:t> </a:t>
+            </a:r>
+            <a:r>
+              <a:rPr lang="ko-KR" altLang="en-US" sz="700" dirty="0" err="1" smtClean="0"/>
+              <a:t>전체출력</a:t>
+            </a:r>
+            <a:endParaRPr lang="en-US" altLang="ko-KR" sz="700" dirty="0" smtClean="0"/>
+          </a:p>
+        </p:txBody>
+      </p:sp>
+      <p:sp>
+        <p:nvSpPr>
+          <p:cNvPr id="19" name="TextBox 18"/>
+          <p:cNvSpPr txBox="1"/>
+          <p:nvPr/>
+        </p:nvSpPr>
+        <p:spPr>
+          <a:xfrm>
+            <a:off x="388089" y="5716288"/>
+            <a:ext cx="2339162" cy="200055"/>
+          </a:xfrm>
+          <a:prstGeom prst="rect">
+            <a:avLst/>
+          </a:prstGeom>
+          <a:noFill/>
+        </p:spPr>
+        <p:txBody>
+          <a:bodyPr wrap="square" rtlCol="0">
+            <a:spAutoFit/>
+          </a:bodyPr>
+          <a:lstStyle/>
+          <a:p>
+            <a:r>
+              <a:rPr lang="ko-KR" altLang="en-US" sz="700" dirty="0" smtClean="0"/>
+              <a:t>리스트 </a:t>
+            </a:r>
+            <a:r>
+              <a:rPr lang="ko-KR" altLang="en-US" sz="700" dirty="0" err="1" smtClean="0"/>
+              <a:t>클릭시</a:t>
+            </a:r>
+            <a:r>
+              <a:rPr lang="ko-KR" altLang="en-US" sz="700" dirty="0" smtClean="0"/>
+              <a:t> 상품가격</a:t>
+            </a:r>
+            <a:r>
+              <a:rPr lang="en-US" altLang="ko-KR" sz="700" dirty="0" smtClean="0"/>
+              <a:t>input</a:t>
+            </a:r>
+            <a:r>
+              <a:rPr lang="ko-KR" altLang="en-US" sz="700" dirty="0" smtClean="0"/>
+              <a:t>값 변경 </a:t>
+            </a:r>
+            <a:r>
+              <a:rPr lang="en-US" altLang="ko-KR" sz="700" dirty="0" smtClean="0"/>
+              <a:t>-&gt; </a:t>
+            </a:r>
+            <a:r>
+              <a:rPr lang="ko-KR" altLang="en-US" sz="700" dirty="0" err="1" smtClean="0"/>
+              <a:t>리스너</a:t>
+            </a:r>
+            <a:r>
+              <a:rPr lang="ko-KR" altLang="en-US" sz="700" dirty="0" smtClean="0"/>
+              <a:t> 실행</a:t>
+            </a:r>
+            <a:endParaRPr lang="en-US" altLang="ko-KR" sz="700" dirty="0" smtClean="0"/>
           </a:p>
         </p:txBody>
       </p:sp>
       <p:cxnSp>
         <p:nvCxnSpPr>
-          <p:cNvPr id="7" name="직선 화살표 연결선 6"/>
+          <p:cNvPr id="21" name="직선 화살표 연결선 20"/>
           <p:cNvCxnSpPr>
-            <a:stCxn id="2" idx="0"/>
-            <a:endCxn id="6" idx="0"/>
+            <a:stCxn id="19" idx="3"/>
+            <a:endCxn id="15" idx="1"/>
           </p:cNvCxnSpPr>
           <p:nvPr/>
         </p:nvCxnSpPr>
         <p:spPr>
           <a:xfrm flipV="1">
-            <a:off x="9346556" y="1208941"/>
-            <a:ext cx="0" cy="2073353"/>
+            <a:off x="2727251" y="4005022"/>
+            <a:ext cx="3207490" cy="1811294"/>
           </a:xfrm>
           <a:prstGeom prst="straightConnector1">
             <a:avLst/>
@@ -4036,6 +5266,1246 @@
 </file>
 
 <file path=ppt/slides/slide3.xml><?xml version="1.0" encoding="utf-8"?>
+<p:sld xmlns:a="http://schemas.openxmlformats.org/drawingml/2006/main" xmlns:r="http://schemas.openxmlformats.org/officeDocument/2006/relationships" xmlns:p="http://schemas.openxmlformats.org/presentationml/2006/main">
+  <p:cSld>
+    <p:spTree>
+      <p:nvGrpSpPr>
+        <p:cNvPr id="1" name=""/>
+        <p:cNvGrpSpPr/>
+        <p:nvPr/>
+      </p:nvGrpSpPr>
+      <p:grpSpPr>
+        <a:xfrm>
+          <a:off x="0" y="0"/>
+          <a:ext cx="0" cy="0"/>
+          <a:chOff x="0" y="0"/>
+          <a:chExt cx="0" cy="0"/>
+        </a:xfrm>
+      </p:grpSpPr>
+      <p:sp>
+        <p:nvSpPr>
+          <p:cNvPr id="11" name="TextBox 10"/>
+          <p:cNvSpPr txBox="1"/>
+          <p:nvPr/>
+        </p:nvSpPr>
+        <p:spPr>
+          <a:xfrm>
+            <a:off x="457200" y="162560"/>
+            <a:ext cx="4196080" cy="369332"/>
+          </a:xfrm>
+          <a:prstGeom prst="rect">
+            <a:avLst/>
+          </a:prstGeom>
+          <a:noFill/>
+        </p:spPr>
+        <p:txBody>
+          <a:bodyPr wrap="square" rtlCol="0">
+            <a:spAutoFit/>
+          </a:bodyPr>
+          <a:lstStyle/>
+          <a:p>
+            <a:r>
+              <a:rPr lang="ko-KR" altLang="en-US" dirty="0" smtClean="0"/>
+              <a:t>일지 </a:t>
+            </a:r>
+            <a:r>
+              <a:rPr lang="ko-KR" altLang="en-US" dirty="0" smtClean="0"/>
+              <a:t>등록 </a:t>
+            </a:r>
+            <a:r>
+              <a:rPr lang="en-US" altLang="ko-KR" dirty="0" smtClean="0"/>
+              <a:t>– </a:t>
+            </a:r>
+            <a:r>
+              <a:rPr lang="ko-KR" altLang="en-US" dirty="0" smtClean="0"/>
+              <a:t>비회원</a:t>
+            </a:r>
+            <a:endParaRPr lang="ko-KR" altLang="en-US" dirty="0"/>
+          </a:p>
+        </p:txBody>
+      </p:sp>
+      <p:cxnSp>
+        <p:nvCxnSpPr>
+          <p:cNvPr id="5" name="직선 연결선 4"/>
+          <p:cNvCxnSpPr/>
+          <p:nvPr/>
+        </p:nvCxnSpPr>
+        <p:spPr>
+          <a:xfrm>
+            <a:off x="0" y="612915"/>
+            <a:ext cx="12192000" cy="0"/>
+          </a:xfrm>
+          <a:prstGeom prst="line">
+            <a:avLst/>
+          </a:prstGeom>
+        </p:spPr>
+        <p:style>
+          <a:lnRef idx="1">
+            <a:schemeClr val="accent1"/>
+          </a:lnRef>
+          <a:fillRef idx="0">
+            <a:schemeClr val="accent1"/>
+          </a:fillRef>
+          <a:effectRef idx="0">
+            <a:schemeClr val="accent1"/>
+          </a:effectRef>
+          <a:fontRef idx="minor">
+            <a:schemeClr val="tx1"/>
+          </a:fontRef>
+        </p:style>
+      </p:cxnSp>
+      <p:sp>
+        <p:nvSpPr>
+          <p:cNvPr id="8" name="TextBox 7"/>
+          <p:cNvSpPr txBox="1"/>
+          <p:nvPr/>
+        </p:nvSpPr>
+        <p:spPr>
+          <a:xfrm>
+            <a:off x="8708067" y="804144"/>
+            <a:ext cx="2461437" cy="2554545"/>
+          </a:xfrm>
+          <a:prstGeom prst="rect">
+            <a:avLst/>
+          </a:prstGeom>
+        </p:spPr>
+        <p:style>
+          <a:lnRef idx="2">
+            <a:schemeClr val="dk1"/>
+          </a:lnRef>
+          <a:fillRef idx="1">
+            <a:schemeClr val="lt1"/>
+          </a:fillRef>
+          <a:effectRef idx="0">
+            <a:schemeClr val="dk1"/>
+          </a:effectRef>
+          <a:fontRef idx="minor">
+            <a:schemeClr val="dk1"/>
+          </a:fontRef>
+        </p:style>
+        <p:txBody>
+          <a:bodyPr wrap="square" rtlCol="0">
+            <a:spAutoFit/>
+          </a:bodyPr>
+          <a:lstStyle/>
+          <a:p>
+            <a:r>
+              <a:rPr lang="en-US" altLang="ko-KR" sz="1000" dirty="0" smtClean="0"/>
+              <a:t>V</a:t>
+            </a:r>
+            <a:r>
+              <a:rPr lang="ko-KR" altLang="en-US" sz="1000" dirty="0" smtClean="0"/>
+              <a:t>회원</a:t>
+            </a:r>
+            <a:r>
+              <a:rPr lang="en-US" altLang="ko-KR" sz="1000" dirty="0"/>
+              <a:t> </a:t>
+            </a:r>
+            <a:r>
+              <a:rPr lang="en-US" altLang="ko-KR" sz="1000" dirty="0" smtClean="0"/>
+              <a:t>                |               </a:t>
+            </a:r>
+            <a:r>
+              <a:rPr lang="ko-KR" altLang="en-US" sz="1000" dirty="0" smtClean="0"/>
+              <a:t>비회원</a:t>
+            </a:r>
+            <a:endParaRPr lang="en-US" altLang="ko-KR" sz="1000" dirty="0" smtClean="0"/>
+          </a:p>
+          <a:p>
+            <a:r>
+              <a:rPr lang="en-US" altLang="ko-KR" sz="1000" dirty="0" smtClean="0"/>
+              <a:t>------------------------------------------</a:t>
+            </a:r>
+            <a:endParaRPr lang="en-US" altLang="ko-KR" sz="1000" dirty="0"/>
+          </a:p>
+          <a:p>
+            <a:r>
+              <a:rPr lang="en-US" altLang="ko-KR" sz="1000" dirty="0" smtClean="0"/>
+              <a:t>[</a:t>
+            </a:r>
+            <a:r>
+              <a:rPr lang="en-US" altLang="ko-KR" sz="1000" dirty="0"/>
+              <a:t>	]</a:t>
+            </a:r>
+            <a:r>
+              <a:rPr lang="ko-KR" altLang="en-US" sz="1000" dirty="0"/>
+              <a:t>검색</a:t>
+            </a:r>
+            <a:endParaRPr lang="en-US" altLang="ko-KR" sz="1000" dirty="0"/>
+          </a:p>
+          <a:p>
+            <a:r>
+              <a:rPr lang="en-US" altLang="ko-KR" sz="1000" dirty="0" smtClean="0"/>
+              <a:t>------------------------------------------</a:t>
+            </a:r>
+            <a:endParaRPr lang="en-US" altLang="ko-KR" sz="1000" dirty="0"/>
+          </a:p>
+          <a:p>
+            <a:r>
+              <a:rPr lang="en-US" altLang="ko-KR" sz="1000" dirty="0"/>
+              <a:t>O </a:t>
+            </a:r>
+            <a:r>
+              <a:rPr lang="ko-KR" altLang="en-US" sz="1000" dirty="0"/>
+              <a:t>김동우 </a:t>
+            </a:r>
+            <a:r>
+              <a:rPr lang="en-US" altLang="ko-KR" sz="1000" dirty="0"/>
+              <a:t>(01088993885)</a:t>
+            </a:r>
+          </a:p>
+          <a:p>
+            <a:r>
+              <a:rPr lang="en-US" altLang="ko-KR" sz="1000" dirty="0" smtClean="0"/>
+              <a:t>V </a:t>
+            </a:r>
+            <a:r>
+              <a:rPr lang="ko-KR" altLang="en-US" sz="1000" dirty="0"/>
+              <a:t>김동우 </a:t>
+            </a:r>
+            <a:r>
+              <a:rPr lang="en-US" altLang="ko-KR" sz="1000" dirty="0"/>
+              <a:t>(01088993885</a:t>
+            </a:r>
+            <a:r>
+              <a:rPr lang="en-US" altLang="ko-KR" sz="1000" dirty="0" smtClean="0"/>
+              <a:t>)</a:t>
+            </a:r>
+          </a:p>
+          <a:p>
+            <a:r>
+              <a:rPr lang="en-US" altLang="ko-KR" sz="1000" dirty="0" smtClean="0"/>
+              <a:t>O </a:t>
+            </a:r>
+            <a:r>
+              <a:rPr lang="ko-KR" altLang="en-US" sz="1000" dirty="0"/>
+              <a:t>김동우 </a:t>
+            </a:r>
+            <a:r>
+              <a:rPr lang="en-US" altLang="ko-KR" sz="1000" dirty="0"/>
+              <a:t>(</a:t>
+            </a:r>
+            <a:r>
+              <a:rPr lang="en-US" altLang="ko-KR" sz="1000" dirty="0" smtClean="0"/>
+              <a:t>01088993885)</a:t>
+            </a:r>
+          </a:p>
+          <a:p>
+            <a:r>
+              <a:rPr lang="en-US" altLang="ko-KR" sz="1000" dirty="0"/>
+              <a:t>O </a:t>
+            </a:r>
+            <a:r>
+              <a:rPr lang="ko-KR" altLang="en-US" sz="1000" dirty="0"/>
+              <a:t>김동우 </a:t>
+            </a:r>
+            <a:r>
+              <a:rPr lang="en-US" altLang="ko-KR" sz="1000" dirty="0"/>
+              <a:t>(01088993885)</a:t>
+            </a:r>
+          </a:p>
+          <a:p>
+            <a:r>
+              <a:rPr lang="en-US" altLang="ko-KR" sz="1000" dirty="0"/>
+              <a:t>O </a:t>
+            </a:r>
+            <a:r>
+              <a:rPr lang="ko-KR" altLang="en-US" sz="1000" dirty="0"/>
+              <a:t>김동우 </a:t>
+            </a:r>
+            <a:r>
+              <a:rPr lang="en-US" altLang="ko-KR" sz="1000" dirty="0"/>
+              <a:t>(01088993885</a:t>
+            </a:r>
+            <a:r>
+              <a:rPr lang="en-US" altLang="ko-KR" sz="1000" dirty="0" smtClean="0"/>
+              <a:t>)</a:t>
+            </a:r>
+          </a:p>
+          <a:p>
+            <a:r>
+              <a:rPr lang="en-US" altLang="ko-KR" sz="1000" dirty="0" smtClean="0"/>
+              <a:t>------------------------------------------</a:t>
+            </a:r>
+            <a:endParaRPr lang="en-US" altLang="ko-KR" sz="1000" dirty="0"/>
+          </a:p>
+          <a:p>
+            <a:r>
+              <a:rPr lang="ko-KR" altLang="en-US" sz="1000" dirty="0"/>
+              <a:t>상품가격</a:t>
+            </a:r>
+            <a:r>
+              <a:rPr lang="ko-KR" altLang="en-US" sz="1000" dirty="0" smtClean="0"/>
+              <a:t> </a:t>
+            </a:r>
+            <a:r>
+              <a:rPr lang="en-US" altLang="ko-KR" sz="1000" dirty="0" smtClean="0"/>
+              <a:t>: \55,000</a:t>
+            </a:r>
+          </a:p>
+          <a:p>
+            <a:r>
+              <a:rPr lang="ko-KR" altLang="en-US" sz="1000" dirty="0" smtClean="0"/>
+              <a:t>할인 </a:t>
+            </a:r>
+            <a:r>
+              <a:rPr lang="en-US" altLang="ko-KR" sz="1000" dirty="0" smtClean="0"/>
+              <a:t>: - \15,000</a:t>
+            </a:r>
+          </a:p>
+          <a:p>
+            <a:endParaRPr lang="en-US" altLang="ko-KR" sz="1000" dirty="0" smtClean="0"/>
+          </a:p>
+          <a:p>
+            <a:r>
+              <a:rPr lang="ko-KR" altLang="en-US" sz="1000" dirty="0" smtClean="0"/>
+              <a:t>총액 </a:t>
+            </a:r>
+            <a:r>
+              <a:rPr lang="en-US" altLang="ko-KR" sz="1000" dirty="0" smtClean="0"/>
+              <a:t>: \40,000</a:t>
+            </a:r>
+          </a:p>
+          <a:p>
+            <a:r>
+              <a:rPr lang="ko-KR" altLang="en-US" sz="1000" dirty="0" smtClean="0"/>
+              <a:t>포인트 사용 </a:t>
+            </a:r>
+            <a:r>
+              <a:rPr lang="en-US" altLang="ko-KR" sz="1000" dirty="0" smtClean="0"/>
+              <a:t>: \10,000 / \100,500</a:t>
+            </a:r>
+          </a:p>
+          <a:p>
+            <a:r>
+              <a:rPr lang="ko-KR" altLang="en-US" sz="1000" dirty="0" err="1" smtClean="0"/>
+              <a:t>총결제금액</a:t>
+            </a:r>
+            <a:r>
+              <a:rPr lang="ko-KR" altLang="en-US" sz="1000" dirty="0" smtClean="0"/>
+              <a:t> </a:t>
+            </a:r>
+            <a:r>
+              <a:rPr lang="en-US" altLang="ko-KR" sz="1000" dirty="0" smtClean="0"/>
+              <a:t>: \30,000</a:t>
+            </a:r>
+          </a:p>
+        </p:txBody>
+      </p:sp>
+      <p:sp>
+        <p:nvSpPr>
+          <p:cNvPr id="12" name="TextBox 11"/>
+          <p:cNvSpPr txBox="1"/>
+          <p:nvPr/>
+        </p:nvSpPr>
+        <p:spPr>
+          <a:xfrm>
+            <a:off x="3161415" y="804145"/>
+            <a:ext cx="2461437" cy="2616101"/>
+          </a:xfrm>
+          <a:prstGeom prst="rect">
+            <a:avLst/>
+          </a:prstGeom>
+        </p:spPr>
+        <p:style>
+          <a:lnRef idx="2">
+            <a:schemeClr val="dk1"/>
+          </a:lnRef>
+          <a:fillRef idx="1">
+            <a:schemeClr val="lt1"/>
+          </a:fillRef>
+          <a:effectRef idx="0">
+            <a:schemeClr val="dk1"/>
+          </a:effectRef>
+          <a:fontRef idx="minor">
+            <a:schemeClr val="dk1"/>
+          </a:fontRef>
+        </p:style>
+        <p:txBody>
+          <a:bodyPr wrap="square" rtlCol="0">
+            <a:spAutoFit/>
+          </a:bodyPr>
+          <a:lstStyle/>
+          <a:p>
+            <a:r>
+              <a:rPr lang="en-US" altLang="ko-KR" sz="1000" dirty="0" smtClean="0"/>
+              <a:t>V</a:t>
+            </a:r>
+            <a:r>
+              <a:rPr lang="ko-KR" altLang="en-US" sz="1000" dirty="0" smtClean="0"/>
+              <a:t>회원</a:t>
+            </a:r>
+            <a:r>
+              <a:rPr lang="en-US" altLang="ko-KR" sz="1000" dirty="0"/>
+              <a:t> </a:t>
+            </a:r>
+            <a:r>
+              <a:rPr lang="en-US" altLang="ko-KR" sz="1000" dirty="0" smtClean="0"/>
+              <a:t>                |               </a:t>
+            </a:r>
+            <a:r>
+              <a:rPr lang="ko-KR" altLang="en-US" sz="1000" dirty="0" smtClean="0"/>
+              <a:t>비회원</a:t>
+            </a:r>
+            <a:endParaRPr lang="en-US" altLang="ko-KR" sz="1000" dirty="0" smtClean="0"/>
+          </a:p>
+          <a:p>
+            <a:r>
+              <a:rPr lang="en-US" altLang="ko-KR" sz="1000" dirty="0" smtClean="0"/>
+              <a:t>------------------------------------------</a:t>
+            </a:r>
+            <a:endParaRPr lang="en-US" altLang="ko-KR" sz="1000" dirty="0"/>
+          </a:p>
+          <a:p>
+            <a:r>
+              <a:rPr lang="en-US" altLang="ko-KR" sz="1000" dirty="0" smtClean="0"/>
+              <a:t>[</a:t>
+            </a:r>
+            <a:r>
+              <a:rPr lang="en-US" altLang="ko-KR" sz="1000" dirty="0"/>
+              <a:t>	]</a:t>
+            </a:r>
+            <a:r>
+              <a:rPr lang="ko-KR" altLang="en-US" sz="1000" dirty="0"/>
+              <a:t>검색</a:t>
+            </a:r>
+            <a:endParaRPr lang="en-US" altLang="ko-KR" sz="1000" dirty="0"/>
+          </a:p>
+          <a:p>
+            <a:r>
+              <a:rPr lang="en-US" altLang="ko-KR" sz="1000" dirty="0" smtClean="0"/>
+              <a:t>------------------------------------------</a:t>
+            </a:r>
+            <a:endParaRPr lang="en-US" altLang="ko-KR" sz="1000" dirty="0"/>
+          </a:p>
+          <a:p>
+            <a:r>
+              <a:rPr lang="en-US" altLang="ko-KR" sz="1000" dirty="0"/>
+              <a:t>O </a:t>
+            </a:r>
+            <a:r>
+              <a:rPr lang="ko-KR" altLang="en-US" sz="1000" dirty="0"/>
+              <a:t>김동우 </a:t>
+            </a:r>
+            <a:r>
+              <a:rPr lang="en-US" altLang="ko-KR" sz="1000" dirty="0"/>
+              <a:t>(01088993885)</a:t>
+            </a:r>
+          </a:p>
+          <a:p>
+            <a:r>
+              <a:rPr lang="en-US" altLang="ko-KR" sz="1000" dirty="0" smtClean="0"/>
+              <a:t>V </a:t>
+            </a:r>
+            <a:r>
+              <a:rPr lang="ko-KR" altLang="en-US" sz="1000" dirty="0"/>
+              <a:t>김동우 </a:t>
+            </a:r>
+            <a:r>
+              <a:rPr lang="en-US" altLang="ko-KR" sz="1000" dirty="0"/>
+              <a:t>(01088993885</a:t>
+            </a:r>
+            <a:r>
+              <a:rPr lang="en-US" altLang="ko-KR" sz="1000" dirty="0" smtClean="0"/>
+              <a:t>)</a:t>
+            </a:r>
+          </a:p>
+          <a:p>
+            <a:r>
+              <a:rPr lang="en-US" altLang="ko-KR" sz="1000" dirty="0" smtClean="0"/>
+              <a:t>O </a:t>
+            </a:r>
+            <a:r>
+              <a:rPr lang="ko-KR" altLang="en-US" sz="1000" dirty="0"/>
+              <a:t>김동우 </a:t>
+            </a:r>
+            <a:r>
+              <a:rPr lang="en-US" altLang="ko-KR" sz="1000" dirty="0"/>
+              <a:t>(</a:t>
+            </a:r>
+            <a:r>
+              <a:rPr lang="en-US" altLang="ko-KR" sz="1000" dirty="0" smtClean="0"/>
+              <a:t>01088993885)</a:t>
+            </a:r>
+          </a:p>
+          <a:p>
+            <a:r>
+              <a:rPr lang="en-US" altLang="ko-KR" sz="1000" dirty="0"/>
+              <a:t>O </a:t>
+            </a:r>
+            <a:r>
+              <a:rPr lang="ko-KR" altLang="en-US" sz="1000" dirty="0"/>
+              <a:t>김동우 </a:t>
+            </a:r>
+            <a:r>
+              <a:rPr lang="en-US" altLang="ko-KR" sz="1000" dirty="0"/>
+              <a:t>(01088993885)</a:t>
+            </a:r>
+          </a:p>
+          <a:p>
+            <a:r>
+              <a:rPr lang="en-US" altLang="ko-KR" sz="1000" dirty="0"/>
+              <a:t>O </a:t>
+            </a:r>
+            <a:r>
+              <a:rPr lang="ko-KR" altLang="en-US" sz="1000" dirty="0"/>
+              <a:t>김동우 </a:t>
+            </a:r>
+            <a:r>
+              <a:rPr lang="en-US" altLang="ko-KR" sz="1000" dirty="0"/>
+              <a:t>(01088993885</a:t>
+            </a:r>
+            <a:r>
+              <a:rPr lang="en-US" altLang="ko-KR" sz="1000" dirty="0" smtClean="0"/>
+              <a:t>)</a:t>
+            </a:r>
+          </a:p>
+          <a:p>
+            <a:r>
+              <a:rPr lang="en-US" altLang="ko-KR" sz="1000" dirty="0" smtClean="0"/>
+              <a:t>------------------------------------------</a:t>
+            </a:r>
+            <a:endParaRPr lang="en-US" altLang="ko-KR" sz="1000" dirty="0"/>
+          </a:p>
+          <a:p>
+            <a:r>
+              <a:rPr lang="ko-KR" altLang="en-US" sz="1000" dirty="0" smtClean="0"/>
+              <a:t>상품가격 </a:t>
+            </a:r>
+            <a:r>
+              <a:rPr lang="en-US" altLang="ko-KR" sz="1000" dirty="0" smtClean="0"/>
+              <a:t>: \55,000</a:t>
+            </a:r>
+          </a:p>
+          <a:p>
+            <a:r>
+              <a:rPr lang="ko-KR" altLang="en-US" sz="1000" dirty="0" smtClean="0"/>
+              <a:t>할인 </a:t>
+            </a:r>
+            <a:r>
+              <a:rPr lang="en-US" altLang="ko-KR" sz="1000" dirty="0" smtClean="0"/>
+              <a:t>: - </a:t>
+            </a:r>
+            <a:r>
+              <a:rPr lang="en-US" altLang="ko-KR" sz="1000" dirty="0" smtClean="0">
+                <a:solidFill>
+                  <a:srgbClr val="FF0000"/>
+                </a:solidFill>
+              </a:rPr>
+              <a:t>\100,000</a:t>
+            </a:r>
+          </a:p>
+          <a:p>
+            <a:r>
+              <a:rPr lang="ko-KR" altLang="en-US" sz="700" dirty="0" smtClean="0">
+                <a:solidFill>
+                  <a:srgbClr val="FF0000"/>
+                </a:solidFill>
+              </a:rPr>
+              <a:t>할인이 상품가격보다 많습니다</a:t>
+            </a:r>
+            <a:r>
+              <a:rPr lang="en-US" altLang="ko-KR" sz="700" dirty="0" smtClean="0">
+                <a:solidFill>
+                  <a:srgbClr val="FF0000"/>
+                </a:solidFill>
+              </a:rPr>
+              <a:t>.</a:t>
+            </a:r>
+          </a:p>
+          <a:p>
+            <a:endParaRPr lang="en-US" altLang="ko-KR" sz="700" dirty="0" smtClean="0">
+              <a:solidFill>
+                <a:srgbClr val="FF0000"/>
+              </a:solidFill>
+            </a:endParaRPr>
+          </a:p>
+          <a:p>
+            <a:r>
+              <a:rPr lang="ko-KR" altLang="en-US" sz="1000" dirty="0" smtClean="0"/>
+              <a:t>총액 </a:t>
+            </a:r>
+            <a:r>
+              <a:rPr lang="en-US" altLang="ko-KR" sz="1000" dirty="0" smtClean="0"/>
+              <a:t>: </a:t>
+            </a:r>
+            <a:r>
+              <a:rPr lang="en-US" altLang="ko-KR" sz="1000" dirty="0" smtClean="0">
+                <a:solidFill>
+                  <a:schemeClr val="tx1"/>
+                </a:solidFill>
+              </a:rPr>
+              <a:t>\0</a:t>
+            </a:r>
+          </a:p>
+          <a:p>
+            <a:r>
+              <a:rPr lang="ko-KR" altLang="en-US" sz="1000" dirty="0" smtClean="0"/>
+              <a:t>포인트 사용 </a:t>
+            </a:r>
+            <a:r>
+              <a:rPr lang="en-US" altLang="ko-KR" sz="1000" dirty="0" smtClean="0"/>
+              <a:t>: \[0] / \100,500</a:t>
+            </a:r>
+          </a:p>
+          <a:p>
+            <a:r>
+              <a:rPr lang="ko-KR" altLang="en-US" sz="1000" dirty="0" err="1" smtClean="0"/>
+              <a:t>총결제금액</a:t>
+            </a:r>
+            <a:r>
+              <a:rPr lang="ko-KR" altLang="en-US" sz="1000" dirty="0" smtClean="0"/>
+              <a:t> </a:t>
+            </a:r>
+            <a:r>
+              <a:rPr lang="en-US" altLang="ko-KR" sz="1000" dirty="0" smtClean="0"/>
+              <a:t>: \0</a:t>
+            </a:r>
+          </a:p>
+        </p:txBody>
+      </p:sp>
+      <p:sp>
+        <p:nvSpPr>
+          <p:cNvPr id="13" name="TextBox 12"/>
+          <p:cNvSpPr txBox="1"/>
+          <p:nvPr/>
+        </p:nvSpPr>
+        <p:spPr>
+          <a:xfrm>
+            <a:off x="3161415" y="3449891"/>
+            <a:ext cx="2200939" cy="307777"/>
+          </a:xfrm>
+          <a:prstGeom prst="rect">
+            <a:avLst/>
+          </a:prstGeom>
+          <a:noFill/>
+        </p:spPr>
+        <p:txBody>
+          <a:bodyPr wrap="square" rtlCol="0">
+            <a:spAutoFit/>
+          </a:bodyPr>
+          <a:lstStyle/>
+          <a:p>
+            <a:r>
+              <a:rPr lang="en-US" altLang="ko-KR" sz="700" dirty="0" smtClean="0"/>
+              <a:t>1. </a:t>
+            </a:r>
+            <a:r>
+              <a:rPr lang="ko-KR" altLang="en-US" sz="700" dirty="0" smtClean="0"/>
+              <a:t>할인 </a:t>
+            </a:r>
+            <a:r>
+              <a:rPr lang="en-US" altLang="ko-KR" sz="700" dirty="0" smtClean="0"/>
+              <a:t>&gt; </a:t>
+            </a:r>
+            <a:r>
+              <a:rPr lang="ko-KR" altLang="en-US" sz="700" dirty="0" err="1" smtClean="0"/>
+              <a:t>금액일시</a:t>
+            </a:r>
+            <a:r>
+              <a:rPr lang="ko-KR" altLang="en-US" sz="700" dirty="0" smtClean="0"/>
+              <a:t> 빨간 </a:t>
+            </a:r>
+            <a:r>
+              <a:rPr lang="en-US" altLang="ko-KR" sz="700" dirty="0" smtClean="0"/>
+              <a:t>alert</a:t>
+            </a:r>
+            <a:r>
+              <a:rPr lang="ko-KR" altLang="en-US" sz="700" dirty="0" smtClean="0"/>
+              <a:t>문구 출력</a:t>
+            </a:r>
+            <a:endParaRPr lang="en-US" altLang="ko-KR" sz="700" dirty="0" smtClean="0"/>
+          </a:p>
+          <a:p>
+            <a:r>
+              <a:rPr lang="ko-KR" altLang="en-US" sz="700" dirty="0" smtClean="0"/>
+              <a:t>총액</a:t>
+            </a:r>
+            <a:r>
+              <a:rPr lang="en-US" altLang="ko-KR" sz="700" dirty="0" smtClean="0"/>
+              <a:t>, </a:t>
+            </a:r>
+            <a:r>
+              <a:rPr lang="ko-KR" altLang="en-US" sz="700" dirty="0" err="1" smtClean="0"/>
+              <a:t>포인트사용</a:t>
+            </a:r>
+            <a:r>
+              <a:rPr lang="en-US" altLang="ko-KR" sz="700" dirty="0" smtClean="0"/>
+              <a:t>, </a:t>
+            </a:r>
+            <a:r>
+              <a:rPr lang="ko-KR" altLang="en-US" sz="700" dirty="0" err="1" smtClean="0"/>
+              <a:t>총결제금액</a:t>
+            </a:r>
+            <a:r>
+              <a:rPr lang="ko-KR" altLang="en-US" sz="700" dirty="0" smtClean="0"/>
+              <a:t> </a:t>
+            </a:r>
+            <a:r>
+              <a:rPr lang="en-US" altLang="ko-KR" sz="700" dirty="0" smtClean="0"/>
+              <a:t>0</a:t>
+            </a:r>
+            <a:r>
+              <a:rPr lang="ko-KR" altLang="en-US" sz="700" dirty="0" smtClean="0"/>
+              <a:t>으로 초기화</a:t>
+            </a:r>
+            <a:endParaRPr lang="en-US" altLang="ko-KR" sz="700" dirty="0" smtClean="0"/>
+          </a:p>
+        </p:txBody>
+      </p:sp>
+      <p:sp>
+        <p:nvSpPr>
+          <p:cNvPr id="14" name="TextBox 13"/>
+          <p:cNvSpPr txBox="1"/>
+          <p:nvPr/>
+        </p:nvSpPr>
+        <p:spPr>
+          <a:xfrm>
+            <a:off x="5934741" y="804145"/>
+            <a:ext cx="2461437" cy="2554545"/>
+          </a:xfrm>
+          <a:prstGeom prst="rect">
+            <a:avLst/>
+          </a:prstGeom>
+        </p:spPr>
+        <p:style>
+          <a:lnRef idx="2">
+            <a:schemeClr val="dk1"/>
+          </a:lnRef>
+          <a:fillRef idx="1">
+            <a:schemeClr val="lt1"/>
+          </a:fillRef>
+          <a:effectRef idx="0">
+            <a:schemeClr val="dk1"/>
+          </a:effectRef>
+          <a:fontRef idx="minor">
+            <a:schemeClr val="dk1"/>
+          </a:fontRef>
+        </p:style>
+        <p:txBody>
+          <a:bodyPr wrap="square" rtlCol="0">
+            <a:spAutoFit/>
+          </a:bodyPr>
+          <a:lstStyle/>
+          <a:p>
+            <a:r>
+              <a:rPr lang="en-US" altLang="ko-KR" sz="1000" dirty="0" smtClean="0"/>
+              <a:t>V</a:t>
+            </a:r>
+            <a:r>
+              <a:rPr lang="ko-KR" altLang="en-US" sz="1000" dirty="0" smtClean="0"/>
+              <a:t>회원</a:t>
+            </a:r>
+            <a:r>
+              <a:rPr lang="en-US" altLang="ko-KR" sz="1000" dirty="0"/>
+              <a:t> </a:t>
+            </a:r>
+            <a:r>
+              <a:rPr lang="en-US" altLang="ko-KR" sz="1000" dirty="0" smtClean="0"/>
+              <a:t>                |               </a:t>
+            </a:r>
+            <a:r>
+              <a:rPr lang="ko-KR" altLang="en-US" sz="1000" dirty="0" smtClean="0"/>
+              <a:t>비회원</a:t>
+            </a:r>
+            <a:endParaRPr lang="en-US" altLang="ko-KR" sz="1000" dirty="0" smtClean="0"/>
+          </a:p>
+          <a:p>
+            <a:r>
+              <a:rPr lang="en-US" altLang="ko-KR" sz="1000" dirty="0" smtClean="0"/>
+              <a:t>------------------------------------------</a:t>
+            </a:r>
+            <a:endParaRPr lang="en-US" altLang="ko-KR" sz="1000" dirty="0"/>
+          </a:p>
+          <a:p>
+            <a:r>
+              <a:rPr lang="en-US" altLang="ko-KR" sz="1000" dirty="0" smtClean="0"/>
+              <a:t>[</a:t>
+            </a:r>
+            <a:r>
+              <a:rPr lang="en-US" altLang="ko-KR" sz="1000" dirty="0"/>
+              <a:t>	]</a:t>
+            </a:r>
+            <a:r>
+              <a:rPr lang="ko-KR" altLang="en-US" sz="1000" dirty="0"/>
+              <a:t>검색</a:t>
+            </a:r>
+            <a:endParaRPr lang="en-US" altLang="ko-KR" sz="1000" dirty="0"/>
+          </a:p>
+          <a:p>
+            <a:r>
+              <a:rPr lang="en-US" altLang="ko-KR" sz="1000" dirty="0" smtClean="0"/>
+              <a:t>------------------------------------------</a:t>
+            </a:r>
+            <a:endParaRPr lang="en-US" altLang="ko-KR" sz="1000" dirty="0"/>
+          </a:p>
+          <a:p>
+            <a:r>
+              <a:rPr lang="en-US" altLang="ko-KR" sz="1000" dirty="0"/>
+              <a:t>O </a:t>
+            </a:r>
+            <a:r>
+              <a:rPr lang="ko-KR" altLang="en-US" sz="1000" dirty="0"/>
+              <a:t>김동우 </a:t>
+            </a:r>
+            <a:r>
+              <a:rPr lang="en-US" altLang="ko-KR" sz="1000" dirty="0"/>
+              <a:t>(01088993885)</a:t>
+            </a:r>
+          </a:p>
+          <a:p>
+            <a:r>
+              <a:rPr lang="en-US" altLang="ko-KR" sz="1000" dirty="0" smtClean="0"/>
+              <a:t>V </a:t>
+            </a:r>
+            <a:r>
+              <a:rPr lang="ko-KR" altLang="en-US" sz="1000" dirty="0"/>
+              <a:t>김동우 </a:t>
+            </a:r>
+            <a:r>
+              <a:rPr lang="en-US" altLang="ko-KR" sz="1000" dirty="0"/>
+              <a:t>(01088993885</a:t>
+            </a:r>
+            <a:r>
+              <a:rPr lang="en-US" altLang="ko-KR" sz="1000" dirty="0" smtClean="0"/>
+              <a:t>)</a:t>
+            </a:r>
+          </a:p>
+          <a:p>
+            <a:r>
+              <a:rPr lang="en-US" altLang="ko-KR" sz="1000" dirty="0" smtClean="0"/>
+              <a:t>O </a:t>
+            </a:r>
+            <a:r>
+              <a:rPr lang="ko-KR" altLang="en-US" sz="1000" dirty="0"/>
+              <a:t>김동우 </a:t>
+            </a:r>
+            <a:r>
+              <a:rPr lang="en-US" altLang="ko-KR" sz="1000" dirty="0"/>
+              <a:t>(</a:t>
+            </a:r>
+            <a:r>
+              <a:rPr lang="en-US" altLang="ko-KR" sz="1000" dirty="0" smtClean="0"/>
+              <a:t>01088993885)</a:t>
+            </a:r>
+          </a:p>
+          <a:p>
+            <a:r>
+              <a:rPr lang="en-US" altLang="ko-KR" sz="1000" dirty="0"/>
+              <a:t>O </a:t>
+            </a:r>
+            <a:r>
+              <a:rPr lang="ko-KR" altLang="en-US" sz="1000" dirty="0"/>
+              <a:t>김동우 </a:t>
+            </a:r>
+            <a:r>
+              <a:rPr lang="en-US" altLang="ko-KR" sz="1000" dirty="0"/>
+              <a:t>(01088993885)</a:t>
+            </a:r>
+          </a:p>
+          <a:p>
+            <a:r>
+              <a:rPr lang="en-US" altLang="ko-KR" sz="1000" dirty="0"/>
+              <a:t>O </a:t>
+            </a:r>
+            <a:r>
+              <a:rPr lang="ko-KR" altLang="en-US" sz="1000" dirty="0"/>
+              <a:t>김동우 </a:t>
+            </a:r>
+            <a:r>
+              <a:rPr lang="en-US" altLang="ko-KR" sz="1000" dirty="0"/>
+              <a:t>(01088993885</a:t>
+            </a:r>
+            <a:r>
+              <a:rPr lang="en-US" altLang="ko-KR" sz="1000" dirty="0" smtClean="0"/>
+              <a:t>)</a:t>
+            </a:r>
+          </a:p>
+          <a:p>
+            <a:r>
+              <a:rPr lang="en-US" altLang="ko-KR" sz="1000" dirty="0" smtClean="0"/>
+              <a:t>------------------------------------------</a:t>
+            </a:r>
+            <a:endParaRPr lang="en-US" altLang="ko-KR" sz="1000" dirty="0"/>
+          </a:p>
+          <a:p>
+            <a:r>
+              <a:rPr lang="ko-KR" altLang="en-US" sz="1000" dirty="0" smtClean="0"/>
+              <a:t>금액 </a:t>
+            </a:r>
+            <a:r>
+              <a:rPr lang="en-US" altLang="ko-KR" sz="1000" dirty="0" smtClean="0"/>
+              <a:t>: \55,000</a:t>
+            </a:r>
+          </a:p>
+          <a:p>
+            <a:r>
+              <a:rPr lang="ko-KR" altLang="en-US" sz="1000" dirty="0" smtClean="0"/>
+              <a:t>할인 </a:t>
+            </a:r>
+            <a:r>
+              <a:rPr lang="en-US" altLang="ko-KR" sz="1000" dirty="0" smtClean="0"/>
+              <a:t>: \15,000</a:t>
+            </a:r>
+            <a:endParaRPr lang="en-US" altLang="ko-KR" sz="1000" dirty="0" smtClean="0">
+              <a:solidFill>
+                <a:srgbClr val="FF0000"/>
+              </a:solidFill>
+            </a:endParaRPr>
+          </a:p>
+          <a:p>
+            <a:endParaRPr lang="en-US" altLang="ko-KR" sz="1000" dirty="0" smtClean="0"/>
+          </a:p>
+          <a:p>
+            <a:r>
+              <a:rPr lang="ko-KR" altLang="en-US" sz="1000" dirty="0" smtClean="0"/>
+              <a:t>총액 </a:t>
+            </a:r>
+            <a:r>
+              <a:rPr lang="en-US" altLang="ko-KR" sz="1000" dirty="0" smtClean="0"/>
+              <a:t>: \40,000</a:t>
+            </a:r>
+            <a:endParaRPr lang="en-US" altLang="ko-KR" sz="1000" dirty="0" smtClean="0">
+              <a:solidFill>
+                <a:srgbClr val="FF0000"/>
+              </a:solidFill>
+            </a:endParaRPr>
+          </a:p>
+          <a:p>
+            <a:r>
+              <a:rPr lang="ko-KR" altLang="en-US" sz="1000" dirty="0" smtClean="0"/>
+              <a:t>포인트 사용 </a:t>
+            </a:r>
+            <a:r>
+              <a:rPr lang="en-US" altLang="ko-KR" sz="1000" dirty="0" smtClean="0"/>
+              <a:t>: \[0] / \100,500</a:t>
+            </a:r>
+          </a:p>
+          <a:p>
+            <a:r>
+              <a:rPr lang="ko-KR" altLang="en-US" sz="1000" dirty="0" err="1" smtClean="0"/>
+              <a:t>총결제금액</a:t>
+            </a:r>
+            <a:r>
+              <a:rPr lang="ko-KR" altLang="en-US" sz="1000" dirty="0" smtClean="0"/>
+              <a:t> </a:t>
+            </a:r>
+            <a:r>
+              <a:rPr lang="en-US" altLang="ko-KR" sz="1000" dirty="0" smtClean="0"/>
+              <a:t>: \30,000</a:t>
+            </a:r>
+          </a:p>
+        </p:txBody>
+      </p:sp>
+      <p:sp>
+        <p:nvSpPr>
+          <p:cNvPr id="15" name="TextBox 14"/>
+          <p:cNvSpPr txBox="1"/>
+          <p:nvPr/>
+        </p:nvSpPr>
+        <p:spPr>
+          <a:xfrm>
+            <a:off x="5934741" y="3420246"/>
+            <a:ext cx="2200939" cy="1061829"/>
+          </a:xfrm>
+          <a:prstGeom prst="rect">
+            <a:avLst/>
+          </a:prstGeom>
+          <a:noFill/>
+        </p:spPr>
+        <p:txBody>
+          <a:bodyPr wrap="square" rtlCol="0">
+            <a:spAutoFit/>
+          </a:bodyPr>
+          <a:lstStyle/>
+          <a:p>
+            <a:r>
+              <a:rPr lang="en-US" altLang="ko-KR" sz="700" dirty="0" smtClean="0"/>
+              <a:t>1. </a:t>
+            </a:r>
+            <a:r>
+              <a:rPr lang="ko-KR" altLang="en-US" sz="700" dirty="0" smtClean="0"/>
+              <a:t>금액</a:t>
+            </a:r>
+            <a:r>
+              <a:rPr lang="en-US" altLang="ko-KR" sz="700" dirty="0" smtClean="0"/>
+              <a:t>, </a:t>
+            </a:r>
+            <a:r>
+              <a:rPr lang="ko-KR" altLang="en-US" sz="700" dirty="0" smtClean="0"/>
+              <a:t>할인 </a:t>
+            </a:r>
+            <a:r>
+              <a:rPr lang="ko-KR" altLang="en-US" sz="700" dirty="0" err="1" smtClean="0"/>
+              <a:t>변경시</a:t>
+            </a:r>
+            <a:r>
+              <a:rPr lang="ko-KR" altLang="en-US" sz="700" dirty="0" smtClean="0"/>
+              <a:t> </a:t>
+            </a:r>
+            <a:r>
+              <a:rPr lang="ko-KR" altLang="en-US" sz="700" dirty="0" err="1" smtClean="0"/>
+              <a:t>할인금액</a:t>
+            </a:r>
+            <a:r>
+              <a:rPr lang="ko-KR" altLang="en-US" sz="700" dirty="0" smtClean="0"/>
+              <a:t> </a:t>
+            </a:r>
+            <a:r>
+              <a:rPr lang="ko-KR" altLang="en-US" sz="700" dirty="0" err="1" smtClean="0"/>
+              <a:t>적용후</a:t>
+            </a:r>
+            <a:r>
+              <a:rPr lang="ko-KR" altLang="en-US" sz="700" dirty="0" smtClean="0"/>
+              <a:t> 총액 변경</a:t>
+            </a:r>
+            <a:endParaRPr lang="en-US" altLang="ko-KR" sz="700" dirty="0"/>
+          </a:p>
+          <a:p>
+            <a:r>
+              <a:rPr lang="en-US" altLang="ko-KR" sz="700" dirty="0" smtClean="0"/>
+              <a:t>1-1. </a:t>
+            </a:r>
+            <a:r>
+              <a:rPr lang="ko-KR" altLang="en-US" sz="700" dirty="0" smtClean="0"/>
+              <a:t>포인트 사용 </a:t>
+            </a:r>
+            <a:r>
+              <a:rPr lang="en-US" altLang="ko-KR" sz="700" dirty="0" smtClean="0"/>
+              <a:t>&gt; </a:t>
+            </a:r>
+            <a:r>
+              <a:rPr lang="ko-KR" altLang="en-US" sz="700" dirty="0" smtClean="0"/>
+              <a:t>포인트 </a:t>
+            </a:r>
+            <a:r>
+              <a:rPr lang="ko-KR" altLang="en-US" sz="700" dirty="0" err="1" smtClean="0"/>
+              <a:t>잔액일경우</a:t>
+            </a:r>
+            <a:endParaRPr lang="en-US" altLang="ko-KR" sz="700" dirty="0" smtClean="0"/>
+          </a:p>
+          <a:p>
+            <a:r>
+              <a:rPr lang="ko-KR" altLang="en-US" sz="700" dirty="0" smtClean="0"/>
+              <a:t>총결제금액만 </a:t>
+            </a:r>
+            <a:r>
+              <a:rPr lang="en-US" altLang="ko-KR" sz="700" dirty="0" smtClean="0"/>
+              <a:t>0</a:t>
+            </a:r>
+            <a:r>
+              <a:rPr lang="ko-KR" altLang="en-US" sz="700" dirty="0" smtClean="0"/>
+              <a:t>으로 초기화</a:t>
+            </a:r>
+            <a:r>
+              <a:rPr lang="en-US" altLang="ko-KR" sz="700" dirty="0" smtClean="0"/>
+              <a:t>,</a:t>
+            </a:r>
+          </a:p>
+          <a:p>
+            <a:r>
+              <a:rPr lang="ko-KR" altLang="en-US" sz="700" dirty="0" smtClean="0"/>
+              <a:t>빨간 </a:t>
+            </a:r>
+            <a:r>
+              <a:rPr lang="en-US" altLang="ko-KR" sz="700" dirty="0" smtClean="0"/>
+              <a:t>alert </a:t>
+            </a:r>
+            <a:r>
+              <a:rPr lang="ko-KR" altLang="en-US" sz="700" dirty="0" smtClean="0"/>
+              <a:t>문구 출력</a:t>
+            </a:r>
+            <a:endParaRPr lang="en-US" altLang="ko-KR" sz="700" dirty="0" smtClean="0"/>
+          </a:p>
+          <a:p>
+            <a:r>
+              <a:rPr lang="en-US" altLang="ko-KR" sz="700" dirty="0" smtClean="0"/>
+              <a:t>1-2. </a:t>
+            </a:r>
+            <a:r>
+              <a:rPr lang="ko-KR" altLang="en-US" sz="700" dirty="0" smtClean="0"/>
+              <a:t>포인트 사용 </a:t>
+            </a:r>
+            <a:r>
+              <a:rPr lang="en-US" altLang="ko-KR" sz="700" dirty="0" smtClean="0"/>
+              <a:t>&lt;= </a:t>
+            </a:r>
+            <a:r>
+              <a:rPr lang="ko-KR" altLang="en-US" sz="700" dirty="0" smtClean="0"/>
+              <a:t>포인트 </a:t>
+            </a:r>
+            <a:r>
+              <a:rPr lang="ko-KR" altLang="en-US" sz="700" dirty="0" err="1" smtClean="0"/>
+              <a:t>잔액일경우</a:t>
+            </a:r>
+            <a:endParaRPr lang="en-US" altLang="ko-KR" sz="700" dirty="0" smtClean="0"/>
+          </a:p>
+          <a:p>
+            <a:r>
+              <a:rPr lang="ko-KR" altLang="en-US" sz="700" dirty="0" smtClean="0"/>
+              <a:t>총결제금액까지 변경</a:t>
+            </a:r>
+            <a:endParaRPr lang="en-US" altLang="ko-KR" sz="700" dirty="0" smtClean="0"/>
+          </a:p>
+          <a:p>
+            <a:endParaRPr lang="en-US" altLang="ko-KR" sz="700" dirty="0"/>
+          </a:p>
+          <a:p>
+            <a:r>
+              <a:rPr lang="en-US" altLang="ko-KR" sz="700" dirty="0" smtClean="0"/>
+              <a:t>2. </a:t>
+            </a:r>
+            <a:r>
+              <a:rPr lang="ko-KR" altLang="en-US" sz="700" dirty="0" smtClean="0"/>
+              <a:t>포인트 사용 </a:t>
+            </a:r>
+            <a:r>
+              <a:rPr lang="ko-KR" altLang="en-US" sz="700" dirty="0" err="1" smtClean="0"/>
+              <a:t>변경시</a:t>
+            </a:r>
+            <a:endParaRPr lang="en-US" altLang="ko-KR" sz="700" dirty="0"/>
+          </a:p>
+          <a:p>
+            <a:r>
+              <a:rPr lang="ko-KR" altLang="en-US" sz="700" dirty="0" err="1" smtClean="0"/>
+              <a:t>총결제금액</a:t>
+            </a:r>
+            <a:r>
+              <a:rPr lang="ko-KR" altLang="en-US" sz="700" dirty="0" smtClean="0"/>
+              <a:t> 변경</a:t>
+            </a:r>
+            <a:endParaRPr lang="en-US" altLang="ko-KR" sz="700" dirty="0" smtClean="0"/>
+          </a:p>
+        </p:txBody>
+      </p:sp>
+      <p:sp>
+        <p:nvSpPr>
+          <p:cNvPr id="16" name="TextBox 15"/>
+          <p:cNvSpPr txBox="1"/>
+          <p:nvPr/>
+        </p:nvSpPr>
+        <p:spPr>
+          <a:xfrm>
+            <a:off x="388089" y="804144"/>
+            <a:ext cx="2461437" cy="1631216"/>
+          </a:xfrm>
+          <a:prstGeom prst="rect">
+            <a:avLst/>
+          </a:prstGeom>
+        </p:spPr>
+        <p:style>
+          <a:lnRef idx="2">
+            <a:schemeClr val="dk1"/>
+          </a:lnRef>
+          <a:fillRef idx="1">
+            <a:schemeClr val="lt1"/>
+          </a:fillRef>
+          <a:effectRef idx="0">
+            <a:schemeClr val="dk1"/>
+          </a:effectRef>
+          <a:fontRef idx="minor">
+            <a:schemeClr val="dk1"/>
+          </a:fontRef>
+        </p:style>
+        <p:txBody>
+          <a:bodyPr wrap="square" rtlCol="0">
+            <a:spAutoFit/>
+          </a:bodyPr>
+          <a:lstStyle/>
+          <a:p>
+            <a:r>
+              <a:rPr lang="ko-KR" altLang="en-US" sz="1000" dirty="0" smtClean="0"/>
+              <a:t>회원 </a:t>
+            </a:r>
+            <a:r>
+              <a:rPr lang="en-US" altLang="ko-KR" sz="1000" dirty="0" smtClean="0"/>
+              <a:t>                 |              V</a:t>
+            </a:r>
+            <a:r>
+              <a:rPr lang="ko-KR" altLang="en-US" sz="1000" dirty="0" smtClean="0"/>
+              <a:t>비회원</a:t>
+            </a:r>
+            <a:endParaRPr lang="en-US" altLang="ko-KR" sz="1000" dirty="0" smtClean="0"/>
+          </a:p>
+          <a:p>
+            <a:r>
+              <a:rPr lang="en-US" altLang="ko-KR" sz="1000" dirty="0" smtClean="0"/>
+              <a:t>------------------------------------------</a:t>
+            </a:r>
+            <a:endParaRPr lang="en-US" altLang="ko-KR" sz="1000" dirty="0"/>
+          </a:p>
+          <a:p>
+            <a:r>
+              <a:rPr lang="ko-KR" altLang="en-US" sz="1000" dirty="0" smtClean="0"/>
+              <a:t>상품가격 </a:t>
+            </a:r>
+            <a:r>
+              <a:rPr lang="en-US" altLang="ko-KR" sz="1000" dirty="0" smtClean="0"/>
+              <a:t>: \0</a:t>
+            </a:r>
+          </a:p>
+          <a:p>
+            <a:r>
+              <a:rPr lang="ko-KR" altLang="en-US" sz="1000" dirty="0" smtClean="0"/>
+              <a:t>할인 </a:t>
+            </a:r>
+            <a:r>
+              <a:rPr lang="en-US" altLang="ko-KR" sz="1000" dirty="0" smtClean="0"/>
+              <a:t>: \0</a:t>
+            </a:r>
+          </a:p>
+          <a:p>
+            <a:r>
+              <a:rPr lang="ko-KR" altLang="en-US" sz="1000" dirty="0" err="1" smtClean="0"/>
+              <a:t>총결제금액</a:t>
+            </a:r>
+            <a:r>
+              <a:rPr lang="ko-KR" altLang="en-US" sz="1000" dirty="0" smtClean="0"/>
+              <a:t> </a:t>
+            </a:r>
+            <a:r>
+              <a:rPr lang="en-US" altLang="ko-KR" sz="1000" dirty="0" smtClean="0"/>
+              <a:t>: \0</a:t>
+            </a:r>
+            <a:endParaRPr lang="en-US" altLang="ko-KR" sz="1000" dirty="0"/>
+          </a:p>
+          <a:p>
+            <a:r>
+              <a:rPr lang="en-US" altLang="ko-KR" sz="1000" dirty="0" smtClean="0"/>
+              <a:t>-----------------------------------------</a:t>
+            </a:r>
+          </a:p>
+          <a:p>
+            <a:r>
+              <a:rPr lang="en-US" altLang="ko-KR" sz="1000" dirty="0" smtClean="0"/>
+              <a:t>Comment</a:t>
+            </a:r>
+          </a:p>
+          <a:p>
+            <a:endParaRPr lang="en-US" altLang="ko-KR" sz="1000" dirty="0"/>
+          </a:p>
+          <a:p>
+            <a:endParaRPr lang="en-US" altLang="ko-KR" sz="1000" dirty="0" smtClean="0"/>
+          </a:p>
+          <a:p>
+            <a:endParaRPr lang="en-US" altLang="ko-KR" sz="1000" dirty="0" smtClean="0"/>
+          </a:p>
+        </p:txBody>
+      </p:sp>
+    </p:spTree>
+    <p:extLst>
+      <p:ext uri="{BB962C8B-B14F-4D97-AF65-F5344CB8AC3E}">
+        <p14:creationId xmlns:p14="http://schemas.microsoft.com/office/powerpoint/2010/main" val="2331711983"/>
+      </p:ext>
+    </p:extLst>
+  </p:cSld>
+  <p:clrMapOvr>
+    <a:masterClrMapping/>
+  </p:clrMapOvr>
+</p:sld>
+</file>
+
+<file path=ppt/slides/slide4.xml><?xml version="1.0" encoding="utf-8"?>
 <p:sld xmlns:a="http://schemas.openxmlformats.org/drawingml/2006/main" xmlns:r="http://schemas.openxmlformats.org/officeDocument/2006/relationships" xmlns:p="http://schemas.openxmlformats.org/presentationml/2006/main">
   <p:cSld>
     <p:spTree>
@@ -4828,7 +7298,7 @@
 </p:sld>
 </file>
 
-<file path=ppt/slides/slide4.xml><?xml version="1.0" encoding="utf-8"?>
+<file path=ppt/slides/slide5.xml><?xml version="1.0" encoding="utf-8"?>
 <p:sld xmlns:a="http://schemas.openxmlformats.org/drawingml/2006/main" xmlns:r="http://schemas.openxmlformats.org/officeDocument/2006/relationships" xmlns:p="http://schemas.openxmlformats.org/presentationml/2006/main">
   <p:cSld>
     <p:spTree>
@@ -5074,7 +7544,7 @@
 </p:sld>
 </file>
 
-<file path=ppt/slides/slide5.xml><?xml version="1.0" encoding="utf-8"?>
+<file path=ppt/slides/slide6.xml><?xml version="1.0" encoding="utf-8"?>
 <p:sld xmlns:a="http://schemas.openxmlformats.org/drawingml/2006/main" xmlns:r="http://schemas.openxmlformats.org/officeDocument/2006/relationships" xmlns:p="http://schemas.openxmlformats.org/presentationml/2006/main">
   <p:cSld>
     <p:spTree>
@@ -5691,7 +8161,7 @@
 </p:sld>
 </file>
 
-<file path=ppt/slides/slide6.xml><?xml version="1.0" encoding="utf-8"?>
+<file path=ppt/slides/slide7.xml><?xml version="1.0" encoding="utf-8"?>
 <p:sld xmlns:a="http://schemas.openxmlformats.org/drawingml/2006/main" xmlns:r="http://schemas.openxmlformats.org/officeDocument/2006/relationships" xmlns:p="http://schemas.openxmlformats.org/presentationml/2006/main">
   <p:cSld>
     <p:spTree>

--- a/Aura UX.pptx
+++ b/Aura UX.pptx
@@ -3619,7 +3619,7 @@
         <p:spPr>
           <a:xfrm>
             <a:off x="457200" y="162560"/>
-            <a:ext cx="4196080" cy="369332"/>
+            <a:ext cx="6333744" cy="369332"/>
           </a:xfrm>
           <a:prstGeom prst="rect">
             <a:avLst/>
@@ -3642,11 +3642,43 @@
             </a:r>
             <a:r>
               <a:rPr lang="en-US" altLang="ko-KR" dirty="0" smtClean="0"/>
-              <a:t>– </a:t>
+              <a:t>( </a:t>
             </a:r>
             <a:r>
               <a:rPr lang="ko-KR" altLang="en-US" dirty="0" smtClean="0"/>
-              <a:t>회원</a:t>
+              <a:t>상품가격</a:t>
+            </a:r>
+            <a:r>
+              <a:rPr lang="en-US" altLang="ko-KR" dirty="0" smtClean="0"/>
+              <a:t>,</a:t>
+            </a:r>
+            <a:r>
+              <a:rPr lang="ko-KR" altLang="en-US" dirty="0" smtClean="0"/>
+              <a:t>할인</a:t>
+            </a:r>
+            <a:r>
+              <a:rPr lang="en-US" altLang="ko-KR" dirty="0" smtClean="0"/>
+              <a:t>,</a:t>
+            </a:r>
+            <a:r>
+              <a:rPr lang="ko-KR" altLang="en-US" dirty="0" smtClean="0"/>
+              <a:t>포인트</a:t>
+            </a:r>
+            <a:r>
+              <a:rPr lang="en-US" altLang="ko-KR" dirty="0"/>
+              <a:t> </a:t>
+            </a:r>
+            <a:r>
+              <a:rPr lang="ko-KR" altLang="en-US" dirty="0" err="1" smtClean="0"/>
+              <a:t>상호이벤트</a:t>
+            </a:r>
+            <a:r>
+              <a:rPr lang="ko-KR" altLang="en-US" dirty="0" smtClean="0"/>
+              <a:t> 정의 </a:t>
+            </a:r>
+            <a:r>
+              <a:rPr lang="en-US" altLang="ko-KR" dirty="0" smtClean="0"/>
+              <a:t>)</a:t>
             </a:r>
             <a:endParaRPr lang="ko-KR" altLang="en-US" dirty="0"/>
           </a:p>
@@ -4711,7 +4743,7 @@
         <p:spPr>
           <a:xfrm>
             <a:off x="388089" y="804144"/>
-            <a:ext cx="2461437" cy="4093428"/>
+            <a:ext cx="2461437" cy="4247317"/>
           </a:xfrm>
           <a:prstGeom prst="rect">
             <a:avLst/>
@@ -4799,8 +4831,13 @@
             </a:r>
             <a:r>
               <a:rPr lang="en-US" altLang="ko-KR" sz="1000" dirty="0"/>
-              <a:t>(01088993885)</a:t>
-            </a:r>
+              <a:t>(01088993885</a:t>
+            </a:r>
+            <a:r>
+              <a:rPr lang="en-US" altLang="ko-KR" sz="1000" dirty="0" smtClean="0"/>
+              <a:t>) SILVER </a:t>
+            </a:r>
+            <a:endParaRPr lang="en-US" altLang="ko-KR" sz="1000" dirty="0"/>
           </a:p>
           <a:p>
             <a:r>
@@ -4817,8 +4854,9 @@
             </a:r>
             <a:r>
               <a:rPr lang="en-US" altLang="ko-KR" sz="1000" dirty="0" smtClean="0"/>
-              <a:t>)</a:t>
-            </a:r>
+              <a:t>) GOLD</a:t>
+            </a:r>
+            <a:endParaRPr lang="en-US" altLang="ko-KR" sz="1000" dirty="0" smtClean="0"/>
           </a:p>
           <a:p>
             <a:r>
@@ -4835,8 +4873,13 @@
             </a:r>
             <a:r>
               <a:rPr lang="en-US" altLang="ko-KR" sz="1000" dirty="0" smtClean="0"/>
-              <a:t>01088993885)</a:t>
-            </a:r>
+              <a:t>01088993885</a:t>
+            </a:r>
+            <a:r>
+              <a:rPr lang="en-US" altLang="ko-KR" sz="1000" dirty="0" smtClean="0"/>
+              <a:t>) </a:t>
+            </a:r>
+            <a:endParaRPr lang="en-US" altLang="ko-KR" sz="1000" dirty="0" smtClean="0"/>
           </a:p>
           <a:p>
             <a:r>
@@ -4849,8 +4892,21 @@
             </a:r>
             <a:r>
               <a:rPr lang="en-US" altLang="ko-KR" sz="1000" dirty="0"/>
-              <a:t>(01088993885)</a:t>
-            </a:r>
+              <a:t>(01088993885</a:t>
+            </a:r>
+            <a:r>
+              <a:rPr lang="en-US" altLang="ko-KR" sz="1000" dirty="0" smtClean="0"/>
+              <a:t>) VIP(</a:t>
+            </a:r>
+            <a:r>
+              <a:rPr lang="ko-KR" altLang="en-US" sz="1000" dirty="0" smtClean="0"/>
+              <a:t>아이콘</a:t>
+            </a:r>
+            <a:r>
+              <a:rPr lang="en-US" altLang="ko-KR" sz="1000" dirty="0" smtClean="0"/>
+              <a:t>)</a:t>
+            </a:r>
+            <a:endParaRPr lang="en-US" altLang="ko-KR" sz="1000" dirty="0"/>
           </a:p>
           <a:p>
             <a:r>
@@ -4867,8 +4923,9 @@
             </a:r>
             <a:r>
               <a:rPr lang="en-US" altLang="ko-KR" sz="1000" dirty="0" smtClean="0"/>
-              <a:t>)</a:t>
-            </a:r>
+              <a:t>) VIP</a:t>
+            </a:r>
+            <a:endParaRPr lang="en-US" altLang="ko-KR" sz="1000" dirty="0" smtClean="0"/>
           </a:p>
           <a:p>
             <a:r>
@@ -4947,8 +5004,16 @@
               <a:t>열펌</a:t>
             </a:r>
             <a:r>
-              <a:rPr lang="en-US" altLang="ko-KR" sz="1000" dirty="0" smtClean="0"/>
-              <a:t>(\50,000)</a:t>
+              <a:rPr lang="ko-KR" altLang="en-US" sz="1000" dirty="0" smtClean="0"/>
+              <a:t> </a:t>
+            </a:r>
+            <a:r>
+              <a:rPr lang="en-US" altLang="ko-KR" sz="1000" dirty="0" smtClean="0"/>
+              <a:t>(\</a:t>
+            </a:r>
+            <a:r>
+              <a:rPr lang="en-US" altLang="ko-KR" sz="1000" dirty="0" smtClean="0"/>
+              <a:t>50,000)</a:t>
             </a:r>
           </a:p>
           <a:p>
@@ -4957,44 +5022,44 @@
               <a:t>O </a:t>
             </a:r>
             <a:r>
-              <a:rPr lang="ko-KR" altLang="en-US" sz="1000" dirty="0"/>
-              <a:t>김동우 </a:t>
-            </a:r>
-            <a:r>
-              <a:rPr lang="en-US" altLang="ko-KR" sz="1000" dirty="0"/>
-              <a:t>(01088993885)</a:t>
-            </a:r>
-          </a:p>
-          <a:p>
-            <a:r>
-              <a:rPr lang="en-US" altLang="ko-KR" sz="1000" dirty="0"/>
+              <a:rPr lang="ko-KR" altLang="en-US" sz="1000" dirty="0" err="1" smtClean="0"/>
+              <a:t>여자커트</a:t>
+            </a:r>
+            <a:r>
+              <a:rPr lang="ko-KR" altLang="en-US" sz="1000" dirty="0" smtClean="0"/>
+              <a:t> </a:t>
+            </a:r>
+            <a:r>
+              <a:rPr lang="en-US" altLang="ko-KR" sz="1000" dirty="0" smtClean="0"/>
+              <a:t>(\40,000)</a:t>
+            </a:r>
+          </a:p>
+          <a:p>
+            <a:r>
+              <a:rPr lang="en-US" altLang="ko-KR" sz="1000" dirty="0" smtClean="0"/>
               <a:t>O </a:t>
             </a:r>
             <a:r>
-              <a:rPr lang="ko-KR" altLang="en-US" sz="1000" dirty="0"/>
-              <a:t>김동우 </a:t>
-            </a:r>
-            <a:r>
-              <a:rPr lang="en-US" altLang="ko-KR" sz="1000" dirty="0"/>
-              <a:t>(01088993885)</a:t>
-            </a:r>
-          </a:p>
-          <a:p>
-            <a:r>
-              <a:rPr lang="en-US" altLang="ko-KR" sz="1000" dirty="0"/>
+              <a:rPr lang="ko-KR" altLang="en-US" sz="1000" dirty="0" err="1" smtClean="0"/>
+              <a:t>호일펌</a:t>
+            </a:r>
+            <a:r>
+              <a:rPr lang="en-US" altLang="ko-KR" sz="1000" dirty="0" smtClean="0"/>
+              <a:t>(\20,000)</a:t>
+            </a:r>
+          </a:p>
+          <a:p>
+            <a:r>
+              <a:rPr lang="en-US" altLang="ko-KR" sz="1000" dirty="0" smtClean="0"/>
               <a:t>O </a:t>
             </a:r>
             <a:r>
-              <a:rPr lang="ko-KR" altLang="en-US" sz="1000" dirty="0"/>
-              <a:t>김동우 </a:t>
-            </a:r>
-            <a:r>
-              <a:rPr lang="en-US" altLang="ko-KR" sz="1000" dirty="0"/>
-              <a:t>(01088993885</a:t>
-            </a:r>
-            <a:r>
-              <a:rPr lang="en-US" altLang="ko-KR" sz="1000" dirty="0" smtClean="0"/>
-              <a:t>)</a:t>
+              <a:rPr lang="ko-KR" altLang="en-US" sz="1000" dirty="0" err="1" smtClean="0"/>
+              <a:t>폭포수펌</a:t>
+            </a:r>
+            <a:r>
+              <a:rPr lang="en-US" altLang="ko-KR" sz="1000" dirty="0" smtClean="0"/>
+              <a:t>(\10,000)</a:t>
             </a:r>
             <a:endParaRPr lang="en-US" altLang="ko-KR" sz="1000" dirty="0"/>
           </a:p>
@@ -5011,20 +5076,43 @@
             </a:r>
             <a:r>
               <a:rPr lang="en-US" altLang="ko-KR" sz="1000" dirty="0" smtClean="0"/>
-              <a:t>: \0</a:t>
-            </a:r>
-          </a:p>
-          <a:p>
+              <a:t>: \</a:t>
+            </a:r>
+            <a:r>
+              <a:rPr lang="en-US" altLang="ko-KR" sz="1000" dirty="0" smtClean="0"/>
+              <a:t>0</a:t>
+            </a:r>
+          </a:p>
+          <a:p>
+            <a:r>
+              <a:rPr lang="en-US" altLang="ko-KR" sz="1000" dirty="0"/>
+              <a:t>-------------------------------------------</a:t>
+            </a:r>
+          </a:p>
+          <a:p>
+            <a:r>
+              <a:rPr lang="ko-KR" altLang="en-US" sz="1000" dirty="0" err="1" smtClean="0"/>
+              <a:t>퍼센트할인</a:t>
+            </a:r>
+            <a:r>
+              <a:rPr lang="en-US" altLang="ko-KR" sz="1000" dirty="0" smtClean="0"/>
+              <a:t>[0%]    |   </a:t>
+            </a:r>
             <a:r>
               <a:rPr lang="ko-KR" altLang="en-US" sz="1000" dirty="0" smtClean="0"/>
-              <a:t>할인 </a:t>
-            </a:r>
-            <a:r>
-              <a:rPr lang="en-US" altLang="ko-KR" sz="1000" dirty="0" smtClean="0"/>
-              <a:t>: \0</a:t>
-            </a:r>
-          </a:p>
-          <a:p>
+              <a:t>지정금액할인</a:t>
+            </a:r>
+            <a:r>
+              <a:rPr lang="en-US" altLang="ko-KR" sz="1000" dirty="0" smtClean="0"/>
+              <a:t>[\0]</a:t>
+            </a:r>
+            <a:endParaRPr lang="en-US" altLang="ko-KR" sz="1000" dirty="0"/>
+          </a:p>
+          <a:p>
+            <a:r>
+              <a:rPr lang="en-US" altLang="ko-KR" sz="1000" dirty="0" smtClean="0"/>
+              <a:t>-------------------------------------------</a:t>
+            </a:r>
             <a:endParaRPr lang="en-US" altLang="ko-KR" sz="1000" dirty="0" smtClean="0"/>
           </a:p>
           <a:p>
@@ -5071,8 +5159,8 @@
         </p:nvSpPr>
         <p:spPr>
           <a:xfrm>
-            <a:off x="388089" y="5026270"/>
-            <a:ext cx="2200939" cy="200055"/>
+            <a:off x="388089" y="5636801"/>
+            <a:ext cx="2200939" cy="630942"/>
           </a:xfrm>
           <a:prstGeom prst="rect">
             <a:avLst/>
@@ -5107,44 +5195,63 @@
             </a:r>
             <a:r>
               <a:rPr lang="en-US" altLang="ko-KR" sz="700" dirty="0" smtClean="0"/>
-              <a:t>div show(), hide()</a:t>
-            </a:r>
-          </a:p>
-        </p:txBody>
-      </p:sp>
-      <p:sp>
-        <p:nvSpPr>
-          <p:cNvPr id="18" name="TextBox 17"/>
-          <p:cNvSpPr txBox="1"/>
-          <p:nvPr/>
-        </p:nvSpPr>
-        <p:spPr>
-          <a:xfrm>
-            <a:off x="388089" y="5345920"/>
-            <a:ext cx="2200939" cy="200055"/>
-          </a:xfrm>
-          <a:prstGeom prst="rect">
-            <a:avLst/>
-          </a:prstGeom>
-          <a:noFill/>
-        </p:spPr>
-        <p:txBody>
-          <a:bodyPr wrap="square" rtlCol="0">
-            <a:spAutoFit/>
-          </a:bodyPr>
-          <a:lstStyle/>
+              <a:t>div show(), hide</a:t>
+            </a:r>
+            <a:r>
+              <a:rPr lang="en-US" altLang="ko-KR" sz="700" dirty="0" smtClean="0"/>
+              <a:t>()</a:t>
+            </a:r>
+          </a:p>
           <a:p>
             <a:r>
               <a:rPr lang="ko-KR" altLang="en-US" sz="700" dirty="0" smtClean="0"/>
+              <a:t>회원 </a:t>
+            </a:r>
+            <a:r>
+              <a:rPr lang="ko-KR" altLang="en-US" sz="700" dirty="0" err="1" smtClean="0"/>
+              <a:t>클릭시</a:t>
+            </a:r>
+            <a:r>
+              <a:rPr lang="ko-KR" altLang="en-US" sz="700" dirty="0" smtClean="0"/>
+              <a:t> 할인</a:t>
+            </a:r>
+            <a:r>
+              <a:rPr lang="en-US" altLang="ko-KR" sz="700" dirty="0" smtClean="0"/>
+              <a:t>,</a:t>
+            </a:r>
+            <a:r>
+              <a:rPr lang="ko-KR" altLang="en-US" sz="700" dirty="0" smtClean="0"/>
+              <a:t>포인트 변경</a:t>
+            </a:r>
+            <a:endParaRPr lang="en-US" altLang="ko-KR" sz="700" dirty="0" smtClean="0"/>
+          </a:p>
+          <a:p>
+            <a:r>
+              <a:rPr lang="ko-KR" altLang="en-US" sz="700" dirty="0"/>
               <a:t>검색 </a:t>
             </a:r>
             <a:r>
-              <a:rPr lang="en-US" altLang="ko-KR" sz="700" dirty="0" smtClean="0"/>
+              <a:rPr lang="en-US" altLang="ko-KR" sz="700" dirty="0"/>
               <a:t>: keyword</a:t>
             </a:r>
             <a:r>
+              <a:rPr lang="ko-KR" altLang="en-US" sz="700" dirty="0" err="1"/>
+              <a:t>없을시</a:t>
+            </a:r>
+            <a:r>
+              <a:rPr lang="ko-KR" altLang="en-US" sz="700" dirty="0"/>
+              <a:t> </a:t>
+            </a:r>
+            <a:r>
               <a:rPr lang="ko-KR" altLang="en-US" sz="700" dirty="0" err="1" smtClean="0"/>
-              <a:t>없을시</a:t>
+              <a:t>전체출력</a:t>
+            </a:r>
+            <a:endParaRPr lang="en-US" altLang="ko-KR" sz="700" dirty="0" smtClean="0"/>
+          </a:p>
+          <a:p>
+            <a:r>
+              <a:rPr lang="ko-KR" altLang="en-US" sz="700" dirty="0" err="1" smtClean="0"/>
+              <a:t>퍼센트할인</a:t>
             </a:r>
             <a:r>
               <a:rPr lang="ko-KR" altLang="en-US" sz="700" dirty="0" smtClean="0"/>
@@ -5152,8 +5259,23 @@
             </a:r>
             <a:r>
               <a:rPr lang="ko-KR" altLang="en-US" sz="700" dirty="0" err="1" smtClean="0"/>
-              <a:t>전체출력</a:t>
-            </a:r>
+              <a:t>수정시</a:t>
+            </a:r>
+            <a:r>
+              <a:rPr lang="ko-KR" altLang="en-US" sz="700" dirty="0" smtClean="0"/>
+              <a:t> 고객 </a:t>
+            </a:r>
+            <a:r>
+              <a:rPr lang="ko-KR" altLang="en-US" sz="700" dirty="0" err="1" smtClean="0"/>
+              <a:t>등급따라</a:t>
+            </a:r>
+            <a:r>
+              <a:rPr lang="ko-KR" altLang="en-US" sz="700" dirty="0" smtClean="0"/>
+              <a:t> 주의알림출력</a:t>
+            </a:r>
+            <a:endParaRPr lang="en-US" altLang="ko-KR" sz="700" dirty="0"/>
+          </a:p>
+          <a:p>
             <a:endParaRPr lang="en-US" altLang="ko-KR" sz="700" dirty="0" smtClean="0"/>
           </a:p>
         </p:txBody>
@@ -5166,7 +5288,7 @@
         </p:nvSpPr>
         <p:spPr>
           <a:xfrm>
-            <a:off x="388089" y="5716288"/>
+            <a:off x="388089" y="6151726"/>
             <a:ext cx="2339162" cy="200055"/>
           </a:xfrm>
           <a:prstGeom prst="rect">
@@ -5228,7 +5350,7 @@
         <p:spPr>
           <a:xfrm flipV="1">
             <a:off x="2727251" y="4005022"/>
-            <a:ext cx="3207490" cy="1811294"/>
+            <a:ext cx="3207490" cy="2246732"/>
           </a:xfrm>
           <a:prstGeom prst="straightConnector1">
             <a:avLst/>
@@ -5252,6 +5374,110 @@
           </a:fontRef>
         </p:style>
       </p:cxnSp>
+      <p:sp>
+        <p:nvSpPr>
+          <p:cNvPr id="2" name="직사각형 1"/>
+          <p:cNvSpPr/>
+          <p:nvPr/>
+        </p:nvSpPr>
+        <p:spPr>
+          <a:xfrm>
+            <a:off x="449227" y="1130627"/>
+            <a:ext cx="2339162" cy="1102460"/>
+          </a:xfrm>
+          <a:prstGeom prst="rect">
+            <a:avLst/>
+          </a:prstGeom>
+          <a:noFill/>
+          <a:ln>
+            <a:solidFill>
+              <a:srgbClr val="C00000"/>
+            </a:solidFill>
+          </a:ln>
+        </p:spPr>
+        <p:style>
+          <a:lnRef idx="2">
+            <a:schemeClr val="accent1">
+              <a:shade val="50000"/>
+            </a:schemeClr>
+          </a:lnRef>
+          <a:fillRef idx="1">
+            <a:schemeClr val="accent1"/>
+          </a:fillRef>
+          <a:effectRef idx="0">
+            <a:schemeClr val="accent1"/>
+          </a:effectRef>
+          <a:fontRef idx="minor">
+            <a:schemeClr val="lt1"/>
+          </a:fontRef>
+        </p:style>
+        <p:txBody>
+          <a:bodyPr rtlCol="0" anchor="ctr"/>
+          <a:lstStyle/>
+          <a:p>
+            <a:pPr algn="ctr"/>
+            <a:endParaRPr lang="ko-KR" altLang="en-US">
+              <a:ln w="28575">
+                <a:solidFill>
+                  <a:schemeClr val="tx1"/>
+                </a:solidFill>
+              </a:ln>
+            </a:endParaRPr>
+          </a:p>
+        </p:txBody>
+      </p:sp>
+      <p:sp>
+        <p:nvSpPr>
+          <p:cNvPr id="20" name="직사각형 19"/>
+          <p:cNvSpPr/>
+          <p:nvPr/>
+        </p:nvSpPr>
+        <p:spPr>
+          <a:xfrm>
+            <a:off x="457200" y="2655208"/>
+            <a:ext cx="2339162" cy="1102460"/>
+          </a:xfrm>
+          <a:prstGeom prst="rect">
+            <a:avLst/>
+          </a:prstGeom>
+          <a:noFill/>
+          <a:ln>
+            <a:solidFill>
+              <a:srgbClr val="C00000"/>
+            </a:solidFill>
+          </a:ln>
+        </p:spPr>
+        <p:style>
+          <a:lnRef idx="2">
+            <a:schemeClr val="accent1">
+              <a:shade val="50000"/>
+            </a:schemeClr>
+          </a:lnRef>
+          <a:fillRef idx="1">
+            <a:schemeClr val="accent1"/>
+          </a:fillRef>
+          <a:effectRef idx="0">
+            <a:schemeClr val="accent1"/>
+          </a:effectRef>
+          <a:fontRef idx="minor">
+            <a:schemeClr val="lt1"/>
+          </a:fontRef>
+        </p:style>
+        <p:txBody>
+          <a:bodyPr rtlCol="0" anchor="ctr"/>
+          <a:lstStyle/>
+          <a:p>
+            <a:pPr algn="ctr"/>
+            <a:endParaRPr lang="ko-KR" altLang="en-US">
+              <a:ln w="28575">
+                <a:solidFill>
+                  <a:schemeClr val="tx1"/>
+                </a:solidFill>
+              </a:ln>
+            </a:endParaRPr>
+          </a:p>
+        </p:txBody>
+      </p:sp>
     </p:spTree>
     <p:extLst>
       <p:ext uri="{BB962C8B-B14F-4D97-AF65-F5344CB8AC3E}">
@@ -5310,15 +5536,7 @@
             </a:r>
             <a:r>
               <a:rPr lang="ko-KR" altLang="en-US" dirty="0" smtClean="0"/>
-              <a:t>등록 </a:t>
-            </a:r>
-            <a:r>
-              <a:rPr lang="en-US" altLang="ko-KR" dirty="0" smtClean="0"/>
-              <a:t>– </a:t>
-            </a:r>
-            <a:r>
-              <a:rPr lang="ko-KR" altLang="en-US" dirty="0" smtClean="0"/>
-              <a:t>비회원</a:t>
+              <a:t>등록</a:t>
             </a:r>
             <a:endParaRPr lang="ko-KR" altLang="en-US" dirty="0"/>
           </a:p>
@@ -5354,526 +5572,552 @@
           </a:fontRef>
         </p:style>
       </p:cxnSp>
-      <p:sp>
-        <p:nvSpPr>
-          <p:cNvPr id="8" name="TextBox 7"/>
+      <p:grpSp>
+        <p:nvGrpSpPr>
+          <p:cNvPr id="3" name="그룹 2"/>
+          <p:cNvGrpSpPr/>
+          <p:nvPr/>
+        </p:nvGrpSpPr>
+        <p:grpSpPr>
+          <a:xfrm>
+            <a:off x="613641" y="1578336"/>
+            <a:ext cx="2461437" cy="4247317"/>
+            <a:chOff x="388089" y="804144"/>
+            <a:chExt cx="2461437" cy="4247317"/>
+          </a:xfrm>
+        </p:grpSpPr>
+        <p:sp>
+          <p:nvSpPr>
+            <p:cNvPr id="16" name="TextBox 15"/>
+            <p:cNvSpPr txBox="1"/>
+            <p:nvPr/>
+          </p:nvSpPr>
+          <p:spPr>
+            <a:xfrm>
+              <a:off x="388089" y="804144"/>
+              <a:ext cx="2461437" cy="4247317"/>
+            </a:xfrm>
+            <a:prstGeom prst="rect">
+              <a:avLst/>
+            </a:prstGeom>
+          </p:spPr>
+          <p:style>
+            <a:lnRef idx="2">
+              <a:schemeClr val="dk1"/>
+            </a:lnRef>
+            <a:fillRef idx="1">
+              <a:schemeClr val="lt1"/>
+            </a:fillRef>
+            <a:effectRef idx="0">
+              <a:schemeClr val="dk1"/>
+            </a:effectRef>
+            <a:fontRef idx="minor">
+              <a:schemeClr val="dk1"/>
+            </a:fontRef>
+          </p:style>
+          <p:txBody>
+            <a:bodyPr wrap="square" rtlCol="0">
+              <a:spAutoFit/>
+            </a:bodyPr>
+            <a:lstStyle/>
+            <a:p>
+              <a:r>
+                <a:rPr lang="en-US" altLang="ko-KR" sz="1000" dirty="0" smtClean="0"/>
+                <a:t>V</a:t>
+              </a:r>
+              <a:r>
+                <a:rPr lang="ko-KR" altLang="en-US" sz="1000" dirty="0" smtClean="0"/>
+                <a:t>회원</a:t>
+              </a:r>
+              <a:r>
+                <a:rPr lang="en-US" altLang="ko-KR" sz="1000" dirty="0"/>
+                <a:t> </a:t>
+              </a:r>
+              <a:r>
+                <a:rPr lang="en-US" altLang="ko-KR" sz="1000" dirty="0" smtClean="0"/>
+                <a:t>                |               </a:t>
+              </a:r>
+              <a:r>
+                <a:rPr lang="ko-KR" altLang="en-US" sz="1000" dirty="0" smtClean="0"/>
+                <a:t>비회원</a:t>
+              </a:r>
+              <a:endParaRPr lang="en-US" altLang="ko-KR" sz="1000" dirty="0" smtClean="0"/>
+            </a:p>
+            <a:p>
+              <a:r>
+                <a:rPr lang="en-US" altLang="ko-KR" sz="1000" dirty="0" smtClean="0"/>
+                <a:t>------------------------------------------</a:t>
+              </a:r>
+              <a:endParaRPr lang="en-US" altLang="ko-KR" sz="1000" dirty="0"/>
+            </a:p>
+            <a:p>
+              <a:r>
+                <a:rPr lang="en-US" altLang="ko-KR" sz="1000" dirty="0" smtClean="0"/>
+                <a:t>[</a:t>
+              </a:r>
+              <a:r>
+                <a:rPr lang="en-US" altLang="ko-KR" sz="1000" dirty="0"/>
+                <a:t>	]</a:t>
+              </a:r>
+              <a:r>
+                <a:rPr lang="ko-KR" altLang="en-US" sz="1000" dirty="0"/>
+                <a:t>검색</a:t>
+              </a:r>
+              <a:endParaRPr lang="en-US" altLang="ko-KR" sz="1000" dirty="0"/>
+            </a:p>
+            <a:p>
+              <a:r>
+                <a:rPr lang="en-US" altLang="ko-KR" sz="1000" dirty="0" smtClean="0"/>
+                <a:t>------------------------------------------</a:t>
+              </a:r>
+              <a:endParaRPr lang="en-US" altLang="ko-KR" sz="1000" dirty="0"/>
+            </a:p>
+            <a:p>
+              <a:r>
+                <a:rPr lang="en-US" altLang="ko-KR" sz="1000" dirty="0"/>
+                <a:t>O </a:t>
+              </a:r>
+              <a:r>
+                <a:rPr lang="ko-KR" altLang="en-US" sz="1000" dirty="0"/>
+                <a:t>김동우 </a:t>
+              </a:r>
+              <a:r>
+                <a:rPr lang="en-US" altLang="ko-KR" sz="1000" dirty="0"/>
+                <a:t>(01088993885</a:t>
+              </a:r>
+              <a:r>
+                <a:rPr lang="en-US" altLang="ko-KR" sz="1000" dirty="0" smtClean="0"/>
+                <a:t>) SILVER </a:t>
+              </a:r>
+              <a:endParaRPr lang="en-US" altLang="ko-KR" sz="1000" dirty="0"/>
+            </a:p>
+            <a:p>
+              <a:r>
+                <a:rPr lang="en-US" altLang="ko-KR" sz="1000" dirty="0" smtClean="0"/>
+                <a:t>V </a:t>
+              </a:r>
+              <a:r>
+                <a:rPr lang="ko-KR" altLang="en-US" sz="1000" dirty="0"/>
+                <a:t>김동우 </a:t>
+              </a:r>
+              <a:r>
+                <a:rPr lang="en-US" altLang="ko-KR" sz="1000" dirty="0"/>
+                <a:t>(01088993885</a:t>
+              </a:r>
+              <a:r>
+                <a:rPr lang="en-US" altLang="ko-KR" sz="1000" dirty="0" smtClean="0"/>
+                <a:t>) GOLD</a:t>
+              </a:r>
+              <a:endParaRPr lang="en-US" altLang="ko-KR" sz="1000" dirty="0" smtClean="0"/>
+            </a:p>
+            <a:p>
+              <a:r>
+                <a:rPr lang="en-US" altLang="ko-KR" sz="1000" dirty="0" smtClean="0"/>
+                <a:t>O </a:t>
+              </a:r>
+              <a:r>
+                <a:rPr lang="ko-KR" altLang="en-US" sz="1000" dirty="0"/>
+                <a:t>김동우 </a:t>
+              </a:r>
+              <a:r>
+                <a:rPr lang="en-US" altLang="ko-KR" sz="1000" dirty="0"/>
+                <a:t>(</a:t>
+              </a:r>
+              <a:r>
+                <a:rPr lang="en-US" altLang="ko-KR" sz="1000" dirty="0" smtClean="0"/>
+                <a:t>01088993885</a:t>
+              </a:r>
+              <a:r>
+                <a:rPr lang="en-US" altLang="ko-KR" sz="1000" dirty="0" smtClean="0"/>
+                <a:t>) </a:t>
+              </a:r>
+              <a:endParaRPr lang="en-US" altLang="ko-KR" sz="1000" dirty="0" smtClean="0"/>
+            </a:p>
+            <a:p>
+              <a:r>
+                <a:rPr lang="en-US" altLang="ko-KR" sz="1000" dirty="0"/>
+                <a:t>O </a:t>
+              </a:r>
+              <a:r>
+                <a:rPr lang="ko-KR" altLang="en-US" sz="1000" dirty="0"/>
+                <a:t>김동우 </a:t>
+              </a:r>
+              <a:r>
+                <a:rPr lang="en-US" altLang="ko-KR" sz="1000" dirty="0"/>
+                <a:t>(01088993885</a:t>
+              </a:r>
+              <a:r>
+                <a:rPr lang="en-US" altLang="ko-KR" sz="1000" dirty="0" smtClean="0"/>
+                <a:t>) VIP(</a:t>
+              </a:r>
+              <a:r>
+                <a:rPr lang="ko-KR" altLang="en-US" sz="1000" dirty="0" smtClean="0"/>
+                <a:t>아이콘</a:t>
+              </a:r>
+              <a:r>
+                <a:rPr lang="en-US" altLang="ko-KR" sz="1000" dirty="0" smtClean="0"/>
+                <a:t>)</a:t>
+              </a:r>
+              <a:endParaRPr lang="en-US" altLang="ko-KR" sz="1000" dirty="0"/>
+            </a:p>
+            <a:p>
+              <a:r>
+                <a:rPr lang="en-US" altLang="ko-KR" sz="1000" dirty="0"/>
+                <a:t>O </a:t>
+              </a:r>
+              <a:r>
+                <a:rPr lang="ko-KR" altLang="en-US" sz="1000" dirty="0"/>
+                <a:t>김동우 </a:t>
+              </a:r>
+              <a:r>
+                <a:rPr lang="en-US" altLang="ko-KR" sz="1000" dirty="0"/>
+                <a:t>(01088993885</a:t>
+              </a:r>
+              <a:r>
+                <a:rPr lang="en-US" altLang="ko-KR" sz="1000" dirty="0" smtClean="0"/>
+                <a:t>) VIP</a:t>
+              </a:r>
+              <a:endParaRPr lang="en-US" altLang="ko-KR" sz="1000" dirty="0" smtClean="0"/>
+            </a:p>
+            <a:p>
+              <a:r>
+                <a:rPr lang="en-US" altLang="ko-KR" sz="1000" dirty="0" smtClean="0"/>
+                <a:t>-------------------------------------------</a:t>
+              </a:r>
+            </a:p>
+            <a:p>
+              <a:r>
+                <a:rPr lang="ko-KR" altLang="en-US" sz="1000" dirty="0" err="1" smtClean="0"/>
+                <a:t>제품검색</a:t>
+              </a:r>
+              <a:r>
+                <a:rPr lang="ko-KR" altLang="en-US" sz="1000" dirty="0" smtClean="0"/>
+                <a:t>            </a:t>
+              </a:r>
+              <a:r>
+                <a:rPr lang="en-US" altLang="ko-KR" sz="1000" dirty="0" smtClean="0"/>
+                <a:t>|               </a:t>
+              </a:r>
+              <a:r>
+                <a:rPr lang="ko-KR" altLang="en-US" sz="1000" dirty="0" smtClean="0"/>
+                <a:t>직접입력</a:t>
+              </a:r>
+              <a:endParaRPr lang="en-US" altLang="ko-KR" sz="1000" dirty="0"/>
+            </a:p>
+            <a:p>
+              <a:r>
+                <a:rPr lang="en-US" altLang="ko-KR" sz="1000" dirty="0" smtClean="0"/>
+                <a:t>-------------------------------------------</a:t>
+              </a:r>
+            </a:p>
+            <a:p>
+              <a:r>
+                <a:rPr lang="en-US" altLang="ko-KR" sz="1000" dirty="0"/>
+                <a:t>[	]</a:t>
+              </a:r>
+              <a:r>
+                <a:rPr lang="ko-KR" altLang="en-US" sz="1000" dirty="0"/>
+                <a:t>검색</a:t>
+              </a:r>
+              <a:endParaRPr lang="en-US" altLang="ko-KR" sz="1000" dirty="0"/>
+            </a:p>
+            <a:p>
+              <a:r>
+                <a:rPr lang="en-US" altLang="ko-KR" sz="1000" dirty="0"/>
+                <a:t>------------------------------------------</a:t>
+              </a:r>
+            </a:p>
+            <a:p>
+              <a:r>
+                <a:rPr lang="en-US" altLang="ko-KR" sz="1000" dirty="0"/>
+                <a:t>O </a:t>
+              </a:r>
+              <a:r>
+                <a:rPr lang="ko-KR" altLang="en-US" sz="1000" dirty="0" err="1" smtClean="0"/>
+                <a:t>남자커트</a:t>
+              </a:r>
+              <a:r>
+                <a:rPr lang="ko-KR" altLang="en-US" sz="1000" dirty="0" smtClean="0"/>
+                <a:t> </a:t>
+              </a:r>
+              <a:r>
+                <a:rPr lang="en-US" altLang="ko-KR" sz="1000" dirty="0" smtClean="0"/>
+                <a:t>(\20,000)</a:t>
+              </a:r>
+              <a:endParaRPr lang="en-US" altLang="ko-KR" sz="1000" dirty="0"/>
+            </a:p>
+            <a:p>
+              <a:r>
+                <a:rPr lang="en-US" altLang="ko-KR" sz="1000" dirty="0" smtClean="0"/>
+                <a:t>V </a:t>
+              </a:r>
+              <a:r>
+                <a:rPr lang="ko-KR" altLang="en-US" sz="1000" dirty="0" err="1" smtClean="0"/>
+                <a:t>열펌</a:t>
+              </a:r>
+              <a:r>
+                <a:rPr lang="ko-KR" altLang="en-US" sz="1000" dirty="0" smtClean="0"/>
+                <a:t> </a:t>
+              </a:r>
+              <a:r>
+                <a:rPr lang="en-US" altLang="ko-KR" sz="1000" dirty="0" smtClean="0"/>
+                <a:t>(\</a:t>
+              </a:r>
+              <a:r>
+                <a:rPr lang="en-US" altLang="ko-KR" sz="1000" dirty="0" smtClean="0"/>
+                <a:t>50,000)</a:t>
+              </a:r>
+            </a:p>
+            <a:p>
+              <a:r>
+                <a:rPr lang="en-US" altLang="ko-KR" sz="1000" dirty="0" smtClean="0"/>
+                <a:t>O </a:t>
+              </a:r>
+              <a:r>
+                <a:rPr lang="ko-KR" altLang="en-US" sz="1000" dirty="0" err="1" smtClean="0"/>
+                <a:t>여자커트</a:t>
+              </a:r>
+              <a:r>
+                <a:rPr lang="ko-KR" altLang="en-US" sz="1000" dirty="0" smtClean="0"/>
+                <a:t> </a:t>
+              </a:r>
+              <a:r>
+                <a:rPr lang="en-US" altLang="ko-KR" sz="1000" dirty="0" smtClean="0"/>
+                <a:t>(\40,000)</a:t>
+              </a:r>
+            </a:p>
+            <a:p>
+              <a:r>
+                <a:rPr lang="en-US" altLang="ko-KR" sz="1000" dirty="0" smtClean="0"/>
+                <a:t>O </a:t>
+              </a:r>
+              <a:r>
+                <a:rPr lang="ko-KR" altLang="en-US" sz="1000" dirty="0" err="1" smtClean="0"/>
+                <a:t>호일펌</a:t>
+              </a:r>
+              <a:r>
+                <a:rPr lang="en-US" altLang="ko-KR" sz="1000" dirty="0" smtClean="0"/>
+                <a:t>(\20,000)</a:t>
+              </a:r>
+            </a:p>
+            <a:p>
+              <a:r>
+                <a:rPr lang="en-US" altLang="ko-KR" sz="1000" dirty="0" smtClean="0"/>
+                <a:t>O </a:t>
+              </a:r>
+              <a:r>
+                <a:rPr lang="ko-KR" altLang="en-US" sz="1000" dirty="0" err="1" smtClean="0"/>
+                <a:t>폭포수펌</a:t>
+              </a:r>
+              <a:r>
+                <a:rPr lang="en-US" altLang="ko-KR" sz="1000" dirty="0" smtClean="0"/>
+                <a:t>(\10,000)</a:t>
+              </a:r>
+              <a:endParaRPr lang="en-US" altLang="ko-KR" sz="1000" dirty="0"/>
+            </a:p>
+            <a:p>
+              <a:r>
+                <a:rPr lang="en-US" altLang="ko-KR" sz="1000" dirty="0" smtClean="0"/>
+                <a:t>-------------------------------------------</a:t>
+              </a:r>
+            </a:p>
+            <a:p>
+              <a:r>
+                <a:rPr lang="ko-KR" altLang="en-US" sz="1000" dirty="0" smtClean="0"/>
+                <a:t>상품가격 </a:t>
+              </a:r>
+              <a:r>
+                <a:rPr lang="en-US" altLang="ko-KR" sz="1000" dirty="0" smtClean="0"/>
+                <a:t>: \</a:t>
+              </a:r>
+              <a:r>
+                <a:rPr lang="en-US" altLang="ko-KR" sz="1000" dirty="0" smtClean="0"/>
+                <a:t>0</a:t>
+              </a:r>
+            </a:p>
+            <a:p>
+              <a:r>
+                <a:rPr lang="en-US" altLang="ko-KR" sz="1000" dirty="0"/>
+                <a:t>-------------------------------------------</a:t>
+              </a:r>
+            </a:p>
+            <a:p>
+              <a:r>
+                <a:rPr lang="ko-KR" altLang="en-US" sz="1000" dirty="0" err="1" smtClean="0"/>
+                <a:t>퍼센트할인</a:t>
+              </a:r>
+              <a:r>
+                <a:rPr lang="en-US" altLang="ko-KR" sz="1000" dirty="0" smtClean="0"/>
+                <a:t>[0%]    |   </a:t>
+              </a:r>
+              <a:r>
+                <a:rPr lang="ko-KR" altLang="en-US" sz="1000" dirty="0" smtClean="0"/>
+                <a:t>지정금액할인</a:t>
+              </a:r>
+              <a:r>
+                <a:rPr lang="en-US" altLang="ko-KR" sz="1000" dirty="0" smtClean="0"/>
+                <a:t>[\0]</a:t>
+              </a:r>
+              <a:endParaRPr lang="en-US" altLang="ko-KR" sz="1000" dirty="0"/>
+            </a:p>
+            <a:p>
+              <a:r>
+                <a:rPr lang="en-US" altLang="ko-KR" sz="1000" dirty="0" smtClean="0"/>
+                <a:t>-------------------------------------------</a:t>
+              </a:r>
+              <a:endParaRPr lang="en-US" altLang="ko-KR" sz="1000" dirty="0" smtClean="0"/>
+            </a:p>
+            <a:p>
+              <a:r>
+                <a:rPr lang="ko-KR" altLang="en-US" sz="1000" dirty="0" smtClean="0"/>
+                <a:t>총액 </a:t>
+              </a:r>
+              <a:r>
+                <a:rPr lang="en-US" altLang="ko-KR" sz="1000" dirty="0" smtClean="0"/>
+                <a:t>: \0</a:t>
+              </a:r>
+            </a:p>
+            <a:p>
+              <a:r>
+                <a:rPr lang="ko-KR" altLang="en-US" sz="1000" dirty="0" smtClean="0"/>
+                <a:t>포인트 사용 </a:t>
+              </a:r>
+              <a:r>
+                <a:rPr lang="en-US" altLang="ko-KR" sz="1000" dirty="0" smtClean="0"/>
+                <a:t>: \0 / \100,500</a:t>
+              </a:r>
+            </a:p>
+            <a:p>
+              <a:r>
+                <a:rPr lang="ko-KR" altLang="en-US" sz="1000" dirty="0" err="1" smtClean="0"/>
+                <a:t>총결제금액</a:t>
+              </a:r>
+              <a:r>
+                <a:rPr lang="ko-KR" altLang="en-US" sz="1000" dirty="0" smtClean="0"/>
+                <a:t> </a:t>
+              </a:r>
+              <a:r>
+                <a:rPr lang="en-US" altLang="ko-KR" sz="1000" dirty="0" smtClean="0"/>
+                <a:t>: \0</a:t>
+              </a:r>
+            </a:p>
+          </p:txBody>
+        </p:sp>
+        <p:sp>
+          <p:nvSpPr>
+            <p:cNvPr id="2" name="직사각형 1"/>
+            <p:cNvSpPr/>
+            <p:nvPr/>
+          </p:nvSpPr>
+          <p:spPr>
+            <a:xfrm>
+              <a:off x="449227" y="1130627"/>
+              <a:ext cx="2339162" cy="1102460"/>
+            </a:xfrm>
+            <a:prstGeom prst="rect">
+              <a:avLst/>
+            </a:prstGeom>
+            <a:noFill/>
+            <a:ln>
+              <a:solidFill>
+                <a:srgbClr val="C00000"/>
+              </a:solidFill>
+            </a:ln>
+          </p:spPr>
+          <p:style>
+            <a:lnRef idx="2">
+              <a:schemeClr val="accent1">
+                <a:shade val="50000"/>
+              </a:schemeClr>
+            </a:lnRef>
+            <a:fillRef idx="1">
+              <a:schemeClr val="accent1"/>
+            </a:fillRef>
+            <a:effectRef idx="0">
+              <a:schemeClr val="accent1"/>
+            </a:effectRef>
+            <a:fontRef idx="minor">
+              <a:schemeClr val="lt1"/>
+            </a:fontRef>
+          </p:style>
+          <p:txBody>
+            <a:bodyPr rtlCol="0" anchor="ctr"/>
+            <a:lstStyle/>
+            <a:p>
+              <a:pPr algn="ctr"/>
+              <a:endParaRPr lang="ko-KR" altLang="en-US">
+                <a:ln w="28575">
+                  <a:solidFill>
+                    <a:schemeClr val="tx1"/>
+                  </a:solidFill>
+                </a:ln>
+              </a:endParaRPr>
+            </a:p>
+          </p:txBody>
+        </p:sp>
+        <p:sp>
+          <p:nvSpPr>
+            <p:cNvPr id="20" name="직사각형 19"/>
+            <p:cNvSpPr/>
+            <p:nvPr/>
+          </p:nvSpPr>
+          <p:spPr>
+            <a:xfrm>
+              <a:off x="457200" y="2655208"/>
+              <a:ext cx="2339162" cy="1102460"/>
+            </a:xfrm>
+            <a:prstGeom prst="rect">
+              <a:avLst/>
+            </a:prstGeom>
+            <a:noFill/>
+            <a:ln>
+              <a:solidFill>
+                <a:srgbClr val="C00000"/>
+              </a:solidFill>
+            </a:ln>
+          </p:spPr>
+          <p:style>
+            <a:lnRef idx="2">
+              <a:schemeClr val="accent1">
+                <a:shade val="50000"/>
+              </a:schemeClr>
+            </a:lnRef>
+            <a:fillRef idx="1">
+              <a:schemeClr val="accent1"/>
+            </a:fillRef>
+            <a:effectRef idx="0">
+              <a:schemeClr val="accent1"/>
+            </a:effectRef>
+            <a:fontRef idx="minor">
+              <a:schemeClr val="lt1"/>
+            </a:fontRef>
+          </p:style>
+          <p:txBody>
+            <a:bodyPr rtlCol="0" anchor="ctr"/>
+            <a:lstStyle/>
+            <a:p>
+              <a:pPr algn="ctr"/>
+              <a:endParaRPr lang="ko-KR" altLang="en-US">
+                <a:ln w="28575">
+                  <a:solidFill>
+                    <a:schemeClr val="tx1"/>
+                  </a:solidFill>
+                </a:ln>
+              </a:endParaRPr>
+            </a:p>
+          </p:txBody>
+        </p:sp>
+      </p:grpSp>
+      <p:sp>
+        <p:nvSpPr>
+          <p:cNvPr id="7" name="TextBox 6"/>
           <p:cNvSpPr txBox="1"/>
           <p:nvPr/>
         </p:nvSpPr>
         <p:spPr>
           <a:xfrm>
-            <a:off x="8708067" y="804144"/>
-            <a:ext cx="2461437" cy="2554545"/>
-          </a:xfrm>
-          <a:prstGeom prst="rect">
-            <a:avLst/>
-          </a:prstGeom>
-        </p:spPr>
-        <p:style>
-          <a:lnRef idx="2">
-            <a:schemeClr val="dk1"/>
-          </a:lnRef>
-          <a:fillRef idx="1">
-            <a:schemeClr val="lt1"/>
-          </a:fillRef>
-          <a:effectRef idx="0">
-            <a:schemeClr val="dk1"/>
-          </a:effectRef>
-          <a:fontRef idx="minor">
-            <a:schemeClr val="dk1"/>
-          </a:fontRef>
-        </p:style>
-        <p:txBody>
-          <a:bodyPr wrap="square" rtlCol="0">
-            <a:spAutoFit/>
-          </a:bodyPr>
-          <a:lstStyle/>
-          <a:p>
-            <a:r>
-              <a:rPr lang="en-US" altLang="ko-KR" sz="1000" dirty="0" smtClean="0"/>
-              <a:t>V</a:t>
-            </a:r>
-            <a:r>
-              <a:rPr lang="ko-KR" altLang="en-US" sz="1000" dirty="0" smtClean="0"/>
-              <a:t>회원</a:t>
-            </a:r>
-            <a:r>
-              <a:rPr lang="en-US" altLang="ko-KR" sz="1000" dirty="0"/>
-              <a:t> </a:t>
-            </a:r>
-            <a:r>
-              <a:rPr lang="en-US" altLang="ko-KR" sz="1000" dirty="0" smtClean="0"/>
-              <a:t>                |               </a:t>
-            </a:r>
-            <a:r>
-              <a:rPr lang="ko-KR" altLang="en-US" sz="1000" dirty="0" smtClean="0"/>
-              <a:t>비회원</a:t>
-            </a:r>
-            <a:endParaRPr lang="en-US" altLang="ko-KR" sz="1000" dirty="0" smtClean="0"/>
-          </a:p>
-          <a:p>
-            <a:r>
-              <a:rPr lang="en-US" altLang="ko-KR" sz="1000" dirty="0" smtClean="0"/>
-              <a:t>------------------------------------------</a:t>
-            </a:r>
-            <a:endParaRPr lang="en-US" altLang="ko-KR" sz="1000" dirty="0"/>
-          </a:p>
-          <a:p>
-            <a:r>
-              <a:rPr lang="en-US" altLang="ko-KR" sz="1000" dirty="0" smtClean="0"/>
-              <a:t>[</a:t>
-            </a:r>
-            <a:r>
-              <a:rPr lang="en-US" altLang="ko-KR" sz="1000" dirty="0"/>
-              <a:t>	]</a:t>
-            </a:r>
-            <a:r>
-              <a:rPr lang="ko-KR" altLang="en-US" sz="1000" dirty="0"/>
-              <a:t>검색</a:t>
-            </a:r>
-            <a:endParaRPr lang="en-US" altLang="ko-KR" sz="1000" dirty="0"/>
-          </a:p>
-          <a:p>
-            <a:r>
-              <a:rPr lang="en-US" altLang="ko-KR" sz="1000" dirty="0" smtClean="0"/>
-              <a:t>------------------------------------------</a:t>
-            </a:r>
-            <a:endParaRPr lang="en-US" altLang="ko-KR" sz="1000" dirty="0"/>
-          </a:p>
-          <a:p>
-            <a:r>
-              <a:rPr lang="en-US" altLang="ko-KR" sz="1000" dirty="0"/>
-              <a:t>O </a:t>
-            </a:r>
-            <a:r>
-              <a:rPr lang="ko-KR" altLang="en-US" sz="1000" dirty="0"/>
-              <a:t>김동우 </a:t>
-            </a:r>
-            <a:r>
-              <a:rPr lang="en-US" altLang="ko-KR" sz="1000" dirty="0"/>
-              <a:t>(01088993885)</a:t>
-            </a:r>
-          </a:p>
-          <a:p>
-            <a:r>
-              <a:rPr lang="en-US" altLang="ko-KR" sz="1000" dirty="0" smtClean="0"/>
-              <a:t>V </a:t>
-            </a:r>
-            <a:r>
-              <a:rPr lang="ko-KR" altLang="en-US" sz="1000" dirty="0"/>
-              <a:t>김동우 </a:t>
-            </a:r>
-            <a:r>
-              <a:rPr lang="en-US" altLang="ko-KR" sz="1000" dirty="0"/>
-              <a:t>(01088993885</a:t>
-            </a:r>
-            <a:r>
-              <a:rPr lang="en-US" altLang="ko-KR" sz="1000" dirty="0" smtClean="0"/>
-              <a:t>)</a:t>
-            </a:r>
-          </a:p>
-          <a:p>
-            <a:r>
-              <a:rPr lang="en-US" altLang="ko-KR" sz="1000" dirty="0" smtClean="0"/>
-              <a:t>O </a:t>
-            </a:r>
-            <a:r>
-              <a:rPr lang="ko-KR" altLang="en-US" sz="1000" dirty="0"/>
-              <a:t>김동우 </a:t>
-            </a:r>
-            <a:r>
-              <a:rPr lang="en-US" altLang="ko-KR" sz="1000" dirty="0"/>
-              <a:t>(</a:t>
-            </a:r>
-            <a:r>
-              <a:rPr lang="en-US" altLang="ko-KR" sz="1000" dirty="0" smtClean="0"/>
-              <a:t>01088993885)</a:t>
-            </a:r>
-          </a:p>
-          <a:p>
-            <a:r>
-              <a:rPr lang="en-US" altLang="ko-KR" sz="1000" dirty="0"/>
-              <a:t>O </a:t>
-            </a:r>
-            <a:r>
-              <a:rPr lang="ko-KR" altLang="en-US" sz="1000" dirty="0"/>
-              <a:t>김동우 </a:t>
-            </a:r>
-            <a:r>
-              <a:rPr lang="en-US" altLang="ko-KR" sz="1000" dirty="0"/>
-              <a:t>(01088993885)</a:t>
-            </a:r>
-          </a:p>
-          <a:p>
-            <a:r>
-              <a:rPr lang="en-US" altLang="ko-KR" sz="1000" dirty="0"/>
-              <a:t>O </a:t>
-            </a:r>
-            <a:r>
-              <a:rPr lang="ko-KR" altLang="en-US" sz="1000" dirty="0"/>
-              <a:t>김동우 </a:t>
-            </a:r>
-            <a:r>
-              <a:rPr lang="en-US" altLang="ko-KR" sz="1000" dirty="0"/>
-              <a:t>(01088993885</a:t>
-            </a:r>
-            <a:r>
-              <a:rPr lang="en-US" altLang="ko-KR" sz="1000" dirty="0" smtClean="0"/>
-              <a:t>)</a:t>
-            </a:r>
-          </a:p>
-          <a:p>
-            <a:r>
-              <a:rPr lang="en-US" altLang="ko-KR" sz="1000" dirty="0" smtClean="0"/>
-              <a:t>------------------------------------------</a:t>
-            </a:r>
-            <a:endParaRPr lang="en-US" altLang="ko-KR" sz="1000" dirty="0"/>
-          </a:p>
-          <a:p>
-            <a:r>
-              <a:rPr lang="ko-KR" altLang="en-US" sz="1000" dirty="0"/>
-              <a:t>상품가격</a:t>
-            </a:r>
-            <a:r>
-              <a:rPr lang="ko-KR" altLang="en-US" sz="1000" dirty="0" smtClean="0"/>
-              <a:t> </a:t>
-            </a:r>
-            <a:r>
-              <a:rPr lang="en-US" altLang="ko-KR" sz="1000" dirty="0" smtClean="0"/>
-              <a:t>: \55,000</a:t>
-            </a:r>
-          </a:p>
-          <a:p>
-            <a:r>
-              <a:rPr lang="ko-KR" altLang="en-US" sz="1000" dirty="0" smtClean="0"/>
-              <a:t>할인 </a:t>
-            </a:r>
-            <a:r>
-              <a:rPr lang="en-US" altLang="ko-KR" sz="1000" dirty="0" smtClean="0"/>
-              <a:t>: - \15,000</a:t>
-            </a:r>
-          </a:p>
-          <a:p>
-            <a:endParaRPr lang="en-US" altLang="ko-KR" sz="1000" dirty="0" smtClean="0"/>
-          </a:p>
-          <a:p>
-            <a:r>
-              <a:rPr lang="ko-KR" altLang="en-US" sz="1000" dirty="0" smtClean="0"/>
-              <a:t>총액 </a:t>
-            </a:r>
-            <a:r>
-              <a:rPr lang="en-US" altLang="ko-KR" sz="1000" dirty="0" smtClean="0"/>
-              <a:t>: \40,000</a:t>
-            </a:r>
-          </a:p>
-          <a:p>
-            <a:r>
-              <a:rPr lang="ko-KR" altLang="en-US" sz="1000" dirty="0" smtClean="0"/>
-              <a:t>포인트 사용 </a:t>
-            </a:r>
-            <a:r>
-              <a:rPr lang="en-US" altLang="ko-KR" sz="1000" dirty="0" smtClean="0"/>
-              <a:t>: \10,000 / \100,500</a:t>
-            </a:r>
-          </a:p>
-          <a:p>
-            <a:r>
-              <a:rPr lang="ko-KR" altLang="en-US" sz="1000" dirty="0" err="1" smtClean="0"/>
-              <a:t>총결제금액</a:t>
-            </a:r>
-            <a:r>
-              <a:rPr lang="ko-KR" altLang="en-US" sz="1000" dirty="0" smtClean="0"/>
-              <a:t> </a:t>
-            </a:r>
-            <a:r>
-              <a:rPr lang="en-US" altLang="ko-KR" sz="1000" dirty="0" smtClean="0"/>
-              <a:t>: \30,000</a:t>
-            </a:r>
-          </a:p>
-        </p:txBody>
-      </p:sp>
-      <p:sp>
-        <p:nvSpPr>
-          <p:cNvPr id="12" name="TextBox 11"/>
-          <p:cNvSpPr txBox="1"/>
-          <p:nvPr/>
-        </p:nvSpPr>
-        <p:spPr>
-          <a:xfrm>
-            <a:off x="3161415" y="804145"/>
-            <a:ext cx="2461437" cy="2616101"/>
-          </a:xfrm>
-          <a:prstGeom prst="rect">
-            <a:avLst/>
-          </a:prstGeom>
-        </p:spPr>
-        <p:style>
-          <a:lnRef idx="2">
-            <a:schemeClr val="dk1"/>
-          </a:lnRef>
-          <a:fillRef idx="1">
-            <a:schemeClr val="lt1"/>
-          </a:fillRef>
-          <a:effectRef idx="0">
-            <a:schemeClr val="dk1"/>
-          </a:effectRef>
-          <a:fontRef idx="minor">
-            <a:schemeClr val="dk1"/>
-          </a:fontRef>
-        </p:style>
-        <p:txBody>
-          <a:bodyPr wrap="square" rtlCol="0">
-            <a:spAutoFit/>
-          </a:bodyPr>
-          <a:lstStyle/>
-          <a:p>
-            <a:r>
-              <a:rPr lang="en-US" altLang="ko-KR" sz="1000" dirty="0" smtClean="0"/>
-              <a:t>V</a:t>
-            </a:r>
-            <a:r>
-              <a:rPr lang="ko-KR" altLang="en-US" sz="1000" dirty="0" smtClean="0"/>
-              <a:t>회원</a:t>
-            </a:r>
-            <a:r>
-              <a:rPr lang="en-US" altLang="ko-KR" sz="1000" dirty="0"/>
-              <a:t> </a:t>
-            </a:r>
-            <a:r>
-              <a:rPr lang="en-US" altLang="ko-KR" sz="1000" dirty="0" smtClean="0"/>
-              <a:t>                |               </a:t>
-            </a:r>
-            <a:r>
-              <a:rPr lang="ko-KR" altLang="en-US" sz="1000" dirty="0" smtClean="0"/>
-              <a:t>비회원</a:t>
-            </a:r>
-            <a:endParaRPr lang="en-US" altLang="ko-KR" sz="1000" dirty="0" smtClean="0"/>
-          </a:p>
-          <a:p>
-            <a:r>
-              <a:rPr lang="en-US" altLang="ko-KR" sz="1000" dirty="0" smtClean="0"/>
-              <a:t>------------------------------------------</a:t>
-            </a:r>
-            <a:endParaRPr lang="en-US" altLang="ko-KR" sz="1000" dirty="0"/>
-          </a:p>
-          <a:p>
-            <a:r>
-              <a:rPr lang="en-US" altLang="ko-KR" sz="1000" dirty="0" smtClean="0"/>
-              <a:t>[</a:t>
-            </a:r>
-            <a:r>
-              <a:rPr lang="en-US" altLang="ko-KR" sz="1000" dirty="0"/>
-              <a:t>	]</a:t>
-            </a:r>
-            <a:r>
-              <a:rPr lang="ko-KR" altLang="en-US" sz="1000" dirty="0"/>
-              <a:t>검색</a:t>
-            </a:r>
-            <a:endParaRPr lang="en-US" altLang="ko-KR" sz="1000" dirty="0"/>
-          </a:p>
-          <a:p>
-            <a:r>
-              <a:rPr lang="en-US" altLang="ko-KR" sz="1000" dirty="0" smtClean="0"/>
-              <a:t>------------------------------------------</a:t>
-            </a:r>
-            <a:endParaRPr lang="en-US" altLang="ko-KR" sz="1000" dirty="0"/>
-          </a:p>
-          <a:p>
-            <a:r>
-              <a:rPr lang="en-US" altLang="ko-KR" sz="1000" dirty="0"/>
-              <a:t>O </a:t>
-            </a:r>
-            <a:r>
-              <a:rPr lang="ko-KR" altLang="en-US" sz="1000" dirty="0"/>
-              <a:t>김동우 </a:t>
-            </a:r>
-            <a:r>
-              <a:rPr lang="en-US" altLang="ko-KR" sz="1000" dirty="0"/>
-              <a:t>(01088993885)</a:t>
-            </a:r>
-          </a:p>
-          <a:p>
-            <a:r>
-              <a:rPr lang="en-US" altLang="ko-KR" sz="1000" dirty="0" smtClean="0"/>
-              <a:t>V </a:t>
-            </a:r>
-            <a:r>
-              <a:rPr lang="ko-KR" altLang="en-US" sz="1000" dirty="0"/>
-              <a:t>김동우 </a:t>
-            </a:r>
-            <a:r>
-              <a:rPr lang="en-US" altLang="ko-KR" sz="1000" dirty="0"/>
-              <a:t>(01088993885</a:t>
-            </a:r>
-            <a:r>
-              <a:rPr lang="en-US" altLang="ko-KR" sz="1000" dirty="0" smtClean="0"/>
-              <a:t>)</a:t>
-            </a:r>
-          </a:p>
-          <a:p>
-            <a:r>
-              <a:rPr lang="en-US" altLang="ko-KR" sz="1000" dirty="0" smtClean="0"/>
-              <a:t>O </a:t>
-            </a:r>
-            <a:r>
-              <a:rPr lang="ko-KR" altLang="en-US" sz="1000" dirty="0"/>
-              <a:t>김동우 </a:t>
-            </a:r>
-            <a:r>
-              <a:rPr lang="en-US" altLang="ko-KR" sz="1000" dirty="0"/>
-              <a:t>(</a:t>
-            </a:r>
-            <a:r>
-              <a:rPr lang="en-US" altLang="ko-KR" sz="1000" dirty="0" smtClean="0"/>
-              <a:t>01088993885)</a:t>
-            </a:r>
-          </a:p>
-          <a:p>
-            <a:r>
-              <a:rPr lang="en-US" altLang="ko-KR" sz="1000" dirty="0"/>
-              <a:t>O </a:t>
-            </a:r>
-            <a:r>
-              <a:rPr lang="ko-KR" altLang="en-US" sz="1000" dirty="0"/>
-              <a:t>김동우 </a:t>
-            </a:r>
-            <a:r>
-              <a:rPr lang="en-US" altLang="ko-KR" sz="1000" dirty="0"/>
-              <a:t>(01088993885)</a:t>
-            </a:r>
-          </a:p>
-          <a:p>
-            <a:r>
-              <a:rPr lang="en-US" altLang="ko-KR" sz="1000" dirty="0"/>
-              <a:t>O </a:t>
-            </a:r>
-            <a:r>
-              <a:rPr lang="ko-KR" altLang="en-US" sz="1000" dirty="0"/>
-              <a:t>김동우 </a:t>
-            </a:r>
-            <a:r>
-              <a:rPr lang="en-US" altLang="ko-KR" sz="1000" dirty="0"/>
-              <a:t>(01088993885</a:t>
-            </a:r>
-            <a:r>
-              <a:rPr lang="en-US" altLang="ko-KR" sz="1000" dirty="0" smtClean="0"/>
-              <a:t>)</a:t>
-            </a:r>
-          </a:p>
-          <a:p>
-            <a:r>
-              <a:rPr lang="en-US" altLang="ko-KR" sz="1000" dirty="0" smtClean="0"/>
-              <a:t>------------------------------------------</a:t>
-            </a:r>
-            <a:endParaRPr lang="en-US" altLang="ko-KR" sz="1000" dirty="0"/>
-          </a:p>
-          <a:p>
-            <a:r>
-              <a:rPr lang="ko-KR" altLang="en-US" sz="1000" dirty="0" smtClean="0"/>
-              <a:t>상품가격 </a:t>
-            </a:r>
-            <a:r>
-              <a:rPr lang="en-US" altLang="ko-KR" sz="1000" dirty="0" smtClean="0"/>
-              <a:t>: \55,000</a:t>
-            </a:r>
-          </a:p>
-          <a:p>
-            <a:r>
-              <a:rPr lang="ko-KR" altLang="en-US" sz="1000" dirty="0" smtClean="0"/>
-              <a:t>할인 </a:t>
-            </a:r>
-            <a:r>
-              <a:rPr lang="en-US" altLang="ko-KR" sz="1000" dirty="0" smtClean="0"/>
-              <a:t>: - </a:t>
-            </a:r>
-            <a:r>
-              <a:rPr lang="en-US" altLang="ko-KR" sz="1000" dirty="0" smtClean="0">
-                <a:solidFill>
-                  <a:srgbClr val="FF0000"/>
-                </a:solidFill>
-              </a:rPr>
-              <a:t>\100,000</a:t>
-            </a:r>
-          </a:p>
-          <a:p>
-            <a:r>
-              <a:rPr lang="ko-KR" altLang="en-US" sz="700" dirty="0" smtClean="0">
-                <a:solidFill>
-                  <a:srgbClr val="FF0000"/>
-                </a:solidFill>
-              </a:rPr>
-              <a:t>할인이 상품가격보다 많습니다</a:t>
-            </a:r>
-            <a:r>
-              <a:rPr lang="en-US" altLang="ko-KR" sz="700" dirty="0" smtClean="0">
-                <a:solidFill>
-                  <a:srgbClr val="FF0000"/>
-                </a:solidFill>
-              </a:rPr>
-              <a:t>.</a:t>
-            </a:r>
-          </a:p>
-          <a:p>
-            <a:endParaRPr lang="en-US" altLang="ko-KR" sz="700" dirty="0" smtClean="0">
-              <a:solidFill>
-                <a:srgbClr val="FF0000"/>
-              </a:solidFill>
-            </a:endParaRPr>
-          </a:p>
-          <a:p>
-            <a:r>
-              <a:rPr lang="ko-KR" altLang="en-US" sz="1000" dirty="0" smtClean="0"/>
-              <a:t>총액 </a:t>
-            </a:r>
-            <a:r>
-              <a:rPr lang="en-US" altLang="ko-KR" sz="1000" dirty="0" smtClean="0"/>
-              <a:t>: </a:t>
-            </a:r>
-            <a:r>
-              <a:rPr lang="en-US" altLang="ko-KR" sz="1000" dirty="0" smtClean="0">
-                <a:solidFill>
-                  <a:schemeClr val="tx1"/>
-                </a:solidFill>
-              </a:rPr>
-              <a:t>\0</a:t>
-            </a:r>
-          </a:p>
-          <a:p>
-            <a:r>
-              <a:rPr lang="ko-KR" altLang="en-US" sz="1000" dirty="0" smtClean="0"/>
-              <a:t>포인트 사용 </a:t>
-            </a:r>
-            <a:r>
-              <a:rPr lang="en-US" altLang="ko-KR" sz="1000" dirty="0" smtClean="0"/>
-              <a:t>: \[0] / \100,500</a:t>
-            </a:r>
-          </a:p>
-          <a:p>
-            <a:r>
-              <a:rPr lang="ko-KR" altLang="en-US" sz="1000" dirty="0" err="1" smtClean="0"/>
-              <a:t>총결제금액</a:t>
-            </a:r>
-            <a:r>
-              <a:rPr lang="ko-KR" altLang="en-US" sz="1000" dirty="0" smtClean="0"/>
-              <a:t> </a:t>
-            </a:r>
-            <a:r>
-              <a:rPr lang="en-US" altLang="ko-KR" sz="1000" dirty="0" smtClean="0"/>
-              <a:t>: \0</a:t>
-            </a:r>
-          </a:p>
-        </p:txBody>
-      </p:sp>
-      <p:sp>
-        <p:nvSpPr>
-          <p:cNvPr id="13" name="TextBox 12"/>
-          <p:cNvSpPr txBox="1"/>
-          <p:nvPr/>
-        </p:nvSpPr>
-        <p:spPr>
-          <a:xfrm>
-            <a:off x="3161415" y="3449891"/>
-            <a:ext cx="2200939" cy="307777"/>
+            <a:off x="3291840" y="1700784"/>
+            <a:ext cx="3816096" cy="2862322"/>
           </a:xfrm>
           <a:prstGeom prst="rect">
             <a:avLst/>
@@ -5887,122 +6131,78 @@
           <a:lstStyle/>
           <a:p>
             <a:r>
-              <a:rPr lang="en-US" altLang="ko-KR" sz="700" dirty="0" smtClean="0"/>
+              <a:rPr lang="en-US" altLang="ko-KR" sz="1000" dirty="0" smtClean="0"/>
               <a:t>1. </a:t>
-            </a:r>
-            <a:r>
-              <a:rPr lang="ko-KR" altLang="en-US" sz="700" dirty="0" smtClean="0"/>
-              <a:t>할인 </a:t>
-            </a:r>
-            <a:r>
-              <a:rPr lang="en-US" altLang="ko-KR" sz="700" dirty="0" smtClean="0"/>
-              <a:t>&gt; </a:t>
-            </a:r>
-            <a:r>
-              <a:rPr lang="ko-KR" altLang="en-US" sz="700" dirty="0" err="1" smtClean="0"/>
-              <a:t>금액일시</a:t>
-            </a:r>
-            <a:r>
-              <a:rPr lang="ko-KR" altLang="en-US" sz="700" dirty="0" smtClean="0"/>
-              <a:t> 빨간 </a:t>
-            </a:r>
-            <a:r>
-              <a:rPr lang="en-US" altLang="ko-KR" sz="700" dirty="0" smtClean="0"/>
-              <a:t>alert</a:t>
-            </a:r>
-            <a:r>
-              <a:rPr lang="ko-KR" altLang="en-US" sz="700" dirty="0" smtClean="0"/>
-              <a:t>문구 출력</a:t>
-            </a:r>
-            <a:endParaRPr lang="en-US" altLang="ko-KR" sz="700" dirty="0" smtClean="0"/>
-          </a:p>
-          <a:p>
-            <a:r>
-              <a:rPr lang="ko-KR" altLang="en-US" sz="700" dirty="0" smtClean="0"/>
-              <a:t>총액</a:t>
-            </a:r>
-            <a:r>
-              <a:rPr lang="en-US" altLang="ko-KR" sz="700" dirty="0" smtClean="0"/>
-              <a:t>, </a:t>
-            </a:r>
-            <a:r>
-              <a:rPr lang="ko-KR" altLang="en-US" sz="700" dirty="0" err="1" smtClean="0"/>
-              <a:t>포인트사용</a:t>
-            </a:r>
-            <a:r>
-              <a:rPr lang="en-US" altLang="ko-KR" sz="700" dirty="0" smtClean="0"/>
-              <a:t>, </a:t>
-            </a:r>
-            <a:r>
-              <a:rPr lang="ko-KR" altLang="en-US" sz="700" dirty="0" err="1" smtClean="0"/>
-              <a:t>총결제금액</a:t>
-            </a:r>
-            <a:r>
-              <a:rPr lang="ko-KR" altLang="en-US" sz="700" dirty="0" smtClean="0"/>
-              <a:t> </a:t>
-            </a:r>
-            <a:r>
-              <a:rPr lang="en-US" altLang="ko-KR" sz="700" dirty="0" smtClean="0"/>
-              <a:t>0</a:t>
-            </a:r>
-            <a:r>
-              <a:rPr lang="ko-KR" altLang="en-US" sz="700" dirty="0" smtClean="0"/>
-              <a:t>으로 초기화</a:t>
-            </a:r>
-            <a:endParaRPr lang="en-US" altLang="ko-KR" sz="700" dirty="0" smtClean="0"/>
-          </a:p>
-        </p:txBody>
-      </p:sp>
-      <p:sp>
-        <p:nvSpPr>
-          <p:cNvPr id="14" name="TextBox 13"/>
-          <p:cNvSpPr txBox="1"/>
-          <p:nvPr/>
-        </p:nvSpPr>
-        <p:spPr>
-          <a:xfrm>
-            <a:off x="5934741" y="804145"/>
-            <a:ext cx="2461437" cy="2554545"/>
-          </a:xfrm>
-          <a:prstGeom prst="rect">
-            <a:avLst/>
-          </a:prstGeom>
-        </p:spPr>
-        <p:style>
-          <a:lnRef idx="2">
-            <a:schemeClr val="dk1"/>
-          </a:lnRef>
-          <a:fillRef idx="1">
-            <a:schemeClr val="lt1"/>
-          </a:fillRef>
-          <a:effectRef idx="0">
-            <a:schemeClr val="dk1"/>
-          </a:effectRef>
-          <a:fontRef idx="minor">
-            <a:schemeClr val="dk1"/>
-          </a:fontRef>
-        </p:style>
-        <p:txBody>
-          <a:bodyPr wrap="square" rtlCol="0">
-            <a:spAutoFit/>
-          </a:bodyPr>
-          <a:lstStyle/>
-          <a:p>
-            <a:r>
-              <a:rPr lang="en-US" altLang="ko-KR" sz="1000" dirty="0" smtClean="0"/>
-              <a:t>V</a:t>
             </a:r>
             <a:r>
               <a:rPr lang="ko-KR" altLang="en-US" sz="1000" dirty="0" smtClean="0"/>
               <a:t>회원</a:t>
             </a:r>
-            <a:r>
-              <a:rPr lang="en-US" altLang="ko-KR" sz="1000" dirty="0"/>
+            <a:endParaRPr lang="en-US" altLang="ko-KR" sz="1000" dirty="0" smtClean="0"/>
+          </a:p>
+          <a:p>
+            <a:r>
+              <a:rPr lang="en-US" altLang="ko-KR" sz="1000" dirty="0" smtClean="0"/>
+              <a:t>- </a:t>
+            </a:r>
+            <a:r>
+              <a:rPr lang="ko-KR" altLang="en-US" sz="1000" dirty="0" smtClean="0"/>
+              <a:t>검색 </a:t>
+            </a:r>
+            <a:r>
+              <a:rPr lang="en-US" altLang="ko-KR" sz="1000" dirty="0" smtClean="0"/>
+              <a:t>div show()</a:t>
+            </a:r>
+            <a:br>
+              <a:rPr lang="en-US" altLang="ko-KR" sz="1000" dirty="0" smtClean="0"/>
+            </a:br>
+            <a:r>
+              <a:rPr lang="en-US" altLang="ko-KR" sz="1000" dirty="0" smtClean="0"/>
+              <a:t>  - div</a:t>
+            </a:r>
+            <a:r>
+              <a:rPr lang="ko-KR" altLang="en-US" sz="1000" dirty="0" smtClean="0"/>
+              <a:t>가 이미 </a:t>
+            </a:r>
+            <a:r>
+              <a:rPr lang="ko-KR" altLang="en-US" sz="1000" dirty="0" err="1" smtClean="0"/>
+              <a:t>열려있을때</a:t>
+            </a:r>
+            <a:r>
+              <a:rPr lang="ko-KR" altLang="en-US" sz="1000" dirty="0" smtClean="0"/>
               <a:t> </a:t>
             </a:r>
             <a:r>
               <a:rPr lang="en-US" altLang="ko-KR" sz="1000" dirty="0" smtClean="0"/>
-              <a:t>                |               </a:t>
+              <a:t>: X</a:t>
+            </a:r>
+          </a:p>
+          <a:p>
+            <a:r>
+              <a:rPr lang="en-US" altLang="ko-KR" sz="1000" dirty="0" smtClean="0"/>
+              <a:t>  - div</a:t>
+            </a:r>
+            <a:r>
+              <a:rPr lang="ko-KR" altLang="en-US" sz="1000" dirty="0" smtClean="0"/>
+              <a:t>가 </a:t>
+            </a:r>
+            <a:r>
+              <a:rPr lang="ko-KR" altLang="en-US" sz="1000" dirty="0" err="1" smtClean="0"/>
+              <a:t>닫겨있을때</a:t>
+            </a:r>
+            <a:r>
+              <a:rPr lang="ko-KR" altLang="en-US" sz="1000" dirty="0" smtClean="0"/>
+              <a:t> </a:t>
+            </a:r>
+            <a:r>
+              <a:rPr lang="en-US" altLang="ko-KR" sz="1000" dirty="0" smtClean="0"/>
+              <a:t>: X</a:t>
+            </a:r>
+          </a:p>
+          <a:p>
+            <a:r>
+              <a:rPr lang="en-US" altLang="ko-KR" sz="1000" dirty="0" smtClean="0"/>
+              <a:t>2. </a:t>
             </a:r>
             <a:r>
               <a:rPr lang="ko-KR" altLang="en-US" sz="1000" dirty="0" smtClean="0"/>
@@ -6013,58 +6213,49 @@
           <a:p>
             <a:r>
               <a:rPr lang="en-US" altLang="ko-KR" sz="1000" dirty="0" smtClean="0"/>
-              <a:t>------------------------------------------</a:t>
-            </a:r>
-            <a:endParaRPr lang="en-US" altLang="ko-KR" sz="1000" dirty="0"/>
-          </a:p>
-          <a:p>
-            <a:r>
-              <a:rPr lang="en-US" altLang="ko-KR" sz="1000" dirty="0" smtClean="0"/>
-              <a:t>[</a:t>
-            </a:r>
-            <a:r>
-              <a:rPr lang="en-US" altLang="ko-KR" sz="1000" dirty="0"/>
-              <a:t>	]</a:t>
-            </a:r>
-            <a:r>
-              <a:rPr lang="ko-KR" altLang="en-US" sz="1000" dirty="0"/>
-              <a:t>검색</a:t>
-            </a:r>
-            <a:endParaRPr lang="en-US" altLang="ko-KR" sz="1000" dirty="0"/>
-          </a:p>
-          <a:p>
-            <a:r>
-              <a:rPr lang="en-US" altLang="ko-KR" sz="1000" dirty="0" smtClean="0"/>
-              <a:t>------------------------------------------</a:t>
-            </a:r>
-            <a:endParaRPr lang="en-US" altLang="ko-KR" sz="1000" dirty="0"/>
-          </a:p>
-          <a:p>
-            <a:r>
-              <a:rPr lang="en-US" altLang="ko-KR" sz="1000" dirty="0"/>
-              <a:t>O </a:t>
-            </a:r>
-            <a:r>
-              <a:rPr lang="ko-KR" altLang="en-US" sz="1000" dirty="0"/>
-              <a:t>김동우 </a:t>
-            </a:r>
-            <a:r>
-              <a:rPr lang="en-US" altLang="ko-KR" sz="1000" dirty="0"/>
-              <a:t>(01088993885)</a:t>
-            </a:r>
-          </a:p>
-          <a:p>
-            <a:r>
-              <a:rPr lang="en-US" altLang="ko-KR" sz="1000" dirty="0" smtClean="0"/>
-              <a:t>V </a:t>
-            </a:r>
-            <a:r>
-              <a:rPr lang="ko-KR" altLang="en-US" sz="1000" dirty="0"/>
-              <a:t>김동우 </a:t>
-            </a:r>
-            <a:r>
-              <a:rPr lang="en-US" altLang="ko-KR" sz="1000" dirty="0"/>
-              <a:t>(01088993885</a:t>
+              <a:t>- </a:t>
+            </a:r>
+            <a:r>
+              <a:rPr lang="ko-KR" altLang="en-US" sz="1000" dirty="0" smtClean="0"/>
+              <a:t>검색 </a:t>
+            </a:r>
+            <a:r>
+              <a:rPr lang="en-US" altLang="ko-KR" sz="1000" dirty="0" smtClean="0"/>
+              <a:t>div hide()</a:t>
+            </a:r>
+          </a:p>
+          <a:p>
+            <a:r>
+              <a:rPr lang="en-US" altLang="ko-KR" sz="1000" dirty="0" smtClean="0"/>
+              <a:t>- </a:t>
+            </a:r>
+            <a:r>
+              <a:rPr lang="ko-KR" altLang="en-US" sz="1000" dirty="0" smtClean="0"/>
+              <a:t>포인트 </a:t>
+            </a:r>
+            <a:r>
+              <a:rPr lang="en-US" altLang="ko-KR" sz="1000" dirty="0" smtClean="0"/>
+              <a:t>0/0</a:t>
+            </a:r>
+            <a:r>
+              <a:rPr lang="ko-KR" altLang="en-US" sz="1000" dirty="0" smtClean="0"/>
+              <a:t>초기화</a:t>
+            </a:r>
+            <a:r>
+              <a:rPr lang="en-US" altLang="ko-KR" sz="1000" dirty="0" smtClean="0"/>
+              <a:t>, </a:t>
+            </a:r>
+            <a:r>
+              <a:rPr lang="ko-KR" altLang="en-US" sz="1000" dirty="0" smtClean="0"/>
+              <a:t>비활성화</a:t>
+            </a:r>
+            <a:r>
+              <a:rPr lang="en-US" altLang="ko-KR" sz="1000" dirty="0" smtClean="0"/>
+              <a:t>(</a:t>
+            </a:r>
+            <a:r>
+              <a:rPr lang="ko-KR" altLang="en-US" sz="1000" dirty="0" err="1" smtClean="0"/>
+              <a:t>회색글씨</a:t>
             </a:r>
             <a:r>
               <a:rPr lang="en-US" altLang="ko-KR" sz="1000" dirty="0" smtClean="0"/>
@@ -6074,428 +6265,164 @@
           <a:p>
             <a:r>
               <a:rPr lang="en-US" altLang="ko-KR" sz="1000" dirty="0" smtClean="0"/>
-              <a:t>O </a:t>
-            </a:r>
-            <a:r>
-              <a:rPr lang="ko-KR" altLang="en-US" sz="1000" dirty="0"/>
-              <a:t>김동우 </a:t>
-            </a:r>
-            <a:r>
-              <a:rPr lang="en-US" altLang="ko-KR" sz="1000" dirty="0"/>
-              <a:t>(</a:t>
-            </a:r>
-            <a:r>
-              <a:rPr lang="en-US" altLang="ko-KR" sz="1000" dirty="0" smtClean="0"/>
-              <a:t>01088993885)</a:t>
-            </a:r>
-          </a:p>
-          <a:p>
-            <a:r>
-              <a:rPr lang="en-US" altLang="ko-KR" sz="1000" dirty="0"/>
-              <a:t>O </a:t>
-            </a:r>
-            <a:r>
-              <a:rPr lang="ko-KR" altLang="en-US" sz="1000" dirty="0"/>
-              <a:t>김동우 </a:t>
-            </a:r>
-            <a:r>
-              <a:rPr lang="en-US" altLang="ko-KR" sz="1000" dirty="0"/>
-              <a:t>(01088993885)</a:t>
-            </a:r>
-          </a:p>
-          <a:p>
-            <a:r>
-              <a:rPr lang="en-US" altLang="ko-KR" sz="1000" dirty="0"/>
-              <a:t>O </a:t>
-            </a:r>
-            <a:r>
-              <a:rPr lang="ko-KR" altLang="en-US" sz="1000" dirty="0"/>
-              <a:t>김동우 </a:t>
-            </a:r>
-            <a:r>
-              <a:rPr lang="en-US" altLang="ko-KR" sz="1000" dirty="0"/>
-              <a:t>(01088993885</a:t>
-            </a:r>
-            <a:r>
-              <a:rPr lang="en-US" altLang="ko-KR" sz="1000" dirty="0" smtClean="0"/>
-              <a:t>)</a:t>
-            </a:r>
-          </a:p>
-          <a:p>
-            <a:r>
-              <a:rPr lang="en-US" altLang="ko-KR" sz="1000" dirty="0" smtClean="0"/>
-              <a:t>------------------------------------------</a:t>
-            </a:r>
-            <a:endParaRPr lang="en-US" altLang="ko-KR" sz="1000" dirty="0"/>
-          </a:p>
-          <a:p>
+              <a:t>3. </a:t>
+            </a:r>
             <a:r>
               <a:rPr lang="ko-KR" altLang="en-US" sz="1000" dirty="0" smtClean="0"/>
-              <a:t>금액 </a:t>
-            </a:r>
-            <a:r>
-              <a:rPr lang="en-US" altLang="ko-KR" sz="1000" dirty="0" smtClean="0"/>
-              <a:t>: \55,000</a:t>
-            </a:r>
-          </a:p>
-          <a:p>
-            <a:r>
-              <a:rPr lang="ko-KR" altLang="en-US" sz="1000" dirty="0" smtClean="0"/>
-              <a:t>할인 </a:t>
-            </a:r>
-            <a:r>
-              <a:rPr lang="en-US" altLang="ko-KR" sz="1000" dirty="0" smtClean="0"/>
-              <a:t>: \15,000</a:t>
-            </a:r>
-            <a:endParaRPr lang="en-US" altLang="ko-KR" sz="1000" dirty="0" smtClean="0">
-              <a:solidFill>
-                <a:srgbClr val="FF0000"/>
-              </a:solidFill>
-            </a:endParaRPr>
-          </a:p>
-          <a:p>
-            <a:endParaRPr lang="en-US" altLang="ko-KR" sz="1000" dirty="0" smtClean="0"/>
-          </a:p>
-          <a:p>
-            <a:r>
-              <a:rPr lang="ko-KR" altLang="en-US" sz="1000" dirty="0" smtClean="0"/>
-              <a:t>총액 </a:t>
-            </a:r>
-            <a:r>
-              <a:rPr lang="en-US" altLang="ko-KR" sz="1000" dirty="0" smtClean="0"/>
-              <a:t>: \40,000</a:t>
-            </a:r>
-            <a:endParaRPr lang="en-US" altLang="ko-KR" sz="1000" dirty="0" smtClean="0">
-              <a:solidFill>
-                <a:srgbClr val="FF0000"/>
-              </a:solidFill>
-            </a:endParaRPr>
-          </a:p>
-          <a:p>
-            <a:r>
-              <a:rPr lang="ko-KR" altLang="en-US" sz="1000" dirty="0" smtClean="0"/>
-              <a:t>포인트 사용 </a:t>
-            </a:r>
-            <a:r>
-              <a:rPr lang="en-US" altLang="ko-KR" sz="1000" dirty="0" smtClean="0"/>
-              <a:t>: \[0] / \100,500</a:t>
-            </a:r>
-          </a:p>
-          <a:p>
+              <a:t>회원 </a:t>
+            </a:r>
             <a:r>
               <a:rPr lang="ko-KR" altLang="en-US" sz="1000" dirty="0" err="1" smtClean="0"/>
-              <a:t>총결제금액</a:t>
+              <a:t>목록하나</a:t>
             </a:r>
             <a:r>
               <a:rPr lang="ko-KR" altLang="en-US" sz="1000" dirty="0" smtClean="0"/>
               <a:t> </a:t>
             </a:r>
             <a:r>
-              <a:rPr lang="en-US" altLang="ko-KR" sz="1000" dirty="0" smtClean="0"/>
-              <a:t>: \30,000</a:t>
-            </a:r>
-          </a:p>
-        </p:txBody>
-      </p:sp>
-      <p:sp>
-        <p:nvSpPr>
-          <p:cNvPr id="15" name="TextBox 14"/>
-          <p:cNvSpPr txBox="1"/>
-          <p:nvPr/>
-        </p:nvSpPr>
-        <p:spPr>
-          <a:xfrm>
-            <a:off x="5934741" y="3420246"/>
-            <a:ext cx="2200939" cy="1061829"/>
-          </a:xfrm>
-          <a:prstGeom prst="rect">
-            <a:avLst/>
-          </a:prstGeom>
-          <a:noFill/>
-        </p:spPr>
-        <p:txBody>
-          <a:bodyPr wrap="square" rtlCol="0">
-            <a:spAutoFit/>
-          </a:bodyPr>
-          <a:lstStyle/>
-          <a:p>
-            <a:r>
-              <a:rPr lang="en-US" altLang="ko-KR" sz="700" dirty="0" smtClean="0"/>
-              <a:t>1. </a:t>
-            </a:r>
-            <a:r>
-              <a:rPr lang="ko-KR" altLang="en-US" sz="700" dirty="0" smtClean="0"/>
-              <a:t>금액</a:t>
-            </a:r>
-            <a:r>
-              <a:rPr lang="en-US" altLang="ko-KR" sz="700" dirty="0" smtClean="0"/>
+              <a:rPr lang="ko-KR" altLang="en-US" sz="1000" dirty="0" err="1" smtClean="0"/>
+              <a:t>클릭시</a:t>
+            </a:r>
+            <a:endParaRPr lang="en-US" altLang="ko-KR" sz="1000" dirty="0"/>
+          </a:p>
+          <a:p>
+            <a:r>
+              <a:rPr lang="en-US" altLang="ko-KR" sz="1000" dirty="0" smtClean="0"/>
+              <a:t>- </a:t>
+            </a:r>
+            <a:r>
+              <a:rPr lang="ko-KR" altLang="en-US" sz="1000" dirty="0" err="1" smtClean="0"/>
+              <a:t>퍼센트할인</a:t>
+            </a:r>
+            <a:r>
+              <a:rPr lang="ko-KR" altLang="en-US" sz="1000" dirty="0" smtClean="0"/>
+              <a:t> 체크</a:t>
+            </a:r>
+            <a:r>
+              <a:rPr lang="en-US" altLang="ko-KR" sz="1000" dirty="0" smtClean="0"/>
               <a:t>, </a:t>
             </a:r>
             <a:r>
-              <a:rPr lang="ko-KR" altLang="en-US" sz="700" dirty="0" smtClean="0"/>
-              <a:t>할인 </a:t>
-            </a:r>
-            <a:r>
-              <a:rPr lang="ko-KR" altLang="en-US" sz="700" dirty="0" err="1" smtClean="0"/>
-              <a:t>변경시</a:t>
-            </a:r>
-            <a:r>
-              <a:rPr lang="ko-KR" altLang="en-US" sz="700" dirty="0" smtClean="0"/>
-              <a:t> </a:t>
-            </a:r>
-            <a:r>
-              <a:rPr lang="ko-KR" altLang="en-US" sz="700" dirty="0" err="1" smtClean="0"/>
-              <a:t>할인금액</a:t>
-            </a:r>
-            <a:r>
-              <a:rPr lang="ko-KR" altLang="en-US" sz="700" dirty="0" smtClean="0"/>
-              <a:t> </a:t>
-            </a:r>
-            <a:r>
-              <a:rPr lang="ko-KR" altLang="en-US" sz="700" dirty="0" err="1" smtClean="0"/>
-              <a:t>적용후</a:t>
-            </a:r>
-            <a:r>
-              <a:rPr lang="ko-KR" altLang="en-US" sz="700" dirty="0" smtClean="0"/>
-              <a:t> 총액 변경</a:t>
-            </a:r>
-            <a:endParaRPr lang="en-US" altLang="ko-KR" sz="700" dirty="0"/>
-          </a:p>
-          <a:p>
-            <a:r>
-              <a:rPr lang="en-US" altLang="ko-KR" sz="700" dirty="0" smtClean="0"/>
-              <a:t>1-1. </a:t>
-            </a:r>
-            <a:r>
-              <a:rPr lang="ko-KR" altLang="en-US" sz="700" dirty="0" smtClean="0"/>
-              <a:t>포인트 사용 </a:t>
-            </a:r>
-            <a:r>
-              <a:rPr lang="en-US" altLang="ko-KR" sz="700" dirty="0" smtClean="0"/>
-              <a:t>&gt; </a:t>
-            </a:r>
-            <a:r>
-              <a:rPr lang="ko-KR" altLang="en-US" sz="700" dirty="0" smtClean="0"/>
+              <a:rPr lang="ko-KR" altLang="en-US" sz="1000" dirty="0" smtClean="0"/>
+              <a:t>할인율 변경</a:t>
+            </a:r>
+            <a:endParaRPr lang="en-US" altLang="ko-KR" sz="1000" dirty="0" smtClean="0"/>
+          </a:p>
+          <a:p>
+            <a:r>
+              <a:rPr lang="en-US" altLang="ko-KR" sz="1000" dirty="0" smtClean="0"/>
+              <a:t>- </a:t>
+            </a:r>
+            <a:r>
+              <a:rPr lang="ko-KR" altLang="en-US" sz="1000" dirty="0" smtClean="0"/>
               <a:t>포인트 </a:t>
             </a:r>
             <a:r>
-              <a:rPr lang="ko-KR" altLang="en-US" sz="700" dirty="0" err="1" smtClean="0"/>
-              <a:t>잔액일경우</a:t>
-            </a:r>
-            <a:endParaRPr lang="en-US" altLang="ko-KR" sz="700" dirty="0" smtClean="0"/>
-          </a:p>
-          <a:p>
-            <a:r>
-              <a:rPr lang="ko-KR" altLang="en-US" sz="700" dirty="0" smtClean="0"/>
-              <a:t>총결제금액만 </a:t>
-            </a:r>
-            <a:r>
-              <a:rPr lang="en-US" altLang="ko-KR" sz="700" dirty="0" smtClean="0"/>
-              <a:t>0</a:t>
-            </a:r>
-            <a:r>
-              <a:rPr lang="ko-KR" altLang="en-US" sz="700" dirty="0" smtClean="0"/>
-              <a:t>으로 초기화</a:t>
-            </a:r>
-            <a:r>
-              <a:rPr lang="en-US" altLang="ko-KR" sz="700" dirty="0" smtClean="0"/>
-              <a:t>,</a:t>
-            </a:r>
-          </a:p>
-          <a:p>
-            <a:r>
-              <a:rPr lang="ko-KR" altLang="en-US" sz="700" dirty="0" smtClean="0"/>
-              <a:t>빨간 </a:t>
-            </a:r>
-            <a:r>
-              <a:rPr lang="en-US" altLang="ko-KR" sz="700" dirty="0" smtClean="0"/>
-              <a:t>alert </a:t>
-            </a:r>
-            <a:r>
-              <a:rPr lang="ko-KR" altLang="en-US" sz="700" dirty="0" smtClean="0"/>
-              <a:t>문구 출력</a:t>
-            </a:r>
-            <a:endParaRPr lang="en-US" altLang="ko-KR" sz="700" dirty="0" smtClean="0"/>
-          </a:p>
-          <a:p>
-            <a:r>
-              <a:rPr lang="en-US" altLang="ko-KR" sz="700" dirty="0" smtClean="0"/>
-              <a:t>1-2. </a:t>
-            </a:r>
-            <a:r>
-              <a:rPr lang="ko-KR" altLang="en-US" sz="700" dirty="0" smtClean="0"/>
-              <a:t>포인트 사용 </a:t>
-            </a:r>
-            <a:r>
-              <a:rPr lang="en-US" altLang="ko-KR" sz="700" dirty="0" smtClean="0"/>
-              <a:t>&lt;= </a:t>
-            </a:r>
-            <a:r>
-              <a:rPr lang="ko-KR" altLang="en-US" sz="700" dirty="0" smtClean="0"/>
-              <a:t>포인트 </a:t>
-            </a:r>
-            <a:r>
-              <a:rPr lang="ko-KR" altLang="en-US" sz="700" dirty="0" err="1" smtClean="0"/>
-              <a:t>잔액일경우</a:t>
-            </a:r>
-            <a:endParaRPr lang="en-US" altLang="ko-KR" sz="700" dirty="0" smtClean="0"/>
-          </a:p>
-          <a:p>
-            <a:r>
-              <a:rPr lang="ko-KR" altLang="en-US" sz="700" dirty="0" smtClean="0"/>
-              <a:t>총결제금액까지 변경</a:t>
-            </a:r>
-            <a:endParaRPr lang="en-US" altLang="ko-KR" sz="700" dirty="0" smtClean="0"/>
-          </a:p>
-          <a:p>
-            <a:endParaRPr lang="en-US" altLang="ko-KR" sz="700" dirty="0"/>
-          </a:p>
-          <a:p>
-            <a:r>
-              <a:rPr lang="en-US" altLang="ko-KR" sz="700" dirty="0" smtClean="0"/>
-              <a:t>2. </a:t>
-            </a:r>
-            <a:r>
-              <a:rPr lang="ko-KR" altLang="en-US" sz="700" dirty="0" smtClean="0"/>
-              <a:t>포인트 사용 </a:t>
-            </a:r>
-            <a:r>
-              <a:rPr lang="ko-KR" altLang="en-US" sz="700" dirty="0" err="1" smtClean="0"/>
-              <a:t>변경시</a:t>
-            </a:r>
-            <a:endParaRPr lang="en-US" altLang="ko-KR" sz="700" dirty="0"/>
-          </a:p>
-          <a:p>
-            <a:r>
-              <a:rPr lang="ko-KR" altLang="en-US" sz="700" dirty="0" err="1" smtClean="0"/>
-              <a:t>총결제금액</a:t>
-            </a:r>
-            <a:r>
-              <a:rPr lang="ko-KR" altLang="en-US" sz="700" dirty="0" smtClean="0"/>
-              <a:t> 변경</a:t>
-            </a:r>
-            <a:endParaRPr lang="en-US" altLang="ko-KR" sz="700" dirty="0" smtClean="0"/>
-          </a:p>
-        </p:txBody>
-      </p:sp>
-      <p:sp>
-        <p:nvSpPr>
-          <p:cNvPr id="16" name="TextBox 15"/>
-          <p:cNvSpPr txBox="1"/>
-          <p:nvPr/>
-        </p:nvSpPr>
-        <p:spPr>
-          <a:xfrm>
-            <a:off x="388089" y="804144"/>
-            <a:ext cx="2461437" cy="1631216"/>
-          </a:xfrm>
-          <a:prstGeom prst="rect">
-            <a:avLst/>
-          </a:prstGeom>
-        </p:spPr>
-        <p:style>
-          <a:lnRef idx="2">
-            <a:schemeClr val="dk1"/>
-          </a:lnRef>
-          <a:fillRef idx="1">
-            <a:schemeClr val="lt1"/>
-          </a:fillRef>
-          <a:effectRef idx="0">
-            <a:schemeClr val="dk1"/>
-          </a:effectRef>
-          <a:fontRef idx="minor">
-            <a:schemeClr val="dk1"/>
-          </a:fontRef>
-        </p:style>
-        <p:txBody>
-          <a:bodyPr wrap="square" rtlCol="0">
-            <a:spAutoFit/>
-          </a:bodyPr>
-          <a:lstStyle/>
-          <a:p>
+              <a:rPr lang="en-US" altLang="ko-KR" sz="1000" dirty="0" smtClean="0"/>
+              <a:t>0/xxx </a:t>
+            </a:r>
             <a:r>
               <a:rPr lang="ko-KR" altLang="en-US" sz="1000" dirty="0" smtClean="0"/>
-              <a:t>회원 </a:t>
-            </a:r>
-            <a:r>
-              <a:rPr lang="en-US" altLang="ko-KR" sz="1000" dirty="0" smtClean="0"/>
-              <a:t>                 |              V</a:t>
+              <a:t>입력</a:t>
+            </a:r>
+            <a:r>
+              <a:rPr lang="en-US" altLang="ko-KR" sz="1000" dirty="0" smtClean="0"/>
+              <a:t>, </a:t>
             </a:r>
             <a:r>
               <a:rPr lang="ko-KR" altLang="en-US" sz="1000" dirty="0" smtClean="0"/>
-              <a:t>비회원</a:t>
+              <a:t>활성화</a:t>
             </a:r>
             <a:endParaRPr lang="en-US" altLang="ko-KR" sz="1000" dirty="0" smtClean="0"/>
           </a:p>
           <a:p>
             <a:r>
               <a:rPr lang="en-US" altLang="ko-KR" sz="1000" dirty="0" smtClean="0"/>
-              <a:t>------------------------------------------</a:t>
-            </a:r>
-            <a:endParaRPr lang="en-US" altLang="ko-KR" sz="1000" dirty="0"/>
-          </a:p>
-          <a:p>
+              <a:t>4. </a:t>
+            </a:r>
             <a:r>
               <a:rPr lang="ko-KR" altLang="en-US" sz="1000" dirty="0" smtClean="0"/>
-              <a:t>상품가격 </a:t>
-            </a:r>
-            <a:r>
-              <a:rPr lang="en-US" altLang="ko-KR" sz="1000" dirty="0" smtClean="0"/>
-              <a:t>: \0</a:t>
-            </a:r>
-          </a:p>
-          <a:p>
+              <a:t>제품</a:t>
+            </a:r>
+            <a:endParaRPr lang="en-US" altLang="ko-KR" sz="1000" dirty="0" smtClean="0"/>
+          </a:p>
+          <a:p>
+            <a:r>
+              <a:rPr lang="en-US" altLang="ko-KR" sz="1000" dirty="0" smtClean="0"/>
+              <a:t>- </a:t>
+            </a:r>
             <a:r>
               <a:rPr lang="ko-KR" altLang="en-US" sz="1000" dirty="0" smtClean="0"/>
-              <a:t>할인 </a:t>
-            </a:r>
-            <a:r>
-              <a:rPr lang="en-US" altLang="ko-KR" sz="1000" dirty="0" smtClean="0"/>
-              <a:t>: \0</a:t>
-            </a:r>
-          </a:p>
-          <a:p>
+              <a:t>검색 </a:t>
+            </a:r>
+            <a:r>
+              <a:rPr lang="en-US" altLang="ko-KR" sz="1000" dirty="0" smtClean="0"/>
+              <a:t>div show()</a:t>
+            </a:r>
+          </a:p>
+          <a:p>
+            <a:r>
+              <a:rPr lang="en-US" altLang="ko-KR" sz="1000" dirty="0" smtClean="0"/>
+              <a:t>5. </a:t>
+            </a:r>
+            <a:r>
+              <a:rPr lang="ko-KR" altLang="en-US" sz="1000" dirty="0" smtClean="0"/>
+              <a:t>직접입력</a:t>
+            </a:r>
+            <a:endParaRPr lang="en-US" altLang="ko-KR" sz="1000" dirty="0" smtClean="0"/>
+          </a:p>
+          <a:p>
+            <a:r>
+              <a:rPr lang="en-US" altLang="ko-KR" sz="1000" dirty="0" smtClean="0"/>
+              <a:t>- </a:t>
+            </a:r>
+            <a:r>
+              <a:rPr lang="ko-KR" altLang="en-US" sz="1000" dirty="0" smtClean="0"/>
+              <a:t>검색 </a:t>
+            </a:r>
+            <a:r>
+              <a:rPr lang="en-US" altLang="ko-KR" sz="1000" dirty="0" smtClean="0"/>
+              <a:t>div hide()</a:t>
+            </a:r>
+          </a:p>
+          <a:p>
+            <a:r>
+              <a:rPr lang="en-US" altLang="ko-KR" sz="1000" dirty="0" smtClean="0"/>
+              <a:t>6. </a:t>
+            </a:r>
+            <a:r>
+              <a:rPr lang="ko-KR" altLang="en-US" sz="1000" dirty="0" smtClean="0"/>
+              <a:t>제품 </a:t>
+            </a:r>
             <a:r>
               <a:rPr lang="ko-KR" altLang="en-US" sz="1000" dirty="0" err="1" smtClean="0"/>
-              <a:t>총결제금액</a:t>
-            </a:r>
-            <a:r>
-              <a:rPr lang="ko-KR" altLang="en-US" sz="1000" dirty="0" smtClean="0"/>
-              <a:t> </a:t>
-            </a:r>
-            <a:r>
-              <a:rPr lang="en-US" altLang="ko-KR" sz="1000" dirty="0" smtClean="0"/>
-              <a:t>: \0</a:t>
-            </a:r>
-            <a:endParaRPr lang="en-US" altLang="ko-KR" sz="1000" dirty="0"/>
-          </a:p>
-          <a:p>
-            <a:r>
-              <a:rPr lang="en-US" altLang="ko-KR" sz="1000" dirty="0" smtClean="0"/>
-              <a:t>-----------------------------------------</a:t>
-            </a:r>
-          </a:p>
-          <a:p>
-            <a:r>
-              <a:rPr lang="en-US" altLang="ko-KR" sz="1000" dirty="0" smtClean="0"/>
-              <a:t>Comment</a:t>
-            </a:r>
-          </a:p>
-          <a:p>
-            <a:endParaRPr lang="en-US" altLang="ko-KR" sz="1000" dirty="0"/>
-          </a:p>
-          <a:p>
+              <a:t>선택시</a:t>
+            </a:r>
             <a:endParaRPr lang="en-US" altLang="ko-KR" sz="1000" dirty="0" smtClean="0"/>
           </a:p>
           <a:p>
+            <a:r>
+              <a:rPr lang="en-US" altLang="ko-KR" sz="1000" dirty="0" smtClean="0"/>
+              <a:t>- </a:t>
+            </a:r>
+            <a:r>
+              <a:rPr lang="ko-KR" altLang="en-US" sz="1000" smtClean="0"/>
+              <a:t>상품가격 변경</a:t>
+            </a:r>
             <a:endParaRPr lang="en-US" altLang="ko-KR" sz="1000" dirty="0" smtClean="0"/>
+          </a:p>
+          <a:p>
+            <a:endParaRPr lang="en-US" altLang="ko-KR" sz="1000" dirty="0" smtClean="0"/>
+          </a:p>
+          <a:p>
+            <a:endParaRPr lang="ko-KR" altLang="en-US" sz="1000" dirty="0"/>
           </a:p>
         </p:txBody>
       </p:sp>
     </p:spTree>
     <p:extLst>
       <p:ext uri="{BB962C8B-B14F-4D97-AF65-F5344CB8AC3E}">
-        <p14:creationId xmlns:p14="http://schemas.microsoft.com/office/powerpoint/2010/main" val="2331711983"/>
+        <p14:creationId xmlns:p14="http://schemas.microsoft.com/office/powerpoint/2010/main" val="1461297585"/>
       </p:ext>
     </p:extLst>
   </p:cSld>

--- a/Aura UX.pptx
+++ b/Aura UX.pptx
@@ -12,6 +12,8 @@
     <p:sldId id="257" r:id="rId6"/>
     <p:sldId id="260" r:id="rId7"/>
     <p:sldId id="259" r:id="rId8"/>
+    <p:sldId id="264" r:id="rId9"/>
+    <p:sldId id="265" r:id="rId10"/>
   </p:sldIdLst>
   <p:sldSz cx="12192000" cy="6858000"/>
   <p:notesSz cx="6858000" cy="9144000"/>
@@ -249,7 +251,7 @@
           <a:p>
             <a:fld id="{7AFA149E-3CBA-498E-A8E1-26A062342D96}" type="datetimeFigureOut">
               <a:rPr lang="ko-KR" altLang="en-US" smtClean="0"/>
-              <a:t>2020-11-24</a:t>
+              <a:t>2020-11-30</a:t>
             </a:fld>
             <a:endParaRPr lang="ko-KR" altLang="en-US"/>
           </a:p>
@@ -419,7 +421,7 @@
           <a:p>
             <a:fld id="{7AFA149E-3CBA-498E-A8E1-26A062342D96}" type="datetimeFigureOut">
               <a:rPr lang="ko-KR" altLang="en-US" smtClean="0"/>
-              <a:t>2020-11-24</a:t>
+              <a:t>2020-11-30</a:t>
             </a:fld>
             <a:endParaRPr lang="ko-KR" altLang="en-US"/>
           </a:p>
@@ -599,7 +601,7 @@
           <a:p>
             <a:fld id="{7AFA149E-3CBA-498E-A8E1-26A062342D96}" type="datetimeFigureOut">
               <a:rPr lang="ko-KR" altLang="en-US" smtClean="0"/>
-              <a:t>2020-11-24</a:t>
+              <a:t>2020-11-30</a:t>
             </a:fld>
             <a:endParaRPr lang="ko-KR" altLang="en-US"/>
           </a:p>
@@ -769,7 +771,7 @@
           <a:p>
             <a:fld id="{7AFA149E-3CBA-498E-A8E1-26A062342D96}" type="datetimeFigureOut">
               <a:rPr lang="ko-KR" altLang="en-US" smtClean="0"/>
-              <a:t>2020-11-24</a:t>
+              <a:t>2020-11-30</a:t>
             </a:fld>
             <a:endParaRPr lang="ko-KR" altLang="en-US"/>
           </a:p>
@@ -1015,7 +1017,7 @@
           <a:p>
             <a:fld id="{7AFA149E-3CBA-498E-A8E1-26A062342D96}" type="datetimeFigureOut">
               <a:rPr lang="ko-KR" altLang="en-US" smtClean="0"/>
-              <a:t>2020-11-24</a:t>
+              <a:t>2020-11-30</a:t>
             </a:fld>
             <a:endParaRPr lang="ko-KR" altLang="en-US"/>
           </a:p>
@@ -1247,7 +1249,7 @@
           <a:p>
             <a:fld id="{7AFA149E-3CBA-498E-A8E1-26A062342D96}" type="datetimeFigureOut">
               <a:rPr lang="ko-KR" altLang="en-US" smtClean="0"/>
-              <a:t>2020-11-24</a:t>
+              <a:t>2020-11-30</a:t>
             </a:fld>
             <a:endParaRPr lang="ko-KR" altLang="en-US"/>
           </a:p>
@@ -1614,7 +1616,7 @@
           <a:p>
             <a:fld id="{7AFA149E-3CBA-498E-A8E1-26A062342D96}" type="datetimeFigureOut">
               <a:rPr lang="ko-KR" altLang="en-US" smtClean="0"/>
-              <a:t>2020-11-24</a:t>
+              <a:t>2020-11-30</a:t>
             </a:fld>
             <a:endParaRPr lang="ko-KR" altLang="en-US"/>
           </a:p>
@@ -1732,7 +1734,7 @@
           <a:p>
             <a:fld id="{7AFA149E-3CBA-498E-A8E1-26A062342D96}" type="datetimeFigureOut">
               <a:rPr lang="ko-KR" altLang="en-US" smtClean="0"/>
-              <a:t>2020-11-24</a:t>
+              <a:t>2020-11-30</a:t>
             </a:fld>
             <a:endParaRPr lang="ko-KR" altLang="en-US"/>
           </a:p>
@@ -1827,7 +1829,7 @@
           <a:p>
             <a:fld id="{7AFA149E-3CBA-498E-A8E1-26A062342D96}" type="datetimeFigureOut">
               <a:rPr lang="ko-KR" altLang="en-US" smtClean="0"/>
-              <a:t>2020-11-24</a:t>
+              <a:t>2020-11-30</a:t>
             </a:fld>
             <a:endParaRPr lang="ko-KR" altLang="en-US"/>
           </a:p>
@@ -2104,7 +2106,7 @@
           <a:p>
             <a:fld id="{7AFA149E-3CBA-498E-A8E1-26A062342D96}" type="datetimeFigureOut">
               <a:rPr lang="ko-KR" altLang="en-US" smtClean="0"/>
-              <a:t>2020-11-24</a:t>
+              <a:t>2020-11-30</a:t>
             </a:fld>
             <a:endParaRPr lang="ko-KR" altLang="en-US"/>
           </a:p>
@@ -2357,7 +2359,7 @@
           <a:p>
             <a:fld id="{7AFA149E-3CBA-498E-A8E1-26A062342D96}" type="datetimeFigureOut">
               <a:rPr lang="ko-KR" altLang="en-US" smtClean="0"/>
-              <a:t>2020-11-24</a:t>
+              <a:t>2020-11-30</a:t>
             </a:fld>
             <a:endParaRPr lang="ko-KR" altLang="en-US"/>
           </a:p>
@@ -2570,7 +2572,7 @@
           <a:p>
             <a:fld id="{7AFA149E-3CBA-498E-A8E1-26A062342D96}" type="datetimeFigureOut">
               <a:rPr lang="ko-KR" altLang="en-US" smtClean="0"/>
-              <a:t>2020-11-24</a:t>
+              <a:t>2020-11-30</a:t>
             </a:fld>
             <a:endParaRPr lang="ko-KR" altLang="en-US"/>
           </a:p>
@@ -3634,11 +3636,7 @@
           <a:p>
             <a:r>
               <a:rPr lang="ko-KR" altLang="en-US" dirty="0" smtClean="0"/>
-              <a:t>일지 </a:t>
-            </a:r>
-            <a:r>
-              <a:rPr lang="ko-KR" altLang="en-US" dirty="0" smtClean="0"/>
-              <a:t>등록 </a:t>
+              <a:t>일지 등록 </a:t>
             </a:r>
             <a:r>
               <a:rPr lang="en-US" altLang="ko-KR" dirty="0" smtClean="0"/>
@@ -4856,7 +4854,6 @@
               <a:rPr lang="en-US" altLang="ko-KR" sz="1000" dirty="0" smtClean="0"/>
               <a:t>) GOLD</a:t>
             </a:r>
-            <a:endParaRPr lang="en-US" altLang="ko-KR" sz="1000" dirty="0" smtClean="0"/>
           </a:p>
           <a:p>
             <a:r>
@@ -4873,13 +4870,8 @@
             </a:r>
             <a:r>
               <a:rPr lang="en-US" altLang="ko-KR" sz="1000" dirty="0" smtClean="0"/>
-              <a:t>01088993885</a:t>
-            </a:r>
-            <a:r>
-              <a:rPr lang="en-US" altLang="ko-KR" sz="1000" dirty="0" smtClean="0"/>
-              <a:t>) </a:t>
-            </a:r>
-            <a:endParaRPr lang="en-US" altLang="ko-KR" sz="1000" dirty="0" smtClean="0"/>
+              <a:t>01088993885) </a:t>
+            </a:r>
           </a:p>
           <a:p>
             <a:r>
@@ -4925,7 +4917,6 @@
               <a:rPr lang="en-US" altLang="ko-KR" sz="1000" dirty="0" smtClean="0"/>
               <a:t>) VIP</a:t>
             </a:r>
-            <a:endParaRPr lang="en-US" altLang="ko-KR" sz="1000" dirty="0" smtClean="0"/>
           </a:p>
           <a:p>
             <a:r>
@@ -5009,11 +5000,7 @@
             </a:r>
             <a:r>
               <a:rPr lang="en-US" altLang="ko-KR" sz="1000" dirty="0" smtClean="0"/>
-              <a:t>(\</a:t>
-            </a:r>
-            <a:r>
-              <a:rPr lang="en-US" altLang="ko-KR" sz="1000" dirty="0" smtClean="0"/>
-              <a:t>50,000)</a:t>
+              <a:t>(\50,000)</a:t>
             </a:r>
           </a:p>
           <a:p>
@@ -5076,11 +5063,7 @@
             </a:r>
             <a:r>
               <a:rPr lang="en-US" altLang="ko-KR" sz="1000" dirty="0" smtClean="0"/>
-              <a:t>: \</a:t>
-            </a:r>
-            <a:r>
-              <a:rPr lang="en-US" altLang="ko-KR" sz="1000" dirty="0" smtClean="0"/>
-              <a:t>0</a:t>
+              <a:t>: \0</a:t>
             </a:r>
           </a:p>
           <a:p>
@@ -5113,7 +5096,6 @@
               <a:rPr lang="en-US" altLang="ko-KR" sz="1000" dirty="0" smtClean="0"/>
               <a:t>-------------------------------------------</a:t>
             </a:r>
-            <a:endParaRPr lang="en-US" altLang="ko-KR" sz="1000" dirty="0" smtClean="0"/>
           </a:p>
           <a:p>
             <a:r>
@@ -5195,11 +5177,7 @@
             </a:r>
             <a:r>
               <a:rPr lang="en-US" altLang="ko-KR" sz="700" dirty="0" smtClean="0"/>
-              <a:t>div show(), hide</a:t>
-            </a:r>
-            <a:r>
-              <a:rPr lang="en-US" altLang="ko-KR" sz="700" dirty="0" smtClean="0"/>
-              <a:t>()</a:t>
+              <a:t>div show(), hide()</a:t>
             </a:r>
           </a:p>
           <a:p>
@@ -5532,11 +5510,7 @@
           <a:p>
             <a:r>
               <a:rPr lang="ko-KR" altLang="en-US" dirty="0" smtClean="0"/>
-              <a:t>일지 </a:t>
-            </a:r>
-            <a:r>
-              <a:rPr lang="ko-KR" altLang="en-US" dirty="0" smtClean="0"/>
-              <a:t>등록</a:t>
+              <a:t>일지 등록</a:t>
             </a:r>
             <a:endParaRPr lang="ko-KR" altLang="en-US" dirty="0"/>
           </a:p>
@@ -5708,7 +5682,6 @@
                 <a:rPr lang="en-US" altLang="ko-KR" sz="1000" dirty="0" smtClean="0"/>
                 <a:t>) GOLD</a:t>
               </a:r>
-              <a:endParaRPr lang="en-US" altLang="ko-KR" sz="1000" dirty="0" smtClean="0"/>
             </a:p>
             <a:p>
               <a:r>
@@ -5725,13 +5698,8 @@
               </a:r>
               <a:r>
                 <a:rPr lang="en-US" altLang="ko-KR" sz="1000" dirty="0" smtClean="0"/>
-                <a:t>01088993885</a:t>
+                <a:t>01088993885) </a:t>
               </a:r>
-              <a:r>
-                <a:rPr lang="en-US" altLang="ko-KR" sz="1000" dirty="0" smtClean="0"/>
-                <a:t>) </a:t>
-              </a:r>
-              <a:endParaRPr lang="en-US" altLang="ko-KR" sz="1000" dirty="0" smtClean="0"/>
             </a:p>
             <a:p>
               <a:r>
@@ -5777,7 +5745,6 @@
                 <a:rPr lang="en-US" altLang="ko-KR" sz="1000" dirty="0" smtClean="0"/>
                 <a:t>) VIP</a:t>
               </a:r>
-              <a:endParaRPr lang="en-US" altLang="ko-KR" sz="1000" dirty="0" smtClean="0"/>
             </a:p>
             <a:p>
               <a:r>
@@ -5861,11 +5828,7 @@
               </a:r>
               <a:r>
                 <a:rPr lang="en-US" altLang="ko-KR" sz="1000" dirty="0" smtClean="0"/>
-                <a:t>(\</a:t>
-              </a:r>
-              <a:r>
-                <a:rPr lang="en-US" altLang="ko-KR" sz="1000" dirty="0" smtClean="0"/>
-                <a:t>50,000)</a:t>
+                <a:t>(\50,000)</a:t>
               </a:r>
             </a:p>
             <a:p>
@@ -5928,11 +5891,7 @@
               </a:r>
               <a:r>
                 <a:rPr lang="en-US" altLang="ko-KR" sz="1000" dirty="0" smtClean="0"/>
-                <a:t>: \</a:t>
-              </a:r>
-              <a:r>
-                <a:rPr lang="en-US" altLang="ko-KR" sz="1000" dirty="0" smtClean="0"/>
-                <a:t>0</a:t>
+                <a:t>: \0</a:t>
               </a:r>
             </a:p>
             <a:p>
@@ -5965,7 +5924,6 @@
                 <a:rPr lang="en-US" altLang="ko-KR" sz="1000" dirty="0" smtClean="0"/>
                 <a:t>-------------------------------------------</a:t>
               </a:r>
-              <a:endParaRPr lang="en-US" altLang="ko-KR" sz="1000" dirty="0" smtClean="0"/>
             </a:p>
             <a:p>
               <a:r>
@@ -8329,6 +8287,226 @@
 </p:sld>
 </file>
 
+<file path=ppt/slides/slide8.xml><?xml version="1.0" encoding="utf-8"?>
+<p:sld xmlns:a="http://schemas.openxmlformats.org/drawingml/2006/main" xmlns:r="http://schemas.openxmlformats.org/officeDocument/2006/relationships" xmlns:p="http://schemas.openxmlformats.org/presentationml/2006/main">
+  <p:cSld>
+    <p:spTree>
+      <p:nvGrpSpPr>
+        <p:cNvPr id="1" name=""/>
+        <p:cNvGrpSpPr/>
+        <p:nvPr/>
+      </p:nvGrpSpPr>
+      <p:grpSpPr>
+        <a:xfrm>
+          <a:off x="0" y="0"/>
+          <a:ext cx="0" cy="0"/>
+          <a:chOff x="0" y="0"/>
+          <a:chExt cx="0" cy="0"/>
+        </a:xfrm>
+      </p:grpSpPr>
+      <p:sp>
+        <p:nvSpPr>
+          <p:cNvPr id="11" name="TextBox 10"/>
+          <p:cNvSpPr txBox="1"/>
+          <p:nvPr/>
+        </p:nvSpPr>
+        <p:spPr>
+          <a:xfrm>
+            <a:off x="457200" y="143430"/>
+            <a:ext cx="4196080" cy="369332"/>
+          </a:xfrm>
+          <a:prstGeom prst="rect">
+            <a:avLst/>
+          </a:prstGeom>
+          <a:noFill/>
+        </p:spPr>
+        <p:txBody>
+          <a:bodyPr wrap="square" rtlCol="0">
+            <a:spAutoFit/>
+          </a:bodyPr>
+          <a:lstStyle/>
+          <a:p>
+            <a:r>
+              <a:rPr lang="ko-KR" altLang="en-US" dirty="0" smtClean="0"/>
+              <a:t>포인트 시나리오</a:t>
+            </a:r>
+            <a:r>
+              <a:rPr lang="en-US" altLang="ko-KR" dirty="0" smtClean="0"/>
+              <a:t>1 :</a:t>
+            </a:r>
+            <a:r>
+              <a:rPr lang="en-US" altLang="ko-KR" dirty="0" smtClean="0"/>
+              <a:t> </a:t>
+            </a:r>
+            <a:r>
+              <a:rPr lang="ko-KR" altLang="en-US" dirty="0" err="1" smtClean="0"/>
+              <a:t>장부등록</a:t>
+            </a:r>
+            <a:r>
+              <a:rPr lang="en-US" altLang="ko-KR" dirty="0" smtClean="0"/>
+              <a:t>, </a:t>
+            </a:r>
+            <a:r>
+              <a:rPr lang="ko-KR" altLang="en-US" dirty="0" smtClean="0"/>
+              <a:t>삭제</a:t>
+            </a:r>
+            <a:endParaRPr lang="ko-KR" altLang="en-US" dirty="0"/>
+          </a:p>
+        </p:txBody>
+      </p:sp>
+      <p:cxnSp>
+        <p:nvCxnSpPr>
+          <p:cNvPr id="5" name="직선 연결선 4"/>
+          <p:cNvCxnSpPr/>
+          <p:nvPr/>
+        </p:nvCxnSpPr>
+        <p:spPr>
+          <a:xfrm>
+            <a:off x="0" y="612915"/>
+            <a:ext cx="12192000" cy="0"/>
+          </a:xfrm>
+          <a:prstGeom prst="line">
+            <a:avLst/>
+          </a:prstGeom>
+        </p:spPr>
+        <p:style>
+          <a:lnRef idx="1">
+            <a:schemeClr val="accent1"/>
+          </a:lnRef>
+          <a:fillRef idx="0">
+            <a:schemeClr val="accent1"/>
+          </a:fillRef>
+          <a:effectRef idx="0">
+            <a:schemeClr val="accent1"/>
+          </a:effectRef>
+          <a:fontRef idx="minor">
+            <a:schemeClr val="tx1"/>
+          </a:fontRef>
+        </p:style>
+      </p:cxnSp>
+    </p:spTree>
+    <p:extLst>
+      <p:ext uri="{BB962C8B-B14F-4D97-AF65-F5344CB8AC3E}">
+        <p14:creationId xmlns:p14="http://schemas.microsoft.com/office/powerpoint/2010/main" val="3157042399"/>
+      </p:ext>
+    </p:extLst>
+  </p:cSld>
+  <p:clrMapOvr>
+    <a:masterClrMapping/>
+  </p:clrMapOvr>
+</p:sld>
+</file>
+
+<file path=ppt/slides/slide9.xml><?xml version="1.0" encoding="utf-8"?>
+<p:sld xmlns:a="http://schemas.openxmlformats.org/drawingml/2006/main" xmlns:r="http://schemas.openxmlformats.org/officeDocument/2006/relationships" xmlns:p="http://schemas.openxmlformats.org/presentationml/2006/main">
+  <p:cSld>
+    <p:spTree>
+      <p:nvGrpSpPr>
+        <p:cNvPr id="1" name=""/>
+        <p:cNvGrpSpPr/>
+        <p:nvPr/>
+      </p:nvGrpSpPr>
+      <p:grpSpPr>
+        <a:xfrm>
+          <a:off x="0" y="0"/>
+          <a:ext cx="0" cy="0"/>
+          <a:chOff x="0" y="0"/>
+          <a:chExt cx="0" cy="0"/>
+        </a:xfrm>
+      </p:grpSpPr>
+      <p:sp>
+        <p:nvSpPr>
+          <p:cNvPr id="11" name="TextBox 10"/>
+          <p:cNvSpPr txBox="1"/>
+          <p:nvPr/>
+        </p:nvSpPr>
+        <p:spPr>
+          <a:xfrm>
+            <a:off x="457200" y="143430"/>
+            <a:ext cx="4196080" cy="369332"/>
+          </a:xfrm>
+          <a:prstGeom prst="rect">
+            <a:avLst/>
+          </a:prstGeom>
+          <a:noFill/>
+        </p:spPr>
+        <p:txBody>
+          <a:bodyPr wrap="square" rtlCol="0">
+            <a:spAutoFit/>
+          </a:bodyPr>
+          <a:lstStyle/>
+          <a:p>
+            <a:r>
+              <a:rPr lang="ko-KR" altLang="en-US" dirty="0" smtClean="0"/>
+              <a:t>포인트 시나리오</a:t>
+            </a:r>
+            <a:r>
+              <a:rPr lang="en-US" altLang="ko-KR" dirty="0" smtClean="0"/>
+              <a:t>1 :</a:t>
+            </a:r>
+            <a:r>
+              <a:rPr lang="en-US" altLang="ko-KR" dirty="0" smtClean="0"/>
+              <a:t> </a:t>
+            </a:r>
+            <a:r>
+              <a:rPr lang="ko-KR" altLang="en-US" dirty="0" smtClean="0"/>
+              <a:t>환불</a:t>
+            </a:r>
+            <a:r>
+              <a:rPr lang="en-US" altLang="ko-KR" dirty="0" smtClean="0"/>
+              <a:t>, </a:t>
+            </a:r>
+            <a:r>
+              <a:rPr lang="ko-KR" altLang="en-US" dirty="0" smtClean="0"/>
+              <a:t>포인트 추가</a:t>
+            </a:r>
+            <a:endParaRPr lang="ko-KR" altLang="en-US" dirty="0"/>
+          </a:p>
+        </p:txBody>
+      </p:sp>
+      <p:cxnSp>
+        <p:nvCxnSpPr>
+          <p:cNvPr id="5" name="직선 연결선 4"/>
+          <p:cNvCxnSpPr/>
+          <p:nvPr/>
+        </p:nvCxnSpPr>
+        <p:spPr>
+          <a:xfrm>
+            <a:off x="0" y="612915"/>
+            <a:ext cx="12192000" cy="0"/>
+          </a:xfrm>
+          <a:prstGeom prst="line">
+            <a:avLst/>
+          </a:prstGeom>
+        </p:spPr>
+        <p:style>
+          <a:lnRef idx="1">
+            <a:schemeClr val="accent1"/>
+          </a:lnRef>
+          <a:fillRef idx="0">
+            <a:schemeClr val="accent1"/>
+          </a:fillRef>
+          <a:effectRef idx="0">
+            <a:schemeClr val="accent1"/>
+          </a:effectRef>
+          <a:fontRef idx="minor">
+            <a:schemeClr val="tx1"/>
+          </a:fontRef>
+        </p:style>
+      </p:cxnSp>
+    </p:spTree>
+    <p:extLst>
+      <p:ext uri="{BB962C8B-B14F-4D97-AF65-F5344CB8AC3E}">
+        <p14:creationId xmlns:p14="http://schemas.microsoft.com/office/powerpoint/2010/main" val="1031516937"/>
+      </p:ext>
+    </p:extLst>
+  </p:cSld>
+  <p:clrMapOvr>
+    <a:masterClrMapping/>
+  </p:clrMapOvr>
+</p:sld>
+</file>
+
 <file path=ppt/theme/theme1.xml><?xml version="1.0" encoding="utf-8"?>
 <a:theme xmlns:a="http://schemas.openxmlformats.org/drawingml/2006/main" name="Office 테마">
   <a:themeElements>

--- a/Aura UX.pptx
+++ b/Aura UX.pptx
@@ -8,12 +8,16 @@
     <p:sldId id="261" r:id="rId2"/>
     <p:sldId id="262" r:id="rId3"/>
     <p:sldId id="263" r:id="rId4"/>
-    <p:sldId id="256" r:id="rId5"/>
-    <p:sldId id="257" r:id="rId6"/>
-    <p:sldId id="260" r:id="rId7"/>
-    <p:sldId id="259" r:id="rId8"/>
-    <p:sldId id="264" r:id="rId9"/>
-    <p:sldId id="265" r:id="rId10"/>
+    <p:sldId id="267" r:id="rId5"/>
+    <p:sldId id="268" r:id="rId6"/>
+    <p:sldId id="269" r:id="rId7"/>
+    <p:sldId id="256" r:id="rId8"/>
+    <p:sldId id="257" r:id="rId9"/>
+    <p:sldId id="260" r:id="rId10"/>
+    <p:sldId id="259" r:id="rId11"/>
+    <p:sldId id="264" r:id="rId12"/>
+    <p:sldId id="265" r:id="rId13"/>
+    <p:sldId id="266" r:id="rId14"/>
   </p:sldIdLst>
   <p:sldSz cx="12192000" cy="6858000"/>
   <p:notesSz cx="6858000" cy="9144000"/>
@@ -251,7 +255,7 @@
           <a:p>
             <a:fld id="{7AFA149E-3CBA-498E-A8E1-26A062342D96}" type="datetimeFigureOut">
               <a:rPr lang="ko-KR" altLang="en-US" smtClean="0"/>
-              <a:t>2020-11-30</a:t>
+              <a:t>2020-12-01</a:t>
             </a:fld>
             <a:endParaRPr lang="ko-KR" altLang="en-US"/>
           </a:p>
@@ -421,7 +425,7 @@
           <a:p>
             <a:fld id="{7AFA149E-3CBA-498E-A8E1-26A062342D96}" type="datetimeFigureOut">
               <a:rPr lang="ko-KR" altLang="en-US" smtClean="0"/>
-              <a:t>2020-11-30</a:t>
+              <a:t>2020-12-01</a:t>
             </a:fld>
             <a:endParaRPr lang="ko-KR" altLang="en-US"/>
           </a:p>
@@ -601,7 +605,7 @@
           <a:p>
             <a:fld id="{7AFA149E-3CBA-498E-A8E1-26A062342D96}" type="datetimeFigureOut">
               <a:rPr lang="ko-KR" altLang="en-US" smtClean="0"/>
-              <a:t>2020-11-30</a:t>
+              <a:t>2020-12-01</a:t>
             </a:fld>
             <a:endParaRPr lang="ko-KR" altLang="en-US"/>
           </a:p>
@@ -771,7 +775,7 @@
           <a:p>
             <a:fld id="{7AFA149E-3CBA-498E-A8E1-26A062342D96}" type="datetimeFigureOut">
               <a:rPr lang="ko-KR" altLang="en-US" smtClean="0"/>
-              <a:t>2020-11-30</a:t>
+              <a:t>2020-12-01</a:t>
             </a:fld>
             <a:endParaRPr lang="ko-KR" altLang="en-US"/>
           </a:p>
@@ -1017,7 +1021,7 @@
           <a:p>
             <a:fld id="{7AFA149E-3CBA-498E-A8E1-26A062342D96}" type="datetimeFigureOut">
               <a:rPr lang="ko-KR" altLang="en-US" smtClean="0"/>
-              <a:t>2020-11-30</a:t>
+              <a:t>2020-12-01</a:t>
             </a:fld>
             <a:endParaRPr lang="ko-KR" altLang="en-US"/>
           </a:p>
@@ -1249,7 +1253,7 @@
           <a:p>
             <a:fld id="{7AFA149E-3CBA-498E-A8E1-26A062342D96}" type="datetimeFigureOut">
               <a:rPr lang="ko-KR" altLang="en-US" smtClean="0"/>
-              <a:t>2020-11-30</a:t>
+              <a:t>2020-12-01</a:t>
             </a:fld>
             <a:endParaRPr lang="ko-KR" altLang="en-US"/>
           </a:p>
@@ -1616,7 +1620,7 @@
           <a:p>
             <a:fld id="{7AFA149E-3CBA-498E-A8E1-26A062342D96}" type="datetimeFigureOut">
               <a:rPr lang="ko-KR" altLang="en-US" smtClean="0"/>
-              <a:t>2020-11-30</a:t>
+              <a:t>2020-12-01</a:t>
             </a:fld>
             <a:endParaRPr lang="ko-KR" altLang="en-US"/>
           </a:p>
@@ -1734,7 +1738,7 @@
           <a:p>
             <a:fld id="{7AFA149E-3CBA-498E-A8E1-26A062342D96}" type="datetimeFigureOut">
               <a:rPr lang="ko-KR" altLang="en-US" smtClean="0"/>
-              <a:t>2020-11-30</a:t>
+              <a:t>2020-12-01</a:t>
             </a:fld>
             <a:endParaRPr lang="ko-KR" altLang="en-US"/>
           </a:p>
@@ -1829,7 +1833,7 @@
           <a:p>
             <a:fld id="{7AFA149E-3CBA-498E-A8E1-26A062342D96}" type="datetimeFigureOut">
               <a:rPr lang="ko-KR" altLang="en-US" smtClean="0"/>
-              <a:t>2020-11-30</a:t>
+              <a:t>2020-12-01</a:t>
             </a:fld>
             <a:endParaRPr lang="ko-KR" altLang="en-US"/>
           </a:p>
@@ -2106,7 +2110,7 @@
           <a:p>
             <a:fld id="{7AFA149E-3CBA-498E-A8E1-26A062342D96}" type="datetimeFigureOut">
               <a:rPr lang="ko-KR" altLang="en-US" smtClean="0"/>
-              <a:t>2020-11-30</a:t>
+              <a:t>2020-12-01</a:t>
             </a:fld>
             <a:endParaRPr lang="ko-KR" altLang="en-US"/>
           </a:p>
@@ -2359,7 +2363,7 @@
           <a:p>
             <a:fld id="{7AFA149E-3CBA-498E-A8E1-26A062342D96}" type="datetimeFigureOut">
               <a:rPr lang="ko-KR" altLang="en-US" smtClean="0"/>
-              <a:t>2020-11-30</a:t>
+              <a:t>2020-12-01</a:t>
             </a:fld>
             <a:endParaRPr lang="ko-KR" altLang="en-US"/>
           </a:p>
@@ -2572,7 +2576,7 @@
           <a:p>
             <a:fld id="{7AFA149E-3CBA-498E-A8E1-26A062342D96}" type="datetimeFigureOut">
               <a:rPr lang="ko-KR" altLang="en-US" smtClean="0"/>
-              <a:t>2020-11-30</a:t>
+              <a:t>2020-12-01</a:t>
             </a:fld>
             <a:endParaRPr lang="ko-KR" altLang="en-US"/>
           </a:p>
@@ -3586,6 +3590,1501 @@
     <p:extLst>
       <p:ext uri="{BB962C8B-B14F-4D97-AF65-F5344CB8AC3E}">
         <p14:creationId xmlns:p14="http://schemas.microsoft.com/office/powerpoint/2010/main" val="894202018"/>
+      </p:ext>
+    </p:extLst>
+  </p:cSld>
+  <p:clrMapOvr>
+    <a:masterClrMapping/>
+  </p:clrMapOvr>
+</p:sld>
+</file>
+
+<file path=ppt/slides/slide10.xml><?xml version="1.0" encoding="utf-8"?>
+<p:sld xmlns:a="http://schemas.openxmlformats.org/drawingml/2006/main" xmlns:r="http://schemas.openxmlformats.org/officeDocument/2006/relationships" xmlns:p="http://schemas.openxmlformats.org/presentationml/2006/main">
+  <p:cSld>
+    <p:spTree>
+      <p:nvGrpSpPr>
+        <p:cNvPr id="1" name=""/>
+        <p:cNvGrpSpPr/>
+        <p:nvPr/>
+      </p:nvGrpSpPr>
+      <p:grpSpPr>
+        <a:xfrm>
+          <a:off x="0" y="0"/>
+          <a:ext cx="0" cy="0"/>
+          <a:chOff x="0" y="0"/>
+          <a:chExt cx="0" cy="0"/>
+        </a:xfrm>
+      </p:grpSpPr>
+      <p:sp>
+        <p:nvSpPr>
+          <p:cNvPr id="4" name="TextBox 3"/>
+          <p:cNvSpPr txBox="1"/>
+          <p:nvPr/>
+        </p:nvSpPr>
+        <p:spPr>
+          <a:xfrm>
+            <a:off x="928272" y="1572651"/>
+            <a:ext cx="6444801" cy="1200329"/>
+          </a:xfrm>
+          <a:prstGeom prst="rect">
+            <a:avLst/>
+          </a:prstGeom>
+        </p:spPr>
+        <p:style>
+          <a:lnRef idx="2">
+            <a:schemeClr val="dk1"/>
+          </a:lnRef>
+          <a:fillRef idx="1">
+            <a:schemeClr val="lt1"/>
+          </a:fillRef>
+          <a:effectRef idx="0">
+            <a:schemeClr val="dk1"/>
+          </a:effectRef>
+          <a:fontRef idx="minor">
+            <a:schemeClr val="dk1"/>
+          </a:fontRef>
+        </p:style>
+        <p:txBody>
+          <a:bodyPr wrap="square" rtlCol="0">
+            <a:spAutoFit/>
+          </a:bodyPr>
+          <a:lstStyle/>
+          <a:p>
+            <a:r>
+              <a:rPr lang="ko-KR" altLang="en-US" dirty="0" smtClean="0"/>
+              <a:t>분류 </a:t>
+            </a:r>
+            <a:r>
+              <a:rPr lang="en-US" altLang="ko-KR" dirty="0" smtClean="0"/>
+              <a:t>: </a:t>
+            </a:r>
+            <a:r>
+              <a:rPr lang="en-US" altLang="ko-KR" dirty="0" err="1" smtClean="0"/>
+              <a:t>selectbox</a:t>
+            </a:r>
+            <a:r>
+              <a:rPr lang="en-US" altLang="ko-KR" dirty="0" smtClean="0"/>
+              <a:t>(</a:t>
+            </a:r>
+            <a:r>
+              <a:rPr lang="ko-KR" altLang="en-US" dirty="0" err="1" smtClean="0"/>
+              <a:t>분류없음</a:t>
+            </a:r>
+            <a:r>
+              <a:rPr lang="en-US" altLang="ko-KR" dirty="0" smtClean="0"/>
+              <a:t>,</a:t>
+            </a:r>
+            <a:r>
+              <a:rPr lang="ko-KR" altLang="en-US" dirty="0" smtClean="0"/>
+              <a:t>커트</a:t>
+            </a:r>
+            <a:r>
+              <a:rPr lang="en-US" altLang="ko-KR" dirty="0" smtClean="0"/>
+              <a:t>,</a:t>
+            </a:r>
+            <a:r>
+              <a:rPr lang="ko-KR" altLang="en-US" dirty="0" smtClean="0"/>
+              <a:t>펌</a:t>
+            </a:r>
+            <a:r>
+              <a:rPr lang="en-US" altLang="ko-KR" dirty="0" smtClean="0"/>
+              <a:t>)</a:t>
+            </a:r>
+          </a:p>
+          <a:p>
+            <a:r>
+              <a:rPr lang="ko-KR" altLang="en-US" dirty="0" smtClean="0"/>
+              <a:t>이름 </a:t>
+            </a:r>
+            <a:r>
+              <a:rPr lang="en-US" altLang="ko-KR" dirty="0" smtClean="0"/>
+              <a:t>: </a:t>
+            </a:r>
+            <a:r>
+              <a:rPr lang="ko-KR" altLang="en-US" dirty="0" err="1" smtClean="0"/>
+              <a:t>남성커트</a:t>
+            </a:r>
+            <a:endParaRPr lang="en-US" altLang="ko-KR" dirty="0" smtClean="0"/>
+          </a:p>
+          <a:p>
+            <a:r>
+              <a:rPr lang="ko-KR" altLang="en-US" dirty="0" smtClean="0"/>
+              <a:t>금액 </a:t>
+            </a:r>
+            <a:r>
+              <a:rPr lang="en-US" altLang="ko-KR" dirty="0" smtClean="0"/>
+              <a:t>: \ 100,500 [</a:t>
+            </a:r>
+            <a:r>
+              <a:rPr lang="ko-KR" altLang="en-US" dirty="0" smtClean="0"/>
+              <a:t>수정</a:t>
+            </a:r>
+            <a:r>
+              <a:rPr lang="en-US" altLang="ko-KR" dirty="0" smtClean="0"/>
+              <a:t>/</a:t>
+            </a:r>
+            <a:r>
+              <a:rPr lang="ko-KR" altLang="en-US" dirty="0" err="1" smtClean="0"/>
+              <a:t>저장버튼</a:t>
+            </a:r>
+            <a:r>
+              <a:rPr lang="ko-KR" altLang="en-US" dirty="0" smtClean="0"/>
+              <a:t> </a:t>
+            </a:r>
+            <a:r>
+              <a:rPr lang="en-US" altLang="ko-KR" dirty="0" smtClean="0"/>
+              <a:t>toggle] </a:t>
+            </a:r>
+            <a:r>
+              <a:rPr lang="en-US" altLang="ko-KR" dirty="0" err="1" smtClean="0"/>
+              <a:t>numberOnly</a:t>
+            </a:r>
+            <a:endParaRPr lang="en-US" altLang="ko-KR" dirty="0"/>
+          </a:p>
+          <a:p>
+            <a:r>
+              <a:rPr lang="ko-KR" altLang="en-US" dirty="0" smtClean="0"/>
+              <a:t>취소</a:t>
+            </a:r>
+            <a:r>
+              <a:rPr lang="en-US" altLang="ko-KR" dirty="0" smtClean="0"/>
+              <a:t>	</a:t>
+            </a:r>
+            <a:r>
+              <a:rPr lang="ko-KR" altLang="en-US" dirty="0" smtClean="0"/>
+              <a:t>저장</a:t>
+            </a:r>
+            <a:endParaRPr lang="en-US" altLang="ko-KR" dirty="0"/>
+          </a:p>
+        </p:txBody>
+      </p:sp>
+      <p:sp>
+        <p:nvSpPr>
+          <p:cNvPr id="11" name="TextBox 10"/>
+          <p:cNvSpPr txBox="1"/>
+          <p:nvPr/>
+        </p:nvSpPr>
+        <p:spPr>
+          <a:xfrm>
+            <a:off x="457200" y="162560"/>
+            <a:ext cx="4196080" cy="369332"/>
+          </a:xfrm>
+          <a:prstGeom prst="rect">
+            <a:avLst/>
+          </a:prstGeom>
+          <a:noFill/>
+        </p:spPr>
+        <p:txBody>
+          <a:bodyPr wrap="square" rtlCol="0">
+            <a:spAutoFit/>
+          </a:bodyPr>
+          <a:lstStyle/>
+          <a:p>
+            <a:r>
+              <a:rPr lang="ko-KR" altLang="en-US" dirty="0" smtClean="0"/>
+              <a:t>제품 등록</a:t>
+            </a:r>
+            <a:r>
+              <a:rPr lang="en-US" altLang="ko-KR" dirty="0" smtClean="0"/>
+              <a:t>/ </a:t>
+            </a:r>
+            <a:r>
+              <a:rPr lang="ko-KR" altLang="en-US" dirty="0" err="1" smtClean="0"/>
+              <a:t>업데이트창</a:t>
+            </a:r>
+            <a:endParaRPr lang="ko-KR" altLang="en-US" dirty="0"/>
+          </a:p>
+        </p:txBody>
+      </p:sp>
+      <p:cxnSp>
+        <p:nvCxnSpPr>
+          <p:cNvPr id="5" name="직선 연결선 4"/>
+          <p:cNvCxnSpPr/>
+          <p:nvPr/>
+        </p:nvCxnSpPr>
+        <p:spPr>
+          <a:xfrm>
+            <a:off x="0" y="612915"/>
+            <a:ext cx="12192000" cy="0"/>
+          </a:xfrm>
+          <a:prstGeom prst="line">
+            <a:avLst/>
+          </a:prstGeom>
+        </p:spPr>
+        <p:style>
+          <a:lnRef idx="1">
+            <a:schemeClr val="accent1"/>
+          </a:lnRef>
+          <a:fillRef idx="0">
+            <a:schemeClr val="accent1"/>
+          </a:fillRef>
+          <a:effectRef idx="0">
+            <a:schemeClr val="accent1"/>
+          </a:effectRef>
+          <a:fontRef idx="minor">
+            <a:schemeClr val="tx1"/>
+          </a:fontRef>
+        </p:style>
+      </p:cxnSp>
+    </p:spTree>
+    <p:extLst>
+      <p:ext uri="{BB962C8B-B14F-4D97-AF65-F5344CB8AC3E}">
+        <p14:creationId xmlns:p14="http://schemas.microsoft.com/office/powerpoint/2010/main" val="4011299328"/>
+      </p:ext>
+    </p:extLst>
+  </p:cSld>
+  <p:clrMapOvr>
+    <a:masterClrMapping/>
+  </p:clrMapOvr>
+</p:sld>
+</file>
+
+<file path=ppt/slides/slide11.xml><?xml version="1.0" encoding="utf-8"?>
+<p:sld xmlns:a="http://schemas.openxmlformats.org/drawingml/2006/main" xmlns:r="http://schemas.openxmlformats.org/officeDocument/2006/relationships" xmlns:p="http://schemas.openxmlformats.org/presentationml/2006/main">
+  <p:cSld>
+    <p:spTree>
+      <p:nvGrpSpPr>
+        <p:cNvPr id="1" name=""/>
+        <p:cNvGrpSpPr/>
+        <p:nvPr/>
+      </p:nvGrpSpPr>
+      <p:grpSpPr>
+        <a:xfrm>
+          <a:off x="0" y="0"/>
+          <a:ext cx="0" cy="0"/>
+          <a:chOff x="0" y="0"/>
+          <a:chExt cx="0" cy="0"/>
+        </a:xfrm>
+      </p:grpSpPr>
+      <p:sp>
+        <p:nvSpPr>
+          <p:cNvPr id="11" name="TextBox 10"/>
+          <p:cNvSpPr txBox="1"/>
+          <p:nvPr/>
+        </p:nvSpPr>
+        <p:spPr>
+          <a:xfrm>
+            <a:off x="457200" y="143430"/>
+            <a:ext cx="4196080" cy="369332"/>
+          </a:xfrm>
+          <a:prstGeom prst="rect">
+            <a:avLst/>
+          </a:prstGeom>
+          <a:noFill/>
+        </p:spPr>
+        <p:txBody>
+          <a:bodyPr wrap="square" rtlCol="0">
+            <a:spAutoFit/>
+          </a:bodyPr>
+          <a:lstStyle/>
+          <a:p>
+            <a:r>
+              <a:rPr lang="ko-KR" altLang="en-US" dirty="0" smtClean="0"/>
+              <a:t>환불 시나리오</a:t>
+            </a:r>
+            <a:endParaRPr lang="ko-KR" altLang="en-US" dirty="0"/>
+          </a:p>
+        </p:txBody>
+      </p:sp>
+      <p:cxnSp>
+        <p:nvCxnSpPr>
+          <p:cNvPr id="5" name="직선 연결선 4"/>
+          <p:cNvCxnSpPr/>
+          <p:nvPr/>
+        </p:nvCxnSpPr>
+        <p:spPr>
+          <a:xfrm>
+            <a:off x="0" y="612915"/>
+            <a:ext cx="12192000" cy="0"/>
+          </a:xfrm>
+          <a:prstGeom prst="line">
+            <a:avLst/>
+          </a:prstGeom>
+        </p:spPr>
+        <p:style>
+          <a:lnRef idx="1">
+            <a:schemeClr val="accent1"/>
+          </a:lnRef>
+          <a:fillRef idx="0">
+            <a:schemeClr val="accent1"/>
+          </a:fillRef>
+          <a:effectRef idx="0">
+            <a:schemeClr val="accent1"/>
+          </a:effectRef>
+          <a:fontRef idx="minor">
+            <a:schemeClr val="tx1"/>
+          </a:fontRef>
+        </p:style>
+      </p:cxnSp>
+      <p:sp>
+        <p:nvSpPr>
+          <p:cNvPr id="2" name="TextBox 1"/>
+          <p:cNvSpPr txBox="1"/>
+          <p:nvPr/>
+        </p:nvSpPr>
+        <p:spPr>
+          <a:xfrm>
+            <a:off x="661887" y="929704"/>
+            <a:ext cx="3324743" cy="3416320"/>
+          </a:xfrm>
+          <a:prstGeom prst="rect">
+            <a:avLst/>
+          </a:prstGeom>
+          <a:noFill/>
+        </p:spPr>
+        <p:txBody>
+          <a:bodyPr wrap="square" rtlCol="0">
+            <a:spAutoFit/>
+          </a:bodyPr>
+          <a:lstStyle/>
+          <a:p>
+            <a:r>
+              <a:rPr lang="ko-KR" altLang="en-US" dirty="0" smtClean="0"/>
+              <a:t>장부에서 삭제</a:t>
+            </a:r>
+            <a:endParaRPr lang="en-US" altLang="ko-KR" dirty="0" smtClean="0"/>
+          </a:p>
+          <a:p>
+            <a:r>
+              <a:rPr lang="ko-KR" altLang="en-US" dirty="0" smtClean="0"/>
+              <a:t>포인트는 저절로 회원에게 반환된다는 </a:t>
+            </a:r>
+            <a:r>
+              <a:rPr lang="en-US" altLang="ko-KR" dirty="0" smtClean="0"/>
+              <a:t>alert</a:t>
+            </a:r>
+          </a:p>
+          <a:p>
+            <a:endParaRPr lang="en-US" altLang="ko-KR" dirty="0" smtClean="0"/>
+          </a:p>
+          <a:p>
+            <a:r>
+              <a:rPr lang="en-US" altLang="ko-KR" dirty="0" smtClean="0"/>
+              <a:t>5</a:t>
+            </a:r>
+            <a:r>
+              <a:rPr lang="ko-KR" altLang="en-US" dirty="0" err="1" smtClean="0"/>
+              <a:t>만원중</a:t>
+            </a:r>
+            <a:r>
+              <a:rPr lang="ko-KR" altLang="en-US" dirty="0" smtClean="0"/>
+              <a:t> </a:t>
+            </a:r>
+            <a:r>
+              <a:rPr lang="en-US" altLang="ko-KR" dirty="0" smtClean="0"/>
+              <a:t>1</a:t>
+            </a:r>
+            <a:r>
+              <a:rPr lang="ko-KR" altLang="en-US" dirty="0" smtClean="0"/>
+              <a:t>만원 포인트 </a:t>
+            </a:r>
+            <a:r>
+              <a:rPr lang="en-US" altLang="ko-KR" dirty="0" smtClean="0"/>
+              <a:t>4</a:t>
+            </a:r>
+            <a:r>
+              <a:rPr lang="ko-KR" altLang="en-US" dirty="0" err="1" smtClean="0"/>
+              <a:t>만원결제</a:t>
+            </a:r>
+            <a:endParaRPr lang="en-US" altLang="ko-KR" dirty="0" smtClean="0"/>
+          </a:p>
+          <a:p>
+            <a:r>
+              <a:rPr lang="en-US" altLang="ko-KR" dirty="0" smtClean="0"/>
+              <a:t>-&gt; 4</a:t>
+            </a:r>
+            <a:r>
+              <a:rPr lang="ko-KR" altLang="en-US" dirty="0" smtClean="0"/>
+              <a:t>만원 환불해주고</a:t>
+            </a:r>
+            <a:endParaRPr lang="en-US" altLang="ko-KR" dirty="0" smtClean="0"/>
+          </a:p>
+          <a:p>
+            <a:r>
+              <a:rPr lang="ko-KR" altLang="en-US" dirty="0" err="1" smtClean="0"/>
+              <a:t>고객창</a:t>
+            </a:r>
+            <a:r>
+              <a:rPr lang="ko-KR" altLang="en-US" dirty="0" smtClean="0"/>
+              <a:t> 들어가서 직접 포인트 </a:t>
+            </a:r>
+            <a:r>
+              <a:rPr lang="en-US" altLang="ko-KR" dirty="0" smtClean="0"/>
+              <a:t>1</a:t>
+            </a:r>
+            <a:r>
+              <a:rPr lang="ko-KR" altLang="en-US" dirty="0" smtClean="0"/>
+              <a:t>만원 깎으면서 </a:t>
+            </a:r>
+            <a:r>
+              <a:rPr lang="en-US" altLang="ko-KR" dirty="0" smtClean="0"/>
+              <a:t>5</a:t>
+            </a:r>
+            <a:r>
+              <a:rPr lang="ko-KR" altLang="en-US" dirty="0" err="1" smtClean="0"/>
+              <a:t>만원돌려줄지</a:t>
+            </a:r>
+            <a:r>
+              <a:rPr lang="ko-KR" altLang="en-US" dirty="0" smtClean="0"/>
+              <a:t> 아니면 전부 예치금으로 전환할지 알아서 결정</a:t>
+            </a:r>
+            <a:endParaRPr lang="en-US" altLang="ko-KR" dirty="0" smtClean="0"/>
+          </a:p>
+          <a:p>
+            <a:r>
+              <a:rPr lang="ko-KR" altLang="en-US" dirty="0" smtClean="0"/>
+              <a:t>그러려면 </a:t>
+            </a:r>
+            <a:r>
+              <a:rPr lang="en-US" altLang="ko-KR" dirty="0" smtClean="0"/>
+              <a:t>4</a:t>
+            </a:r>
+            <a:r>
+              <a:rPr lang="ko-KR" altLang="en-US" dirty="0" smtClean="0"/>
+              <a:t>만원을 </a:t>
+            </a:r>
+            <a:r>
+              <a:rPr lang="ko-KR" altLang="en-US" dirty="0" err="1" smtClean="0"/>
+              <a:t>추가해야함</a:t>
+            </a:r>
+            <a:endParaRPr lang="en-US" altLang="ko-KR" dirty="0"/>
+          </a:p>
+        </p:txBody>
+      </p:sp>
+    </p:spTree>
+    <p:extLst>
+      <p:ext uri="{BB962C8B-B14F-4D97-AF65-F5344CB8AC3E}">
+        <p14:creationId xmlns:p14="http://schemas.microsoft.com/office/powerpoint/2010/main" val="3157042399"/>
+      </p:ext>
+    </p:extLst>
+  </p:cSld>
+  <p:clrMapOvr>
+    <a:masterClrMapping/>
+  </p:clrMapOvr>
+</p:sld>
+</file>
+
+<file path=ppt/slides/slide12.xml><?xml version="1.0" encoding="utf-8"?>
+<p:sld xmlns:a="http://schemas.openxmlformats.org/drawingml/2006/main" xmlns:r="http://schemas.openxmlformats.org/officeDocument/2006/relationships" xmlns:p="http://schemas.openxmlformats.org/presentationml/2006/main">
+  <p:cSld>
+    <p:spTree>
+      <p:nvGrpSpPr>
+        <p:cNvPr id="1" name=""/>
+        <p:cNvGrpSpPr/>
+        <p:nvPr/>
+      </p:nvGrpSpPr>
+      <p:grpSpPr>
+        <a:xfrm>
+          <a:off x="0" y="0"/>
+          <a:ext cx="0" cy="0"/>
+          <a:chOff x="0" y="0"/>
+          <a:chExt cx="0" cy="0"/>
+        </a:xfrm>
+      </p:grpSpPr>
+      <p:sp>
+        <p:nvSpPr>
+          <p:cNvPr id="11" name="TextBox 10"/>
+          <p:cNvSpPr txBox="1"/>
+          <p:nvPr/>
+        </p:nvSpPr>
+        <p:spPr>
+          <a:xfrm>
+            <a:off x="457200" y="143430"/>
+            <a:ext cx="4196080" cy="369332"/>
+          </a:xfrm>
+          <a:prstGeom prst="rect">
+            <a:avLst/>
+          </a:prstGeom>
+          <a:noFill/>
+        </p:spPr>
+        <p:txBody>
+          <a:bodyPr wrap="square" rtlCol="0">
+            <a:spAutoFit/>
+          </a:bodyPr>
+          <a:lstStyle/>
+          <a:p>
+            <a:r>
+              <a:rPr lang="ko-KR" altLang="en-US" dirty="0" smtClean="0"/>
+              <a:t>장부 상세</a:t>
+            </a:r>
+            <a:endParaRPr lang="ko-KR" altLang="en-US" dirty="0"/>
+          </a:p>
+        </p:txBody>
+      </p:sp>
+      <p:cxnSp>
+        <p:nvCxnSpPr>
+          <p:cNvPr id="5" name="직선 연결선 4"/>
+          <p:cNvCxnSpPr/>
+          <p:nvPr/>
+        </p:nvCxnSpPr>
+        <p:spPr>
+          <a:xfrm>
+            <a:off x="0" y="612915"/>
+            <a:ext cx="12192000" cy="0"/>
+          </a:xfrm>
+          <a:prstGeom prst="line">
+            <a:avLst/>
+          </a:prstGeom>
+        </p:spPr>
+        <p:style>
+          <a:lnRef idx="1">
+            <a:schemeClr val="accent1"/>
+          </a:lnRef>
+          <a:fillRef idx="0">
+            <a:schemeClr val="accent1"/>
+          </a:fillRef>
+          <a:effectRef idx="0">
+            <a:schemeClr val="accent1"/>
+          </a:effectRef>
+          <a:fontRef idx="minor">
+            <a:schemeClr val="tx1"/>
+          </a:fontRef>
+        </p:style>
+      </p:cxnSp>
+      <p:sp>
+        <p:nvSpPr>
+          <p:cNvPr id="3" name="TextBox 2"/>
+          <p:cNvSpPr txBox="1"/>
+          <p:nvPr/>
+        </p:nvSpPr>
+        <p:spPr>
+          <a:xfrm>
+            <a:off x="629920" y="1102360"/>
+            <a:ext cx="4191000" cy="3693319"/>
+          </a:xfrm>
+          <a:prstGeom prst="rect">
+            <a:avLst/>
+          </a:prstGeom>
+        </p:spPr>
+        <p:style>
+          <a:lnRef idx="2">
+            <a:schemeClr val="dk1"/>
+          </a:lnRef>
+          <a:fillRef idx="1">
+            <a:schemeClr val="lt1"/>
+          </a:fillRef>
+          <a:effectRef idx="0">
+            <a:schemeClr val="dk1"/>
+          </a:effectRef>
+          <a:fontRef idx="minor">
+            <a:schemeClr val="dk1"/>
+          </a:fontRef>
+        </p:style>
+        <p:txBody>
+          <a:bodyPr wrap="square" rtlCol="0">
+            <a:spAutoFit/>
+          </a:bodyPr>
+          <a:lstStyle/>
+          <a:p>
+            <a:r>
+              <a:rPr lang="ko-KR" altLang="en-US" dirty="0" smtClean="0"/>
+              <a:t>비회원 </a:t>
+            </a:r>
+            <a:r>
+              <a:rPr lang="en-US" altLang="ko-KR" dirty="0" smtClean="0"/>
+              <a:t>or </a:t>
+            </a:r>
+            <a:r>
+              <a:rPr lang="ko-KR" altLang="en-US" dirty="0" smtClean="0"/>
+              <a:t>김동우</a:t>
+            </a:r>
+            <a:r>
+              <a:rPr lang="en-US" altLang="ko-KR" dirty="0" smtClean="0"/>
+              <a:t>(1212) </a:t>
+            </a:r>
+            <a:r>
+              <a:rPr lang="ko-KR" altLang="en-US" dirty="0" smtClean="0"/>
+              <a:t>등급 </a:t>
+            </a:r>
+            <a:r>
+              <a:rPr lang="en-US" altLang="ko-KR" dirty="0" smtClean="0"/>
+              <a:t>SILVER</a:t>
+            </a:r>
+          </a:p>
+          <a:p>
+            <a:r>
+              <a:rPr lang="en-US" altLang="ko-KR" dirty="0" smtClean="0"/>
+              <a:t>----------------------</a:t>
+            </a:r>
+          </a:p>
+          <a:p>
+            <a:r>
+              <a:rPr lang="ko-KR" altLang="en-US" dirty="0" smtClean="0"/>
+              <a:t>제품명 없음 </a:t>
+            </a:r>
+            <a:r>
+              <a:rPr lang="en-US" altLang="ko-KR" dirty="0" smtClean="0"/>
+              <a:t>or </a:t>
+            </a:r>
+            <a:r>
+              <a:rPr lang="ko-KR" altLang="en-US" dirty="0" err="1" smtClean="0"/>
+              <a:t>남성커트</a:t>
+            </a:r>
+            <a:r>
+              <a:rPr lang="en-US" altLang="ko-KR" dirty="0" smtClean="0"/>
+              <a:t>(</a:t>
+            </a:r>
+            <a:r>
+              <a:rPr lang="ko-KR" altLang="en-US" dirty="0" err="1" smtClean="0"/>
+              <a:t>기장추가</a:t>
+            </a:r>
+            <a:r>
+              <a:rPr lang="en-US" altLang="ko-KR" dirty="0" smtClean="0"/>
+              <a:t>)</a:t>
+            </a:r>
+          </a:p>
+          <a:p>
+            <a:r>
+              <a:rPr lang="ko-KR" altLang="en-US" dirty="0" smtClean="0"/>
+              <a:t>상품가격 </a:t>
+            </a:r>
+            <a:r>
+              <a:rPr lang="en-US" altLang="ko-KR" dirty="0" smtClean="0"/>
+              <a:t>: 150,000</a:t>
+            </a:r>
+          </a:p>
+          <a:p>
+            <a:r>
+              <a:rPr lang="ko-KR" altLang="en-US" dirty="0" smtClean="0"/>
+              <a:t>할인 </a:t>
+            </a:r>
+            <a:r>
+              <a:rPr lang="en-US" altLang="ko-KR" dirty="0" smtClean="0"/>
+              <a:t>: </a:t>
+            </a:r>
+            <a:r>
+              <a:rPr lang="ko-KR" altLang="en-US" dirty="0" smtClean="0"/>
+              <a:t>금액</a:t>
+            </a:r>
+            <a:endParaRPr lang="en-US" altLang="ko-KR" dirty="0" smtClean="0"/>
+          </a:p>
+          <a:p>
+            <a:r>
+              <a:rPr lang="ko-KR" altLang="en-US" dirty="0" smtClean="0"/>
+              <a:t>포인트 사용 </a:t>
+            </a:r>
+            <a:r>
+              <a:rPr lang="en-US" altLang="ko-KR" dirty="0" smtClean="0"/>
+              <a:t>: 5000</a:t>
+            </a:r>
+          </a:p>
+          <a:p>
+            <a:r>
+              <a:rPr lang="ko-KR" altLang="en-US" dirty="0" err="1" smtClean="0"/>
+              <a:t>최종금액</a:t>
+            </a:r>
+            <a:r>
+              <a:rPr lang="ko-KR" altLang="en-US" dirty="0" smtClean="0"/>
+              <a:t> </a:t>
+            </a:r>
+            <a:r>
+              <a:rPr lang="en-US" altLang="ko-KR" dirty="0" smtClean="0"/>
+              <a:t>: </a:t>
+            </a:r>
+            <a:r>
+              <a:rPr lang="ko-KR" altLang="en-US" dirty="0" smtClean="0"/>
+              <a:t>금액</a:t>
+            </a:r>
+            <a:endParaRPr lang="en-US" altLang="ko-KR" dirty="0" smtClean="0"/>
+          </a:p>
+          <a:p>
+            <a:r>
+              <a:rPr lang="ko-KR" altLang="en-US" dirty="0" smtClean="0"/>
+              <a:t>메모 </a:t>
+            </a:r>
+            <a:r>
+              <a:rPr lang="en-US" altLang="ko-KR" dirty="0" smtClean="0"/>
+              <a:t>: </a:t>
+            </a:r>
+          </a:p>
+          <a:p>
+            <a:r>
+              <a:rPr lang="ko-KR" altLang="en-US" dirty="0" smtClean="0"/>
+              <a:t>날짜 </a:t>
+            </a:r>
+            <a:r>
+              <a:rPr lang="en-US" altLang="ko-KR" dirty="0" smtClean="0"/>
+              <a:t>: 2020-12-01</a:t>
+            </a:r>
+            <a:endParaRPr lang="en-US" altLang="ko-KR" dirty="0"/>
+          </a:p>
+          <a:p>
+            <a:endParaRPr lang="en-US" altLang="ko-KR" dirty="0" smtClean="0"/>
+          </a:p>
+          <a:p>
+            <a:r>
+              <a:rPr lang="ko-KR" altLang="en-US" dirty="0" smtClean="0"/>
+              <a:t>삭제    환불</a:t>
+            </a:r>
+            <a:endParaRPr lang="en-US" altLang="ko-KR" dirty="0" smtClean="0"/>
+          </a:p>
+          <a:p>
+            <a:endParaRPr lang="en-US" altLang="ko-KR" dirty="0" smtClean="0"/>
+          </a:p>
+          <a:p>
+            <a:endParaRPr lang="en-US" altLang="ko-KR" dirty="0"/>
+          </a:p>
+        </p:txBody>
+      </p:sp>
+      <p:sp>
+        <p:nvSpPr>
+          <p:cNvPr id="4" name="TextBox 3"/>
+          <p:cNvSpPr txBox="1"/>
+          <p:nvPr/>
+        </p:nvSpPr>
+        <p:spPr>
+          <a:xfrm>
+            <a:off x="5293360" y="1747520"/>
+            <a:ext cx="2966720" cy="2031325"/>
+          </a:xfrm>
+          <a:prstGeom prst="rect">
+            <a:avLst/>
+          </a:prstGeom>
+          <a:noFill/>
+        </p:spPr>
+        <p:txBody>
+          <a:bodyPr wrap="square" rtlCol="0">
+            <a:spAutoFit/>
+          </a:bodyPr>
+          <a:lstStyle/>
+          <a:p>
+            <a:r>
+              <a:rPr lang="en-US" altLang="ko-KR" dirty="0" err="1" smtClean="0"/>
+              <a:t>ReadOnly</a:t>
+            </a:r>
+            <a:endParaRPr lang="en-US" altLang="ko-KR" dirty="0" smtClean="0"/>
+          </a:p>
+          <a:p>
+            <a:r>
+              <a:rPr lang="ko-KR" altLang="en-US" dirty="0" err="1" smtClean="0"/>
+              <a:t>수정시</a:t>
+            </a:r>
+            <a:r>
+              <a:rPr lang="ko-KR" altLang="en-US" dirty="0" smtClean="0"/>
+              <a:t> 삭제하고 다시</a:t>
+            </a:r>
+            <a:endParaRPr lang="en-US" altLang="ko-KR" dirty="0" smtClean="0"/>
+          </a:p>
+          <a:p>
+            <a:endParaRPr lang="en-US" altLang="ko-KR" dirty="0"/>
+          </a:p>
+          <a:p>
+            <a:r>
+              <a:rPr lang="ko-KR" altLang="en-US" dirty="0" smtClean="0"/>
+              <a:t>데이터 </a:t>
+            </a:r>
+            <a:r>
+              <a:rPr lang="ko-KR" altLang="en-US" dirty="0" err="1" smtClean="0"/>
+              <a:t>저장시</a:t>
+            </a:r>
+            <a:r>
+              <a:rPr lang="ko-KR" altLang="en-US" dirty="0" smtClean="0"/>
+              <a:t> </a:t>
+            </a:r>
+            <a:r>
+              <a:rPr lang="ko-KR" altLang="en-US" dirty="0" err="1" smtClean="0"/>
+              <a:t>모든필드</a:t>
+            </a:r>
+            <a:r>
+              <a:rPr lang="ko-KR" altLang="en-US" dirty="0" smtClean="0"/>
+              <a:t> 다 저장하고 나중에 </a:t>
+            </a:r>
+            <a:r>
+              <a:rPr lang="ko-KR" altLang="en-US" dirty="0" err="1" smtClean="0"/>
+              <a:t>보여줄때</a:t>
+            </a:r>
+            <a:r>
+              <a:rPr lang="ko-KR" altLang="en-US" dirty="0" smtClean="0"/>
+              <a:t> 그걸로 계산해서 보여줌</a:t>
+            </a:r>
+            <a:r>
+              <a:rPr lang="en-US" altLang="ko-KR" dirty="0" smtClean="0"/>
+              <a:t>.</a:t>
+            </a:r>
+          </a:p>
+          <a:p>
+            <a:r>
+              <a:rPr lang="ko-KR" altLang="en-US" dirty="0" err="1" smtClean="0"/>
+              <a:t>모든필드</a:t>
+            </a:r>
+            <a:r>
+              <a:rPr lang="ko-KR" altLang="en-US" dirty="0" smtClean="0"/>
+              <a:t> 저장 준수</a:t>
+            </a:r>
+            <a:endParaRPr lang="ko-KR" altLang="en-US" dirty="0"/>
+          </a:p>
+        </p:txBody>
+      </p:sp>
+      <p:sp>
+        <p:nvSpPr>
+          <p:cNvPr id="6" name="직사각형 5"/>
+          <p:cNvSpPr/>
+          <p:nvPr/>
+        </p:nvSpPr>
+        <p:spPr>
+          <a:xfrm>
+            <a:off x="5344160" y="4267118"/>
+            <a:ext cx="6096000" cy="1200329"/>
+          </a:xfrm>
+          <a:prstGeom prst="rect">
+            <a:avLst/>
+          </a:prstGeom>
+        </p:spPr>
+        <p:txBody>
+          <a:bodyPr>
+            <a:spAutoFit/>
+          </a:bodyPr>
+          <a:lstStyle/>
+          <a:p>
+            <a:r>
+              <a:rPr lang="ko-KR" altLang="en-US" dirty="0" smtClean="0"/>
+              <a:t>삭제 </a:t>
+            </a:r>
+            <a:r>
+              <a:rPr lang="en-US" altLang="ko-KR" dirty="0" smtClean="0"/>
+              <a:t>: </a:t>
+            </a:r>
+            <a:r>
+              <a:rPr lang="ko-KR" altLang="en-US" dirty="0" smtClean="0"/>
+              <a:t>포인트 전환할지 물어보고 삭제</a:t>
+            </a:r>
+            <a:endParaRPr lang="en-US" altLang="ko-KR" dirty="0" smtClean="0"/>
+          </a:p>
+          <a:p>
+            <a:r>
+              <a:rPr lang="ko-KR" altLang="en-US" dirty="0" smtClean="0"/>
+              <a:t>환불 </a:t>
+            </a:r>
+            <a:r>
+              <a:rPr lang="en-US" altLang="ko-KR" dirty="0" smtClean="0"/>
+              <a:t>: </a:t>
+            </a:r>
+            <a:r>
+              <a:rPr lang="ko-KR" altLang="en-US" dirty="0" err="1" smtClean="0"/>
+              <a:t>클릭시</a:t>
+            </a:r>
+            <a:r>
+              <a:rPr lang="ko-KR" altLang="en-US" dirty="0" smtClean="0"/>
+              <a:t> </a:t>
+            </a:r>
+            <a:r>
+              <a:rPr lang="ko-KR" altLang="en-US" dirty="0"/>
+              <a:t>포인트</a:t>
+            </a:r>
+            <a:r>
+              <a:rPr lang="en-US" altLang="ko-KR" dirty="0"/>
+              <a:t>, </a:t>
+            </a:r>
+            <a:r>
+              <a:rPr lang="ko-KR" altLang="en-US" dirty="0"/>
+              <a:t>현금으로 갈라서 </a:t>
+            </a:r>
+            <a:r>
+              <a:rPr lang="ko-KR" altLang="en-US" dirty="0" err="1"/>
+              <a:t>입력받고</a:t>
+            </a:r>
+            <a:r>
+              <a:rPr lang="ko-KR" altLang="en-US" dirty="0"/>
+              <a:t> 장부에 </a:t>
+            </a:r>
+            <a:r>
+              <a:rPr lang="ko-KR" altLang="en-US" dirty="0" smtClean="0"/>
+              <a:t>마이너스로 기록</a:t>
+            </a:r>
+            <a:r>
+              <a:rPr lang="en-US" altLang="ko-KR" dirty="0" smtClean="0"/>
+              <a:t>vs </a:t>
+            </a:r>
+            <a:r>
+              <a:rPr lang="ko-KR" altLang="en-US" dirty="0" smtClean="0"/>
+              <a:t>매출</a:t>
+            </a:r>
+            <a:r>
+              <a:rPr lang="en-US" altLang="ko-KR" dirty="0" smtClean="0"/>
+              <a:t>0</a:t>
+            </a:r>
+            <a:r>
+              <a:rPr lang="ko-KR" altLang="en-US" dirty="0" smtClean="0"/>
+              <a:t>원으로 기록</a:t>
+            </a:r>
+            <a:r>
+              <a:rPr lang="en-US" altLang="ko-KR" dirty="0" smtClean="0"/>
+              <a:t>?</a:t>
+            </a:r>
+          </a:p>
+          <a:p>
+            <a:r>
+              <a:rPr lang="ko-KR" altLang="en-US" dirty="0" smtClean="0"/>
+              <a:t> </a:t>
+            </a:r>
+            <a:r>
+              <a:rPr lang="en-US" altLang="ko-KR" dirty="0" smtClean="0"/>
+              <a:t>(</a:t>
+            </a:r>
+            <a:r>
+              <a:rPr lang="ko-KR" altLang="en-US" dirty="0" err="1" smtClean="0"/>
+              <a:t>매출필드</a:t>
+            </a:r>
+            <a:r>
+              <a:rPr lang="ko-KR" altLang="en-US" dirty="0" smtClean="0"/>
+              <a:t> </a:t>
+            </a:r>
+            <a:r>
+              <a:rPr lang="en-US" altLang="ko-KR" dirty="0" smtClean="0"/>
+              <a:t>0) -&gt; </a:t>
+            </a:r>
+            <a:r>
+              <a:rPr lang="ko-KR" altLang="en-US" dirty="0" smtClean="0"/>
+              <a:t>리스트에 출력</a:t>
+            </a:r>
+            <a:endParaRPr lang="en-US" altLang="ko-KR" dirty="0" smtClean="0"/>
+          </a:p>
+        </p:txBody>
+      </p:sp>
+    </p:spTree>
+    <p:extLst>
+      <p:ext uri="{BB962C8B-B14F-4D97-AF65-F5344CB8AC3E}">
+        <p14:creationId xmlns:p14="http://schemas.microsoft.com/office/powerpoint/2010/main" val="1031516937"/>
+      </p:ext>
+    </p:extLst>
+  </p:cSld>
+  <p:clrMapOvr>
+    <a:masterClrMapping/>
+  </p:clrMapOvr>
+</p:sld>
+</file>
+
+<file path=ppt/slides/slide13.xml><?xml version="1.0" encoding="utf-8"?>
+<p:sld xmlns:a="http://schemas.openxmlformats.org/drawingml/2006/main" xmlns:r="http://schemas.openxmlformats.org/officeDocument/2006/relationships" xmlns:p="http://schemas.openxmlformats.org/presentationml/2006/main">
+  <p:cSld>
+    <p:spTree>
+      <p:nvGrpSpPr>
+        <p:cNvPr id="1" name=""/>
+        <p:cNvGrpSpPr/>
+        <p:nvPr/>
+      </p:nvGrpSpPr>
+      <p:grpSpPr>
+        <a:xfrm>
+          <a:off x="0" y="0"/>
+          <a:ext cx="0" cy="0"/>
+          <a:chOff x="0" y="0"/>
+          <a:chExt cx="0" cy="0"/>
+        </a:xfrm>
+      </p:grpSpPr>
+      <p:sp>
+        <p:nvSpPr>
+          <p:cNvPr id="11" name="TextBox 10"/>
+          <p:cNvSpPr txBox="1"/>
+          <p:nvPr/>
+        </p:nvSpPr>
+        <p:spPr>
+          <a:xfrm>
+            <a:off x="457200" y="143430"/>
+            <a:ext cx="4196080" cy="369332"/>
+          </a:xfrm>
+          <a:prstGeom prst="rect">
+            <a:avLst/>
+          </a:prstGeom>
+          <a:noFill/>
+        </p:spPr>
+        <p:txBody>
+          <a:bodyPr wrap="square" rtlCol="0">
+            <a:spAutoFit/>
+          </a:bodyPr>
+          <a:lstStyle/>
+          <a:p>
+            <a:r>
+              <a:rPr lang="ko-KR" altLang="en-US" dirty="0" smtClean="0"/>
+              <a:t>장부 상세</a:t>
+            </a:r>
+            <a:endParaRPr lang="ko-KR" altLang="en-US" dirty="0"/>
+          </a:p>
+        </p:txBody>
+      </p:sp>
+      <p:cxnSp>
+        <p:nvCxnSpPr>
+          <p:cNvPr id="5" name="직선 연결선 4"/>
+          <p:cNvCxnSpPr/>
+          <p:nvPr/>
+        </p:nvCxnSpPr>
+        <p:spPr>
+          <a:xfrm>
+            <a:off x="0" y="612915"/>
+            <a:ext cx="12192000" cy="0"/>
+          </a:xfrm>
+          <a:prstGeom prst="line">
+            <a:avLst/>
+          </a:prstGeom>
+        </p:spPr>
+        <p:style>
+          <a:lnRef idx="1">
+            <a:schemeClr val="accent1"/>
+          </a:lnRef>
+          <a:fillRef idx="0">
+            <a:schemeClr val="accent1"/>
+          </a:fillRef>
+          <a:effectRef idx="0">
+            <a:schemeClr val="accent1"/>
+          </a:effectRef>
+          <a:fontRef idx="minor">
+            <a:schemeClr val="tx1"/>
+          </a:fontRef>
+        </p:style>
+      </p:cxnSp>
+      <p:sp>
+        <p:nvSpPr>
+          <p:cNvPr id="3" name="TextBox 2"/>
+          <p:cNvSpPr txBox="1"/>
+          <p:nvPr/>
+        </p:nvSpPr>
+        <p:spPr>
+          <a:xfrm>
+            <a:off x="629920" y="1102360"/>
+            <a:ext cx="4191000" cy="4247317"/>
+          </a:xfrm>
+          <a:prstGeom prst="rect">
+            <a:avLst/>
+          </a:prstGeom>
+        </p:spPr>
+        <p:style>
+          <a:lnRef idx="2">
+            <a:schemeClr val="dk1"/>
+          </a:lnRef>
+          <a:fillRef idx="1">
+            <a:schemeClr val="lt1"/>
+          </a:fillRef>
+          <a:effectRef idx="0">
+            <a:schemeClr val="dk1"/>
+          </a:effectRef>
+          <a:fontRef idx="minor">
+            <a:schemeClr val="dk1"/>
+          </a:fontRef>
+        </p:style>
+        <p:txBody>
+          <a:bodyPr wrap="square" rtlCol="0">
+            <a:spAutoFit/>
+          </a:bodyPr>
+          <a:lstStyle/>
+          <a:p>
+            <a:r>
+              <a:rPr lang="ko-KR" altLang="en-US" dirty="0" smtClean="0"/>
+              <a:t>비회원 </a:t>
+            </a:r>
+            <a:r>
+              <a:rPr lang="en-US" altLang="ko-KR" dirty="0" smtClean="0"/>
+              <a:t>or </a:t>
+            </a:r>
+            <a:r>
+              <a:rPr lang="ko-KR" altLang="en-US" dirty="0" smtClean="0"/>
+              <a:t>김동우</a:t>
+            </a:r>
+            <a:r>
+              <a:rPr lang="en-US" altLang="ko-KR" dirty="0" smtClean="0"/>
+              <a:t>(1212) </a:t>
+            </a:r>
+            <a:r>
+              <a:rPr lang="ko-KR" altLang="en-US" dirty="0" smtClean="0"/>
+              <a:t>등급 </a:t>
+            </a:r>
+            <a:r>
+              <a:rPr lang="en-US" altLang="ko-KR" dirty="0" smtClean="0"/>
+              <a:t>SILVER</a:t>
+            </a:r>
+          </a:p>
+          <a:p>
+            <a:r>
+              <a:rPr lang="en-US" altLang="ko-KR" dirty="0" smtClean="0"/>
+              <a:t>----------------------</a:t>
+            </a:r>
+          </a:p>
+          <a:p>
+            <a:r>
+              <a:rPr lang="ko-KR" altLang="en-US" dirty="0" smtClean="0">
+                <a:solidFill>
+                  <a:srgbClr val="00B050"/>
+                </a:solidFill>
+              </a:rPr>
+              <a:t>제품명 없음 </a:t>
+            </a:r>
+            <a:r>
+              <a:rPr lang="en-US" altLang="ko-KR" dirty="0" smtClean="0">
+                <a:solidFill>
+                  <a:srgbClr val="00B050"/>
+                </a:solidFill>
+              </a:rPr>
+              <a:t>or </a:t>
+            </a:r>
+            <a:r>
+              <a:rPr lang="ko-KR" altLang="en-US" dirty="0" err="1" smtClean="0">
+                <a:solidFill>
+                  <a:srgbClr val="00B050"/>
+                </a:solidFill>
+              </a:rPr>
+              <a:t>남성커트</a:t>
+            </a:r>
+            <a:r>
+              <a:rPr lang="en-US" altLang="ko-KR" dirty="0" smtClean="0">
+                <a:solidFill>
+                  <a:srgbClr val="00B050"/>
+                </a:solidFill>
+              </a:rPr>
+              <a:t>(</a:t>
+            </a:r>
+            <a:r>
+              <a:rPr lang="ko-KR" altLang="en-US" dirty="0" err="1" smtClean="0">
+                <a:solidFill>
+                  <a:srgbClr val="00B050"/>
+                </a:solidFill>
+              </a:rPr>
+              <a:t>기장추가</a:t>
+            </a:r>
+            <a:r>
+              <a:rPr lang="en-US" altLang="ko-KR" dirty="0" smtClean="0">
+                <a:solidFill>
+                  <a:srgbClr val="00B050"/>
+                </a:solidFill>
+              </a:rPr>
+              <a:t>)</a:t>
+            </a:r>
+          </a:p>
+          <a:p>
+            <a:r>
+              <a:rPr lang="ko-KR" altLang="en-US" dirty="0" smtClean="0">
+                <a:solidFill>
+                  <a:srgbClr val="00B050"/>
+                </a:solidFill>
+              </a:rPr>
+              <a:t>상품가격 </a:t>
+            </a:r>
+            <a:r>
+              <a:rPr lang="en-US" altLang="ko-KR" dirty="0" smtClean="0">
+                <a:solidFill>
+                  <a:srgbClr val="00B050"/>
+                </a:solidFill>
+              </a:rPr>
+              <a:t>: 150,000</a:t>
+            </a:r>
+          </a:p>
+          <a:p>
+            <a:r>
+              <a:rPr lang="ko-KR" altLang="en-US" dirty="0" smtClean="0">
+                <a:solidFill>
+                  <a:srgbClr val="00B050"/>
+                </a:solidFill>
+              </a:rPr>
+              <a:t>할인 </a:t>
+            </a:r>
+            <a:r>
+              <a:rPr lang="en-US" altLang="ko-KR" dirty="0" smtClean="0">
+                <a:solidFill>
+                  <a:srgbClr val="00B050"/>
+                </a:solidFill>
+              </a:rPr>
+              <a:t>: 10,000</a:t>
+            </a:r>
+          </a:p>
+          <a:p>
+            <a:r>
+              <a:rPr lang="ko-KR" altLang="en-US" dirty="0" err="1" smtClean="0">
+                <a:solidFill>
+                  <a:srgbClr val="00B050"/>
+                </a:solidFill>
+              </a:rPr>
+              <a:t>최종가격</a:t>
+            </a:r>
+            <a:r>
+              <a:rPr lang="ko-KR" altLang="en-US" dirty="0" smtClean="0">
+                <a:solidFill>
+                  <a:srgbClr val="00B050"/>
+                </a:solidFill>
+              </a:rPr>
+              <a:t> </a:t>
+            </a:r>
+            <a:r>
+              <a:rPr lang="en-US" altLang="ko-KR" dirty="0" smtClean="0">
+                <a:solidFill>
+                  <a:srgbClr val="00B050"/>
+                </a:solidFill>
+              </a:rPr>
+              <a:t>: 140,000</a:t>
+            </a:r>
+          </a:p>
+          <a:p>
+            <a:r>
+              <a:rPr lang="ko-KR" altLang="en-US" dirty="0" smtClean="0">
+                <a:solidFill>
+                  <a:srgbClr val="00B050"/>
+                </a:solidFill>
+              </a:rPr>
+              <a:t>포인트 사용 </a:t>
+            </a:r>
+            <a:r>
+              <a:rPr lang="en-US" altLang="ko-KR" dirty="0" smtClean="0">
+                <a:solidFill>
+                  <a:srgbClr val="00B050"/>
+                </a:solidFill>
+              </a:rPr>
+              <a:t>: 50,000</a:t>
+            </a:r>
+          </a:p>
+          <a:p>
+            <a:r>
+              <a:rPr lang="ko-KR" altLang="en-US" dirty="0" smtClean="0">
+                <a:solidFill>
+                  <a:srgbClr val="00B050"/>
+                </a:solidFill>
+              </a:rPr>
+              <a:t>상세 내역은 펼치기로</a:t>
+            </a:r>
+            <a:endParaRPr lang="en-US" altLang="ko-KR" dirty="0" smtClean="0">
+              <a:solidFill>
+                <a:srgbClr val="00B050"/>
+              </a:solidFill>
+            </a:endParaRPr>
+          </a:p>
+          <a:p>
+            <a:r>
+              <a:rPr lang="ko-KR" altLang="en-US" dirty="0" err="1" smtClean="0"/>
+              <a:t>최종금액</a:t>
+            </a:r>
+            <a:r>
+              <a:rPr lang="ko-KR" altLang="en-US" dirty="0" smtClean="0"/>
+              <a:t> </a:t>
+            </a:r>
+            <a:r>
+              <a:rPr lang="en-US" altLang="ko-KR" dirty="0" smtClean="0"/>
+              <a:t>: 90,000</a:t>
+            </a:r>
+          </a:p>
+          <a:p>
+            <a:r>
+              <a:rPr lang="ko-KR" altLang="en-US" dirty="0" smtClean="0"/>
+              <a:t>메모 </a:t>
+            </a:r>
+            <a:r>
+              <a:rPr lang="en-US" altLang="ko-KR" dirty="0" smtClean="0"/>
+              <a:t>: </a:t>
+            </a:r>
+          </a:p>
+          <a:p>
+            <a:r>
+              <a:rPr lang="ko-KR" altLang="en-US" dirty="0" smtClean="0"/>
+              <a:t>날짜 </a:t>
+            </a:r>
+            <a:r>
+              <a:rPr lang="en-US" altLang="ko-KR" dirty="0" smtClean="0"/>
+              <a:t>: 2020-12-01</a:t>
+            </a:r>
+            <a:endParaRPr lang="en-US" altLang="ko-KR" dirty="0"/>
+          </a:p>
+          <a:p>
+            <a:endParaRPr lang="en-US" altLang="ko-KR" dirty="0" smtClean="0"/>
+          </a:p>
+          <a:p>
+            <a:r>
+              <a:rPr lang="ko-KR" altLang="en-US" dirty="0" smtClean="0"/>
+              <a:t>삭제    환불</a:t>
+            </a:r>
+            <a:endParaRPr lang="en-US" altLang="ko-KR" dirty="0" smtClean="0"/>
+          </a:p>
+          <a:p>
+            <a:endParaRPr lang="en-US" altLang="ko-KR" dirty="0" smtClean="0"/>
+          </a:p>
+          <a:p>
+            <a:endParaRPr lang="en-US" altLang="ko-KR" dirty="0"/>
+          </a:p>
+        </p:txBody>
+      </p:sp>
+      <p:sp>
+        <p:nvSpPr>
+          <p:cNvPr id="7" name="TextBox 6"/>
+          <p:cNvSpPr txBox="1"/>
+          <p:nvPr/>
+        </p:nvSpPr>
+        <p:spPr>
+          <a:xfrm>
+            <a:off x="5364480" y="1102360"/>
+            <a:ext cx="4191000" cy="3970318"/>
+          </a:xfrm>
+          <a:prstGeom prst="rect">
+            <a:avLst/>
+          </a:prstGeom>
+        </p:spPr>
+        <p:style>
+          <a:lnRef idx="2">
+            <a:schemeClr val="dk1"/>
+          </a:lnRef>
+          <a:fillRef idx="1">
+            <a:schemeClr val="lt1"/>
+          </a:fillRef>
+          <a:effectRef idx="0">
+            <a:schemeClr val="dk1"/>
+          </a:effectRef>
+          <a:fontRef idx="minor">
+            <a:schemeClr val="dk1"/>
+          </a:fontRef>
+        </p:style>
+        <p:txBody>
+          <a:bodyPr wrap="square" rtlCol="0">
+            <a:spAutoFit/>
+          </a:bodyPr>
+          <a:lstStyle/>
+          <a:p>
+            <a:r>
+              <a:rPr lang="ko-KR" altLang="en-US" dirty="0" smtClean="0"/>
+              <a:t>비회원 </a:t>
+            </a:r>
+            <a:r>
+              <a:rPr lang="en-US" altLang="ko-KR" dirty="0" smtClean="0"/>
+              <a:t>or </a:t>
+            </a:r>
+            <a:r>
+              <a:rPr lang="ko-KR" altLang="en-US" dirty="0" smtClean="0"/>
+              <a:t>김동우</a:t>
+            </a:r>
+            <a:r>
+              <a:rPr lang="en-US" altLang="ko-KR" dirty="0" smtClean="0"/>
+              <a:t>(1212) </a:t>
+            </a:r>
+            <a:r>
+              <a:rPr lang="ko-KR" altLang="en-US" dirty="0" smtClean="0"/>
+              <a:t>등급 </a:t>
+            </a:r>
+            <a:r>
+              <a:rPr lang="en-US" altLang="ko-KR" dirty="0" smtClean="0"/>
+              <a:t>SILVER</a:t>
+            </a:r>
+          </a:p>
+          <a:p>
+            <a:r>
+              <a:rPr lang="en-US" altLang="ko-KR" dirty="0" smtClean="0"/>
+              <a:t>----------------------</a:t>
+            </a:r>
+          </a:p>
+          <a:p>
+            <a:r>
+              <a:rPr lang="ko-KR" altLang="en-US" dirty="0" smtClean="0"/>
+              <a:t>제품명 없음 </a:t>
+            </a:r>
+            <a:r>
+              <a:rPr lang="en-US" altLang="ko-KR" dirty="0" smtClean="0"/>
+              <a:t>or </a:t>
+            </a:r>
+            <a:r>
+              <a:rPr lang="ko-KR" altLang="en-US" dirty="0" err="1" smtClean="0"/>
+              <a:t>남성커트</a:t>
+            </a:r>
+            <a:r>
+              <a:rPr lang="en-US" altLang="ko-KR" dirty="0" smtClean="0"/>
+              <a:t>(</a:t>
+            </a:r>
+            <a:r>
+              <a:rPr lang="ko-KR" altLang="en-US" dirty="0" err="1" smtClean="0"/>
+              <a:t>기장추가</a:t>
+            </a:r>
+            <a:r>
+              <a:rPr lang="en-US" altLang="ko-KR" dirty="0" smtClean="0"/>
+              <a:t>)</a:t>
+            </a:r>
+          </a:p>
+          <a:p>
+            <a:r>
+              <a:rPr lang="ko-KR" altLang="en-US" dirty="0" smtClean="0"/>
+              <a:t>상품가격 </a:t>
+            </a:r>
+            <a:r>
+              <a:rPr lang="en-US" altLang="ko-KR" dirty="0" smtClean="0"/>
+              <a:t>: 150,000</a:t>
+            </a:r>
+          </a:p>
+          <a:p>
+            <a:r>
+              <a:rPr lang="ko-KR" altLang="en-US" dirty="0" smtClean="0"/>
+              <a:t>할인 </a:t>
+            </a:r>
+            <a:r>
+              <a:rPr lang="en-US" altLang="ko-KR" dirty="0" smtClean="0"/>
+              <a:t>: 10,000</a:t>
+            </a:r>
+          </a:p>
+          <a:p>
+            <a:r>
+              <a:rPr lang="ko-KR" altLang="en-US" dirty="0" err="1" smtClean="0"/>
+              <a:t>최종가격</a:t>
+            </a:r>
+            <a:r>
+              <a:rPr lang="ko-KR" altLang="en-US" dirty="0" smtClean="0"/>
+              <a:t> </a:t>
+            </a:r>
+            <a:r>
+              <a:rPr lang="en-US" altLang="ko-KR" dirty="0" smtClean="0"/>
+              <a:t>: 140,000</a:t>
+            </a:r>
+          </a:p>
+          <a:p>
+            <a:r>
+              <a:rPr lang="ko-KR" altLang="en-US" dirty="0" smtClean="0"/>
+              <a:t>포인트 환불 </a:t>
+            </a:r>
+            <a:r>
+              <a:rPr lang="en-US" altLang="ko-KR" dirty="0" smtClean="0"/>
+              <a:t>: 30,000</a:t>
+            </a:r>
+          </a:p>
+          <a:p>
+            <a:r>
+              <a:rPr lang="ko-KR" altLang="en-US" dirty="0" smtClean="0"/>
+              <a:t>지급 </a:t>
+            </a:r>
+            <a:r>
+              <a:rPr lang="en-US" altLang="ko-KR" dirty="0" smtClean="0"/>
+              <a:t>: 110,000</a:t>
+            </a:r>
+          </a:p>
+          <a:p>
+            <a:r>
+              <a:rPr lang="ko-KR" altLang="en-US" dirty="0" smtClean="0"/>
+              <a:t>메모 </a:t>
+            </a:r>
+            <a:r>
+              <a:rPr lang="en-US" altLang="ko-KR" dirty="0" smtClean="0"/>
+              <a:t>: </a:t>
+            </a:r>
+          </a:p>
+          <a:p>
+            <a:r>
+              <a:rPr lang="ko-KR" altLang="en-US" dirty="0" smtClean="0"/>
+              <a:t>날짜 </a:t>
+            </a:r>
+            <a:r>
+              <a:rPr lang="en-US" altLang="ko-KR" dirty="0" smtClean="0"/>
+              <a:t>: 2020-12-01</a:t>
+            </a:r>
+            <a:endParaRPr lang="en-US" altLang="ko-KR" dirty="0"/>
+          </a:p>
+          <a:p>
+            <a:endParaRPr lang="en-US" altLang="ko-KR" dirty="0" smtClean="0"/>
+          </a:p>
+          <a:p>
+            <a:r>
+              <a:rPr lang="ko-KR" altLang="en-US" dirty="0" smtClean="0"/>
+              <a:t>삭제</a:t>
+            </a:r>
+            <a:endParaRPr lang="en-US" altLang="ko-KR" dirty="0" smtClean="0"/>
+          </a:p>
+          <a:p>
+            <a:endParaRPr lang="en-US" altLang="ko-KR" dirty="0" smtClean="0"/>
+          </a:p>
+          <a:p>
+            <a:endParaRPr lang="en-US" altLang="ko-KR" dirty="0"/>
+          </a:p>
+        </p:txBody>
+      </p:sp>
+    </p:spTree>
+    <p:extLst>
+      <p:ext uri="{BB962C8B-B14F-4D97-AF65-F5344CB8AC3E}">
+        <p14:creationId xmlns:p14="http://schemas.microsoft.com/office/powerpoint/2010/main" val="2670437161"/>
       </p:ext>
     </p:extLst>
   </p:cSld>
@@ -6431,6 +7930,2877 @@
           <a:p>
             <a:r>
               <a:rPr lang="ko-KR" altLang="en-US" dirty="0" smtClean="0"/>
+              <a:t>일지 등록</a:t>
+            </a:r>
+            <a:endParaRPr lang="ko-KR" altLang="en-US" dirty="0"/>
+          </a:p>
+        </p:txBody>
+      </p:sp>
+      <p:cxnSp>
+        <p:nvCxnSpPr>
+          <p:cNvPr id="5" name="직선 연결선 4"/>
+          <p:cNvCxnSpPr/>
+          <p:nvPr/>
+        </p:nvCxnSpPr>
+        <p:spPr>
+          <a:xfrm>
+            <a:off x="0" y="612915"/>
+            <a:ext cx="12192000" cy="0"/>
+          </a:xfrm>
+          <a:prstGeom prst="line">
+            <a:avLst/>
+          </a:prstGeom>
+        </p:spPr>
+        <p:style>
+          <a:lnRef idx="1">
+            <a:schemeClr val="accent1"/>
+          </a:lnRef>
+          <a:fillRef idx="0">
+            <a:schemeClr val="accent1"/>
+          </a:fillRef>
+          <a:effectRef idx="0">
+            <a:schemeClr val="accent1"/>
+          </a:effectRef>
+          <a:fontRef idx="minor">
+            <a:schemeClr val="tx1"/>
+          </a:fontRef>
+        </p:style>
+      </p:cxnSp>
+      <p:pic>
+        <p:nvPicPr>
+          <p:cNvPr id="4" name="그림 3"/>
+          <p:cNvPicPr>
+            <a:picLocks noChangeAspect="1"/>
+          </p:cNvPicPr>
+          <p:nvPr/>
+        </p:nvPicPr>
+        <p:blipFill>
+          <a:blip r:embed="rId2"/>
+          <a:stretch>
+            <a:fillRect/>
+          </a:stretch>
+        </p:blipFill>
+        <p:spPr>
+          <a:xfrm>
+            <a:off x="457200" y="813328"/>
+            <a:ext cx="2418006" cy="5841471"/>
+          </a:xfrm>
+          <a:prstGeom prst="rect">
+            <a:avLst/>
+          </a:prstGeom>
+        </p:spPr>
+      </p:pic>
+      <p:graphicFrame>
+        <p:nvGraphicFramePr>
+          <p:cNvPr id="8" name="표 7"/>
+          <p:cNvGraphicFramePr>
+            <a:graphicFrameLocks noGrp="1"/>
+          </p:cNvGraphicFramePr>
+          <p:nvPr>
+            <p:extLst>
+              <p:ext uri="{D42A27DB-BD31-4B8C-83A1-F6EECF244321}">
+                <p14:modId xmlns:p14="http://schemas.microsoft.com/office/powerpoint/2010/main" val="2304016889"/>
+              </p:ext>
+            </p:extLst>
+          </p:nvPr>
+        </p:nvGraphicFramePr>
+        <p:xfrm>
+          <a:off x="3652520" y="866659"/>
+          <a:ext cx="7117080" cy="3291840"/>
+        </p:xfrm>
+        <a:graphic>
+          <a:graphicData uri="http://schemas.openxmlformats.org/drawingml/2006/table">
+            <a:tbl>
+              <a:tblPr firstRow="1" bandRow="1">
+                <a:tableStyleId>{5940675A-B579-460E-94D1-54222C63F5DA}</a:tableStyleId>
+              </a:tblPr>
+              <a:tblGrid>
+                <a:gridCol w="1224280">
+                  <a:extLst>
+                    <a:ext uri="{9D8B030D-6E8A-4147-A177-3AD203B41FA5}">
+                      <a16:colId xmlns:a16="http://schemas.microsoft.com/office/drawing/2014/main" val="3740503911"/>
+                    </a:ext>
+                  </a:extLst>
+                </a:gridCol>
+                <a:gridCol w="2214880">
+                  <a:extLst>
+                    <a:ext uri="{9D8B030D-6E8A-4147-A177-3AD203B41FA5}">
+                      <a16:colId xmlns:a16="http://schemas.microsoft.com/office/drawing/2014/main" val="3409621149"/>
+                    </a:ext>
+                  </a:extLst>
+                </a:gridCol>
+                <a:gridCol w="3677920">
+                  <a:extLst>
+                    <a:ext uri="{9D8B030D-6E8A-4147-A177-3AD203B41FA5}">
+                      <a16:colId xmlns:a16="http://schemas.microsoft.com/office/drawing/2014/main" val="967905395"/>
+                    </a:ext>
+                  </a:extLst>
+                </a:gridCol>
+              </a:tblGrid>
+              <a:tr h="256032">
+                <a:tc>
+                  <a:txBody>
+                    <a:bodyPr/>
+                    <a:lstStyle/>
+                    <a:p>
+                      <a:pPr latinLnBrk="1"/>
+                      <a:r>
+                        <a:rPr lang="en-US" altLang="ko-KR" sz="1200" dirty="0" smtClean="0"/>
+                        <a:t>Column</a:t>
+                      </a:r>
+                      <a:endParaRPr lang="ko-KR" altLang="en-US" sz="1200" dirty="0"/>
+                    </a:p>
+                  </a:txBody>
+                  <a:tcPr/>
+                </a:tc>
+                <a:tc>
+                  <a:txBody>
+                    <a:bodyPr/>
+                    <a:lstStyle/>
+                    <a:p>
+                      <a:pPr latinLnBrk="1"/>
+                      <a:r>
+                        <a:rPr lang="en-US" altLang="ko-KR" sz="1200" dirty="0" smtClean="0"/>
+                        <a:t>Val</a:t>
+                      </a:r>
+                      <a:endParaRPr lang="ko-KR" altLang="en-US" sz="1200" dirty="0"/>
+                    </a:p>
+                  </a:txBody>
+                  <a:tcPr/>
+                </a:tc>
+                <a:tc>
+                  <a:txBody>
+                    <a:bodyPr/>
+                    <a:lstStyle/>
+                    <a:p>
+                      <a:pPr latinLnBrk="1"/>
+                      <a:r>
+                        <a:rPr lang="en-US" altLang="ko-KR" sz="1200" dirty="0" smtClean="0"/>
+                        <a:t>Description</a:t>
+                      </a:r>
+                      <a:endParaRPr lang="ko-KR" altLang="en-US" sz="1200" dirty="0"/>
+                    </a:p>
+                  </a:txBody>
+                  <a:tcPr/>
+                </a:tc>
+                <a:extLst>
+                  <a:ext uri="{0D108BD9-81ED-4DB2-BD59-A6C34878D82A}">
+                    <a16:rowId xmlns:a16="http://schemas.microsoft.com/office/drawing/2014/main" val="3073247708"/>
+                  </a:ext>
+                </a:extLst>
+              </a:tr>
+              <a:tr h="256032">
+                <a:tc>
+                  <a:txBody>
+                    <a:bodyPr/>
+                    <a:lstStyle/>
+                    <a:p>
+                      <a:pPr latinLnBrk="1"/>
+                      <a:r>
+                        <a:rPr lang="en-US" altLang="ko-KR" sz="1200" dirty="0" smtClean="0"/>
+                        <a:t>id</a:t>
+                      </a:r>
+                      <a:endParaRPr lang="ko-KR" altLang="en-US" sz="1200" dirty="0"/>
+                    </a:p>
+                  </a:txBody>
+                  <a:tcPr/>
+                </a:tc>
+                <a:tc>
+                  <a:txBody>
+                    <a:bodyPr/>
+                    <a:lstStyle/>
+                    <a:p>
+                      <a:pPr latinLnBrk="1"/>
+                      <a:endParaRPr lang="ko-KR" altLang="en-US" sz="1200" dirty="0"/>
+                    </a:p>
+                  </a:txBody>
+                  <a:tcPr/>
+                </a:tc>
+                <a:tc>
+                  <a:txBody>
+                    <a:bodyPr/>
+                    <a:lstStyle/>
+                    <a:p>
+                      <a:pPr latinLnBrk="1"/>
+                      <a:r>
+                        <a:rPr lang="en-US" altLang="ko-KR" sz="1200" dirty="0" smtClean="0"/>
+                        <a:t>sales</a:t>
+                      </a:r>
+                      <a:r>
+                        <a:rPr lang="en-US" altLang="ko-KR" sz="1200" baseline="0" dirty="0" smtClean="0"/>
+                        <a:t> id</a:t>
+                      </a:r>
+                      <a:endParaRPr lang="ko-KR" altLang="en-US" sz="1200" dirty="0"/>
+                    </a:p>
+                  </a:txBody>
+                  <a:tcPr/>
+                </a:tc>
+                <a:extLst>
+                  <a:ext uri="{0D108BD9-81ED-4DB2-BD59-A6C34878D82A}">
+                    <a16:rowId xmlns:a16="http://schemas.microsoft.com/office/drawing/2014/main" val="3106412564"/>
+                  </a:ext>
+                </a:extLst>
+              </a:tr>
+              <a:tr h="256032">
+                <a:tc>
+                  <a:txBody>
+                    <a:bodyPr/>
+                    <a:lstStyle/>
+                    <a:p>
+                      <a:pPr latinLnBrk="1"/>
+                      <a:r>
+                        <a:rPr lang="en-US" altLang="ko-KR" sz="1200" dirty="0" err="1" smtClean="0"/>
+                        <a:t>customerId</a:t>
+                      </a:r>
+                      <a:endParaRPr lang="ko-KR" altLang="en-US" sz="1200" dirty="0"/>
+                    </a:p>
+                  </a:txBody>
+                  <a:tcPr/>
+                </a:tc>
+                <a:tc>
+                  <a:txBody>
+                    <a:bodyPr/>
+                    <a:lstStyle/>
+                    <a:p>
+                      <a:pPr latinLnBrk="1"/>
+                      <a:r>
+                        <a:rPr lang="en-US" altLang="ko-KR" sz="1200" dirty="0" smtClean="0"/>
+                        <a:t>-1,10</a:t>
+                      </a:r>
+                      <a:endParaRPr lang="ko-KR" altLang="en-US" sz="1200" dirty="0"/>
+                    </a:p>
+                  </a:txBody>
+                  <a:tcPr/>
+                </a:tc>
+                <a:tc>
+                  <a:txBody>
+                    <a:bodyPr/>
+                    <a:lstStyle/>
+                    <a:p>
+                      <a:pPr latinLnBrk="1"/>
+                      <a:r>
+                        <a:rPr lang="ko-KR" altLang="en-US" sz="1200" dirty="0" smtClean="0"/>
+                        <a:t>회원이면 </a:t>
+                      </a:r>
+                      <a:r>
+                        <a:rPr lang="en-US" altLang="ko-KR" sz="1200" dirty="0" smtClean="0"/>
+                        <a:t>id,</a:t>
+                      </a:r>
+                      <a:r>
+                        <a:rPr lang="en-US" altLang="ko-KR" sz="1200" baseline="0" dirty="0" smtClean="0"/>
+                        <a:t> </a:t>
+                      </a:r>
+                      <a:r>
+                        <a:rPr lang="ko-KR" altLang="en-US" sz="1200" baseline="0" dirty="0" err="1" smtClean="0"/>
+                        <a:t>비회원일시</a:t>
+                      </a:r>
+                      <a:r>
+                        <a:rPr lang="ko-KR" altLang="en-US" sz="1200" baseline="0" dirty="0" smtClean="0"/>
+                        <a:t> </a:t>
+                      </a:r>
+                      <a:r>
+                        <a:rPr lang="en-US" altLang="ko-KR" sz="1200" baseline="0" dirty="0" smtClean="0"/>
+                        <a:t>-1</a:t>
+                      </a:r>
+                      <a:endParaRPr lang="ko-KR" altLang="en-US" sz="1200" dirty="0"/>
+                    </a:p>
+                  </a:txBody>
+                  <a:tcPr/>
+                </a:tc>
+                <a:extLst>
+                  <a:ext uri="{0D108BD9-81ED-4DB2-BD59-A6C34878D82A}">
+                    <a16:rowId xmlns:a16="http://schemas.microsoft.com/office/drawing/2014/main" val="2354156411"/>
+                  </a:ext>
+                </a:extLst>
+              </a:tr>
+              <a:tr h="256032">
+                <a:tc>
+                  <a:txBody>
+                    <a:bodyPr/>
+                    <a:lstStyle/>
+                    <a:p>
+                      <a:pPr latinLnBrk="1"/>
+                      <a:r>
+                        <a:rPr lang="en-US" altLang="ko-KR" sz="1200" dirty="0" err="1" smtClean="0"/>
+                        <a:t>productId</a:t>
+                      </a:r>
+                      <a:endParaRPr lang="ko-KR" altLang="en-US" sz="1200" dirty="0"/>
+                    </a:p>
+                  </a:txBody>
+                  <a:tcPr/>
+                </a:tc>
+                <a:tc>
+                  <a:txBody>
+                    <a:bodyPr/>
+                    <a:lstStyle/>
+                    <a:p>
+                      <a:pPr latinLnBrk="1"/>
+                      <a:r>
+                        <a:rPr lang="en-US" altLang="ko-KR" sz="1200" dirty="0" smtClean="0"/>
+                        <a:t>-1,20</a:t>
+                      </a:r>
+                      <a:endParaRPr lang="ko-KR" altLang="en-US" sz="1200" dirty="0"/>
+                    </a:p>
+                  </a:txBody>
+                  <a:tcPr/>
+                </a:tc>
+                <a:tc>
+                  <a:txBody>
+                    <a:bodyPr/>
+                    <a:lstStyle/>
+                    <a:p>
+                      <a:pPr latinLnBrk="1"/>
+                      <a:r>
+                        <a:rPr lang="ko-KR" altLang="en-US" sz="1200" dirty="0" smtClean="0"/>
+                        <a:t>제품이면 </a:t>
+                      </a:r>
+                      <a:r>
+                        <a:rPr lang="en-US" altLang="ko-KR" sz="1200" dirty="0" smtClean="0"/>
+                        <a:t>id, </a:t>
+                      </a:r>
+                      <a:r>
+                        <a:rPr lang="ko-KR" altLang="en-US" sz="1200" dirty="0" smtClean="0"/>
+                        <a:t>직접입력일시 </a:t>
+                      </a:r>
+                      <a:r>
+                        <a:rPr lang="en-US" altLang="ko-KR" sz="1200" dirty="0" smtClean="0"/>
+                        <a:t>-1</a:t>
+                      </a:r>
+                      <a:endParaRPr lang="ko-KR" altLang="en-US" sz="1200" dirty="0"/>
+                    </a:p>
+                  </a:txBody>
+                  <a:tcPr/>
+                </a:tc>
+                <a:extLst>
+                  <a:ext uri="{0D108BD9-81ED-4DB2-BD59-A6C34878D82A}">
+                    <a16:rowId xmlns:a16="http://schemas.microsoft.com/office/drawing/2014/main" val="1472120891"/>
+                  </a:ext>
+                </a:extLst>
+              </a:tr>
+              <a:tr h="256032">
+                <a:tc>
+                  <a:txBody>
+                    <a:bodyPr/>
+                    <a:lstStyle/>
+                    <a:p>
+                      <a:pPr latinLnBrk="1"/>
+                      <a:r>
+                        <a:rPr lang="en-US" altLang="ko-KR" sz="1200" dirty="0" smtClean="0"/>
+                        <a:t>price</a:t>
+                      </a:r>
+                      <a:endParaRPr lang="ko-KR" altLang="en-US" sz="1200" dirty="0"/>
+                    </a:p>
+                  </a:txBody>
+                  <a:tcPr/>
+                </a:tc>
+                <a:tc>
+                  <a:txBody>
+                    <a:bodyPr/>
+                    <a:lstStyle/>
+                    <a:p>
+                      <a:pPr latinLnBrk="1"/>
+                      <a:r>
+                        <a:rPr lang="en-US" altLang="ko-KR" sz="1200" dirty="0" smtClean="0"/>
+                        <a:t>150000</a:t>
+                      </a:r>
+                      <a:endParaRPr lang="ko-KR" altLang="en-US" sz="1200" dirty="0"/>
+                    </a:p>
+                  </a:txBody>
+                  <a:tcPr/>
+                </a:tc>
+                <a:tc>
+                  <a:txBody>
+                    <a:bodyPr/>
+                    <a:lstStyle/>
+                    <a:p>
+                      <a:pPr latinLnBrk="1"/>
+                      <a:r>
+                        <a:rPr lang="ko-KR" altLang="en-US" sz="1200" dirty="0" smtClean="0"/>
+                        <a:t>상품가격</a:t>
+                      </a:r>
+                      <a:endParaRPr lang="ko-KR" altLang="en-US" sz="1200" dirty="0"/>
+                    </a:p>
+                  </a:txBody>
+                  <a:tcPr/>
+                </a:tc>
+                <a:extLst>
+                  <a:ext uri="{0D108BD9-81ED-4DB2-BD59-A6C34878D82A}">
+                    <a16:rowId xmlns:a16="http://schemas.microsoft.com/office/drawing/2014/main" val="843891167"/>
+                  </a:ext>
+                </a:extLst>
+              </a:tr>
+              <a:tr h="256032">
+                <a:tc>
+                  <a:txBody>
+                    <a:bodyPr/>
+                    <a:lstStyle/>
+                    <a:p>
+                      <a:pPr latinLnBrk="1"/>
+                      <a:r>
+                        <a:rPr lang="en-US" altLang="ko-KR" sz="1200" dirty="0" err="1" smtClean="0"/>
+                        <a:t>discountType</a:t>
+                      </a:r>
+                      <a:endParaRPr lang="ko-KR" altLang="en-US" sz="1200" dirty="0"/>
+                    </a:p>
+                  </a:txBody>
+                  <a:tcPr/>
+                </a:tc>
+                <a:tc>
+                  <a:txBody>
+                    <a:bodyPr/>
+                    <a:lstStyle/>
+                    <a:p>
+                      <a:pPr latinLnBrk="1"/>
+                      <a:r>
+                        <a:rPr lang="en-US" altLang="ko-KR" sz="1200" dirty="0" smtClean="0"/>
+                        <a:t>0,1,2</a:t>
+                      </a:r>
+                      <a:endParaRPr lang="ko-KR" altLang="en-US" sz="1200" dirty="0"/>
+                    </a:p>
+                  </a:txBody>
+                  <a:tcPr/>
+                </a:tc>
+                <a:tc>
+                  <a:txBody>
+                    <a:bodyPr/>
+                    <a:lstStyle/>
+                    <a:p>
+                      <a:pPr latinLnBrk="1"/>
+                      <a:r>
+                        <a:rPr lang="en-US" altLang="ko-KR" sz="1200" dirty="0" smtClean="0"/>
+                        <a:t>0:</a:t>
+                      </a:r>
+                      <a:r>
+                        <a:rPr lang="ko-KR" altLang="en-US" sz="1200" dirty="0" err="1" smtClean="0"/>
+                        <a:t>할인없음</a:t>
+                      </a:r>
+                      <a:r>
+                        <a:rPr lang="ko-KR" altLang="en-US" sz="1200" dirty="0" smtClean="0"/>
+                        <a:t> </a:t>
+                      </a:r>
+                      <a:r>
+                        <a:rPr lang="en-US" altLang="ko-KR" sz="1200" dirty="0" smtClean="0"/>
+                        <a:t>1:</a:t>
+                      </a:r>
+                      <a:r>
+                        <a:rPr lang="ko-KR" altLang="en-US" sz="1200" dirty="0" err="1" smtClean="0"/>
+                        <a:t>퍼센트할인</a:t>
+                      </a:r>
+                      <a:r>
+                        <a:rPr lang="ko-KR" altLang="en-US" sz="1200" dirty="0" smtClean="0"/>
+                        <a:t> </a:t>
+                      </a:r>
+                      <a:r>
+                        <a:rPr lang="en-US" altLang="ko-KR" sz="1200" dirty="0" smtClean="0"/>
+                        <a:t>2:</a:t>
+                      </a:r>
+                      <a:r>
+                        <a:rPr lang="ko-KR" altLang="en-US" sz="1200" dirty="0" smtClean="0"/>
+                        <a:t>지정금액할인</a:t>
+                      </a:r>
+                      <a:endParaRPr lang="ko-KR" altLang="en-US" sz="1200" dirty="0"/>
+                    </a:p>
+                  </a:txBody>
+                  <a:tcPr/>
+                </a:tc>
+                <a:extLst>
+                  <a:ext uri="{0D108BD9-81ED-4DB2-BD59-A6C34878D82A}">
+                    <a16:rowId xmlns:a16="http://schemas.microsoft.com/office/drawing/2014/main" val="3443803273"/>
+                  </a:ext>
+                </a:extLst>
+              </a:tr>
+              <a:tr h="256032">
+                <a:tc>
+                  <a:txBody>
+                    <a:bodyPr/>
+                    <a:lstStyle/>
+                    <a:p>
+                      <a:pPr latinLnBrk="1"/>
+                      <a:r>
+                        <a:rPr lang="en-US" altLang="ko-KR" sz="1200" dirty="0" err="1" smtClean="0"/>
+                        <a:t>discountVal</a:t>
+                      </a:r>
+                      <a:endParaRPr lang="ko-KR" altLang="en-US" sz="1200" dirty="0"/>
+                    </a:p>
+                  </a:txBody>
+                  <a:tcPr/>
+                </a:tc>
+                <a:tc>
+                  <a:txBody>
+                    <a:bodyPr/>
+                    <a:lstStyle/>
+                    <a:p>
+                      <a:pPr latinLnBrk="1"/>
+                      <a:r>
+                        <a:rPr lang="en-US" altLang="ko-KR" sz="1200" dirty="0" smtClean="0"/>
+                        <a:t>0~</a:t>
+                      </a:r>
+                      <a:endParaRPr lang="ko-KR" altLang="en-US" sz="1200" dirty="0"/>
+                    </a:p>
+                  </a:txBody>
+                  <a:tcPr/>
+                </a:tc>
+                <a:tc>
+                  <a:txBody>
+                    <a:bodyPr/>
+                    <a:lstStyle/>
+                    <a:p>
+                      <a:pPr latinLnBrk="1"/>
+                      <a:r>
+                        <a:rPr lang="ko-KR" altLang="en-US" sz="1200" dirty="0" smtClean="0"/>
+                        <a:t>퍼센트 </a:t>
+                      </a:r>
+                      <a:r>
+                        <a:rPr lang="en-US" altLang="ko-KR" sz="1200" dirty="0" smtClean="0"/>
+                        <a:t>or </a:t>
+                      </a:r>
+                      <a:r>
+                        <a:rPr lang="ko-KR" altLang="en-US" sz="1200" dirty="0" smtClean="0"/>
+                        <a:t>금액</a:t>
+                      </a:r>
+                      <a:endParaRPr lang="ko-KR" altLang="en-US" sz="1200" dirty="0"/>
+                    </a:p>
+                  </a:txBody>
+                  <a:tcPr/>
+                </a:tc>
+                <a:extLst>
+                  <a:ext uri="{0D108BD9-81ED-4DB2-BD59-A6C34878D82A}">
+                    <a16:rowId xmlns:a16="http://schemas.microsoft.com/office/drawing/2014/main" val="2049460847"/>
+                  </a:ext>
+                </a:extLst>
+              </a:tr>
+              <a:tr h="256032">
+                <a:tc>
+                  <a:txBody>
+                    <a:bodyPr/>
+                    <a:lstStyle/>
+                    <a:p>
+                      <a:pPr latinLnBrk="1"/>
+                      <a:r>
+                        <a:rPr lang="en-US" altLang="ko-KR" sz="1200" dirty="0" err="1" smtClean="0"/>
+                        <a:t>pointUse</a:t>
+                      </a:r>
+                      <a:endParaRPr lang="ko-KR" altLang="en-US" sz="1200" dirty="0"/>
+                    </a:p>
+                  </a:txBody>
+                  <a:tcPr/>
+                </a:tc>
+                <a:tc>
+                  <a:txBody>
+                    <a:bodyPr/>
+                    <a:lstStyle/>
+                    <a:p>
+                      <a:pPr latinLnBrk="1"/>
+                      <a:r>
+                        <a:rPr lang="en-US" altLang="ko-KR" sz="1200" dirty="0" smtClean="0"/>
+                        <a:t>0~</a:t>
+                      </a:r>
+                      <a:endParaRPr lang="ko-KR" altLang="en-US" sz="1200" dirty="0"/>
+                    </a:p>
+                  </a:txBody>
+                  <a:tcPr/>
+                </a:tc>
+                <a:tc>
+                  <a:txBody>
+                    <a:bodyPr/>
+                    <a:lstStyle/>
+                    <a:p>
+                      <a:pPr latinLnBrk="1"/>
+                      <a:r>
+                        <a:rPr lang="ko-KR" altLang="en-US" sz="1200" dirty="0" smtClean="0"/>
+                        <a:t>금액</a:t>
+                      </a:r>
+                      <a:endParaRPr lang="ko-KR" altLang="en-US" sz="1200" dirty="0"/>
+                    </a:p>
+                  </a:txBody>
+                  <a:tcPr/>
+                </a:tc>
+                <a:extLst>
+                  <a:ext uri="{0D108BD9-81ED-4DB2-BD59-A6C34878D82A}">
+                    <a16:rowId xmlns:a16="http://schemas.microsoft.com/office/drawing/2014/main" val="578719682"/>
+                  </a:ext>
+                </a:extLst>
+              </a:tr>
+              <a:tr h="256032">
+                <a:tc>
+                  <a:txBody>
+                    <a:bodyPr/>
+                    <a:lstStyle/>
+                    <a:p>
+                      <a:pPr latinLnBrk="1"/>
+                      <a:r>
+                        <a:rPr lang="en-US" altLang="ko-KR" sz="1200" dirty="0" smtClean="0"/>
+                        <a:t>fee</a:t>
+                      </a:r>
+                      <a:endParaRPr lang="ko-KR" altLang="en-US" sz="1200" dirty="0"/>
+                    </a:p>
+                  </a:txBody>
+                  <a:tcPr/>
+                </a:tc>
+                <a:tc>
+                  <a:txBody>
+                    <a:bodyPr/>
+                    <a:lstStyle/>
+                    <a:p>
+                      <a:pPr latinLnBrk="1"/>
+                      <a:r>
+                        <a:rPr lang="en-US" altLang="ko-KR" sz="1200" dirty="0" smtClean="0"/>
+                        <a:t>0~</a:t>
+                      </a:r>
+                      <a:endParaRPr lang="ko-KR" altLang="en-US" sz="1200" dirty="0"/>
+                    </a:p>
+                  </a:txBody>
+                  <a:tcPr/>
+                </a:tc>
+                <a:tc>
+                  <a:txBody>
+                    <a:bodyPr/>
+                    <a:lstStyle/>
+                    <a:p>
+                      <a:pPr latinLnBrk="1"/>
+                      <a:r>
+                        <a:rPr lang="ko-KR" altLang="en-US" sz="1200" dirty="0" err="1" smtClean="0"/>
+                        <a:t>최종금액</a:t>
+                      </a:r>
+                      <a:endParaRPr lang="ko-KR" altLang="en-US" sz="1200" dirty="0"/>
+                    </a:p>
+                  </a:txBody>
+                  <a:tcPr/>
+                </a:tc>
+                <a:extLst>
+                  <a:ext uri="{0D108BD9-81ED-4DB2-BD59-A6C34878D82A}">
+                    <a16:rowId xmlns:a16="http://schemas.microsoft.com/office/drawing/2014/main" val="1276200152"/>
+                  </a:ext>
+                </a:extLst>
+              </a:tr>
+              <a:tr h="256032">
+                <a:tc>
+                  <a:txBody>
+                    <a:bodyPr/>
+                    <a:lstStyle/>
+                    <a:p>
+                      <a:pPr latinLnBrk="1"/>
+                      <a:r>
+                        <a:rPr lang="en-US" altLang="ko-KR" sz="1200" dirty="0" smtClean="0"/>
+                        <a:t>comment</a:t>
+                      </a:r>
+                      <a:endParaRPr lang="ko-KR" altLang="en-US" sz="1200" dirty="0"/>
+                    </a:p>
+                  </a:txBody>
+                  <a:tcPr/>
+                </a:tc>
+                <a:tc>
+                  <a:txBody>
+                    <a:bodyPr/>
+                    <a:lstStyle/>
+                    <a:p>
+                      <a:pPr latinLnBrk="1"/>
+                      <a:r>
+                        <a:rPr lang="en-US" altLang="ko-KR" sz="1200" dirty="0" smtClean="0"/>
+                        <a:t>“</a:t>
+                      </a:r>
+                      <a:r>
+                        <a:rPr lang="en-US" altLang="ko-KR" sz="1200" dirty="0" err="1" smtClean="0"/>
+                        <a:t>abcde</a:t>
+                      </a:r>
+                      <a:r>
+                        <a:rPr lang="en-US" altLang="ko-KR" sz="1200" dirty="0" smtClean="0"/>
+                        <a:t>”</a:t>
+                      </a:r>
+                      <a:endParaRPr lang="ko-KR" altLang="en-US" sz="1200" dirty="0"/>
+                    </a:p>
+                  </a:txBody>
+                  <a:tcPr/>
+                </a:tc>
+                <a:tc>
+                  <a:txBody>
+                    <a:bodyPr/>
+                    <a:lstStyle/>
+                    <a:p>
+                      <a:pPr latinLnBrk="1"/>
+                      <a:r>
+                        <a:rPr lang="ko-KR" altLang="en-US" sz="1200" dirty="0" smtClean="0"/>
+                        <a:t>메모</a:t>
+                      </a:r>
+                      <a:endParaRPr lang="ko-KR" altLang="en-US" sz="1200" dirty="0"/>
+                    </a:p>
+                  </a:txBody>
+                  <a:tcPr/>
+                </a:tc>
+                <a:extLst>
+                  <a:ext uri="{0D108BD9-81ED-4DB2-BD59-A6C34878D82A}">
+                    <a16:rowId xmlns:a16="http://schemas.microsoft.com/office/drawing/2014/main" val="2876319255"/>
+                  </a:ext>
+                </a:extLst>
+              </a:tr>
+              <a:tr h="256032">
+                <a:tc>
+                  <a:txBody>
+                    <a:bodyPr/>
+                    <a:lstStyle/>
+                    <a:p>
+                      <a:pPr latinLnBrk="1"/>
+                      <a:r>
+                        <a:rPr lang="en-US" altLang="ko-KR" sz="1200" dirty="0" smtClean="0"/>
+                        <a:t>date</a:t>
+                      </a:r>
+                      <a:endParaRPr lang="ko-KR" altLang="en-US" sz="1200" dirty="0"/>
+                    </a:p>
+                  </a:txBody>
+                  <a:tcPr/>
+                </a:tc>
+                <a:tc>
+                  <a:txBody>
+                    <a:bodyPr/>
+                    <a:lstStyle/>
+                    <a:p>
+                      <a:pPr latinLnBrk="1"/>
+                      <a:endParaRPr lang="ko-KR" altLang="en-US" sz="1200" dirty="0"/>
+                    </a:p>
+                  </a:txBody>
+                  <a:tcPr/>
+                </a:tc>
+                <a:tc>
+                  <a:txBody>
+                    <a:bodyPr/>
+                    <a:lstStyle/>
+                    <a:p>
+                      <a:pPr latinLnBrk="1"/>
+                      <a:endParaRPr lang="ko-KR" altLang="en-US" sz="1200" dirty="0"/>
+                    </a:p>
+                  </a:txBody>
+                  <a:tcPr/>
+                </a:tc>
+                <a:extLst>
+                  <a:ext uri="{0D108BD9-81ED-4DB2-BD59-A6C34878D82A}">
+                    <a16:rowId xmlns:a16="http://schemas.microsoft.com/office/drawing/2014/main" val="2553387189"/>
+                  </a:ext>
+                </a:extLst>
+              </a:tr>
+              <a:tr h="256032">
+                <a:tc>
+                  <a:txBody>
+                    <a:bodyPr/>
+                    <a:lstStyle/>
+                    <a:p>
+                      <a:pPr latinLnBrk="1"/>
+                      <a:endParaRPr lang="ko-KR" altLang="en-US" sz="1200" dirty="0"/>
+                    </a:p>
+                  </a:txBody>
+                  <a:tcPr/>
+                </a:tc>
+                <a:tc>
+                  <a:txBody>
+                    <a:bodyPr/>
+                    <a:lstStyle/>
+                    <a:p>
+                      <a:pPr latinLnBrk="1"/>
+                      <a:endParaRPr lang="ko-KR" altLang="en-US" sz="1200" dirty="0"/>
+                    </a:p>
+                  </a:txBody>
+                  <a:tcPr/>
+                </a:tc>
+                <a:tc>
+                  <a:txBody>
+                    <a:bodyPr/>
+                    <a:lstStyle/>
+                    <a:p>
+                      <a:pPr latinLnBrk="1"/>
+                      <a:endParaRPr lang="ko-KR" altLang="en-US" sz="1200" dirty="0"/>
+                    </a:p>
+                  </a:txBody>
+                  <a:tcPr/>
+                </a:tc>
+                <a:extLst>
+                  <a:ext uri="{0D108BD9-81ED-4DB2-BD59-A6C34878D82A}">
+                    <a16:rowId xmlns:a16="http://schemas.microsoft.com/office/drawing/2014/main" val="210581797"/>
+                  </a:ext>
+                </a:extLst>
+              </a:tr>
+            </a:tbl>
+          </a:graphicData>
+        </a:graphic>
+      </p:graphicFrame>
+    </p:spTree>
+    <p:extLst>
+      <p:ext uri="{BB962C8B-B14F-4D97-AF65-F5344CB8AC3E}">
+        <p14:creationId xmlns:p14="http://schemas.microsoft.com/office/powerpoint/2010/main" val="2289362448"/>
+      </p:ext>
+    </p:extLst>
+  </p:cSld>
+  <p:clrMapOvr>
+    <a:masterClrMapping/>
+  </p:clrMapOvr>
+</p:sld>
+</file>
+
+<file path=ppt/slides/slide5.xml><?xml version="1.0" encoding="utf-8"?>
+<p:sld xmlns:a="http://schemas.openxmlformats.org/drawingml/2006/main" xmlns:r="http://schemas.openxmlformats.org/officeDocument/2006/relationships" xmlns:p="http://schemas.openxmlformats.org/presentationml/2006/main">
+  <p:cSld>
+    <p:spTree>
+      <p:nvGrpSpPr>
+        <p:cNvPr id="1" name=""/>
+        <p:cNvGrpSpPr/>
+        <p:nvPr/>
+      </p:nvGrpSpPr>
+      <p:grpSpPr>
+        <a:xfrm>
+          <a:off x="0" y="0"/>
+          <a:ext cx="0" cy="0"/>
+          <a:chOff x="0" y="0"/>
+          <a:chExt cx="0" cy="0"/>
+        </a:xfrm>
+      </p:grpSpPr>
+      <p:sp>
+        <p:nvSpPr>
+          <p:cNvPr id="11" name="TextBox 10"/>
+          <p:cNvSpPr txBox="1"/>
+          <p:nvPr/>
+        </p:nvSpPr>
+        <p:spPr>
+          <a:xfrm>
+            <a:off x="457200" y="162560"/>
+            <a:ext cx="4196080" cy="369332"/>
+          </a:xfrm>
+          <a:prstGeom prst="rect">
+            <a:avLst/>
+          </a:prstGeom>
+          <a:noFill/>
+        </p:spPr>
+        <p:txBody>
+          <a:bodyPr wrap="square" rtlCol="0">
+            <a:spAutoFit/>
+          </a:bodyPr>
+          <a:lstStyle/>
+          <a:p>
+            <a:r>
+              <a:rPr lang="ko-KR" altLang="en-US" dirty="0" smtClean="0"/>
+              <a:t>일지 </a:t>
+            </a:r>
+            <a:r>
+              <a:rPr lang="ko-KR" altLang="en-US" dirty="0" smtClean="0"/>
+              <a:t>리스트</a:t>
+            </a:r>
+            <a:endParaRPr lang="ko-KR" altLang="en-US" dirty="0"/>
+          </a:p>
+        </p:txBody>
+      </p:sp>
+      <p:cxnSp>
+        <p:nvCxnSpPr>
+          <p:cNvPr id="5" name="직선 연결선 4"/>
+          <p:cNvCxnSpPr/>
+          <p:nvPr/>
+        </p:nvCxnSpPr>
+        <p:spPr>
+          <a:xfrm>
+            <a:off x="0" y="612915"/>
+            <a:ext cx="12192000" cy="0"/>
+          </a:xfrm>
+          <a:prstGeom prst="line">
+            <a:avLst/>
+          </a:prstGeom>
+        </p:spPr>
+        <p:style>
+          <a:lnRef idx="1">
+            <a:schemeClr val="accent1"/>
+          </a:lnRef>
+          <a:fillRef idx="0">
+            <a:schemeClr val="accent1"/>
+          </a:fillRef>
+          <a:effectRef idx="0">
+            <a:schemeClr val="accent1"/>
+          </a:effectRef>
+          <a:fontRef idx="minor">
+            <a:schemeClr val="tx1"/>
+          </a:fontRef>
+        </p:style>
+      </p:cxnSp>
+      <p:graphicFrame>
+        <p:nvGraphicFramePr>
+          <p:cNvPr id="8" name="표 7"/>
+          <p:cNvGraphicFramePr>
+            <a:graphicFrameLocks noGrp="1"/>
+          </p:cNvGraphicFramePr>
+          <p:nvPr>
+            <p:extLst>
+              <p:ext uri="{D42A27DB-BD31-4B8C-83A1-F6EECF244321}">
+                <p14:modId xmlns:p14="http://schemas.microsoft.com/office/powerpoint/2010/main" val="246455608"/>
+              </p:ext>
+            </p:extLst>
+          </p:nvPr>
+        </p:nvGraphicFramePr>
+        <p:xfrm>
+          <a:off x="533400" y="2979939"/>
+          <a:ext cx="7117080" cy="3291840"/>
+        </p:xfrm>
+        <a:graphic>
+          <a:graphicData uri="http://schemas.openxmlformats.org/drawingml/2006/table">
+            <a:tbl>
+              <a:tblPr firstRow="1" bandRow="1">
+                <a:tableStyleId>{5940675A-B579-460E-94D1-54222C63F5DA}</a:tableStyleId>
+              </a:tblPr>
+              <a:tblGrid>
+                <a:gridCol w="1224280">
+                  <a:extLst>
+                    <a:ext uri="{9D8B030D-6E8A-4147-A177-3AD203B41FA5}">
+                      <a16:colId xmlns:a16="http://schemas.microsoft.com/office/drawing/2014/main" val="3740503911"/>
+                    </a:ext>
+                  </a:extLst>
+                </a:gridCol>
+                <a:gridCol w="2214880">
+                  <a:extLst>
+                    <a:ext uri="{9D8B030D-6E8A-4147-A177-3AD203B41FA5}">
+                      <a16:colId xmlns:a16="http://schemas.microsoft.com/office/drawing/2014/main" val="3409621149"/>
+                    </a:ext>
+                  </a:extLst>
+                </a:gridCol>
+                <a:gridCol w="3677920">
+                  <a:extLst>
+                    <a:ext uri="{9D8B030D-6E8A-4147-A177-3AD203B41FA5}">
+                      <a16:colId xmlns:a16="http://schemas.microsoft.com/office/drawing/2014/main" val="967905395"/>
+                    </a:ext>
+                  </a:extLst>
+                </a:gridCol>
+              </a:tblGrid>
+              <a:tr h="256032">
+                <a:tc>
+                  <a:txBody>
+                    <a:bodyPr/>
+                    <a:lstStyle/>
+                    <a:p>
+                      <a:pPr latinLnBrk="1"/>
+                      <a:r>
+                        <a:rPr lang="en-US" altLang="ko-KR" sz="1200" dirty="0" smtClean="0"/>
+                        <a:t>Column</a:t>
+                      </a:r>
+                      <a:endParaRPr lang="ko-KR" altLang="en-US" sz="1200" dirty="0"/>
+                    </a:p>
+                  </a:txBody>
+                  <a:tcPr/>
+                </a:tc>
+                <a:tc>
+                  <a:txBody>
+                    <a:bodyPr/>
+                    <a:lstStyle/>
+                    <a:p>
+                      <a:pPr latinLnBrk="1"/>
+                      <a:r>
+                        <a:rPr lang="en-US" altLang="ko-KR" sz="1200" dirty="0" smtClean="0"/>
+                        <a:t>Val</a:t>
+                      </a:r>
+                      <a:endParaRPr lang="ko-KR" altLang="en-US" sz="1200" dirty="0"/>
+                    </a:p>
+                  </a:txBody>
+                  <a:tcPr/>
+                </a:tc>
+                <a:tc>
+                  <a:txBody>
+                    <a:bodyPr/>
+                    <a:lstStyle/>
+                    <a:p>
+                      <a:pPr latinLnBrk="1"/>
+                      <a:r>
+                        <a:rPr lang="en-US" altLang="ko-KR" sz="1200" dirty="0" smtClean="0"/>
+                        <a:t>Description</a:t>
+                      </a:r>
+                      <a:endParaRPr lang="ko-KR" altLang="en-US" sz="1200" dirty="0"/>
+                    </a:p>
+                  </a:txBody>
+                  <a:tcPr/>
+                </a:tc>
+                <a:extLst>
+                  <a:ext uri="{0D108BD9-81ED-4DB2-BD59-A6C34878D82A}">
+                    <a16:rowId xmlns:a16="http://schemas.microsoft.com/office/drawing/2014/main" val="3073247708"/>
+                  </a:ext>
+                </a:extLst>
+              </a:tr>
+              <a:tr h="256032">
+                <a:tc>
+                  <a:txBody>
+                    <a:bodyPr/>
+                    <a:lstStyle/>
+                    <a:p>
+                      <a:pPr latinLnBrk="1"/>
+                      <a:r>
+                        <a:rPr lang="en-US" altLang="ko-KR" sz="1200" dirty="0" smtClean="0"/>
+                        <a:t>id</a:t>
+                      </a:r>
+                      <a:endParaRPr lang="ko-KR" altLang="en-US" sz="1200" dirty="0"/>
+                    </a:p>
+                  </a:txBody>
+                  <a:tcPr/>
+                </a:tc>
+                <a:tc>
+                  <a:txBody>
+                    <a:bodyPr/>
+                    <a:lstStyle/>
+                    <a:p>
+                      <a:pPr latinLnBrk="1"/>
+                      <a:endParaRPr lang="ko-KR" altLang="en-US" sz="1200" dirty="0"/>
+                    </a:p>
+                  </a:txBody>
+                  <a:tcPr/>
+                </a:tc>
+                <a:tc>
+                  <a:txBody>
+                    <a:bodyPr/>
+                    <a:lstStyle/>
+                    <a:p>
+                      <a:pPr latinLnBrk="1"/>
+                      <a:r>
+                        <a:rPr lang="en-US" altLang="ko-KR" sz="1200" dirty="0" smtClean="0"/>
+                        <a:t>sales</a:t>
+                      </a:r>
+                      <a:r>
+                        <a:rPr lang="en-US" altLang="ko-KR" sz="1200" baseline="0" dirty="0" smtClean="0"/>
+                        <a:t> id</a:t>
+                      </a:r>
+                      <a:endParaRPr lang="ko-KR" altLang="en-US" sz="1200" dirty="0"/>
+                    </a:p>
+                  </a:txBody>
+                  <a:tcPr/>
+                </a:tc>
+                <a:extLst>
+                  <a:ext uri="{0D108BD9-81ED-4DB2-BD59-A6C34878D82A}">
+                    <a16:rowId xmlns:a16="http://schemas.microsoft.com/office/drawing/2014/main" val="3106412564"/>
+                  </a:ext>
+                </a:extLst>
+              </a:tr>
+              <a:tr h="256032">
+                <a:tc>
+                  <a:txBody>
+                    <a:bodyPr/>
+                    <a:lstStyle/>
+                    <a:p>
+                      <a:pPr latinLnBrk="1"/>
+                      <a:r>
+                        <a:rPr lang="en-US" altLang="ko-KR" sz="1200" dirty="0" err="1" smtClean="0">
+                          <a:solidFill>
+                            <a:srgbClr val="00B050"/>
+                          </a:solidFill>
+                        </a:rPr>
+                        <a:t>customerId</a:t>
+                      </a:r>
+                      <a:endParaRPr lang="ko-KR" altLang="en-US" sz="1200" dirty="0">
+                        <a:solidFill>
+                          <a:srgbClr val="00B050"/>
+                        </a:solidFill>
+                      </a:endParaRPr>
+                    </a:p>
+                  </a:txBody>
+                  <a:tcPr/>
+                </a:tc>
+                <a:tc>
+                  <a:txBody>
+                    <a:bodyPr/>
+                    <a:lstStyle/>
+                    <a:p>
+                      <a:pPr latinLnBrk="1"/>
+                      <a:r>
+                        <a:rPr lang="en-US" altLang="ko-KR" sz="1200" dirty="0" smtClean="0"/>
+                        <a:t>-1,10</a:t>
+                      </a:r>
+                      <a:endParaRPr lang="ko-KR" altLang="en-US" sz="1200" dirty="0"/>
+                    </a:p>
+                  </a:txBody>
+                  <a:tcPr/>
+                </a:tc>
+                <a:tc>
+                  <a:txBody>
+                    <a:bodyPr/>
+                    <a:lstStyle/>
+                    <a:p>
+                      <a:pPr latinLnBrk="1"/>
+                      <a:r>
+                        <a:rPr lang="ko-KR" altLang="en-US" sz="1200" dirty="0" smtClean="0"/>
+                        <a:t>회원이면 </a:t>
+                      </a:r>
+                      <a:r>
+                        <a:rPr lang="en-US" altLang="ko-KR" sz="1200" dirty="0" smtClean="0"/>
+                        <a:t>id,</a:t>
+                      </a:r>
+                      <a:r>
+                        <a:rPr lang="en-US" altLang="ko-KR" sz="1200" baseline="0" dirty="0" smtClean="0"/>
+                        <a:t> </a:t>
+                      </a:r>
+                      <a:r>
+                        <a:rPr lang="ko-KR" altLang="en-US" sz="1200" baseline="0" dirty="0" err="1" smtClean="0"/>
+                        <a:t>비회원일시</a:t>
+                      </a:r>
+                      <a:r>
+                        <a:rPr lang="ko-KR" altLang="en-US" sz="1200" baseline="0" dirty="0" smtClean="0"/>
+                        <a:t> </a:t>
+                      </a:r>
+                      <a:r>
+                        <a:rPr lang="en-US" altLang="ko-KR" sz="1200" baseline="0" dirty="0" smtClean="0"/>
+                        <a:t>-1</a:t>
+                      </a:r>
+                      <a:endParaRPr lang="ko-KR" altLang="en-US" sz="1200" dirty="0"/>
+                    </a:p>
+                  </a:txBody>
+                  <a:tcPr/>
+                </a:tc>
+                <a:extLst>
+                  <a:ext uri="{0D108BD9-81ED-4DB2-BD59-A6C34878D82A}">
+                    <a16:rowId xmlns:a16="http://schemas.microsoft.com/office/drawing/2014/main" val="2354156411"/>
+                  </a:ext>
+                </a:extLst>
+              </a:tr>
+              <a:tr h="256032">
+                <a:tc>
+                  <a:txBody>
+                    <a:bodyPr/>
+                    <a:lstStyle/>
+                    <a:p>
+                      <a:pPr latinLnBrk="1"/>
+                      <a:r>
+                        <a:rPr lang="en-US" altLang="ko-KR" sz="1200" dirty="0" err="1" smtClean="0"/>
+                        <a:t>productId</a:t>
+                      </a:r>
+                      <a:endParaRPr lang="ko-KR" altLang="en-US" sz="1200" dirty="0"/>
+                    </a:p>
+                  </a:txBody>
+                  <a:tcPr/>
+                </a:tc>
+                <a:tc>
+                  <a:txBody>
+                    <a:bodyPr/>
+                    <a:lstStyle/>
+                    <a:p>
+                      <a:pPr latinLnBrk="1"/>
+                      <a:r>
+                        <a:rPr lang="en-US" altLang="ko-KR" sz="1200" dirty="0" smtClean="0"/>
+                        <a:t>-1,20</a:t>
+                      </a:r>
+                      <a:endParaRPr lang="ko-KR" altLang="en-US" sz="1200" dirty="0"/>
+                    </a:p>
+                  </a:txBody>
+                  <a:tcPr/>
+                </a:tc>
+                <a:tc>
+                  <a:txBody>
+                    <a:bodyPr/>
+                    <a:lstStyle/>
+                    <a:p>
+                      <a:pPr latinLnBrk="1"/>
+                      <a:r>
+                        <a:rPr lang="ko-KR" altLang="en-US" sz="1200" dirty="0" smtClean="0"/>
+                        <a:t>제품이면 </a:t>
+                      </a:r>
+                      <a:r>
+                        <a:rPr lang="en-US" altLang="ko-KR" sz="1200" dirty="0" smtClean="0"/>
+                        <a:t>id, </a:t>
+                      </a:r>
+                      <a:r>
+                        <a:rPr lang="ko-KR" altLang="en-US" sz="1200" dirty="0" smtClean="0"/>
+                        <a:t>직접입력일시 </a:t>
+                      </a:r>
+                      <a:r>
+                        <a:rPr lang="en-US" altLang="ko-KR" sz="1200" dirty="0" smtClean="0"/>
+                        <a:t>-1</a:t>
+                      </a:r>
+                      <a:endParaRPr lang="ko-KR" altLang="en-US" sz="1200" dirty="0"/>
+                    </a:p>
+                  </a:txBody>
+                  <a:tcPr/>
+                </a:tc>
+                <a:extLst>
+                  <a:ext uri="{0D108BD9-81ED-4DB2-BD59-A6C34878D82A}">
+                    <a16:rowId xmlns:a16="http://schemas.microsoft.com/office/drawing/2014/main" val="1472120891"/>
+                  </a:ext>
+                </a:extLst>
+              </a:tr>
+              <a:tr h="256032">
+                <a:tc>
+                  <a:txBody>
+                    <a:bodyPr/>
+                    <a:lstStyle/>
+                    <a:p>
+                      <a:pPr latinLnBrk="1"/>
+                      <a:r>
+                        <a:rPr lang="en-US" altLang="ko-KR" sz="1200" dirty="0" smtClean="0"/>
+                        <a:t>price</a:t>
+                      </a:r>
+                      <a:endParaRPr lang="ko-KR" altLang="en-US" sz="1200" dirty="0"/>
+                    </a:p>
+                  </a:txBody>
+                  <a:tcPr/>
+                </a:tc>
+                <a:tc>
+                  <a:txBody>
+                    <a:bodyPr/>
+                    <a:lstStyle/>
+                    <a:p>
+                      <a:pPr latinLnBrk="1"/>
+                      <a:r>
+                        <a:rPr lang="en-US" altLang="ko-KR" sz="1200" dirty="0" smtClean="0"/>
+                        <a:t>150000</a:t>
+                      </a:r>
+                      <a:endParaRPr lang="ko-KR" altLang="en-US" sz="1200" dirty="0"/>
+                    </a:p>
+                  </a:txBody>
+                  <a:tcPr/>
+                </a:tc>
+                <a:tc>
+                  <a:txBody>
+                    <a:bodyPr/>
+                    <a:lstStyle/>
+                    <a:p>
+                      <a:pPr latinLnBrk="1"/>
+                      <a:r>
+                        <a:rPr lang="ko-KR" altLang="en-US" sz="1200" dirty="0" smtClean="0"/>
+                        <a:t>상품가격</a:t>
+                      </a:r>
+                      <a:endParaRPr lang="ko-KR" altLang="en-US" sz="1200" dirty="0"/>
+                    </a:p>
+                  </a:txBody>
+                  <a:tcPr/>
+                </a:tc>
+                <a:extLst>
+                  <a:ext uri="{0D108BD9-81ED-4DB2-BD59-A6C34878D82A}">
+                    <a16:rowId xmlns:a16="http://schemas.microsoft.com/office/drawing/2014/main" val="843891167"/>
+                  </a:ext>
+                </a:extLst>
+              </a:tr>
+              <a:tr h="256032">
+                <a:tc>
+                  <a:txBody>
+                    <a:bodyPr/>
+                    <a:lstStyle/>
+                    <a:p>
+                      <a:pPr latinLnBrk="1"/>
+                      <a:r>
+                        <a:rPr lang="en-US" altLang="ko-KR" sz="1200" dirty="0" err="1" smtClean="0"/>
+                        <a:t>discountType</a:t>
+                      </a:r>
+                      <a:endParaRPr lang="ko-KR" altLang="en-US" sz="1200" dirty="0"/>
+                    </a:p>
+                  </a:txBody>
+                  <a:tcPr/>
+                </a:tc>
+                <a:tc>
+                  <a:txBody>
+                    <a:bodyPr/>
+                    <a:lstStyle/>
+                    <a:p>
+                      <a:pPr latinLnBrk="1"/>
+                      <a:r>
+                        <a:rPr lang="en-US" altLang="ko-KR" sz="1200" dirty="0" smtClean="0"/>
+                        <a:t>0,1,2</a:t>
+                      </a:r>
+                      <a:endParaRPr lang="ko-KR" altLang="en-US" sz="1200" dirty="0"/>
+                    </a:p>
+                  </a:txBody>
+                  <a:tcPr/>
+                </a:tc>
+                <a:tc>
+                  <a:txBody>
+                    <a:bodyPr/>
+                    <a:lstStyle/>
+                    <a:p>
+                      <a:pPr latinLnBrk="1"/>
+                      <a:r>
+                        <a:rPr lang="en-US" altLang="ko-KR" sz="1200" dirty="0" smtClean="0"/>
+                        <a:t>0:</a:t>
+                      </a:r>
+                      <a:r>
+                        <a:rPr lang="ko-KR" altLang="en-US" sz="1200" dirty="0" err="1" smtClean="0"/>
+                        <a:t>할인없음</a:t>
+                      </a:r>
+                      <a:r>
+                        <a:rPr lang="ko-KR" altLang="en-US" sz="1200" dirty="0" smtClean="0"/>
+                        <a:t> </a:t>
+                      </a:r>
+                      <a:r>
+                        <a:rPr lang="en-US" altLang="ko-KR" sz="1200" dirty="0" smtClean="0"/>
+                        <a:t>1:</a:t>
+                      </a:r>
+                      <a:r>
+                        <a:rPr lang="ko-KR" altLang="en-US" sz="1200" dirty="0" err="1" smtClean="0"/>
+                        <a:t>퍼센트할인</a:t>
+                      </a:r>
+                      <a:r>
+                        <a:rPr lang="ko-KR" altLang="en-US" sz="1200" dirty="0" smtClean="0"/>
+                        <a:t> </a:t>
+                      </a:r>
+                      <a:r>
+                        <a:rPr lang="en-US" altLang="ko-KR" sz="1200" dirty="0" smtClean="0"/>
+                        <a:t>2:</a:t>
+                      </a:r>
+                      <a:r>
+                        <a:rPr lang="ko-KR" altLang="en-US" sz="1200" dirty="0" smtClean="0"/>
+                        <a:t>지정금액할인</a:t>
+                      </a:r>
+                      <a:endParaRPr lang="ko-KR" altLang="en-US" sz="1200" dirty="0"/>
+                    </a:p>
+                  </a:txBody>
+                  <a:tcPr/>
+                </a:tc>
+                <a:extLst>
+                  <a:ext uri="{0D108BD9-81ED-4DB2-BD59-A6C34878D82A}">
+                    <a16:rowId xmlns:a16="http://schemas.microsoft.com/office/drawing/2014/main" val="3443803273"/>
+                  </a:ext>
+                </a:extLst>
+              </a:tr>
+              <a:tr h="256032">
+                <a:tc>
+                  <a:txBody>
+                    <a:bodyPr/>
+                    <a:lstStyle/>
+                    <a:p>
+                      <a:pPr latinLnBrk="1"/>
+                      <a:r>
+                        <a:rPr lang="en-US" altLang="ko-KR" sz="1200" dirty="0" err="1" smtClean="0"/>
+                        <a:t>discountVal</a:t>
+                      </a:r>
+                      <a:endParaRPr lang="ko-KR" altLang="en-US" sz="1200" dirty="0"/>
+                    </a:p>
+                  </a:txBody>
+                  <a:tcPr/>
+                </a:tc>
+                <a:tc>
+                  <a:txBody>
+                    <a:bodyPr/>
+                    <a:lstStyle/>
+                    <a:p>
+                      <a:pPr latinLnBrk="1"/>
+                      <a:r>
+                        <a:rPr lang="en-US" altLang="ko-KR" sz="1200" dirty="0" smtClean="0"/>
+                        <a:t>0~</a:t>
+                      </a:r>
+                      <a:endParaRPr lang="ko-KR" altLang="en-US" sz="1200" dirty="0"/>
+                    </a:p>
+                  </a:txBody>
+                  <a:tcPr/>
+                </a:tc>
+                <a:tc>
+                  <a:txBody>
+                    <a:bodyPr/>
+                    <a:lstStyle/>
+                    <a:p>
+                      <a:pPr latinLnBrk="1"/>
+                      <a:r>
+                        <a:rPr lang="ko-KR" altLang="en-US" sz="1200" dirty="0" smtClean="0"/>
+                        <a:t>퍼센트 </a:t>
+                      </a:r>
+                      <a:r>
+                        <a:rPr lang="en-US" altLang="ko-KR" sz="1200" dirty="0" smtClean="0"/>
+                        <a:t>or </a:t>
+                      </a:r>
+                      <a:r>
+                        <a:rPr lang="ko-KR" altLang="en-US" sz="1200" dirty="0" smtClean="0"/>
+                        <a:t>금액</a:t>
+                      </a:r>
+                      <a:endParaRPr lang="ko-KR" altLang="en-US" sz="1200" dirty="0"/>
+                    </a:p>
+                  </a:txBody>
+                  <a:tcPr/>
+                </a:tc>
+                <a:extLst>
+                  <a:ext uri="{0D108BD9-81ED-4DB2-BD59-A6C34878D82A}">
+                    <a16:rowId xmlns:a16="http://schemas.microsoft.com/office/drawing/2014/main" val="2049460847"/>
+                  </a:ext>
+                </a:extLst>
+              </a:tr>
+              <a:tr h="256032">
+                <a:tc>
+                  <a:txBody>
+                    <a:bodyPr/>
+                    <a:lstStyle/>
+                    <a:p>
+                      <a:pPr latinLnBrk="1"/>
+                      <a:r>
+                        <a:rPr lang="en-US" altLang="ko-KR" sz="1200" dirty="0" err="1" smtClean="0"/>
+                        <a:t>pointUse</a:t>
+                      </a:r>
+                      <a:endParaRPr lang="ko-KR" altLang="en-US" sz="1200" dirty="0"/>
+                    </a:p>
+                  </a:txBody>
+                  <a:tcPr/>
+                </a:tc>
+                <a:tc>
+                  <a:txBody>
+                    <a:bodyPr/>
+                    <a:lstStyle/>
+                    <a:p>
+                      <a:pPr latinLnBrk="1"/>
+                      <a:r>
+                        <a:rPr lang="en-US" altLang="ko-KR" sz="1200" dirty="0" smtClean="0"/>
+                        <a:t>0~</a:t>
+                      </a:r>
+                      <a:endParaRPr lang="ko-KR" altLang="en-US" sz="1200" dirty="0"/>
+                    </a:p>
+                  </a:txBody>
+                  <a:tcPr/>
+                </a:tc>
+                <a:tc>
+                  <a:txBody>
+                    <a:bodyPr/>
+                    <a:lstStyle/>
+                    <a:p>
+                      <a:pPr latinLnBrk="1"/>
+                      <a:r>
+                        <a:rPr lang="ko-KR" altLang="en-US" sz="1200" dirty="0" smtClean="0"/>
+                        <a:t>금액</a:t>
+                      </a:r>
+                      <a:endParaRPr lang="ko-KR" altLang="en-US" sz="1200" dirty="0"/>
+                    </a:p>
+                  </a:txBody>
+                  <a:tcPr/>
+                </a:tc>
+                <a:extLst>
+                  <a:ext uri="{0D108BD9-81ED-4DB2-BD59-A6C34878D82A}">
+                    <a16:rowId xmlns:a16="http://schemas.microsoft.com/office/drawing/2014/main" val="578719682"/>
+                  </a:ext>
+                </a:extLst>
+              </a:tr>
+              <a:tr h="256032">
+                <a:tc>
+                  <a:txBody>
+                    <a:bodyPr/>
+                    <a:lstStyle/>
+                    <a:p>
+                      <a:pPr latinLnBrk="1"/>
+                      <a:r>
+                        <a:rPr lang="en-US" altLang="ko-KR" sz="1200" dirty="0" smtClean="0">
+                          <a:solidFill>
+                            <a:srgbClr val="00B050"/>
+                          </a:solidFill>
+                        </a:rPr>
+                        <a:t>fee</a:t>
+                      </a:r>
+                      <a:endParaRPr lang="ko-KR" altLang="en-US" sz="1200" dirty="0">
+                        <a:solidFill>
+                          <a:srgbClr val="00B050"/>
+                        </a:solidFill>
+                      </a:endParaRPr>
+                    </a:p>
+                  </a:txBody>
+                  <a:tcPr/>
+                </a:tc>
+                <a:tc>
+                  <a:txBody>
+                    <a:bodyPr/>
+                    <a:lstStyle/>
+                    <a:p>
+                      <a:pPr latinLnBrk="1"/>
+                      <a:r>
+                        <a:rPr lang="en-US" altLang="ko-KR" sz="1200" dirty="0" smtClean="0"/>
+                        <a:t>0~</a:t>
+                      </a:r>
+                      <a:endParaRPr lang="ko-KR" altLang="en-US" sz="1200" dirty="0"/>
+                    </a:p>
+                  </a:txBody>
+                  <a:tcPr/>
+                </a:tc>
+                <a:tc>
+                  <a:txBody>
+                    <a:bodyPr/>
+                    <a:lstStyle/>
+                    <a:p>
+                      <a:pPr latinLnBrk="1"/>
+                      <a:r>
+                        <a:rPr lang="ko-KR" altLang="en-US" sz="1200" dirty="0" err="1" smtClean="0"/>
+                        <a:t>최종금액</a:t>
+                      </a:r>
+                      <a:endParaRPr lang="ko-KR" altLang="en-US" sz="1200" dirty="0"/>
+                    </a:p>
+                  </a:txBody>
+                  <a:tcPr/>
+                </a:tc>
+                <a:extLst>
+                  <a:ext uri="{0D108BD9-81ED-4DB2-BD59-A6C34878D82A}">
+                    <a16:rowId xmlns:a16="http://schemas.microsoft.com/office/drawing/2014/main" val="1276200152"/>
+                  </a:ext>
+                </a:extLst>
+              </a:tr>
+              <a:tr h="256032">
+                <a:tc>
+                  <a:txBody>
+                    <a:bodyPr/>
+                    <a:lstStyle/>
+                    <a:p>
+                      <a:pPr latinLnBrk="1"/>
+                      <a:r>
+                        <a:rPr lang="en-US" altLang="ko-KR" sz="1200" dirty="0" smtClean="0"/>
+                        <a:t>comment</a:t>
+                      </a:r>
+                      <a:endParaRPr lang="ko-KR" altLang="en-US" sz="1200" dirty="0"/>
+                    </a:p>
+                  </a:txBody>
+                  <a:tcPr/>
+                </a:tc>
+                <a:tc>
+                  <a:txBody>
+                    <a:bodyPr/>
+                    <a:lstStyle/>
+                    <a:p>
+                      <a:pPr latinLnBrk="1"/>
+                      <a:r>
+                        <a:rPr lang="en-US" altLang="ko-KR" sz="1200" dirty="0" smtClean="0"/>
+                        <a:t>“</a:t>
+                      </a:r>
+                      <a:r>
+                        <a:rPr lang="en-US" altLang="ko-KR" sz="1200" dirty="0" err="1" smtClean="0"/>
+                        <a:t>abcde</a:t>
+                      </a:r>
+                      <a:r>
+                        <a:rPr lang="en-US" altLang="ko-KR" sz="1200" dirty="0" smtClean="0"/>
+                        <a:t>”</a:t>
+                      </a:r>
+                      <a:endParaRPr lang="ko-KR" altLang="en-US" sz="1200" dirty="0"/>
+                    </a:p>
+                  </a:txBody>
+                  <a:tcPr/>
+                </a:tc>
+                <a:tc>
+                  <a:txBody>
+                    <a:bodyPr/>
+                    <a:lstStyle/>
+                    <a:p>
+                      <a:pPr latinLnBrk="1"/>
+                      <a:r>
+                        <a:rPr lang="ko-KR" altLang="en-US" sz="1200" dirty="0" smtClean="0"/>
+                        <a:t>메모</a:t>
+                      </a:r>
+                      <a:endParaRPr lang="ko-KR" altLang="en-US" sz="1200" dirty="0"/>
+                    </a:p>
+                  </a:txBody>
+                  <a:tcPr/>
+                </a:tc>
+                <a:extLst>
+                  <a:ext uri="{0D108BD9-81ED-4DB2-BD59-A6C34878D82A}">
+                    <a16:rowId xmlns:a16="http://schemas.microsoft.com/office/drawing/2014/main" val="2876319255"/>
+                  </a:ext>
+                </a:extLst>
+              </a:tr>
+              <a:tr h="256032">
+                <a:tc>
+                  <a:txBody>
+                    <a:bodyPr/>
+                    <a:lstStyle/>
+                    <a:p>
+                      <a:pPr latinLnBrk="1"/>
+                      <a:r>
+                        <a:rPr lang="en-US" altLang="ko-KR" sz="1200" dirty="0" smtClean="0"/>
+                        <a:t>date</a:t>
+                      </a:r>
+                      <a:endParaRPr lang="ko-KR" altLang="en-US" sz="1200" dirty="0"/>
+                    </a:p>
+                  </a:txBody>
+                  <a:tcPr/>
+                </a:tc>
+                <a:tc>
+                  <a:txBody>
+                    <a:bodyPr/>
+                    <a:lstStyle/>
+                    <a:p>
+                      <a:pPr latinLnBrk="1"/>
+                      <a:r>
+                        <a:rPr lang="en-US" altLang="ko-KR" sz="1200" dirty="0" smtClean="0"/>
+                        <a:t>2020-12-01</a:t>
+                      </a:r>
+                      <a:r>
+                        <a:rPr lang="en-US" altLang="ko-KR" sz="1200" baseline="0" dirty="0" smtClean="0"/>
+                        <a:t> 10:10</a:t>
+                      </a:r>
+                      <a:endParaRPr lang="ko-KR" altLang="en-US" sz="1200" dirty="0"/>
+                    </a:p>
+                  </a:txBody>
+                  <a:tcPr/>
+                </a:tc>
+                <a:tc>
+                  <a:txBody>
+                    <a:bodyPr/>
+                    <a:lstStyle/>
+                    <a:p>
+                      <a:pPr latinLnBrk="1"/>
+                      <a:endParaRPr lang="ko-KR" altLang="en-US" sz="1200" dirty="0"/>
+                    </a:p>
+                  </a:txBody>
+                  <a:tcPr/>
+                </a:tc>
+                <a:extLst>
+                  <a:ext uri="{0D108BD9-81ED-4DB2-BD59-A6C34878D82A}">
+                    <a16:rowId xmlns:a16="http://schemas.microsoft.com/office/drawing/2014/main" val="2553387189"/>
+                  </a:ext>
+                </a:extLst>
+              </a:tr>
+              <a:tr h="256032">
+                <a:tc>
+                  <a:txBody>
+                    <a:bodyPr/>
+                    <a:lstStyle/>
+                    <a:p>
+                      <a:pPr latinLnBrk="1"/>
+                      <a:endParaRPr lang="ko-KR" altLang="en-US" sz="1200" dirty="0"/>
+                    </a:p>
+                  </a:txBody>
+                  <a:tcPr/>
+                </a:tc>
+                <a:tc>
+                  <a:txBody>
+                    <a:bodyPr/>
+                    <a:lstStyle/>
+                    <a:p>
+                      <a:pPr latinLnBrk="1"/>
+                      <a:endParaRPr lang="ko-KR" altLang="en-US" sz="1200" dirty="0"/>
+                    </a:p>
+                  </a:txBody>
+                  <a:tcPr/>
+                </a:tc>
+                <a:tc>
+                  <a:txBody>
+                    <a:bodyPr/>
+                    <a:lstStyle/>
+                    <a:p>
+                      <a:pPr latinLnBrk="1"/>
+                      <a:endParaRPr lang="ko-KR" altLang="en-US" sz="1200" dirty="0"/>
+                    </a:p>
+                  </a:txBody>
+                  <a:tcPr/>
+                </a:tc>
+                <a:extLst>
+                  <a:ext uri="{0D108BD9-81ED-4DB2-BD59-A6C34878D82A}">
+                    <a16:rowId xmlns:a16="http://schemas.microsoft.com/office/drawing/2014/main" val="210581797"/>
+                  </a:ext>
+                </a:extLst>
+              </a:tr>
+            </a:tbl>
+          </a:graphicData>
+        </a:graphic>
+      </p:graphicFrame>
+      <p:pic>
+        <p:nvPicPr>
+          <p:cNvPr id="2" name="그림 1"/>
+          <p:cNvPicPr>
+            <a:picLocks noChangeAspect="1"/>
+          </p:cNvPicPr>
+          <p:nvPr/>
+        </p:nvPicPr>
+        <p:blipFill>
+          <a:blip r:embed="rId2"/>
+          <a:stretch>
+            <a:fillRect/>
+          </a:stretch>
+        </p:blipFill>
+        <p:spPr>
+          <a:xfrm>
+            <a:off x="457200" y="866659"/>
+            <a:ext cx="5769687" cy="1764255"/>
+          </a:xfrm>
+          <a:prstGeom prst="rect">
+            <a:avLst/>
+          </a:prstGeom>
+        </p:spPr>
+      </p:pic>
+    </p:spTree>
+    <p:extLst>
+      <p:ext uri="{BB962C8B-B14F-4D97-AF65-F5344CB8AC3E}">
+        <p14:creationId xmlns:p14="http://schemas.microsoft.com/office/powerpoint/2010/main" val="3934592881"/>
+      </p:ext>
+    </p:extLst>
+  </p:cSld>
+  <p:clrMapOvr>
+    <a:masterClrMapping/>
+  </p:clrMapOvr>
+</p:sld>
+</file>
+
+<file path=ppt/slides/slide6.xml><?xml version="1.0" encoding="utf-8"?>
+<p:sld xmlns:a="http://schemas.openxmlformats.org/drawingml/2006/main" xmlns:r="http://schemas.openxmlformats.org/officeDocument/2006/relationships" xmlns:p="http://schemas.openxmlformats.org/presentationml/2006/main">
+  <p:cSld>
+    <p:spTree>
+      <p:nvGrpSpPr>
+        <p:cNvPr id="1" name=""/>
+        <p:cNvGrpSpPr/>
+        <p:nvPr/>
+      </p:nvGrpSpPr>
+      <p:grpSpPr>
+        <a:xfrm>
+          <a:off x="0" y="0"/>
+          <a:ext cx="0" cy="0"/>
+          <a:chOff x="0" y="0"/>
+          <a:chExt cx="0" cy="0"/>
+        </a:xfrm>
+      </p:grpSpPr>
+      <p:sp>
+        <p:nvSpPr>
+          <p:cNvPr id="11" name="TextBox 10"/>
+          <p:cNvSpPr txBox="1"/>
+          <p:nvPr/>
+        </p:nvSpPr>
+        <p:spPr>
+          <a:xfrm>
+            <a:off x="457200" y="162560"/>
+            <a:ext cx="4196080" cy="369332"/>
+          </a:xfrm>
+          <a:prstGeom prst="rect">
+            <a:avLst/>
+          </a:prstGeom>
+          <a:noFill/>
+        </p:spPr>
+        <p:txBody>
+          <a:bodyPr wrap="square" rtlCol="0">
+            <a:spAutoFit/>
+          </a:bodyPr>
+          <a:lstStyle/>
+          <a:p>
+            <a:r>
+              <a:rPr lang="ko-KR" altLang="en-US" dirty="0" smtClean="0"/>
+              <a:t>일지 </a:t>
+            </a:r>
+            <a:r>
+              <a:rPr lang="ko-KR" altLang="en-US" dirty="0" smtClean="0"/>
+              <a:t>상세</a:t>
+            </a:r>
+            <a:endParaRPr lang="ko-KR" altLang="en-US" dirty="0"/>
+          </a:p>
+        </p:txBody>
+      </p:sp>
+      <p:cxnSp>
+        <p:nvCxnSpPr>
+          <p:cNvPr id="5" name="직선 연결선 4"/>
+          <p:cNvCxnSpPr/>
+          <p:nvPr/>
+        </p:nvCxnSpPr>
+        <p:spPr>
+          <a:xfrm>
+            <a:off x="0" y="612915"/>
+            <a:ext cx="12192000" cy="0"/>
+          </a:xfrm>
+          <a:prstGeom prst="line">
+            <a:avLst/>
+          </a:prstGeom>
+        </p:spPr>
+        <p:style>
+          <a:lnRef idx="1">
+            <a:schemeClr val="accent1"/>
+          </a:lnRef>
+          <a:fillRef idx="0">
+            <a:schemeClr val="accent1"/>
+          </a:fillRef>
+          <a:effectRef idx="0">
+            <a:schemeClr val="accent1"/>
+          </a:effectRef>
+          <a:fontRef idx="minor">
+            <a:schemeClr val="tx1"/>
+          </a:fontRef>
+        </p:style>
+      </p:cxnSp>
+      <p:graphicFrame>
+        <p:nvGraphicFramePr>
+          <p:cNvPr id="8" name="표 7"/>
+          <p:cNvGraphicFramePr>
+            <a:graphicFrameLocks noGrp="1"/>
+          </p:cNvGraphicFramePr>
+          <p:nvPr>
+            <p:extLst>
+              <p:ext uri="{D42A27DB-BD31-4B8C-83A1-F6EECF244321}">
+                <p14:modId xmlns:p14="http://schemas.microsoft.com/office/powerpoint/2010/main" val="3375655504"/>
+              </p:ext>
+            </p:extLst>
+          </p:nvPr>
+        </p:nvGraphicFramePr>
+        <p:xfrm>
+          <a:off x="5074920" y="1750579"/>
+          <a:ext cx="6771640" cy="3291840"/>
+        </p:xfrm>
+        <a:graphic>
+          <a:graphicData uri="http://schemas.openxmlformats.org/drawingml/2006/table">
+            <a:tbl>
+              <a:tblPr firstRow="1" bandRow="1">
+                <a:tableStyleId>{5940675A-B579-460E-94D1-54222C63F5DA}</a:tableStyleId>
+              </a:tblPr>
+              <a:tblGrid>
+                <a:gridCol w="1164857">
+                  <a:extLst>
+                    <a:ext uri="{9D8B030D-6E8A-4147-A177-3AD203B41FA5}">
+                      <a16:colId xmlns:a16="http://schemas.microsoft.com/office/drawing/2014/main" val="3740503911"/>
+                    </a:ext>
+                  </a:extLst>
+                </a:gridCol>
+                <a:gridCol w="2107377">
+                  <a:extLst>
+                    <a:ext uri="{9D8B030D-6E8A-4147-A177-3AD203B41FA5}">
+                      <a16:colId xmlns:a16="http://schemas.microsoft.com/office/drawing/2014/main" val="3409621149"/>
+                    </a:ext>
+                  </a:extLst>
+                </a:gridCol>
+                <a:gridCol w="3499406">
+                  <a:extLst>
+                    <a:ext uri="{9D8B030D-6E8A-4147-A177-3AD203B41FA5}">
+                      <a16:colId xmlns:a16="http://schemas.microsoft.com/office/drawing/2014/main" val="967905395"/>
+                    </a:ext>
+                  </a:extLst>
+                </a:gridCol>
+              </a:tblGrid>
+              <a:tr h="256032">
+                <a:tc>
+                  <a:txBody>
+                    <a:bodyPr/>
+                    <a:lstStyle/>
+                    <a:p>
+                      <a:pPr latinLnBrk="1"/>
+                      <a:r>
+                        <a:rPr lang="en-US" altLang="ko-KR" sz="1200" dirty="0" smtClean="0"/>
+                        <a:t>Column</a:t>
+                      </a:r>
+                      <a:endParaRPr lang="ko-KR" altLang="en-US" sz="1200" dirty="0"/>
+                    </a:p>
+                  </a:txBody>
+                  <a:tcPr/>
+                </a:tc>
+                <a:tc>
+                  <a:txBody>
+                    <a:bodyPr/>
+                    <a:lstStyle/>
+                    <a:p>
+                      <a:pPr latinLnBrk="1"/>
+                      <a:r>
+                        <a:rPr lang="en-US" altLang="ko-KR" sz="1200" dirty="0" smtClean="0"/>
+                        <a:t>Val</a:t>
+                      </a:r>
+                      <a:endParaRPr lang="ko-KR" altLang="en-US" sz="1200" dirty="0"/>
+                    </a:p>
+                  </a:txBody>
+                  <a:tcPr/>
+                </a:tc>
+                <a:tc>
+                  <a:txBody>
+                    <a:bodyPr/>
+                    <a:lstStyle/>
+                    <a:p>
+                      <a:pPr latinLnBrk="1"/>
+                      <a:r>
+                        <a:rPr lang="en-US" altLang="ko-KR" sz="1200" dirty="0" smtClean="0"/>
+                        <a:t>Description</a:t>
+                      </a:r>
+                      <a:endParaRPr lang="ko-KR" altLang="en-US" sz="1200" dirty="0"/>
+                    </a:p>
+                  </a:txBody>
+                  <a:tcPr/>
+                </a:tc>
+                <a:extLst>
+                  <a:ext uri="{0D108BD9-81ED-4DB2-BD59-A6C34878D82A}">
+                    <a16:rowId xmlns:a16="http://schemas.microsoft.com/office/drawing/2014/main" val="3073247708"/>
+                  </a:ext>
+                </a:extLst>
+              </a:tr>
+              <a:tr h="256032">
+                <a:tc>
+                  <a:txBody>
+                    <a:bodyPr/>
+                    <a:lstStyle/>
+                    <a:p>
+                      <a:pPr latinLnBrk="1"/>
+                      <a:r>
+                        <a:rPr lang="en-US" altLang="ko-KR" sz="1200" dirty="0" smtClean="0"/>
+                        <a:t>id</a:t>
+                      </a:r>
+                      <a:endParaRPr lang="ko-KR" altLang="en-US" sz="1200" dirty="0"/>
+                    </a:p>
+                  </a:txBody>
+                  <a:tcPr/>
+                </a:tc>
+                <a:tc>
+                  <a:txBody>
+                    <a:bodyPr/>
+                    <a:lstStyle/>
+                    <a:p>
+                      <a:pPr latinLnBrk="1"/>
+                      <a:endParaRPr lang="ko-KR" altLang="en-US" sz="1200" dirty="0"/>
+                    </a:p>
+                  </a:txBody>
+                  <a:tcPr/>
+                </a:tc>
+                <a:tc>
+                  <a:txBody>
+                    <a:bodyPr/>
+                    <a:lstStyle/>
+                    <a:p>
+                      <a:pPr latinLnBrk="1"/>
+                      <a:r>
+                        <a:rPr lang="en-US" altLang="ko-KR" sz="1200" dirty="0" smtClean="0"/>
+                        <a:t>sales</a:t>
+                      </a:r>
+                      <a:r>
+                        <a:rPr lang="en-US" altLang="ko-KR" sz="1200" baseline="0" dirty="0" smtClean="0"/>
+                        <a:t> id</a:t>
+                      </a:r>
+                      <a:endParaRPr lang="ko-KR" altLang="en-US" sz="1200" dirty="0"/>
+                    </a:p>
+                  </a:txBody>
+                  <a:tcPr/>
+                </a:tc>
+                <a:extLst>
+                  <a:ext uri="{0D108BD9-81ED-4DB2-BD59-A6C34878D82A}">
+                    <a16:rowId xmlns:a16="http://schemas.microsoft.com/office/drawing/2014/main" val="3106412564"/>
+                  </a:ext>
+                </a:extLst>
+              </a:tr>
+              <a:tr h="256032">
+                <a:tc>
+                  <a:txBody>
+                    <a:bodyPr/>
+                    <a:lstStyle/>
+                    <a:p>
+                      <a:pPr latinLnBrk="1"/>
+                      <a:r>
+                        <a:rPr lang="en-US" altLang="ko-KR" sz="1200" dirty="0" err="1" smtClean="0">
+                          <a:solidFill>
+                            <a:srgbClr val="00B050"/>
+                          </a:solidFill>
+                        </a:rPr>
+                        <a:t>customerId</a:t>
+                      </a:r>
+                      <a:endParaRPr lang="ko-KR" altLang="en-US" sz="1200" dirty="0">
+                        <a:solidFill>
+                          <a:srgbClr val="00B050"/>
+                        </a:solidFill>
+                      </a:endParaRPr>
+                    </a:p>
+                  </a:txBody>
+                  <a:tcPr/>
+                </a:tc>
+                <a:tc>
+                  <a:txBody>
+                    <a:bodyPr/>
+                    <a:lstStyle/>
+                    <a:p>
+                      <a:pPr latinLnBrk="1"/>
+                      <a:r>
+                        <a:rPr lang="en-US" altLang="ko-KR" sz="1200" dirty="0" smtClean="0"/>
+                        <a:t>-1,10</a:t>
+                      </a:r>
+                      <a:endParaRPr lang="ko-KR" altLang="en-US" sz="1200" dirty="0"/>
+                    </a:p>
+                  </a:txBody>
+                  <a:tcPr/>
+                </a:tc>
+                <a:tc>
+                  <a:txBody>
+                    <a:bodyPr/>
+                    <a:lstStyle/>
+                    <a:p>
+                      <a:pPr latinLnBrk="1"/>
+                      <a:r>
+                        <a:rPr lang="ko-KR" altLang="en-US" sz="1200" dirty="0" smtClean="0"/>
+                        <a:t>회원이면 </a:t>
+                      </a:r>
+                      <a:r>
+                        <a:rPr lang="en-US" altLang="ko-KR" sz="1200" dirty="0" smtClean="0"/>
+                        <a:t>id,</a:t>
+                      </a:r>
+                      <a:r>
+                        <a:rPr lang="en-US" altLang="ko-KR" sz="1200" baseline="0" dirty="0" smtClean="0"/>
+                        <a:t> </a:t>
+                      </a:r>
+                      <a:r>
+                        <a:rPr lang="ko-KR" altLang="en-US" sz="1200" baseline="0" dirty="0" err="1" smtClean="0"/>
+                        <a:t>비회원일시</a:t>
+                      </a:r>
+                      <a:r>
+                        <a:rPr lang="ko-KR" altLang="en-US" sz="1200" baseline="0" dirty="0" smtClean="0"/>
+                        <a:t> </a:t>
+                      </a:r>
+                      <a:r>
+                        <a:rPr lang="en-US" altLang="ko-KR" sz="1200" baseline="0" dirty="0" smtClean="0"/>
+                        <a:t>-1</a:t>
+                      </a:r>
+                      <a:endParaRPr lang="ko-KR" altLang="en-US" sz="1200" dirty="0"/>
+                    </a:p>
+                  </a:txBody>
+                  <a:tcPr/>
+                </a:tc>
+                <a:extLst>
+                  <a:ext uri="{0D108BD9-81ED-4DB2-BD59-A6C34878D82A}">
+                    <a16:rowId xmlns:a16="http://schemas.microsoft.com/office/drawing/2014/main" val="2354156411"/>
+                  </a:ext>
+                </a:extLst>
+              </a:tr>
+              <a:tr h="256032">
+                <a:tc>
+                  <a:txBody>
+                    <a:bodyPr/>
+                    <a:lstStyle/>
+                    <a:p>
+                      <a:pPr latinLnBrk="1"/>
+                      <a:r>
+                        <a:rPr lang="en-US" altLang="ko-KR" sz="1200" dirty="0" err="1" smtClean="0"/>
+                        <a:t>productId</a:t>
+                      </a:r>
+                      <a:endParaRPr lang="ko-KR" altLang="en-US" sz="1200" dirty="0"/>
+                    </a:p>
+                  </a:txBody>
+                  <a:tcPr/>
+                </a:tc>
+                <a:tc>
+                  <a:txBody>
+                    <a:bodyPr/>
+                    <a:lstStyle/>
+                    <a:p>
+                      <a:pPr latinLnBrk="1"/>
+                      <a:r>
+                        <a:rPr lang="en-US" altLang="ko-KR" sz="1200" dirty="0" smtClean="0"/>
+                        <a:t>-1,20</a:t>
+                      </a:r>
+                      <a:endParaRPr lang="ko-KR" altLang="en-US" sz="1200" dirty="0"/>
+                    </a:p>
+                  </a:txBody>
+                  <a:tcPr/>
+                </a:tc>
+                <a:tc>
+                  <a:txBody>
+                    <a:bodyPr/>
+                    <a:lstStyle/>
+                    <a:p>
+                      <a:pPr latinLnBrk="1"/>
+                      <a:r>
+                        <a:rPr lang="ko-KR" altLang="en-US" sz="1200" dirty="0" smtClean="0"/>
+                        <a:t>제품이면 </a:t>
+                      </a:r>
+                      <a:r>
+                        <a:rPr lang="en-US" altLang="ko-KR" sz="1200" dirty="0" smtClean="0"/>
+                        <a:t>id, </a:t>
+                      </a:r>
+                      <a:r>
+                        <a:rPr lang="ko-KR" altLang="en-US" sz="1200" dirty="0" smtClean="0"/>
+                        <a:t>직접입력일시 </a:t>
+                      </a:r>
+                      <a:r>
+                        <a:rPr lang="en-US" altLang="ko-KR" sz="1200" dirty="0" smtClean="0"/>
+                        <a:t>-1</a:t>
+                      </a:r>
+                      <a:endParaRPr lang="ko-KR" altLang="en-US" sz="1200" dirty="0"/>
+                    </a:p>
+                  </a:txBody>
+                  <a:tcPr/>
+                </a:tc>
+                <a:extLst>
+                  <a:ext uri="{0D108BD9-81ED-4DB2-BD59-A6C34878D82A}">
+                    <a16:rowId xmlns:a16="http://schemas.microsoft.com/office/drawing/2014/main" val="1472120891"/>
+                  </a:ext>
+                </a:extLst>
+              </a:tr>
+              <a:tr h="256032">
+                <a:tc>
+                  <a:txBody>
+                    <a:bodyPr/>
+                    <a:lstStyle/>
+                    <a:p>
+                      <a:pPr latinLnBrk="1"/>
+                      <a:r>
+                        <a:rPr lang="en-US" altLang="ko-KR" sz="1200" dirty="0" smtClean="0"/>
+                        <a:t>price</a:t>
+                      </a:r>
+                      <a:endParaRPr lang="ko-KR" altLang="en-US" sz="1200" dirty="0"/>
+                    </a:p>
+                  </a:txBody>
+                  <a:tcPr/>
+                </a:tc>
+                <a:tc>
+                  <a:txBody>
+                    <a:bodyPr/>
+                    <a:lstStyle/>
+                    <a:p>
+                      <a:pPr latinLnBrk="1"/>
+                      <a:r>
+                        <a:rPr lang="en-US" altLang="ko-KR" sz="1200" dirty="0" smtClean="0"/>
+                        <a:t>150000</a:t>
+                      </a:r>
+                      <a:endParaRPr lang="ko-KR" altLang="en-US" sz="1200" dirty="0"/>
+                    </a:p>
+                  </a:txBody>
+                  <a:tcPr/>
+                </a:tc>
+                <a:tc>
+                  <a:txBody>
+                    <a:bodyPr/>
+                    <a:lstStyle/>
+                    <a:p>
+                      <a:pPr latinLnBrk="1"/>
+                      <a:r>
+                        <a:rPr lang="ko-KR" altLang="en-US" sz="1200" dirty="0" smtClean="0"/>
+                        <a:t>상품가격</a:t>
+                      </a:r>
+                      <a:endParaRPr lang="ko-KR" altLang="en-US" sz="1200" dirty="0"/>
+                    </a:p>
+                  </a:txBody>
+                  <a:tcPr/>
+                </a:tc>
+                <a:extLst>
+                  <a:ext uri="{0D108BD9-81ED-4DB2-BD59-A6C34878D82A}">
+                    <a16:rowId xmlns:a16="http://schemas.microsoft.com/office/drawing/2014/main" val="843891167"/>
+                  </a:ext>
+                </a:extLst>
+              </a:tr>
+              <a:tr h="256032">
+                <a:tc>
+                  <a:txBody>
+                    <a:bodyPr/>
+                    <a:lstStyle/>
+                    <a:p>
+                      <a:pPr latinLnBrk="1"/>
+                      <a:r>
+                        <a:rPr lang="en-US" altLang="ko-KR" sz="1200" dirty="0" err="1" smtClean="0"/>
+                        <a:t>discountType</a:t>
+                      </a:r>
+                      <a:endParaRPr lang="ko-KR" altLang="en-US" sz="1200" dirty="0"/>
+                    </a:p>
+                  </a:txBody>
+                  <a:tcPr/>
+                </a:tc>
+                <a:tc>
+                  <a:txBody>
+                    <a:bodyPr/>
+                    <a:lstStyle/>
+                    <a:p>
+                      <a:pPr latinLnBrk="1"/>
+                      <a:r>
+                        <a:rPr lang="en-US" altLang="ko-KR" sz="1200" dirty="0" smtClean="0"/>
+                        <a:t>0,1,2</a:t>
+                      </a:r>
+                      <a:endParaRPr lang="ko-KR" altLang="en-US" sz="1200" dirty="0"/>
+                    </a:p>
+                  </a:txBody>
+                  <a:tcPr/>
+                </a:tc>
+                <a:tc>
+                  <a:txBody>
+                    <a:bodyPr/>
+                    <a:lstStyle/>
+                    <a:p>
+                      <a:pPr latinLnBrk="1"/>
+                      <a:r>
+                        <a:rPr lang="en-US" altLang="ko-KR" sz="1200" dirty="0" smtClean="0"/>
+                        <a:t>0:</a:t>
+                      </a:r>
+                      <a:r>
+                        <a:rPr lang="ko-KR" altLang="en-US" sz="1200" dirty="0" err="1" smtClean="0"/>
+                        <a:t>할인없음</a:t>
+                      </a:r>
+                      <a:r>
+                        <a:rPr lang="ko-KR" altLang="en-US" sz="1200" dirty="0" smtClean="0"/>
+                        <a:t> </a:t>
+                      </a:r>
+                      <a:r>
+                        <a:rPr lang="en-US" altLang="ko-KR" sz="1200" dirty="0" smtClean="0"/>
+                        <a:t>1:</a:t>
+                      </a:r>
+                      <a:r>
+                        <a:rPr lang="ko-KR" altLang="en-US" sz="1200" dirty="0" err="1" smtClean="0"/>
+                        <a:t>퍼센트할인</a:t>
+                      </a:r>
+                      <a:r>
+                        <a:rPr lang="ko-KR" altLang="en-US" sz="1200" dirty="0" smtClean="0"/>
+                        <a:t> </a:t>
+                      </a:r>
+                      <a:r>
+                        <a:rPr lang="en-US" altLang="ko-KR" sz="1200" dirty="0" smtClean="0"/>
+                        <a:t>2:</a:t>
+                      </a:r>
+                      <a:r>
+                        <a:rPr lang="ko-KR" altLang="en-US" sz="1200" dirty="0" smtClean="0"/>
+                        <a:t>지정금액할인</a:t>
+                      </a:r>
+                      <a:endParaRPr lang="ko-KR" altLang="en-US" sz="1200" dirty="0"/>
+                    </a:p>
+                  </a:txBody>
+                  <a:tcPr/>
+                </a:tc>
+                <a:extLst>
+                  <a:ext uri="{0D108BD9-81ED-4DB2-BD59-A6C34878D82A}">
+                    <a16:rowId xmlns:a16="http://schemas.microsoft.com/office/drawing/2014/main" val="3443803273"/>
+                  </a:ext>
+                </a:extLst>
+              </a:tr>
+              <a:tr h="256032">
+                <a:tc>
+                  <a:txBody>
+                    <a:bodyPr/>
+                    <a:lstStyle/>
+                    <a:p>
+                      <a:pPr latinLnBrk="1"/>
+                      <a:r>
+                        <a:rPr lang="en-US" altLang="ko-KR" sz="1200" dirty="0" err="1" smtClean="0"/>
+                        <a:t>discountVal</a:t>
+                      </a:r>
+                      <a:endParaRPr lang="ko-KR" altLang="en-US" sz="1200" dirty="0"/>
+                    </a:p>
+                  </a:txBody>
+                  <a:tcPr/>
+                </a:tc>
+                <a:tc>
+                  <a:txBody>
+                    <a:bodyPr/>
+                    <a:lstStyle/>
+                    <a:p>
+                      <a:pPr latinLnBrk="1"/>
+                      <a:r>
+                        <a:rPr lang="en-US" altLang="ko-KR" sz="1200" dirty="0" smtClean="0"/>
+                        <a:t>0~</a:t>
+                      </a:r>
+                      <a:endParaRPr lang="ko-KR" altLang="en-US" sz="1200" dirty="0"/>
+                    </a:p>
+                  </a:txBody>
+                  <a:tcPr/>
+                </a:tc>
+                <a:tc>
+                  <a:txBody>
+                    <a:bodyPr/>
+                    <a:lstStyle/>
+                    <a:p>
+                      <a:pPr latinLnBrk="1"/>
+                      <a:r>
+                        <a:rPr lang="ko-KR" altLang="en-US" sz="1200" dirty="0" smtClean="0"/>
+                        <a:t>퍼센트 </a:t>
+                      </a:r>
+                      <a:r>
+                        <a:rPr lang="en-US" altLang="ko-KR" sz="1200" dirty="0" smtClean="0"/>
+                        <a:t>or </a:t>
+                      </a:r>
+                      <a:r>
+                        <a:rPr lang="ko-KR" altLang="en-US" sz="1200" dirty="0" smtClean="0"/>
+                        <a:t>금액</a:t>
+                      </a:r>
+                      <a:endParaRPr lang="ko-KR" altLang="en-US" sz="1200" dirty="0"/>
+                    </a:p>
+                  </a:txBody>
+                  <a:tcPr/>
+                </a:tc>
+                <a:extLst>
+                  <a:ext uri="{0D108BD9-81ED-4DB2-BD59-A6C34878D82A}">
+                    <a16:rowId xmlns:a16="http://schemas.microsoft.com/office/drawing/2014/main" val="2049460847"/>
+                  </a:ext>
+                </a:extLst>
+              </a:tr>
+              <a:tr h="256032">
+                <a:tc>
+                  <a:txBody>
+                    <a:bodyPr/>
+                    <a:lstStyle/>
+                    <a:p>
+                      <a:pPr latinLnBrk="1"/>
+                      <a:r>
+                        <a:rPr lang="en-US" altLang="ko-KR" sz="1200" dirty="0" err="1" smtClean="0"/>
+                        <a:t>pointUse</a:t>
+                      </a:r>
+                      <a:endParaRPr lang="ko-KR" altLang="en-US" sz="1200" dirty="0"/>
+                    </a:p>
+                  </a:txBody>
+                  <a:tcPr/>
+                </a:tc>
+                <a:tc>
+                  <a:txBody>
+                    <a:bodyPr/>
+                    <a:lstStyle/>
+                    <a:p>
+                      <a:pPr latinLnBrk="1"/>
+                      <a:r>
+                        <a:rPr lang="en-US" altLang="ko-KR" sz="1200" dirty="0" smtClean="0"/>
+                        <a:t>0~</a:t>
+                      </a:r>
+                      <a:endParaRPr lang="ko-KR" altLang="en-US" sz="1200" dirty="0"/>
+                    </a:p>
+                  </a:txBody>
+                  <a:tcPr/>
+                </a:tc>
+                <a:tc>
+                  <a:txBody>
+                    <a:bodyPr/>
+                    <a:lstStyle/>
+                    <a:p>
+                      <a:pPr latinLnBrk="1"/>
+                      <a:r>
+                        <a:rPr lang="ko-KR" altLang="en-US" sz="1200" dirty="0" smtClean="0"/>
+                        <a:t>금액</a:t>
+                      </a:r>
+                      <a:endParaRPr lang="ko-KR" altLang="en-US" sz="1200" dirty="0"/>
+                    </a:p>
+                  </a:txBody>
+                  <a:tcPr/>
+                </a:tc>
+                <a:extLst>
+                  <a:ext uri="{0D108BD9-81ED-4DB2-BD59-A6C34878D82A}">
+                    <a16:rowId xmlns:a16="http://schemas.microsoft.com/office/drawing/2014/main" val="578719682"/>
+                  </a:ext>
+                </a:extLst>
+              </a:tr>
+              <a:tr h="256032">
+                <a:tc>
+                  <a:txBody>
+                    <a:bodyPr/>
+                    <a:lstStyle/>
+                    <a:p>
+                      <a:pPr latinLnBrk="1"/>
+                      <a:r>
+                        <a:rPr lang="en-US" altLang="ko-KR" sz="1200" dirty="0" smtClean="0">
+                          <a:solidFill>
+                            <a:srgbClr val="00B050"/>
+                          </a:solidFill>
+                        </a:rPr>
+                        <a:t>fee</a:t>
+                      </a:r>
+                      <a:endParaRPr lang="ko-KR" altLang="en-US" sz="1200" dirty="0">
+                        <a:solidFill>
+                          <a:srgbClr val="00B050"/>
+                        </a:solidFill>
+                      </a:endParaRPr>
+                    </a:p>
+                  </a:txBody>
+                  <a:tcPr/>
+                </a:tc>
+                <a:tc>
+                  <a:txBody>
+                    <a:bodyPr/>
+                    <a:lstStyle/>
+                    <a:p>
+                      <a:pPr latinLnBrk="1"/>
+                      <a:r>
+                        <a:rPr lang="en-US" altLang="ko-KR" sz="1200" dirty="0" smtClean="0"/>
+                        <a:t>0~</a:t>
+                      </a:r>
+                      <a:endParaRPr lang="ko-KR" altLang="en-US" sz="1200" dirty="0"/>
+                    </a:p>
+                  </a:txBody>
+                  <a:tcPr/>
+                </a:tc>
+                <a:tc>
+                  <a:txBody>
+                    <a:bodyPr/>
+                    <a:lstStyle/>
+                    <a:p>
+                      <a:pPr latinLnBrk="1"/>
+                      <a:r>
+                        <a:rPr lang="ko-KR" altLang="en-US" sz="1200" dirty="0" err="1" smtClean="0"/>
+                        <a:t>최종금액</a:t>
+                      </a:r>
+                      <a:endParaRPr lang="ko-KR" altLang="en-US" sz="1200" dirty="0"/>
+                    </a:p>
+                  </a:txBody>
+                  <a:tcPr/>
+                </a:tc>
+                <a:extLst>
+                  <a:ext uri="{0D108BD9-81ED-4DB2-BD59-A6C34878D82A}">
+                    <a16:rowId xmlns:a16="http://schemas.microsoft.com/office/drawing/2014/main" val="1276200152"/>
+                  </a:ext>
+                </a:extLst>
+              </a:tr>
+              <a:tr h="256032">
+                <a:tc>
+                  <a:txBody>
+                    <a:bodyPr/>
+                    <a:lstStyle/>
+                    <a:p>
+                      <a:pPr latinLnBrk="1"/>
+                      <a:r>
+                        <a:rPr lang="en-US" altLang="ko-KR" sz="1200" dirty="0" smtClean="0"/>
+                        <a:t>comment</a:t>
+                      </a:r>
+                      <a:endParaRPr lang="ko-KR" altLang="en-US" sz="1200" dirty="0"/>
+                    </a:p>
+                  </a:txBody>
+                  <a:tcPr/>
+                </a:tc>
+                <a:tc>
+                  <a:txBody>
+                    <a:bodyPr/>
+                    <a:lstStyle/>
+                    <a:p>
+                      <a:pPr latinLnBrk="1"/>
+                      <a:r>
+                        <a:rPr lang="en-US" altLang="ko-KR" sz="1200" dirty="0" smtClean="0"/>
+                        <a:t>“</a:t>
+                      </a:r>
+                      <a:r>
+                        <a:rPr lang="en-US" altLang="ko-KR" sz="1200" dirty="0" err="1" smtClean="0"/>
+                        <a:t>abcde</a:t>
+                      </a:r>
+                      <a:r>
+                        <a:rPr lang="en-US" altLang="ko-KR" sz="1200" dirty="0" smtClean="0"/>
+                        <a:t>”</a:t>
+                      </a:r>
+                      <a:endParaRPr lang="ko-KR" altLang="en-US" sz="1200" dirty="0"/>
+                    </a:p>
+                  </a:txBody>
+                  <a:tcPr/>
+                </a:tc>
+                <a:tc>
+                  <a:txBody>
+                    <a:bodyPr/>
+                    <a:lstStyle/>
+                    <a:p>
+                      <a:pPr latinLnBrk="1"/>
+                      <a:r>
+                        <a:rPr lang="ko-KR" altLang="en-US" sz="1200" dirty="0" smtClean="0"/>
+                        <a:t>메모</a:t>
+                      </a:r>
+                      <a:endParaRPr lang="ko-KR" altLang="en-US" sz="1200" dirty="0"/>
+                    </a:p>
+                  </a:txBody>
+                  <a:tcPr/>
+                </a:tc>
+                <a:extLst>
+                  <a:ext uri="{0D108BD9-81ED-4DB2-BD59-A6C34878D82A}">
+                    <a16:rowId xmlns:a16="http://schemas.microsoft.com/office/drawing/2014/main" val="2876319255"/>
+                  </a:ext>
+                </a:extLst>
+              </a:tr>
+              <a:tr h="256032">
+                <a:tc>
+                  <a:txBody>
+                    <a:bodyPr/>
+                    <a:lstStyle/>
+                    <a:p>
+                      <a:pPr latinLnBrk="1"/>
+                      <a:r>
+                        <a:rPr lang="en-US" altLang="ko-KR" sz="1200" dirty="0" smtClean="0"/>
+                        <a:t>date</a:t>
+                      </a:r>
+                      <a:endParaRPr lang="ko-KR" altLang="en-US" sz="1200" dirty="0"/>
+                    </a:p>
+                  </a:txBody>
+                  <a:tcPr/>
+                </a:tc>
+                <a:tc>
+                  <a:txBody>
+                    <a:bodyPr/>
+                    <a:lstStyle/>
+                    <a:p>
+                      <a:pPr latinLnBrk="1"/>
+                      <a:r>
+                        <a:rPr lang="en-US" altLang="ko-KR" sz="1200" dirty="0" smtClean="0"/>
+                        <a:t>2020-12-01</a:t>
+                      </a:r>
+                      <a:r>
+                        <a:rPr lang="en-US" altLang="ko-KR" sz="1200" baseline="0" dirty="0" smtClean="0"/>
+                        <a:t> 10:10</a:t>
+                      </a:r>
+                      <a:endParaRPr lang="ko-KR" altLang="en-US" sz="1200" dirty="0"/>
+                    </a:p>
+                  </a:txBody>
+                  <a:tcPr/>
+                </a:tc>
+                <a:tc>
+                  <a:txBody>
+                    <a:bodyPr/>
+                    <a:lstStyle/>
+                    <a:p>
+                      <a:pPr latinLnBrk="1"/>
+                      <a:endParaRPr lang="ko-KR" altLang="en-US" sz="1200" dirty="0"/>
+                    </a:p>
+                  </a:txBody>
+                  <a:tcPr/>
+                </a:tc>
+                <a:extLst>
+                  <a:ext uri="{0D108BD9-81ED-4DB2-BD59-A6C34878D82A}">
+                    <a16:rowId xmlns:a16="http://schemas.microsoft.com/office/drawing/2014/main" val="2553387189"/>
+                  </a:ext>
+                </a:extLst>
+              </a:tr>
+              <a:tr h="256032">
+                <a:tc>
+                  <a:txBody>
+                    <a:bodyPr/>
+                    <a:lstStyle/>
+                    <a:p>
+                      <a:pPr latinLnBrk="1"/>
+                      <a:endParaRPr lang="ko-KR" altLang="en-US" sz="1200" dirty="0"/>
+                    </a:p>
+                  </a:txBody>
+                  <a:tcPr/>
+                </a:tc>
+                <a:tc>
+                  <a:txBody>
+                    <a:bodyPr/>
+                    <a:lstStyle/>
+                    <a:p>
+                      <a:pPr latinLnBrk="1"/>
+                      <a:endParaRPr lang="ko-KR" altLang="en-US" sz="1200" dirty="0"/>
+                    </a:p>
+                  </a:txBody>
+                  <a:tcPr/>
+                </a:tc>
+                <a:tc>
+                  <a:txBody>
+                    <a:bodyPr/>
+                    <a:lstStyle/>
+                    <a:p>
+                      <a:pPr latinLnBrk="1"/>
+                      <a:endParaRPr lang="ko-KR" altLang="en-US" sz="1200" dirty="0"/>
+                    </a:p>
+                  </a:txBody>
+                  <a:tcPr/>
+                </a:tc>
+                <a:extLst>
+                  <a:ext uri="{0D108BD9-81ED-4DB2-BD59-A6C34878D82A}">
+                    <a16:rowId xmlns:a16="http://schemas.microsoft.com/office/drawing/2014/main" val="210581797"/>
+                  </a:ext>
+                </a:extLst>
+              </a:tr>
+            </a:tbl>
+          </a:graphicData>
+        </a:graphic>
+      </p:graphicFrame>
+      <p:sp>
+        <p:nvSpPr>
+          <p:cNvPr id="6" name="TextBox 5"/>
+          <p:cNvSpPr txBox="1"/>
+          <p:nvPr/>
+        </p:nvSpPr>
+        <p:spPr>
+          <a:xfrm>
+            <a:off x="568960" y="1549839"/>
+            <a:ext cx="4191000" cy="3693319"/>
+          </a:xfrm>
+          <a:prstGeom prst="rect">
+            <a:avLst/>
+          </a:prstGeom>
+        </p:spPr>
+        <p:style>
+          <a:lnRef idx="2">
+            <a:schemeClr val="dk1"/>
+          </a:lnRef>
+          <a:fillRef idx="1">
+            <a:schemeClr val="lt1"/>
+          </a:fillRef>
+          <a:effectRef idx="0">
+            <a:schemeClr val="dk1"/>
+          </a:effectRef>
+          <a:fontRef idx="minor">
+            <a:schemeClr val="dk1"/>
+          </a:fontRef>
+        </p:style>
+        <p:txBody>
+          <a:bodyPr wrap="square" rtlCol="0">
+            <a:spAutoFit/>
+          </a:bodyPr>
+          <a:lstStyle/>
+          <a:p>
+            <a:r>
+              <a:rPr lang="ko-KR" altLang="en-US" dirty="0" smtClean="0">
+                <a:solidFill>
+                  <a:schemeClr val="accent1">
+                    <a:lumMod val="75000"/>
+                  </a:schemeClr>
+                </a:solidFill>
+              </a:rPr>
+              <a:t>똑같고</a:t>
+            </a:r>
+            <a:endParaRPr lang="en-US" altLang="ko-KR" dirty="0" smtClean="0">
+              <a:solidFill>
+                <a:schemeClr val="accent1">
+                  <a:lumMod val="75000"/>
+                </a:schemeClr>
+              </a:solidFill>
+            </a:endParaRPr>
+          </a:p>
+          <a:p>
+            <a:r>
+              <a:rPr lang="en-US" altLang="ko-KR" dirty="0" smtClean="0">
+                <a:solidFill>
+                  <a:schemeClr val="accent1">
+                    <a:lumMod val="75000"/>
+                  </a:schemeClr>
+                </a:solidFill>
+              </a:rPr>
+              <a:t>------------------------------------------</a:t>
+            </a:r>
+          </a:p>
+          <a:p>
+            <a:r>
+              <a:rPr lang="ko-KR" altLang="en-US" dirty="0" smtClean="0">
+                <a:solidFill>
+                  <a:schemeClr val="accent1">
+                    <a:lumMod val="75000"/>
+                  </a:schemeClr>
+                </a:solidFill>
+              </a:rPr>
+              <a:t>제품명 없음 </a:t>
+            </a:r>
+            <a:r>
+              <a:rPr lang="en-US" altLang="ko-KR" dirty="0" smtClean="0">
+                <a:solidFill>
+                  <a:schemeClr val="accent1">
+                    <a:lumMod val="75000"/>
+                  </a:schemeClr>
+                </a:solidFill>
+              </a:rPr>
+              <a:t>or </a:t>
+            </a:r>
+            <a:r>
+              <a:rPr lang="ko-KR" altLang="en-US" dirty="0" err="1" smtClean="0">
+                <a:solidFill>
+                  <a:schemeClr val="accent1">
+                    <a:lumMod val="75000"/>
+                  </a:schemeClr>
+                </a:solidFill>
+              </a:rPr>
+              <a:t>남성커트</a:t>
+            </a:r>
+            <a:r>
+              <a:rPr lang="en-US" altLang="ko-KR" dirty="0" smtClean="0">
+                <a:solidFill>
+                  <a:schemeClr val="accent1">
+                    <a:lumMod val="75000"/>
+                  </a:schemeClr>
+                </a:solidFill>
+              </a:rPr>
+              <a:t>(</a:t>
+            </a:r>
+            <a:r>
+              <a:rPr lang="ko-KR" altLang="en-US" dirty="0" err="1" smtClean="0">
+                <a:solidFill>
+                  <a:schemeClr val="accent1">
+                    <a:lumMod val="75000"/>
+                  </a:schemeClr>
+                </a:solidFill>
+              </a:rPr>
+              <a:t>기장추가</a:t>
+            </a:r>
+            <a:r>
+              <a:rPr lang="en-US" altLang="ko-KR" dirty="0" smtClean="0">
+                <a:solidFill>
+                  <a:schemeClr val="accent1">
+                    <a:lumMod val="75000"/>
+                  </a:schemeClr>
+                </a:solidFill>
+              </a:rPr>
+              <a:t>)</a:t>
+            </a:r>
+          </a:p>
+          <a:p>
+            <a:r>
+              <a:rPr lang="ko-KR" altLang="en-US" dirty="0" smtClean="0">
+                <a:solidFill>
+                  <a:schemeClr val="accent1">
+                    <a:lumMod val="75000"/>
+                  </a:schemeClr>
+                </a:solidFill>
+              </a:rPr>
+              <a:t>상품가격 </a:t>
+            </a:r>
+            <a:r>
+              <a:rPr lang="en-US" altLang="ko-KR" dirty="0" smtClean="0">
+                <a:solidFill>
+                  <a:schemeClr val="accent1">
+                    <a:lumMod val="75000"/>
+                  </a:schemeClr>
+                </a:solidFill>
+              </a:rPr>
+              <a:t>: 150,000</a:t>
+            </a:r>
+          </a:p>
+          <a:p>
+            <a:r>
+              <a:rPr lang="ko-KR" altLang="en-US" dirty="0" smtClean="0">
+                <a:solidFill>
+                  <a:schemeClr val="accent1">
+                    <a:lumMod val="75000"/>
+                  </a:schemeClr>
+                </a:solidFill>
+              </a:rPr>
+              <a:t>할인 </a:t>
+            </a:r>
+            <a:r>
+              <a:rPr lang="en-US" altLang="ko-KR" dirty="0" smtClean="0">
+                <a:solidFill>
+                  <a:schemeClr val="accent1">
+                    <a:lumMod val="75000"/>
+                  </a:schemeClr>
+                </a:solidFill>
+              </a:rPr>
+              <a:t>: 10,000</a:t>
+            </a:r>
+          </a:p>
+          <a:p>
+            <a:r>
+              <a:rPr lang="ko-KR" altLang="en-US" dirty="0" err="1" smtClean="0">
+                <a:solidFill>
+                  <a:schemeClr val="accent1">
+                    <a:lumMod val="75000"/>
+                  </a:schemeClr>
+                </a:solidFill>
+              </a:rPr>
+              <a:t>최종가격</a:t>
+            </a:r>
+            <a:r>
+              <a:rPr lang="ko-KR" altLang="en-US" dirty="0" smtClean="0">
+                <a:solidFill>
+                  <a:schemeClr val="accent1">
+                    <a:lumMod val="75000"/>
+                  </a:schemeClr>
+                </a:solidFill>
+              </a:rPr>
+              <a:t> </a:t>
+            </a:r>
+            <a:r>
+              <a:rPr lang="en-US" altLang="ko-KR" dirty="0" smtClean="0">
+                <a:solidFill>
+                  <a:schemeClr val="accent1">
+                    <a:lumMod val="75000"/>
+                  </a:schemeClr>
+                </a:solidFill>
+              </a:rPr>
+              <a:t>: 140,000</a:t>
+            </a:r>
+          </a:p>
+          <a:p>
+            <a:r>
+              <a:rPr lang="ko-KR" altLang="en-US" dirty="0" smtClean="0">
+                <a:solidFill>
+                  <a:schemeClr val="accent1">
+                    <a:lumMod val="75000"/>
+                  </a:schemeClr>
+                </a:solidFill>
+              </a:rPr>
+              <a:t>포인트 사용 </a:t>
+            </a:r>
+            <a:r>
+              <a:rPr lang="en-US" altLang="ko-KR" dirty="0" smtClean="0">
+                <a:solidFill>
+                  <a:schemeClr val="accent1">
+                    <a:lumMod val="75000"/>
+                  </a:schemeClr>
+                </a:solidFill>
+              </a:rPr>
+              <a:t>: 50,000</a:t>
+            </a:r>
+          </a:p>
+          <a:p>
+            <a:r>
+              <a:rPr lang="en-US" altLang="ko-KR" dirty="0" smtClean="0">
+                <a:solidFill>
+                  <a:schemeClr val="accent1">
+                    <a:lumMod val="75000"/>
+                  </a:schemeClr>
+                </a:solidFill>
+              </a:rPr>
+              <a:t>--------------------</a:t>
+            </a:r>
+            <a:r>
+              <a:rPr lang="ko-KR" altLang="en-US" dirty="0" smtClean="0">
+                <a:solidFill>
+                  <a:schemeClr val="accent1">
+                    <a:lumMod val="75000"/>
+                  </a:schemeClr>
+                </a:solidFill>
+              </a:rPr>
+              <a:t>펼치기</a:t>
+            </a:r>
+            <a:r>
+              <a:rPr lang="en-US" altLang="ko-KR" dirty="0" smtClean="0">
+                <a:solidFill>
+                  <a:schemeClr val="accent1">
+                    <a:lumMod val="75000"/>
+                  </a:schemeClr>
+                </a:solidFill>
+              </a:rPr>
+              <a:t>---------------</a:t>
+            </a:r>
+          </a:p>
+          <a:p>
+            <a:r>
+              <a:rPr lang="ko-KR" altLang="en-US" dirty="0" err="1" smtClean="0"/>
+              <a:t>최종금액</a:t>
+            </a:r>
+            <a:r>
+              <a:rPr lang="ko-KR" altLang="en-US" dirty="0" smtClean="0"/>
+              <a:t> </a:t>
+            </a:r>
+            <a:r>
+              <a:rPr lang="en-US" altLang="ko-KR" dirty="0" smtClean="0"/>
+              <a:t>: 90,000</a:t>
+            </a:r>
+          </a:p>
+          <a:p>
+            <a:r>
+              <a:rPr lang="ko-KR" altLang="en-US" dirty="0" smtClean="0"/>
+              <a:t>메모 </a:t>
+            </a:r>
+            <a:r>
+              <a:rPr lang="en-US" altLang="ko-KR" dirty="0" smtClean="0"/>
+              <a:t>: </a:t>
+            </a:r>
+          </a:p>
+          <a:p>
+            <a:r>
+              <a:rPr lang="ko-KR" altLang="en-US" dirty="0" smtClean="0"/>
+              <a:t>날짜 </a:t>
+            </a:r>
+            <a:r>
+              <a:rPr lang="en-US" altLang="ko-KR" dirty="0" smtClean="0"/>
+              <a:t>: 2020-12-01</a:t>
+            </a:r>
+            <a:endParaRPr lang="en-US" altLang="ko-KR" dirty="0"/>
+          </a:p>
+          <a:p>
+            <a:endParaRPr lang="en-US" altLang="ko-KR" dirty="0" smtClean="0"/>
+          </a:p>
+          <a:p>
+            <a:r>
+              <a:rPr lang="ko-KR" altLang="en-US" dirty="0" smtClean="0"/>
+              <a:t>삭제</a:t>
+            </a:r>
+            <a:endParaRPr lang="en-US" altLang="ko-KR" dirty="0"/>
+          </a:p>
+        </p:txBody>
+      </p:sp>
+    </p:spTree>
+    <p:extLst>
+      <p:ext uri="{BB962C8B-B14F-4D97-AF65-F5344CB8AC3E}">
+        <p14:creationId xmlns:p14="http://schemas.microsoft.com/office/powerpoint/2010/main" val="895165222"/>
+      </p:ext>
+    </p:extLst>
+  </p:cSld>
+  <p:clrMapOvr>
+    <a:masterClrMapping/>
+  </p:clrMapOvr>
+</p:sld>
+</file>
+
+<file path=ppt/slides/slide7.xml><?xml version="1.0" encoding="utf-8"?>
+<p:sld xmlns:a="http://schemas.openxmlformats.org/drawingml/2006/main" xmlns:r="http://schemas.openxmlformats.org/officeDocument/2006/relationships" xmlns:p="http://schemas.openxmlformats.org/presentationml/2006/main">
+  <p:cSld>
+    <p:spTree>
+      <p:nvGrpSpPr>
+        <p:cNvPr id="1" name=""/>
+        <p:cNvGrpSpPr/>
+        <p:nvPr/>
+      </p:nvGrpSpPr>
+      <p:grpSpPr>
+        <a:xfrm>
+          <a:off x="0" y="0"/>
+          <a:ext cx="0" cy="0"/>
+          <a:chOff x="0" y="0"/>
+          <a:chExt cx="0" cy="0"/>
+        </a:xfrm>
+      </p:grpSpPr>
+      <p:sp>
+        <p:nvSpPr>
+          <p:cNvPr id="11" name="TextBox 10"/>
+          <p:cNvSpPr txBox="1"/>
+          <p:nvPr/>
+        </p:nvSpPr>
+        <p:spPr>
+          <a:xfrm>
+            <a:off x="457200" y="162560"/>
+            <a:ext cx="4196080" cy="369332"/>
+          </a:xfrm>
+          <a:prstGeom prst="rect">
+            <a:avLst/>
+          </a:prstGeom>
+          <a:noFill/>
+        </p:spPr>
+        <p:txBody>
+          <a:bodyPr wrap="square" rtlCol="0">
+            <a:spAutoFit/>
+          </a:bodyPr>
+          <a:lstStyle/>
+          <a:p>
+            <a:r>
+              <a:rPr lang="ko-KR" altLang="en-US" dirty="0" smtClean="0"/>
               <a:t>회원 </a:t>
             </a:r>
             <a:r>
@@ -7183,7 +11553,7 @@
 </p:sld>
 </file>
 
-<file path=ppt/slides/slide5.xml><?xml version="1.0" encoding="utf-8"?>
+<file path=ppt/slides/slide8.xml><?xml version="1.0" encoding="utf-8"?>
 <p:sld xmlns:a="http://schemas.openxmlformats.org/drawingml/2006/main" xmlns:r="http://schemas.openxmlformats.org/officeDocument/2006/relationships" xmlns:p="http://schemas.openxmlformats.org/presentationml/2006/main">
   <p:cSld>
     <p:spTree>
@@ -7429,7 +11799,7 @@
 </p:sld>
 </file>
 
-<file path=ppt/slides/slide6.xml><?xml version="1.0" encoding="utf-8"?>
+<file path=ppt/slides/slide9.xml><?xml version="1.0" encoding="utf-8"?>
 <p:sld xmlns:a="http://schemas.openxmlformats.org/drawingml/2006/main" xmlns:r="http://schemas.openxmlformats.org/officeDocument/2006/relationships" xmlns:p="http://schemas.openxmlformats.org/presentationml/2006/main">
   <p:cSld>
     <p:spTree>
@@ -8037,467 +12407,6 @@
     <p:extLst>
       <p:ext uri="{BB962C8B-B14F-4D97-AF65-F5344CB8AC3E}">
         <p14:creationId xmlns:p14="http://schemas.microsoft.com/office/powerpoint/2010/main" val="2364355606"/>
-      </p:ext>
-    </p:extLst>
-  </p:cSld>
-  <p:clrMapOvr>
-    <a:masterClrMapping/>
-  </p:clrMapOvr>
-</p:sld>
-</file>
-
-<file path=ppt/slides/slide7.xml><?xml version="1.0" encoding="utf-8"?>
-<p:sld xmlns:a="http://schemas.openxmlformats.org/drawingml/2006/main" xmlns:r="http://schemas.openxmlformats.org/officeDocument/2006/relationships" xmlns:p="http://schemas.openxmlformats.org/presentationml/2006/main">
-  <p:cSld>
-    <p:spTree>
-      <p:nvGrpSpPr>
-        <p:cNvPr id="1" name=""/>
-        <p:cNvGrpSpPr/>
-        <p:nvPr/>
-      </p:nvGrpSpPr>
-      <p:grpSpPr>
-        <a:xfrm>
-          <a:off x="0" y="0"/>
-          <a:ext cx="0" cy="0"/>
-          <a:chOff x="0" y="0"/>
-          <a:chExt cx="0" cy="0"/>
-        </a:xfrm>
-      </p:grpSpPr>
-      <p:sp>
-        <p:nvSpPr>
-          <p:cNvPr id="4" name="TextBox 3"/>
-          <p:cNvSpPr txBox="1"/>
-          <p:nvPr/>
-        </p:nvSpPr>
-        <p:spPr>
-          <a:xfrm>
-            <a:off x="928272" y="1572651"/>
-            <a:ext cx="6444801" cy="1200329"/>
-          </a:xfrm>
-          <a:prstGeom prst="rect">
-            <a:avLst/>
-          </a:prstGeom>
-        </p:spPr>
-        <p:style>
-          <a:lnRef idx="2">
-            <a:schemeClr val="dk1"/>
-          </a:lnRef>
-          <a:fillRef idx="1">
-            <a:schemeClr val="lt1"/>
-          </a:fillRef>
-          <a:effectRef idx="0">
-            <a:schemeClr val="dk1"/>
-          </a:effectRef>
-          <a:fontRef idx="minor">
-            <a:schemeClr val="dk1"/>
-          </a:fontRef>
-        </p:style>
-        <p:txBody>
-          <a:bodyPr wrap="square" rtlCol="0">
-            <a:spAutoFit/>
-          </a:bodyPr>
-          <a:lstStyle/>
-          <a:p>
-            <a:r>
-              <a:rPr lang="ko-KR" altLang="en-US" dirty="0" smtClean="0"/>
-              <a:t>분류 </a:t>
-            </a:r>
-            <a:r>
-              <a:rPr lang="en-US" altLang="ko-KR" dirty="0" smtClean="0"/>
-              <a:t>: </a:t>
-            </a:r>
-            <a:r>
-              <a:rPr lang="en-US" altLang="ko-KR" dirty="0" err="1" smtClean="0"/>
-              <a:t>selectbox</a:t>
-            </a:r>
-            <a:r>
-              <a:rPr lang="en-US" altLang="ko-KR" dirty="0" smtClean="0"/>
-              <a:t>(</a:t>
-            </a:r>
-            <a:r>
-              <a:rPr lang="ko-KR" altLang="en-US" dirty="0" err="1" smtClean="0"/>
-              <a:t>분류없음</a:t>
-            </a:r>
-            <a:r>
-              <a:rPr lang="en-US" altLang="ko-KR" dirty="0" smtClean="0"/>
-              <a:t>,</a:t>
-            </a:r>
-            <a:r>
-              <a:rPr lang="ko-KR" altLang="en-US" dirty="0" smtClean="0"/>
-              <a:t>커트</a:t>
-            </a:r>
-            <a:r>
-              <a:rPr lang="en-US" altLang="ko-KR" dirty="0" smtClean="0"/>
-              <a:t>,</a:t>
-            </a:r>
-            <a:r>
-              <a:rPr lang="ko-KR" altLang="en-US" dirty="0" smtClean="0"/>
-              <a:t>펌</a:t>
-            </a:r>
-            <a:r>
-              <a:rPr lang="en-US" altLang="ko-KR" dirty="0" smtClean="0"/>
-              <a:t>)</a:t>
-            </a:r>
-          </a:p>
-          <a:p>
-            <a:r>
-              <a:rPr lang="ko-KR" altLang="en-US" dirty="0" smtClean="0"/>
-              <a:t>이름 </a:t>
-            </a:r>
-            <a:r>
-              <a:rPr lang="en-US" altLang="ko-KR" dirty="0" smtClean="0"/>
-              <a:t>: </a:t>
-            </a:r>
-            <a:r>
-              <a:rPr lang="ko-KR" altLang="en-US" dirty="0" err="1" smtClean="0"/>
-              <a:t>남성커트</a:t>
-            </a:r>
-            <a:endParaRPr lang="en-US" altLang="ko-KR" dirty="0" smtClean="0"/>
-          </a:p>
-          <a:p>
-            <a:r>
-              <a:rPr lang="ko-KR" altLang="en-US" dirty="0" smtClean="0"/>
-              <a:t>금액 </a:t>
-            </a:r>
-            <a:r>
-              <a:rPr lang="en-US" altLang="ko-KR" dirty="0" smtClean="0"/>
-              <a:t>: \ 100,500 [</a:t>
-            </a:r>
-            <a:r>
-              <a:rPr lang="ko-KR" altLang="en-US" dirty="0" smtClean="0"/>
-              <a:t>수정</a:t>
-            </a:r>
-            <a:r>
-              <a:rPr lang="en-US" altLang="ko-KR" dirty="0" smtClean="0"/>
-              <a:t>/</a:t>
-            </a:r>
-            <a:r>
-              <a:rPr lang="ko-KR" altLang="en-US" dirty="0" err="1" smtClean="0"/>
-              <a:t>저장버튼</a:t>
-            </a:r>
-            <a:r>
-              <a:rPr lang="ko-KR" altLang="en-US" dirty="0" smtClean="0"/>
-              <a:t> </a:t>
-            </a:r>
-            <a:r>
-              <a:rPr lang="en-US" altLang="ko-KR" dirty="0" smtClean="0"/>
-              <a:t>toggle] </a:t>
-            </a:r>
-            <a:r>
-              <a:rPr lang="en-US" altLang="ko-KR" dirty="0" err="1" smtClean="0"/>
-              <a:t>numberOnly</a:t>
-            </a:r>
-            <a:endParaRPr lang="en-US" altLang="ko-KR" dirty="0"/>
-          </a:p>
-          <a:p>
-            <a:r>
-              <a:rPr lang="ko-KR" altLang="en-US" dirty="0" smtClean="0"/>
-              <a:t>취소</a:t>
-            </a:r>
-            <a:r>
-              <a:rPr lang="en-US" altLang="ko-KR" dirty="0" smtClean="0"/>
-              <a:t>	</a:t>
-            </a:r>
-            <a:r>
-              <a:rPr lang="ko-KR" altLang="en-US" dirty="0" smtClean="0"/>
-              <a:t>저장</a:t>
-            </a:r>
-            <a:endParaRPr lang="en-US" altLang="ko-KR" dirty="0"/>
-          </a:p>
-        </p:txBody>
-      </p:sp>
-      <p:sp>
-        <p:nvSpPr>
-          <p:cNvPr id="11" name="TextBox 10"/>
-          <p:cNvSpPr txBox="1"/>
-          <p:nvPr/>
-        </p:nvSpPr>
-        <p:spPr>
-          <a:xfrm>
-            <a:off x="457200" y="162560"/>
-            <a:ext cx="4196080" cy="369332"/>
-          </a:xfrm>
-          <a:prstGeom prst="rect">
-            <a:avLst/>
-          </a:prstGeom>
-          <a:noFill/>
-        </p:spPr>
-        <p:txBody>
-          <a:bodyPr wrap="square" rtlCol="0">
-            <a:spAutoFit/>
-          </a:bodyPr>
-          <a:lstStyle/>
-          <a:p>
-            <a:r>
-              <a:rPr lang="ko-KR" altLang="en-US" dirty="0" smtClean="0"/>
-              <a:t>제품 등록</a:t>
-            </a:r>
-            <a:r>
-              <a:rPr lang="en-US" altLang="ko-KR" dirty="0" smtClean="0"/>
-              <a:t>/ </a:t>
-            </a:r>
-            <a:r>
-              <a:rPr lang="ko-KR" altLang="en-US" dirty="0" err="1" smtClean="0"/>
-              <a:t>업데이트창</a:t>
-            </a:r>
-            <a:endParaRPr lang="ko-KR" altLang="en-US" dirty="0"/>
-          </a:p>
-        </p:txBody>
-      </p:sp>
-      <p:cxnSp>
-        <p:nvCxnSpPr>
-          <p:cNvPr id="5" name="직선 연결선 4"/>
-          <p:cNvCxnSpPr/>
-          <p:nvPr/>
-        </p:nvCxnSpPr>
-        <p:spPr>
-          <a:xfrm>
-            <a:off x="0" y="612915"/>
-            <a:ext cx="12192000" cy="0"/>
-          </a:xfrm>
-          <a:prstGeom prst="line">
-            <a:avLst/>
-          </a:prstGeom>
-        </p:spPr>
-        <p:style>
-          <a:lnRef idx="1">
-            <a:schemeClr val="accent1"/>
-          </a:lnRef>
-          <a:fillRef idx="0">
-            <a:schemeClr val="accent1"/>
-          </a:fillRef>
-          <a:effectRef idx="0">
-            <a:schemeClr val="accent1"/>
-          </a:effectRef>
-          <a:fontRef idx="minor">
-            <a:schemeClr val="tx1"/>
-          </a:fontRef>
-        </p:style>
-      </p:cxnSp>
-    </p:spTree>
-    <p:extLst>
-      <p:ext uri="{BB962C8B-B14F-4D97-AF65-F5344CB8AC3E}">
-        <p14:creationId xmlns:p14="http://schemas.microsoft.com/office/powerpoint/2010/main" val="4011299328"/>
-      </p:ext>
-    </p:extLst>
-  </p:cSld>
-  <p:clrMapOvr>
-    <a:masterClrMapping/>
-  </p:clrMapOvr>
-</p:sld>
-</file>
-
-<file path=ppt/slides/slide8.xml><?xml version="1.0" encoding="utf-8"?>
-<p:sld xmlns:a="http://schemas.openxmlformats.org/drawingml/2006/main" xmlns:r="http://schemas.openxmlformats.org/officeDocument/2006/relationships" xmlns:p="http://schemas.openxmlformats.org/presentationml/2006/main">
-  <p:cSld>
-    <p:spTree>
-      <p:nvGrpSpPr>
-        <p:cNvPr id="1" name=""/>
-        <p:cNvGrpSpPr/>
-        <p:nvPr/>
-      </p:nvGrpSpPr>
-      <p:grpSpPr>
-        <a:xfrm>
-          <a:off x="0" y="0"/>
-          <a:ext cx="0" cy="0"/>
-          <a:chOff x="0" y="0"/>
-          <a:chExt cx="0" cy="0"/>
-        </a:xfrm>
-      </p:grpSpPr>
-      <p:sp>
-        <p:nvSpPr>
-          <p:cNvPr id="11" name="TextBox 10"/>
-          <p:cNvSpPr txBox="1"/>
-          <p:nvPr/>
-        </p:nvSpPr>
-        <p:spPr>
-          <a:xfrm>
-            <a:off x="457200" y="143430"/>
-            <a:ext cx="4196080" cy="369332"/>
-          </a:xfrm>
-          <a:prstGeom prst="rect">
-            <a:avLst/>
-          </a:prstGeom>
-          <a:noFill/>
-        </p:spPr>
-        <p:txBody>
-          <a:bodyPr wrap="square" rtlCol="0">
-            <a:spAutoFit/>
-          </a:bodyPr>
-          <a:lstStyle/>
-          <a:p>
-            <a:r>
-              <a:rPr lang="ko-KR" altLang="en-US" dirty="0" smtClean="0"/>
-              <a:t>포인트 시나리오</a:t>
-            </a:r>
-            <a:r>
-              <a:rPr lang="en-US" altLang="ko-KR" dirty="0" smtClean="0"/>
-              <a:t>1 :</a:t>
-            </a:r>
-            <a:r>
-              <a:rPr lang="en-US" altLang="ko-KR" dirty="0" smtClean="0"/>
-              <a:t> </a:t>
-            </a:r>
-            <a:r>
-              <a:rPr lang="ko-KR" altLang="en-US" dirty="0" err="1" smtClean="0"/>
-              <a:t>장부등록</a:t>
-            </a:r>
-            <a:r>
-              <a:rPr lang="en-US" altLang="ko-KR" dirty="0" smtClean="0"/>
-              <a:t>, </a:t>
-            </a:r>
-            <a:r>
-              <a:rPr lang="ko-KR" altLang="en-US" dirty="0" smtClean="0"/>
-              <a:t>삭제</a:t>
-            </a:r>
-            <a:endParaRPr lang="ko-KR" altLang="en-US" dirty="0"/>
-          </a:p>
-        </p:txBody>
-      </p:sp>
-      <p:cxnSp>
-        <p:nvCxnSpPr>
-          <p:cNvPr id="5" name="직선 연결선 4"/>
-          <p:cNvCxnSpPr/>
-          <p:nvPr/>
-        </p:nvCxnSpPr>
-        <p:spPr>
-          <a:xfrm>
-            <a:off x="0" y="612915"/>
-            <a:ext cx="12192000" cy="0"/>
-          </a:xfrm>
-          <a:prstGeom prst="line">
-            <a:avLst/>
-          </a:prstGeom>
-        </p:spPr>
-        <p:style>
-          <a:lnRef idx="1">
-            <a:schemeClr val="accent1"/>
-          </a:lnRef>
-          <a:fillRef idx="0">
-            <a:schemeClr val="accent1"/>
-          </a:fillRef>
-          <a:effectRef idx="0">
-            <a:schemeClr val="accent1"/>
-          </a:effectRef>
-          <a:fontRef idx="minor">
-            <a:schemeClr val="tx1"/>
-          </a:fontRef>
-        </p:style>
-      </p:cxnSp>
-    </p:spTree>
-    <p:extLst>
-      <p:ext uri="{BB962C8B-B14F-4D97-AF65-F5344CB8AC3E}">
-        <p14:creationId xmlns:p14="http://schemas.microsoft.com/office/powerpoint/2010/main" val="3157042399"/>
-      </p:ext>
-    </p:extLst>
-  </p:cSld>
-  <p:clrMapOvr>
-    <a:masterClrMapping/>
-  </p:clrMapOvr>
-</p:sld>
-</file>
-
-<file path=ppt/slides/slide9.xml><?xml version="1.0" encoding="utf-8"?>
-<p:sld xmlns:a="http://schemas.openxmlformats.org/drawingml/2006/main" xmlns:r="http://schemas.openxmlformats.org/officeDocument/2006/relationships" xmlns:p="http://schemas.openxmlformats.org/presentationml/2006/main">
-  <p:cSld>
-    <p:spTree>
-      <p:nvGrpSpPr>
-        <p:cNvPr id="1" name=""/>
-        <p:cNvGrpSpPr/>
-        <p:nvPr/>
-      </p:nvGrpSpPr>
-      <p:grpSpPr>
-        <a:xfrm>
-          <a:off x="0" y="0"/>
-          <a:ext cx="0" cy="0"/>
-          <a:chOff x="0" y="0"/>
-          <a:chExt cx="0" cy="0"/>
-        </a:xfrm>
-      </p:grpSpPr>
-      <p:sp>
-        <p:nvSpPr>
-          <p:cNvPr id="11" name="TextBox 10"/>
-          <p:cNvSpPr txBox="1"/>
-          <p:nvPr/>
-        </p:nvSpPr>
-        <p:spPr>
-          <a:xfrm>
-            <a:off x="457200" y="143430"/>
-            <a:ext cx="4196080" cy="369332"/>
-          </a:xfrm>
-          <a:prstGeom prst="rect">
-            <a:avLst/>
-          </a:prstGeom>
-          <a:noFill/>
-        </p:spPr>
-        <p:txBody>
-          <a:bodyPr wrap="square" rtlCol="0">
-            <a:spAutoFit/>
-          </a:bodyPr>
-          <a:lstStyle/>
-          <a:p>
-            <a:r>
-              <a:rPr lang="ko-KR" altLang="en-US" dirty="0" smtClean="0"/>
-              <a:t>포인트 시나리오</a:t>
-            </a:r>
-            <a:r>
-              <a:rPr lang="en-US" altLang="ko-KR" dirty="0" smtClean="0"/>
-              <a:t>1 :</a:t>
-            </a:r>
-            <a:r>
-              <a:rPr lang="en-US" altLang="ko-KR" dirty="0" smtClean="0"/>
-              <a:t> </a:t>
-            </a:r>
-            <a:r>
-              <a:rPr lang="ko-KR" altLang="en-US" dirty="0" smtClean="0"/>
-              <a:t>환불</a:t>
-            </a:r>
-            <a:r>
-              <a:rPr lang="en-US" altLang="ko-KR" dirty="0" smtClean="0"/>
-              <a:t>, </a:t>
-            </a:r>
-            <a:r>
-              <a:rPr lang="ko-KR" altLang="en-US" dirty="0" smtClean="0"/>
-              <a:t>포인트 추가</a:t>
-            </a:r>
-            <a:endParaRPr lang="ko-KR" altLang="en-US" dirty="0"/>
-          </a:p>
-        </p:txBody>
-      </p:sp>
-      <p:cxnSp>
-        <p:nvCxnSpPr>
-          <p:cNvPr id="5" name="직선 연결선 4"/>
-          <p:cNvCxnSpPr/>
-          <p:nvPr/>
-        </p:nvCxnSpPr>
-        <p:spPr>
-          <a:xfrm>
-            <a:off x="0" y="612915"/>
-            <a:ext cx="12192000" cy="0"/>
-          </a:xfrm>
-          <a:prstGeom prst="line">
-            <a:avLst/>
-          </a:prstGeom>
-        </p:spPr>
-        <p:style>
-          <a:lnRef idx="1">
-            <a:schemeClr val="accent1"/>
-          </a:lnRef>
-          <a:fillRef idx="0">
-            <a:schemeClr val="accent1"/>
-          </a:fillRef>
-          <a:effectRef idx="0">
-            <a:schemeClr val="accent1"/>
-          </a:effectRef>
-          <a:fontRef idx="minor">
-            <a:schemeClr val="tx1"/>
-          </a:fontRef>
-        </p:style>
-      </p:cxnSp>
-    </p:spTree>
-    <p:extLst>
-      <p:ext uri="{BB962C8B-B14F-4D97-AF65-F5344CB8AC3E}">
-        <p14:creationId xmlns:p14="http://schemas.microsoft.com/office/powerpoint/2010/main" val="1031516937"/>
       </p:ext>
     </p:extLst>
   </p:cSld>

--- a/Aura UX.pptx
+++ b/Aura UX.pptx
@@ -255,7 +255,7 @@
           <a:p>
             <a:fld id="{7AFA149E-3CBA-498E-A8E1-26A062342D96}" type="datetimeFigureOut">
               <a:rPr lang="ko-KR" altLang="en-US" smtClean="0"/>
-              <a:t>2020-12-01</a:t>
+              <a:t>2020-12-06</a:t>
             </a:fld>
             <a:endParaRPr lang="ko-KR" altLang="en-US"/>
           </a:p>
@@ -425,7 +425,7 @@
           <a:p>
             <a:fld id="{7AFA149E-3CBA-498E-A8E1-26A062342D96}" type="datetimeFigureOut">
               <a:rPr lang="ko-KR" altLang="en-US" smtClean="0"/>
-              <a:t>2020-12-01</a:t>
+              <a:t>2020-12-06</a:t>
             </a:fld>
             <a:endParaRPr lang="ko-KR" altLang="en-US"/>
           </a:p>
@@ -605,7 +605,7 @@
           <a:p>
             <a:fld id="{7AFA149E-3CBA-498E-A8E1-26A062342D96}" type="datetimeFigureOut">
               <a:rPr lang="ko-KR" altLang="en-US" smtClean="0"/>
-              <a:t>2020-12-01</a:t>
+              <a:t>2020-12-06</a:t>
             </a:fld>
             <a:endParaRPr lang="ko-KR" altLang="en-US"/>
           </a:p>
@@ -775,7 +775,7 @@
           <a:p>
             <a:fld id="{7AFA149E-3CBA-498E-A8E1-26A062342D96}" type="datetimeFigureOut">
               <a:rPr lang="ko-KR" altLang="en-US" smtClean="0"/>
-              <a:t>2020-12-01</a:t>
+              <a:t>2020-12-06</a:t>
             </a:fld>
             <a:endParaRPr lang="ko-KR" altLang="en-US"/>
           </a:p>
@@ -1021,7 +1021,7 @@
           <a:p>
             <a:fld id="{7AFA149E-3CBA-498E-A8E1-26A062342D96}" type="datetimeFigureOut">
               <a:rPr lang="ko-KR" altLang="en-US" smtClean="0"/>
-              <a:t>2020-12-01</a:t>
+              <a:t>2020-12-06</a:t>
             </a:fld>
             <a:endParaRPr lang="ko-KR" altLang="en-US"/>
           </a:p>
@@ -1253,7 +1253,7 @@
           <a:p>
             <a:fld id="{7AFA149E-3CBA-498E-A8E1-26A062342D96}" type="datetimeFigureOut">
               <a:rPr lang="ko-KR" altLang="en-US" smtClean="0"/>
-              <a:t>2020-12-01</a:t>
+              <a:t>2020-12-06</a:t>
             </a:fld>
             <a:endParaRPr lang="ko-KR" altLang="en-US"/>
           </a:p>
@@ -1620,7 +1620,7 @@
           <a:p>
             <a:fld id="{7AFA149E-3CBA-498E-A8E1-26A062342D96}" type="datetimeFigureOut">
               <a:rPr lang="ko-KR" altLang="en-US" smtClean="0"/>
-              <a:t>2020-12-01</a:t>
+              <a:t>2020-12-06</a:t>
             </a:fld>
             <a:endParaRPr lang="ko-KR" altLang="en-US"/>
           </a:p>
@@ -1738,7 +1738,7 @@
           <a:p>
             <a:fld id="{7AFA149E-3CBA-498E-A8E1-26A062342D96}" type="datetimeFigureOut">
               <a:rPr lang="ko-KR" altLang="en-US" smtClean="0"/>
-              <a:t>2020-12-01</a:t>
+              <a:t>2020-12-06</a:t>
             </a:fld>
             <a:endParaRPr lang="ko-KR" altLang="en-US"/>
           </a:p>
@@ -1833,7 +1833,7 @@
           <a:p>
             <a:fld id="{7AFA149E-3CBA-498E-A8E1-26A062342D96}" type="datetimeFigureOut">
               <a:rPr lang="ko-KR" altLang="en-US" smtClean="0"/>
-              <a:t>2020-12-01</a:t>
+              <a:t>2020-12-06</a:t>
             </a:fld>
             <a:endParaRPr lang="ko-KR" altLang="en-US"/>
           </a:p>
@@ -2110,7 +2110,7 @@
           <a:p>
             <a:fld id="{7AFA149E-3CBA-498E-A8E1-26A062342D96}" type="datetimeFigureOut">
               <a:rPr lang="ko-KR" altLang="en-US" smtClean="0"/>
-              <a:t>2020-12-01</a:t>
+              <a:t>2020-12-06</a:t>
             </a:fld>
             <a:endParaRPr lang="ko-KR" altLang="en-US"/>
           </a:p>
@@ -2363,7 +2363,7 @@
           <a:p>
             <a:fld id="{7AFA149E-3CBA-498E-A8E1-26A062342D96}" type="datetimeFigureOut">
               <a:rPr lang="ko-KR" altLang="en-US" smtClean="0"/>
-              <a:t>2020-12-01</a:t>
+              <a:t>2020-12-06</a:t>
             </a:fld>
             <a:endParaRPr lang="ko-KR" altLang="en-US"/>
           </a:p>
@@ -2576,7 +2576,7 @@
           <a:p>
             <a:fld id="{7AFA149E-3CBA-498E-A8E1-26A062342D96}" type="datetimeFigureOut">
               <a:rPr lang="ko-KR" altLang="en-US" smtClean="0"/>
-              <a:t>2020-12-01</a:t>
+              <a:t>2020-12-06</a:t>
             </a:fld>
             <a:endParaRPr lang="ko-KR" altLang="en-US"/>
           </a:p>
@@ -8775,11 +8775,7 @@
           <a:p>
             <a:r>
               <a:rPr lang="ko-KR" altLang="en-US" dirty="0" smtClean="0"/>
-              <a:t>일지 </a:t>
-            </a:r>
-            <a:r>
-              <a:rPr lang="ko-KR" altLang="en-US" dirty="0" smtClean="0"/>
-              <a:t>리스트</a:t>
+              <a:t>일지 리스트</a:t>
             </a:r>
             <a:endParaRPr lang="ko-KR" altLang="en-US" dirty="0"/>
           </a:p>
@@ -9648,11 +9644,7 @@
           <a:p>
             <a:r>
               <a:rPr lang="ko-KR" altLang="en-US" dirty="0" smtClean="0"/>
-              <a:t>일지 </a:t>
-            </a:r>
-            <a:r>
-              <a:rPr lang="ko-KR" altLang="en-US" dirty="0" smtClean="0"/>
-              <a:t>상세</a:t>
+              <a:t>일지 상세</a:t>
             </a:r>
             <a:endParaRPr lang="ko-KR" altLang="en-US" dirty="0"/>
           </a:p>

--- a/Aura UX.pptx
+++ b/Aura UX.pptx
@@ -18,6 +18,7 @@
     <p:sldId id="264" r:id="rId12"/>
     <p:sldId id="265" r:id="rId13"/>
     <p:sldId id="266" r:id="rId14"/>
+    <p:sldId id="270" r:id="rId15"/>
   </p:sldIdLst>
   <p:sldSz cx="12192000" cy="6858000"/>
   <p:notesSz cx="6858000" cy="9144000"/>
@@ -255,7 +256,7 @@
           <a:p>
             <a:fld id="{7AFA149E-3CBA-498E-A8E1-26A062342D96}" type="datetimeFigureOut">
               <a:rPr lang="ko-KR" altLang="en-US" smtClean="0"/>
-              <a:t>2020-12-06</a:t>
+              <a:t>2020-12-12</a:t>
             </a:fld>
             <a:endParaRPr lang="ko-KR" altLang="en-US"/>
           </a:p>
@@ -425,7 +426,7 @@
           <a:p>
             <a:fld id="{7AFA149E-3CBA-498E-A8E1-26A062342D96}" type="datetimeFigureOut">
               <a:rPr lang="ko-KR" altLang="en-US" smtClean="0"/>
-              <a:t>2020-12-06</a:t>
+              <a:t>2020-12-12</a:t>
             </a:fld>
             <a:endParaRPr lang="ko-KR" altLang="en-US"/>
           </a:p>
@@ -605,7 +606,7 @@
           <a:p>
             <a:fld id="{7AFA149E-3CBA-498E-A8E1-26A062342D96}" type="datetimeFigureOut">
               <a:rPr lang="ko-KR" altLang="en-US" smtClean="0"/>
-              <a:t>2020-12-06</a:t>
+              <a:t>2020-12-12</a:t>
             </a:fld>
             <a:endParaRPr lang="ko-KR" altLang="en-US"/>
           </a:p>
@@ -775,7 +776,7 @@
           <a:p>
             <a:fld id="{7AFA149E-3CBA-498E-A8E1-26A062342D96}" type="datetimeFigureOut">
               <a:rPr lang="ko-KR" altLang="en-US" smtClean="0"/>
-              <a:t>2020-12-06</a:t>
+              <a:t>2020-12-12</a:t>
             </a:fld>
             <a:endParaRPr lang="ko-KR" altLang="en-US"/>
           </a:p>
@@ -1021,7 +1022,7 @@
           <a:p>
             <a:fld id="{7AFA149E-3CBA-498E-A8E1-26A062342D96}" type="datetimeFigureOut">
               <a:rPr lang="ko-KR" altLang="en-US" smtClean="0"/>
-              <a:t>2020-12-06</a:t>
+              <a:t>2020-12-12</a:t>
             </a:fld>
             <a:endParaRPr lang="ko-KR" altLang="en-US"/>
           </a:p>
@@ -1253,7 +1254,7 @@
           <a:p>
             <a:fld id="{7AFA149E-3CBA-498E-A8E1-26A062342D96}" type="datetimeFigureOut">
               <a:rPr lang="ko-KR" altLang="en-US" smtClean="0"/>
-              <a:t>2020-12-06</a:t>
+              <a:t>2020-12-12</a:t>
             </a:fld>
             <a:endParaRPr lang="ko-KR" altLang="en-US"/>
           </a:p>
@@ -1620,7 +1621,7 @@
           <a:p>
             <a:fld id="{7AFA149E-3CBA-498E-A8E1-26A062342D96}" type="datetimeFigureOut">
               <a:rPr lang="ko-KR" altLang="en-US" smtClean="0"/>
-              <a:t>2020-12-06</a:t>
+              <a:t>2020-12-12</a:t>
             </a:fld>
             <a:endParaRPr lang="ko-KR" altLang="en-US"/>
           </a:p>
@@ -1738,7 +1739,7 @@
           <a:p>
             <a:fld id="{7AFA149E-3CBA-498E-A8E1-26A062342D96}" type="datetimeFigureOut">
               <a:rPr lang="ko-KR" altLang="en-US" smtClean="0"/>
-              <a:t>2020-12-06</a:t>
+              <a:t>2020-12-12</a:t>
             </a:fld>
             <a:endParaRPr lang="ko-KR" altLang="en-US"/>
           </a:p>
@@ -1833,7 +1834,7 @@
           <a:p>
             <a:fld id="{7AFA149E-3CBA-498E-A8E1-26A062342D96}" type="datetimeFigureOut">
               <a:rPr lang="ko-KR" altLang="en-US" smtClean="0"/>
-              <a:t>2020-12-06</a:t>
+              <a:t>2020-12-12</a:t>
             </a:fld>
             <a:endParaRPr lang="ko-KR" altLang="en-US"/>
           </a:p>
@@ -2110,7 +2111,7 @@
           <a:p>
             <a:fld id="{7AFA149E-3CBA-498E-A8E1-26A062342D96}" type="datetimeFigureOut">
               <a:rPr lang="ko-KR" altLang="en-US" smtClean="0"/>
-              <a:t>2020-12-06</a:t>
+              <a:t>2020-12-12</a:t>
             </a:fld>
             <a:endParaRPr lang="ko-KR" altLang="en-US"/>
           </a:p>
@@ -2363,7 +2364,7 @@
           <a:p>
             <a:fld id="{7AFA149E-3CBA-498E-A8E1-26A062342D96}" type="datetimeFigureOut">
               <a:rPr lang="ko-KR" altLang="en-US" smtClean="0"/>
-              <a:t>2020-12-06</a:t>
+              <a:t>2020-12-12</a:t>
             </a:fld>
             <a:endParaRPr lang="ko-KR" altLang="en-US"/>
           </a:p>
@@ -2576,7 +2577,7 @@
           <a:p>
             <a:fld id="{7AFA149E-3CBA-498E-A8E1-26A062342D96}" type="datetimeFigureOut">
               <a:rPr lang="ko-KR" altLang="en-US" smtClean="0"/>
-              <a:t>2020-12-06</a:t>
+              <a:t>2020-12-12</a:t>
             </a:fld>
             <a:endParaRPr lang="ko-KR" altLang="en-US"/>
           </a:p>
@@ -5085,6 +5086,931 @@
     <p:extLst>
       <p:ext uri="{BB962C8B-B14F-4D97-AF65-F5344CB8AC3E}">
         <p14:creationId xmlns:p14="http://schemas.microsoft.com/office/powerpoint/2010/main" val="2670437161"/>
+      </p:ext>
+    </p:extLst>
+  </p:cSld>
+  <p:clrMapOvr>
+    <a:masterClrMapping/>
+  </p:clrMapOvr>
+</p:sld>
+</file>
+
+<file path=ppt/slides/slide14.xml><?xml version="1.0" encoding="utf-8"?>
+<p:sld xmlns:a="http://schemas.openxmlformats.org/drawingml/2006/main" xmlns:r="http://schemas.openxmlformats.org/officeDocument/2006/relationships" xmlns:p="http://schemas.openxmlformats.org/presentationml/2006/main">
+  <p:cSld>
+    <p:spTree>
+      <p:nvGrpSpPr>
+        <p:cNvPr id="1" name=""/>
+        <p:cNvGrpSpPr/>
+        <p:nvPr/>
+      </p:nvGrpSpPr>
+      <p:grpSpPr>
+        <a:xfrm>
+          <a:off x="0" y="0"/>
+          <a:ext cx="0" cy="0"/>
+          <a:chOff x="0" y="0"/>
+          <a:chExt cx="0" cy="0"/>
+        </a:xfrm>
+      </p:grpSpPr>
+      <p:sp>
+        <p:nvSpPr>
+          <p:cNvPr id="11" name="TextBox 10"/>
+          <p:cNvSpPr txBox="1"/>
+          <p:nvPr/>
+        </p:nvSpPr>
+        <p:spPr>
+          <a:xfrm>
+            <a:off x="457200" y="143430"/>
+            <a:ext cx="4196080" cy="369332"/>
+          </a:xfrm>
+          <a:prstGeom prst="rect">
+            <a:avLst/>
+          </a:prstGeom>
+          <a:noFill/>
+        </p:spPr>
+        <p:txBody>
+          <a:bodyPr wrap="square" rtlCol="0">
+            <a:spAutoFit/>
+          </a:bodyPr>
+          <a:lstStyle/>
+          <a:p>
+            <a:r>
+              <a:rPr lang="ko-KR" altLang="en-US" dirty="0" smtClean="0"/>
+              <a:t>예약</a:t>
+            </a:r>
+            <a:endParaRPr lang="ko-KR" altLang="en-US" dirty="0"/>
+          </a:p>
+        </p:txBody>
+      </p:sp>
+      <p:cxnSp>
+        <p:nvCxnSpPr>
+          <p:cNvPr id="5" name="직선 연결선 4"/>
+          <p:cNvCxnSpPr/>
+          <p:nvPr/>
+        </p:nvCxnSpPr>
+        <p:spPr>
+          <a:xfrm>
+            <a:off x="0" y="612915"/>
+            <a:ext cx="12192000" cy="0"/>
+          </a:xfrm>
+          <a:prstGeom prst="line">
+            <a:avLst/>
+          </a:prstGeom>
+        </p:spPr>
+        <p:style>
+          <a:lnRef idx="1">
+            <a:schemeClr val="accent1"/>
+          </a:lnRef>
+          <a:fillRef idx="0">
+            <a:schemeClr val="accent1"/>
+          </a:fillRef>
+          <a:effectRef idx="0">
+            <a:schemeClr val="accent1"/>
+          </a:effectRef>
+          <a:fontRef idx="minor">
+            <a:schemeClr val="tx1"/>
+          </a:fontRef>
+        </p:style>
+      </p:cxnSp>
+      <p:pic>
+        <p:nvPicPr>
+          <p:cNvPr id="2" name="그림 1"/>
+          <p:cNvPicPr>
+            <a:picLocks noChangeAspect="1"/>
+          </p:cNvPicPr>
+          <p:nvPr/>
+        </p:nvPicPr>
+        <p:blipFill>
+          <a:blip r:embed="rId2"/>
+          <a:stretch>
+            <a:fillRect/>
+          </a:stretch>
+        </p:blipFill>
+        <p:spPr>
+          <a:xfrm>
+            <a:off x="247337" y="713070"/>
+            <a:ext cx="5200964" cy="4024052"/>
+          </a:xfrm>
+          <a:prstGeom prst="rect">
+            <a:avLst/>
+          </a:prstGeom>
+        </p:spPr>
+      </p:pic>
+      <p:sp>
+        <p:nvSpPr>
+          <p:cNvPr id="4" name="TextBox 3"/>
+          <p:cNvSpPr txBox="1"/>
+          <p:nvPr/>
+        </p:nvSpPr>
+        <p:spPr>
+          <a:xfrm>
+            <a:off x="5657850" y="3943372"/>
+            <a:ext cx="2666114" cy="646331"/>
+          </a:xfrm>
+          <a:prstGeom prst="rect">
+            <a:avLst/>
+          </a:prstGeom>
+          <a:noFill/>
+        </p:spPr>
+        <p:txBody>
+          <a:bodyPr wrap="none" rtlCol="0">
+            <a:spAutoFit/>
+          </a:bodyPr>
+          <a:lstStyle/>
+          <a:p>
+            <a:pPr marL="171450" indent="-171450">
+              <a:buFontTx/>
+              <a:buChar char="-"/>
+            </a:pPr>
+            <a:r>
+              <a:rPr lang="ko-KR" altLang="en-US" sz="1200" dirty="0" smtClean="0"/>
+              <a:t>이벤트 </a:t>
+            </a:r>
+            <a:r>
+              <a:rPr lang="ko-KR" altLang="en-US" sz="1200" dirty="0" err="1" smtClean="0"/>
+              <a:t>클릭시</a:t>
+            </a:r>
+            <a:r>
+              <a:rPr lang="ko-KR" altLang="en-US" sz="1200" dirty="0" smtClean="0"/>
+              <a:t> </a:t>
+            </a:r>
+            <a:r>
+              <a:rPr lang="en-US" altLang="ko-KR" sz="1200" dirty="0" smtClean="0"/>
+              <a:t>: input</a:t>
+            </a:r>
+            <a:r>
+              <a:rPr lang="ko-KR" altLang="en-US" sz="1200" dirty="0" smtClean="0"/>
+              <a:t>이랑 똑같이</a:t>
+            </a:r>
+            <a:r>
+              <a:rPr lang="en-US" altLang="ko-KR" sz="1200" dirty="0" smtClean="0"/>
+              <a:t/>
+            </a:r>
+            <a:br>
+              <a:rPr lang="en-US" altLang="ko-KR" sz="1200" dirty="0" smtClean="0"/>
+            </a:br>
+            <a:r>
+              <a:rPr lang="ko-KR" altLang="en-US" sz="1200" dirty="0" smtClean="0"/>
+              <a:t>하단에 삭제 크게</a:t>
+            </a:r>
+            <a:endParaRPr lang="en-US" altLang="ko-KR" sz="1200" dirty="0" smtClean="0"/>
+          </a:p>
+          <a:p>
+            <a:pPr marL="171450" indent="-171450">
+              <a:buFontTx/>
+              <a:buChar char="-"/>
+            </a:pPr>
+            <a:r>
+              <a:rPr lang="ko-KR" altLang="en-US" sz="1200" dirty="0" smtClean="0"/>
+              <a:t>드래그</a:t>
+            </a:r>
+            <a:r>
+              <a:rPr lang="en-US" altLang="ko-KR" sz="1200" dirty="0" smtClean="0"/>
+              <a:t>,</a:t>
+            </a:r>
+            <a:r>
+              <a:rPr lang="ko-KR" altLang="en-US" sz="1200" dirty="0" smtClean="0"/>
+              <a:t>드롭 </a:t>
+            </a:r>
+            <a:r>
+              <a:rPr lang="en-US" altLang="ko-KR" sz="1200" dirty="0" smtClean="0"/>
+              <a:t>: </a:t>
+            </a:r>
+            <a:r>
+              <a:rPr lang="ko-KR" altLang="en-US" sz="1200" dirty="0" smtClean="0"/>
+              <a:t>그대로</a:t>
+            </a:r>
+            <a:endParaRPr lang="ko-KR" altLang="en-US" sz="1200" dirty="0"/>
+          </a:p>
+        </p:txBody>
+      </p:sp>
+      <p:sp>
+        <p:nvSpPr>
+          <p:cNvPr id="6" name="TextBox 5"/>
+          <p:cNvSpPr txBox="1"/>
+          <p:nvPr/>
+        </p:nvSpPr>
+        <p:spPr>
+          <a:xfrm>
+            <a:off x="6419850" y="850289"/>
+            <a:ext cx="3473450" cy="3046988"/>
+          </a:xfrm>
+          <a:prstGeom prst="rect">
+            <a:avLst/>
+          </a:prstGeom>
+        </p:spPr>
+        <p:style>
+          <a:lnRef idx="2">
+            <a:schemeClr val="dk1"/>
+          </a:lnRef>
+          <a:fillRef idx="1">
+            <a:schemeClr val="lt1"/>
+          </a:fillRef>
+          <a:effectRef idx="0">
+            <a:schemeClr val="dk1"/>
+          </a:effectRef>
+          <a:fontRef idx="minor">
+            <a:schemeClr val="dk1"/>
+          </a:fontRef>
+        </p:style>
+        <p:txBody>
+          <a:bodyPr wrap="square" rtlCol="0">
+            <a:spAutoFit/>
+          </a:bodyPr>
+          <a:lstStyle/>
+          <a:p>
+            <a:r>
+              <a:rPr lang="en-US" altLang="ko-KR" sz="1200" dirty="0" smtClean="0"/>
+              <a:t>&lt;</a:t>
+            </a:r>
+            <a:r>
+              <a:rPr lang="ko-KR" altLang="en-US" sz="1200" dirty="0" err="1" smtClean="0"/>
+              <a:t>달력칸</a:t>
+            </a:r>
+            <a:r>
+              <a:rPr lang="ko-KR" altLang="en-US" sz="1200" dirty="0" smtClean="0"/>
+              <a:t> </a:t>
+            </a:r>
+            <a:r>
+              <a:rPr lang="ko-KR" altLang="en-US" sz="1200" dirty="0" err="1" smtClean="0"/>
+              <a:t>클릭시</a:t>
+            </a:r>
+            <a:r>
+              <a:rPr lang="en-US" altLang="ko-KR" sz="1200" dirty="0"/>
+              <a:t> </a:t>
+            </a:r>
+            <a:r>
+              <a:rPr lang="en-US" altLang="ko-KR" sz="1200" dirty="0" smtClean="0"/>
+              <a:t>: input modal popup&gt;</a:t>
+            </a:r>
+          </a:p>
+          <a:p>
+            <a:r>
+              <a:rPr lang="en-US" altLang="ko-KR" sz="1200" dirty="0" smtClean="0"/>
+              <a:t>&lt;</a:t>
+            </a:r>
+            <a:r>
+              <a:rPr lang="ko-KR" altLang="en-US" sz="1200" dirty="0" smtClean="0"/>
+              <a:t>아이폰 캘린더추가랑 똑같이</a:t>
+            </a:r>
+            <a:r>
+              <a:rPr lang="en-US" altLang="ko-KR" sz="1200" dirty="0" smtClean="0"/>
+              <a:t>&gt;</a:t>
+            </a:r>
+          </a:p>
+          <a:p>
+            <a:r>
+              <a:rPr lang="ko-KR" altLang="en-US" sz="1200" dirty="0" smtClean="0"/>
+              <a:t>제목</a:t>
+            </a:r>
+            <a:endParaRPr lang="en-US" altLang="ko-KR" sz="1200" dirty="0" smtClean="0"/>
+          </a:p>
+          <a:p>
+            <a:r>
+              <a:rPr lang="en-US" altLang="ko-KR" sz="1200" dirty="0" smtClean="0"/>
+              <a:t>------------------------------------</a:t>
+            </a:r>
+          </a:p>
+          <a:p>
+            <a:r>
+              <a:rPr lang="ko-KR" altLang="en-US" sz="1200" dirty="0" err="1" smtClean="0"/>
+              <a:t>하루종일</a:t>
+            </a:r>
+            <a:r>
+              <a:rPr lang="ko-KR" altLang="en-US" sz="1200" dirty="0" smtClean="0"/>
+              <a:t> </a:t>
+            </a:r>
+            <a:r>
+              <a:rPr lang="ko-KR" altLang="en-US" sz="1200" dirty="0" err="1" smtClean="0"/>
+              <a:t>토글바</a:t>
+            </a:r>
+            <a:r>
+              <a:rPr lang="en-US" altLang="ko-KR" sz="1200" dirty="0" smtClean="0"/>
+              <a:t>(O)</a:t>
+            </a:r>
+          </a:p>
+          <a:p>
+            <a:r>
+              <a:rPr lang="ko-KR" altLang="en-US" sz="1200" dirty="0" smtClean="0"/>
+              <a:t>시작</a:t>
+            </a:r>
+            <a:r>
+              <a:rPr lang="en-US" altLang="ko-KR" sz="1200" dirty="0" smtClean="0"/>
+              <a:t>: 2020</a:t>
+            </a:r>
+            <a:r>
+              <a:rPr lang="ko-KR" altLang="en-US" sz="1200" dirty="0" smtClean="0"/>
+              <a:t>년</a:t>
+            </a:r>
+            <a:r>
+              <a:rPr lang="en-US" altLang="ko-KR" sz="1200" dirty="0" smtClean="0"/>
+              <a:t>12</a:t>
+            </a:r>
+            <a:r>
+              <a:rPr lang="ko-KR" altLang="en-US" sz="1200" dirty="0" smtClean="0"/>
+              <a:t>월</a:t>
+            </a:r>
+            <a:r>
+              <a:rPr lang="en-US" altLang="ko-KR" sz="1200" dirty="0" smtClean="0"/>
+              <a:t>23</a:t>
+            </a:r>
+            <a:r>
+              <a:rPr lang="ko-KR" altLang="en-US" sz="1200" dirty="0" smtClean="0"/>
+              <a:t>일</a:t>
+            </a:r>
+            <a:endParaRPr lang="en-US" altLang="ko-KR" sz="1200" dirty="0" smtClean="0"/>
+          </a:p>
+          <a:p>
+            <a:r>
+              <a:rPr lang="ko-KR" altLang="en-US" sz="1200" dirty="0" smtClean="0"/>
+              <a:t>종료</a:t>
+            </a:r>
+            <a:r>
+              <a:rPr lang="en-US" altLang="ko-KR" sz="1200" dirty="0" smtClean="0"/>
+              <a:t>: 2020</a:t>
+            </a:r>
+            <a:r>
+              <a:rPr lang="ko-KR" altLang="en-US" sz="1200" dirty="0" smtClean="0"/>
+              <a:t>년</a:t>
+            </a:r>
+            <a:r>
+              <a:rPr lang="en-US" altLang="ko-KR" sz="1200" dirty="0" smtClean="0"/>
+              <a:t>12</a:t>
+            </a:r>
+            <a:r>
+              <a:rPr lang="ko-KR" altLang="en-US" sz="1200" dirty="0" smtClean="0"/>
+              <a:t>월</a:t>
+            </a:r>
+            <a:r>
+              <a:rPr lang="en-US" altLang="ko-KR" sz="1200" dirty="0" smtClean="0"/>
+              <a:t>23</a:t>
+            </a:r>
+            <a:r>
+              <a:rPr lang="ko-KR" altLang="en-US" sz="1200" dirty="0" smtClean="0"/>
+              <a:t>일</a:t>
+            </a:r>
+            <a:endParaRPr lang="en-US" altLang="ko-KR" sz="1200" dirty="0" smtClean="0"/>
+          </a:p>
+          <a:p>
+            <a:r>
+              <a:rPr lang="en-US" altLang="ko-KR" sz="1200" dirty="0" smtClean="0"/>
+              <a:t>----------------------------------------</a:t>
+            </a:r>
+          </a:p>
+          <a:p>
+            <a:r>
+              <a:rPr lang="ko-KR" altLang="en-US" sz="1200" dirty="0" err="1" smtClean="0"/>
+              <a:t>하루종일</a:t>
+            </a:r>
+            <a:r>
+              <a:rPr lang="ko-KR" altLang="en-US" sz="1200" dirty="0" smtClean="0"/>
+              <a:t> </a:t>
+            </a:r>
+            <a:r>
+              <a:rPr lang="ko-KR" altLang="en-US" sz="1200" dirty="0" err="1" smtClean="0"/>
+              <a:t>토글바</a:t>
+            </a:r>
+            <a:r>
+              <a:rPr lang="en-US" altLang="ko-KR" sz="1200" dirty="0" smtClean="0"/>
+              <a:t>(X)</a:t>
+            </a:r>
+          </a:p>
+          <a:p>
+            <a:r>
+              <a:rPr lang="ko-KR" altLang="en-US" sz="1200" dirty="0" smtClean="0"/>
+              <a:t>시작</a:t>
+            </a:r>
+            <a:r>
+              <a:rPr lang="en-US" altLang="ko-KR" sz="1200" dirty="0" smtClean="0"/>
+              <a:t>:2020.12.23 15:00</a:t>
+            </a:r>
+          </a:p>
+          <a:p>
+            <a:r>
+              <a:rPr lang="ko-KR" altLang="en-US" sz="1200" dirty="0" smtClean="0"/>
+              <a:t>종료</a:t>
+            </a:r>
+            <a:r>
+              <a:rPr lang="en-US" altLang="ko-KR" sz="1200" dirty="0" smtClean="0"/>
+              <a:t>:               16:00</a:t>
+            </a:r>
+          </a:p>
+          <a:p>
+            <a:r>
+              <a:rPr lang="en-US" altLang="ko-KR" sz="1200" dirty="0" smtClean="0"/>
+              <a:t>----------------------------------</a:t>
+            </a:r>
+          </a:p>
+          <a:p>
+            <a:r>
+              <a:rPr lang="ko-KR" altLang="en-US" sz="1200" dirty="0" smtClean="0"/>
+              <a:t>반복 </a:t>
+            </a:r>
+            <a:r>
+              <a:rPr lang="en-US" altLang="ko-KR" sz="1200" dirty="0" smtClean="0"/>
+              <a:t>: </a:t>
+            </a:r>
+            <a:r>
+              <a:rPr lang="ko-KR" altLang="en-US" sz="1200" dirty="0" smtClean="0"/>
+              <a:t>안함</a:t>
+            </a:r>
+            <a:r>
+              <a:rPr lang="en-US" altLang="ko-KR" sz="1200" dirty="0" smtClean="0"/>
+              <a:t>/</a:t>
+            </a:r>
+            <a:r>
+              <a:rPr lang="ko-KR" altLang="en-US" sz="1200" dirty="0" smtClean="0"/>
+              <a:t>매일</a:t>
+            </a:r>
+            <a:r>
+              <a:rPr lang="en-US" altLang="ko-KR" sz="1200" dirty="0" smtClean="0"/>
+              <a:t>/</a:t>
+            </a:r>
+            <a:r>
+              <a:rPr lang="ko-KR" altLang="en-US" sz="1200" dirty="0" smtClean="0"/>
+              <a:t>매주</a:t>
+            </a:r>
+            <a:r>
+              <a:rPr lang="en-US" altLang="ko-KR" sz="1200" dirty="0" smtClean="0"/>
+              <a:t>/2</a:t>
+            </a:r>
+            <a:r>
+              <a:rPr lang="ko-KR" altLang="en-US" sz="1200" dirty="0" smtClean="0"/>
+              <a:t>주마다</a:t>
+            </a:r>
+            <a:r>
+              <a:rPr lang="en-US" altLang="ko-KR" sz="1200" dirty="0" smtClean="0"/>
+              <a:t>/</a:t>
+            </a:r>
+            <a:r>
+              <a:rPr lang="ko-KR" altLang="en-US" sz="1200" dirty="0" smtClean="0"/>
+              <a:t>매월</a:t>
+            </a:r>
+            <a:r>
+              <a:rPr lang="en-US" altLang="ko-KR" sz="1200" dirty="0" smtClean="0"/>
+              <a:t>/</a:t>
+            </a:r>
+            <a:r>
+              <a:rPr lang="ko-KR" altLang="en-US" sz="1200" dirty="0" smtClean="0"/>
+              <a:t>매년 </a:t>
+            </a:r>
+            <a:r>
+              <a:rPr lang="en-US" altLang="ko-KR" sz="1200" dirty="0" smtClean="0"/>
+              <a:t>(</a:t>
+            </a:r>
+            <a:r>
+              <a:rPr lang="en-US" altLang="ko-KR" sz="1200" dirty="0" err="1" smtClean="0"/>
+              <a:t>fullcalendar</a:t>
+            </a:r>
+            <a:r>
+              <a:rPr lang="en-US" altLang="ko-KR" sz="1200" dirty="0" smtClean="0"/>
+              <a:t> </a:t>
+            </a:r>
+            <a:r>
+              <a:rPr lang="ko-KR" altLang="en-US" sz="1200" dirty="0" smtClean="0"/>
+              <a:t>라이브러리</a:t>
+            </a:r>
+            <a:r>
+              <a:rPr lang="en-US" altLang="ko-KR" sz="1200" dirty="0" smtClean="0"/>
+              <a:t>)</a:t>
+            </a:r>
+          </a:p>
+          <a:p>
+            <a:r>
+              <a:rPr lang="en-US" altLang="ko-KR" sz="1200" dirty="0" smtClean="0"/>
+              <a:t>------------------------------</a:t>
+            </a:r>
+          </a:p>
+          <a:p>
+            <a:r>
+              <a:rPr lang="ko-KR" altLang="en-US" sz="1200" dirty="0" smtClean="0"/>
+              <a:t>메모</a:t>
+            </a:r>
+            <a:endParaRPr lang="en-US" altLang="ko-KR" sz="1200" dirty="0"/>
+          </a:p>
+        </p:txBody>
+      </p:sp>
+      <p:sp>
+        <p:nvSpPr>
+          <p:cNvPr id="9" name="TextBox 8"/>
+          <p:cNvSpPr txBox="1"/>
+          <p:nvPr/>
+        </p:nvSpPr>
+        <p:spPr>
+          <a:xfrm>
+            <a:off x="368300" y="4953022"/>
+            <a:ext cx="6031138" cy="1015663"/>
+          </a:xfrm>
+          <a:prstGeom prst="rect">
+            <a:avLst/>
+          </a:prstGeom>
+          <a:noFill/>
+        </p:spPr>
+        <p:txBody>
+          <a:bodyPr wrap="none" rtlCol="0">
+            <a:spAutoFit/>
+          </a:bodyPr>
+          <a:lstStyle/>
+          <a:p>
+            <a:pPr marL="171450" indent="-171450">
+              <a:buFontTx/>
+              <a:buChar char="-"/>
+            </a:pPr>
+            <a:r>
+              <a:rPr lang="en-US" altLang="ko-KR" sz="1200" dirty="0" err="1" smtClean="0"/>
+              <a:t>readSchedule</a:t>
+            </a:r>
+            <a:r>
+              <a:rPr lang="en-US" altLang="ko-KR" sz="1200" dirty="0" smtClean="0"/>
+              <a:t> </a:t>
+            </a:r>
+            <a:r>
+              <a:rPr lang="ko-KR" altLang="en-US" sz="1200" dirty="0" smtClean="0"/>
+              <a:t>함수 </a:t>
+            </a:r>
+            <a:r>
+              <a:rPr lang="en-US" altLang="ko-KR" sz="1200" dirty="0" smtClean="0"/>
+              <a:t>:</a:t>
+            </a:r>
+            <a:br>
+              <a:rPr lang="en-US" altLang="ko-KR" sz="1200" dirty="0" smtClean="0"/>
+            </a:br>
+            <a:r>
+              <a:rPr lang="en-US" altLang="ko-KR" sz="1200" dirty="0" smtClean="0"/>
+              <a:t>events </a:t>
+            </a:r>
+            <a:r>
+              <a:rPr lang="ko-KR" altLang="en-US" sz="1200" dirty="0" smtClean="0"/>
+              <a:t>형태로 저장된 </a:t>
+            </a:r>
+            <a:r>
+              <a:rPr lang="en-US" altLang="ko-KR" sz="1200" dirty="0" err="1" smtClean="0"/>
+              <a:t>json</a:t>
+            </a:r>
+            <a:r>
+              <a:rPr lang="en-US" altLang="ko-KR" sz="1200" dirty="0" smtClean="0"/>
+              <a:t> </a:t>
+            </a:r>
+            <a:r>
+              <a:rPr lang="ko-KR" altLang="en-US" sz="1200" dirty="0" smtClean="0"/>
+              <a:t>리스트 </a:t>
+            </a:r>
+            <a:r>
+              <a:rPr lang="ko-KR" altLang="en-US" sz="1200" dirty="0" err="1" smtClean="0"/>
+              <a:t>갖고와서</a:t>
+            </a:r>
+            <a:r>
+              <a:rPr lang="ko-KR" altLang="en-US" sz="1200" dirty="0" smtClean="0"/>
+              <a:t> </a:t>
+            </a:r>
+            <a:r>
+              <a:rPr lang="en-US" altLang="ko-KR" sz="1200" dirty="0" err="1" smtClean="0"/>
+              <a:t>fullcalendar</a:t>
+            </a:r>
+            <a:r>
+              <a:rPr lang="en-US" altLang="ko-KR" sz="1200" dirty="0" smtClean="0"/>
+              <a:t> </a:t>
+            </a:r>
+            <a:r>
+              <a:rPr lang="ko-KR" altLang="en-US" sz="1200" dirty="0" smtClean="0"/>
+              <a:t>뿌림</a:t>
+            </a:r>
+            <a:r>
+              <a:rPr lang="en-US" altLang="ko-KR" sz="1200" dirty="0" smtClean="0"/>
+              <a:t> </a:t>
+            </a:r>
+            <a:br>
+              <a:rPr lang="en-US" altLang="ko-KR" sz="1200" dirty="0" smtClean="0"/>
+            </a:br>
+            <a:r>
+              <a:rPr lang="en-US" altLang="ko-KR" sz="1200" dirty="0" smtClean="0"/>
+              <a:t>(</a:t>
+            </a:r>
+            <a:r>
+              <a:rPr lang="ko-KR" altLang="en-US" sz="1200" dirty="0" smtClean="0"/>
+              <a:t>각 객체에 </a:t>
+            </a:r>
+            <a:r>
+              <a:rPr lang="en-US" altLang="ko-KR" sz="1200" dirty="0" smtClean="0"/>
+              <a:t>id</a:t>
+            </a:r>
+            <a:r>
+              <a:rPr lang="ko-KR" altLang="en-US" sz="1200" dirty="0" smtClean="0"/>
+              <a:t>저장</a:t>
+            </a:r>
+            <a:r>
+              <a:rPr lang="en-US" altLang="ko-KR" sz="1200" dirty="0" smtClean="0"/>
+              <a:t>)</a:t>
+            </a:r>
+          </a:p>
+          <a:p>
+            <a:pPr marL="171450" indent="-171450">
+              <a:buFontTx/>
+              <a:buChar char="-"/>
+            </a:pPr>
+            <a:r>
+              <a:rPr lang="en-US" altLang="ko-KR" sz="1200" dirty="0" err="1" smtClean="0"/>
+              <a:t>updateSchedule</a:t>
+            </a:r>
+            <a:r>
+              <a:rPr lang="en-US" altLang="ko-KR" sz="1200" dirty="0" smtClean="0"/>
+              <a:t> : id</a:t>
+            </a:r>
+            <a:r>
+              <a:rPr lang="ko-KR" altLang="en-US" sz="1200" dirty="0" smtClean="0"/>
+              <a:t>로 업데이트만 </a:t>
+            </a:r>
+            <a:r>
+              <a:rPr lang="ko-KR" altLang="en-US" sz="1200" dirty="0" err="1" smtClean="0"/>
+              <a:t>하면됨</a:t>
+            </a:r>
+            <a:r>
+              <a:rPr lang="ko-KR" altLang="en-US" sz="1200" dirty="0" smtClean="0"/>
+              <a:t> </a:t>
+            </a:r>
+            <a:r>
+              <a:rPr lang="en-US" altLang="ko-KR" sz="1200" dirty="0" smtClean="0"/>
+              <a:t>-&gt; </a:t>
+            </a:r>
+            <a:r>
+              <a:rPr lang="ko-KR" altLang="en-US" sz="1200" dirty="0" smtClean="0"/>
+              <a:t>나중에 </a:t>
+            </a:r>
+            <a:r>
+              <a:rPr lang="en-US" altLang="ko-KR" sz="1200" dirty="0" err="1" smtClean="0"/>
+              <a:t>fullcalendar</a:t>
+            </a:r>
+            <a:r>
+              <a:rPr lang="en-US" altLang="ko-KR" sz="1200" dirty="0" smtClean="0"/>
+              <a:t> </a:t>
+            </a:r>
+            <a:r>
+              <a:rPr lang="ko-KR" altLang="en-US" sz="1200" dirty="0" smtClean="0"/>
+              <a:t>그대로 </a:t>
+            </a:r>
+            <a:r>
+              <a:rPr lang="ko-KR" altLang="en-US" sz="1200" dirty="0" err="1" smtClean="0"/>
+              <a:t>뿌리면됨</a:t>
+            </a:r>
+            <a:r>
+              <a:rPr lang="en-US" altLang="ko-KR" sz="1200" dirty="0" smtClean="0"/>
+              <a:t/>
+            </a:r>
+            <a:br>
+              <a:rPr lang="en-US" altLang="ko-KR" sz="1200" dirty="0" smtClean="0"/>
+            </a:br>
+            <a:r>
+              <a:rPr lang="ko-KR" altLang="en-US" sz="1200" dirty="0" smtClean="0"/>
+              <a:t>클릭업데이트 </a:t>
+            </a:r>
+            <a:r>
+              <a:rPr lang="en-US" altLang="ko-KR" sz="1200" dirty="0" smtClean="0"/>
+              <a:t>/ </a:t>
+            </a:r>
+            <a:r>
+              <a:rPr lang="ko-KR" altLang="en-US" sz="1200" dirty="0" err="1" smtClean="0"/>
+              <a:t>드래그시</a:t>
+            </a:r>
+            <a:r>
+              <a:rPr lang="ko-KR" altLang="en-US" sz="1200" dirty="0" smtClean="0"/>
+              <a:t> 수행</a:t>
+            </a:r>
+            <a:endParaRPr lang="en-US" altLang="ko-KR" sz="1200" dirty="0"/>
+          </a:p>
+        </p:txBody>
+      </p:sp>
+      <p:sp>
+        <p:nvSpPr>
+          <p:cNvPr id="10" name="직사각형 9"/>
+          <p:cNvSpPr/>
+          <p:nvPr/>
+        </p:nvSpPr>
+        <p:spPr>
+          <a:xfrm>
+            <a:off x="6597650" y="4953022"/>
+            <a:ext cx="5187950" cy="2400657"/>
+          </a:xfrm>
+          <a:prstGeom prst="rect">
+            <a:avLst/>
+          </a:prstGeom>
+        </p:spPr>
+        <p:txBody>
+          <a:bodyPr wrap="square">
+            <a:spAutoFit/>
+          </a:bodyPr>
+          <a:lstStyle/>
+          <a:p>
+            <a:r>
+              <a:rPr lang="ko-KR" altLang="en-US" sz="1000" dirty="0" err="1"/>
+              <a:t>events</a:t>
+            </a:r>
+            <a:r>
+              <a:rPr lang="ko-KR" altLang="en-US" sz="1000" dirty="0"/>
+              <a:t>: [</a:t>
+            </a:r>
+          </a:p>
+          <a:p>
+            <a:r>
+              <a:rPr lang="ko-KR" altLang="en-US" sz="1000" dirty="0"/>
+              <a:t>        {</a:t>
+            </a:r>
+          </a:p>
+          <a:p>
+            <a:r>
+              <a:rPr lang="ko-KR" altLang="en-US" sz="1000" dirty="0"/>
+              <a:t>          </a:t>
+            </a:r>
+            <a:r>
+              <a:rPr lang="ko-KR" altLang="en-US" sz="1000" dirty="0" err="1"/>
+              <a:t>title</a:t>
+            </a:r>
+            <a:r>
+              <a:rPr lang="ko-KR" altLang="en-US" sz="1000" dirty="0"/>
+              <a:t>: 'All </a:t>
+            </a:r>
+            <a:r>
+              <a:rPr lang="ko-KR" altLang="en-US" sz="1000" dirty="0" err="1"/>
+              <a:t>Day</a:t>
+            </a:r>
+            <a:r>
+              <a:rPr lang="ko-KR" altLang="en-US" sz="1000" dirty="0"/>
+              <a:t> </a:t>
+            </a:r>
+            <a:r>
+              <a:rPr lang="ko-KR" altLang="en-US" sz="1000" dirty="0" err="1"/>
+              <a:t>Event</a:t>
+            </a:r>
+            <a:r>
+              <a:rPr lang="ko-KR" altLang="en-US" sz="1000" dirty="0"/>
+              <a:t>',</a:t>
+            </a:r>
+          </a:p>
+          <a:p>
+            <a:r>
+              <a:rPr lang="ko-KR" altLang="en-US" sz="1000" dirty="0"/>
+              <a:t>          </a:t>
+            </a:r>
+            <a:r>
+              <a:rPr lang="ko-KR" altLang="en-US" sz="1000" dirty="0" err="1"/>
+              <a:t>start</a:t>
+            </a:r>
+            <a:r>
+              <a:rPr lang="ko-KR" altLang="en-US" sz="1000" dirty="0"/>
+              <a:t>: '2020-09-01'</a:t>
+            </a:r>
+          </a:p>
+          <a:p>
+            <a:r>
+              <a:rPr lang="ko-KR" altLang="en-US" sz="1000" dirty="0"/>
+              <a:t>        },</a:t>
+            </a:r>
+          </a:p>
+          <a:p>
+            <a:r>
+              <a:rPr lang="ko-KR" altLang="en-US" sz="1000" dirty="0"/>
+              <a:t>        {</a:t>
+            </a:r>
+          </a:p>
+          <a:p>
+            <a:r>
+              <a:rPr lang="ko-KR" altLang="en-US" sz="1000" dirty="0"/>
+              <a:t>          </a:t>
+            </a:r>
+            <a:r>
+              <a:rPr lang="ko-KR" altLang="en-US" sz="1000" dirty="0" err="1"/>
+              <a:t>title</a:t>
+            </a:r>
+            <a:r>
+              <a:rPr lang="ko-KR" altLang="en-US" sz="1000" dirty="0"/>
+              <a:t>: '</a:t>
+            </a:r>
+            <a:r>
+              <a:rPr lang="ko-KR" altLang="en-US" sz="1000" dirty="0" err="1"/>
+              <a:t>Long</a:t>
+            </a:r>
+            <a:r>
+              <a:rPr lang="ko-KR" altLang="en-US" sz="1000" dirty="0"/>
+              <a:t> </a:t>
+            </a:r>
+            <a:r>
+              <a:rPr lang="ko-KR" altLang="en-US" sz="1000" dirty="0" err="1"/>
+              <a:t>Event</a:t>
+            </a:r>
+            <a:r>
+              <a:rPr lang="ko-KR" altLang="en-US" sz="1000" dirty="0"/>
+              <a:t>',</a:t>
+            </a:r>
+          </a:p>
+          <a:p>
+            <a:r>
+              <a:rPr lang="ko-KR" altLang="en-US" sz="1000" dirty="0"/>
+              <a:t>          </a:t>
+            </a:r>
+            <a:r>
+              <a:rPr lang="ko-KR" altLang="en-US" sz="1000" dirty="0" err="1"/>
+              <a:t>start</a:t>
+            </a:r>
+            <a:r>
+              <a:rPr lang="ko-KR" altLang="en-US" sz="1000" dirty="0"/>
+              <a:t>: '2020-09-07',</a:t>
+            </a:r>
+          </a:p>
+          <a:p>
+            <a:r>
+              <a:rPr lang="ko-KR" altLang="en-US" sz="1000" dirty="0"/>
+              <a:t>          </a:t>
+            </a:r>
+            <a:r>
+              <a:rPr lang="ko-KR" altLang="en-US" sz="1000" dirty="0" err="1"/>
+              <a:t>end</a:t>
+            </a:r>
+            <a:r>
+              <a:rPr lang="ko-KR" altLang="en-US" sz="1000" dirty="0"/>
+              <a:t>: '2020-09-10'</a:t>
+            </a:r>
+          </a:p>
+          <a:p>
+            <a:r>
+              <a:rPr lang="ko-KR" altLang="en-US" sz="1000" dirty="0"/>
+              <a:t>        },</a:t>
+            </a:r>
+          </a:p>
+          <a:p>
+            <a:r>
+              <a:rPr lang="ko-KR" altLang="en-US" sz="1000" dirty="0"/>
+              <a:t>        {</a:t>
+            </a:r>
+          </a:p>
+          <a:p>
+            <a:r>
+              <a:rPr lang="ko-KR" altLang="en-US" sz="1000" dirty="0"/>
+              <a:t>          </a:t>
+            </a:r>
+            <a:r>
+              <a:rPr lang="ko-KR" altLang="en-US" sz="1000" dirty="0" err="1"/>
+              <a:t>groupId</a:t>
+            </a:r>
+            <a:r>
+              <a:rPr lang="ko-KR" altLang="en-US" sz="1000" dirty="0"/>
+              <a:t>: 999,</a:t>
+            </a:r>
+          </a:p>
+          <a:p>
+            <a:r>
+              <a:rPr lang="ko-KR" altLang="en-US" sz="1000" dirty="0"/>
+              <a:t>          </a:t>
+            </a:r>
+            <a:r>
+              <a:rPr lang="ko-KR" altLang="en-US" sz="1000" dirty="0" err="1"/>
+              <a:t>title</a:t>
+            </a:r>
+            <a:r>
+              <a:rPr lang="ko-KR" altLang="en-US" sz="1000" dirty="0"/>
+              <a:t>: '</a:t>
+            </a:r>
+            <a:r>
+              <a:rPr lang="ko-KR" altLang="en-US" sz="1000" dirty="0" err="1"/>
+              <a:t>Repeating</a:t>
+            </a:r>
+            <a:r>
+              <a:rPr lang="ko-KR" altLang="en-US" sz="1000" dirty="0"/>
+              <a:t> </a:t>
+            </a:r>
+            <a:r>
+              <a:rPr lang="ko-KR" altLang="en-US" sz="1000" dirty="0" err="1"/>
+              <a:t>Event</a:t>
+            </a:r>
+            <a:r>
+              <a:rPr lang="ko-KR" altLang="en-US" sz="1000" dirty="0"/>
+              <a:t>',</a:t>
+            </a:r>
+          </a:p>
+          <a:p>
+            <a:r>
+              <a:rPr lang="ko-KR" altLang="en-US" sz="1000" dirty="0"/>
+              <a:t>          </a:t>
+            </a:r>
+            <a:r>
+              <a:rPr lang="ko-KR" altLang="en-US" sz="1000" dirty="0" err="1"/>
+              <a:t>start</a:t>
+            </a:r>
+            <a:r>
+              <a:rPr lang="ko-KR" altLang="en-US" sz="1000" dirty="0"/>
+              <a:t>: '2020-09-09T16:00:00'</a:t>
+            </a:r>
+          </a:p>
+          <a:p>
+            <a:r>
+              <a:rPr lang="ko-KR" altLang="en-US" sz="1000" dirty="0"/>
+              <a:t>        },</a:t>
+            </a:r>
+          </a:p>
+        </p:txBody>
+      </p:sp>
+    </p:spTree>
+    <p:extLst>
+      <p:ext uri="{BB962C8B-B14F-4D97-AF65-F5344CB8AC3E}">
+        <p14:creationId xmlns:p14="http://schemas.microsoft.com/office/powerpoint/2010/main" val="2014948727"/>
       </p:ext>
     </p:extLst>
   </p:cSld>
